--- a/SecureGroup/documentation/SECURE GROUP COMMUNICATION.pptx
+++ b/SecureGroup/documentation/SECURE GROUP COMMUNICATION.pptx
@@ -5,7 +5,7 @@
     <p:sldMasterId id="2147483648" r:id="rId1"/>
   </p:sldMasterIdLst>
   <p:notesMasterIdLst>
-    <p:notesMasterId r:id="rId10"/>
+    <p:notesMasterId r:id="rId20"/>
   </p:notesMasterIdLst>
   <p:sldIdLst>
     <p:sldId id="256" r:id="rId2"/>
@@ -16,6 +16,16 @@
     <p:sldId id="262" r:id="rId7"/>
     <p:sldId id="257" r:id="rId8"/>
     <p:sldId id="258" r:id="rId9"/>
+    <p:sldId id="264" r:id="rId10"/>
+    <p:sldId id="265" r:id="rId11"/>
+    <p:sldId id="266" r:id="rId12"/>
+    <p:sldId id="267" r:id="rId13"/>
+    <p:sldId id="268" r:id="rId14"/>
+    <p:sldId id="269" r:id="rId15"/>
+    <p:sldId id="270" r:id="rId16"/>
+    <p:sldId id="271" r:id="rId17"/>
+    <p:sldId id="272" r:id="rId18"/>
+    <p:sldId id="273" r:id="rId19"/>
   </p:sldIdLst>
   <p:sldSz cx="12192000" cy="6858000"/>
   <p:notesSz cx="6858000" cy="9144000"/>
@@ -216,7 +226,7 @@
           <a:p>
             <a:fld id="{A7E1E287-44C1-44AE-B703-C29C909DB65D}" type="datetimeFigureOut">
               <a:rPr lang="en-GB" smtClean="0"/>
-              <a:t>17/02/2015</a:t>
+              <a:t>06/03/2015</a:t>
             </a:fld>
             <a:endParaRPr lang="en-GB"/>
           </a:p>
@@ -699,7 +709,7 @@
           <a:p>
             <a:fld id="{C764DE79-268F-4C1A-8933-263129D2AF90}" type="datetimeFigureOut">
               <a:rPr lang="en-US" dirty="0"/>
-              <a:t>2/17/2015</a:t>
+              <a:t>3/6/2015</a:t>
             </a:fld>
             <a:endParaRPr lang="en-US" dirty="0"/>
           </a:p>
@@ -864,7 +874,7 @@
           <a:p>
             <a:fld id="{C764DE79-268F-4C1A-8933-263129D2AF90}" type="datetimeFigureOut">
               <a:rPr lang="en-US" dirty="0"/>
-              <a:t>2/17/2015</a:t>
+              <a:t>3/6/2015</a:t>
             </a:fld>
             <a:endParaRPr lang="en-US" dirty="0"/>
           </a:p>
@@ -1039,7 +1049,7 @@
           <a:p>
             <a:fld id="{C764DE79-268F-4C1A-8933-263129D2AF90}" type="datetimeFigureOut">
               <a:rPr lang="en-US" dirty="0"/>
-              <a:t>2/17/2015</a:t>
+              <a:t>3/6/2015</a:t>
             </a:fld>
             <a:endParaRPr lang="en-US" dirty="0"/>
           </a:p>
@@ -1204,7 +1214,7 @@
           <a:p>
             <a:fld id="{C764DE79-268F-4C1A-8933-263129D2AF90}" type="datetimeFigureOut">
               <a:rPr lang="en-US" dirty="0"/>
-              <a:t>2/17/2015</a:t>
+              <a:t>3/6/2015</a:t>
             </a:fld>
             <a:endParaRPr lang="en-US" dirty="0"/>
           </a:p>
@@ -1445,7 +1455,7 @@
           <a:p>
             <a:fld id="{C764DE79-268F-4C1A-8933-263129D2AF90}" type="datetimeFigureOut">
               <a:rPr lang="en-US" dirty="0"/>
-              <a:t>2/17/2015</a:t>
+              <a:t>3/6/2015</a:t>
             </a:fld>
             <a:endParaRPr lang="en-US" dirty="0"/>
           </a:p>
@@ -1672,7 +1682,7 @@
           <a:p>
             <a:fld id="{C764DE79-268F-4C1A-8933-263129D2AF90}" type="datetimeFigureOut">
               <a:rPr lang="en-US" dirty="0"/>
-              <a:t>2/17/2015</a:t>
+              <a:t>3/6/2015</a:t>
             </a:fld>
             <a:endParaRPr lang="en-US" dirty="0"/>
           </a:p>
@@ -2034,7 +2044,7 @@
           <a:p>
             <a:fld id="{C764DE79-268F-4C1A-8933-263129D2AF90}" type="datetimeFigureOut">
               <a:rPr lang="en-US" dirty="0"/>
-              <a:t>2/17/2015</a:t>
+              <a:t>3/6/2015</a:t>
             </a:fld>
             <a:endParaRPr lang="en-US" dirty="0"/>
           </a:p>
@@ -2147,7 +2157,7 @@
           <a:p>
             <a:fld id="{C764DE79-268F-4C1A-8933-263129D2AF90}" type="datetimeFigureOut">
               <a:rPr lang="en-US" dirty="0"/>
-              <a:t>2/17/2015</a:t>
+              <a:t>3/6/2015</a:t>
             </a:fld>
             <a:endParaRPr lang="en-US" dirty="0"/>
           </a:p>
@@ -2237,7 +2247,7 @@
           <a:p>
             <a:fld id="{C764DE79-268F-4C1A-8933-263129D2AF90}" type="datetimeFigureOut">
               <a:rPr lang="en-US" dirty="0"/>
-              <a:t>2/17/2015</a:t>
+              <a:t>3/6/2015</a:t>
             </a:fld>
             <a:endParaRPr lang="en-US" dirty="0"/>
           </a:p>
@@ -2509,7 +2519,7 @@
           <a:p>
             <a:fld id="{C764DE79-268F-4C1A-8933-263129D2AF90}" type="datetimeFigureOut">
               <a:rPr lang="en-US" dirty="0"/>
-              <a:t>2/17/2015</a:t>
+              <a:t>3/6/2015</a:t>
             </a:fld>
             <a:endParaRPr lang="en-US" dirty="0"/>
           </a:p>
@@ -2761,7 +2771,7 @@
           <a:p>
             <a:fld id="{C764DE79-268F-4C1A-8933-263129D2AF90}" type="datetimeFigureOut">
               <a:rPr lang="en-US" dirty="0"/>
-              <a:t>2/17/2015</a:t>
+              <a:t>3/6/2015</a:t>
             </a:fld>
             <a:endParaRPr lang="en-US" dirty="0"/>
           </a:p>
@@ -2969,7 +2979,7 @@
           <a:p>
             <a:fld id="{C764DE79-268F-4C1A-8933-263129D2AF90}" type="datetimeFigureOut">
               <a:rPr lang="en-US" dirty="0"/>
-              <a:t>2/17/2015</a:t>
+              <a:t>3/6/2015</a:t>
             </a:fld>
             <a:endParaRPr lang="en-US" dirty="0"/>
           </a:p>
@@ -3475,11 +3485,19 @@
           <a:p>
             <a:pPr algn="r"/>
             <a:r>
-              <a:rPr lang="it-IT" sz="3300" i="1" dirty="0" err="1" smtClean="0"/>
+              <a:rPr lang="it-IT" sz="3300" i="1" dirty="0" err="1" smtClean="0">
+                <a:solidFill>
+                  <a:srgbClr val="0070C0"/>
+                </a:solidFill>
+              </a:rPr>
               <a:t>Authors</a:t>
             </a:r>
             <a:r>
-              <a:rPr lang="it-IT" sz="3300" i="1" dirty="0" smtClean="0"/>
+              <a:rPr lang="it-IT" sz="3300" i="1" dirty="0" smtClean="0">
+                <a:solidFill>
+                  <a:srgbClr val="0070C0"/>
+                </a:solidFill>
+              </a:rPr>
               <a:t>: </a:t>
             </a:r>
           </a:p>
@@ -3487,6 +3505,9 @@
             <a:pPr algn="r"/>
             <a:r>
               <a:rPr lang="it-IT" sz="3300" i="1" dirty="0" smtClean="0">
+                <a:solidFill>
+                  <a:srgbClr val="0070C0"/>
+                </a:solidFill>
                 <a:latin typeface="Monotype Corsiva" panose="03010101010201010101" pitchFamily="66" charset="0"/>
               </a:rPr>
               <a:t>Brusamento Mattia </a:t>
@@ -3496,6 +3517,9 @@
             <a:pPr algn="r"/>
             <a:r>
               <a:rPr lang="it-IT" sz="3300" i="1" dirty="0" smtClean="0">
+                <a:solidFill>
+                  <a:srgbClr val="0070C0"/>
+                </a:solidFill>
                 <a:latin typeface="Monotype Corsiva" panose="03010101010201010101" pitchFamily="66" charset="0"/>
               </a:rPr>
               <a:t>Ceruti Federico Maria</a:t>
@@ -3505,11 +3529,17 @@
             <a:pPr algn="r"/>
             <a:r>
               <a:rPr lang="it-IT" sz="3300" i="1" dirty="0" smtClean="0">
+                <a:solidFill>
+                  <a:srgbClr val="0070C0"/>
+                </a:solidFill>
                 <a:latin typeface="Monotype Corsiva" panose="03010101010201010101" pitchFamily="66" charset="0"/>
               </a:rPr>
               <a:t>Donetti Gianmarco</a:t>
             </a:r>
             <a:endParaRPr lang="it-IT" sz="3300" i="1" dirty="0">
+              <a:solidFill>
+                <a:srgbClr val="0070C0"/>
+              </a:solidFill>
               <a:latin typeface="Monotype Corsiva" panose="03010101010201010101" pitchFamily="66" charset="0"/>
             </a:endParaRPr>
           </a:p>
@@ -3531,6 +3561,7563 @@
         <p:cTn id="1" dur="indefinite" restart="never" nodeType="tmRoot"/>
       </p:par>
     </p:tnLst>
+  </p:timing>
+</p:sld>
+</file>
+
+<file path=ppt/slides/slide10.xml><?xml version="1.0" encoding="utf-8"?>
+<p:sld xmlns:a="http://schemas.openxmlformats.org/drawingml/2006/main" xmlns:r="http://schemas.openxmlformats.org/officeDocument/2006/relationships" xmlns:p="http://schemas.openxmlformats.org/presentationml/2006/main">
+  <p:cSld>
+    <p:spTree>
+      <p:nvGrpSpPr>
+        <p:cNvPr id="1" name=""/>
+        <p:cNvGrpSpPr/>
+        <p:nvPr/>
+      </p:nvGrpSpPr>
+      <p:grpSpPr>
+        <a:xfrm>
+          <a:off x="0" y="0"/>
+          <a:ext cx="0" cy="0"/>
+          <a:chOff x="0" y="0"/>
+          <a:chExt cx="0" cy="0"/>
+        </a:xfrm>
+      </p:grpSpPr>
+      <p:sp>
+        <p:nvSpPr>
+          <p:cNvPr id="2" name="Titolo 1"/>
+          <p:cNvSpPr>
+            <a:spLocks noGrp="1"/>
+          </p:cNvSpPr>
+          <p:nvPr>
+            <p:ph type="title"/>
+          </p:nvPr>
+        </p:nvSpPr>
+        <p:spPr/>
+        <p:txBody>
+          <a:bodyPr>
+            <a:normAutofit/>
+          </a:bodyPr>
+          <a:lstStyle/>
+          <a:p>
+            <a:r>
+              <a:rPr lang="en-GB" sz="6000" b="1" dirty="0" smtClean="0">
+                <a:solidFill>
+                  <a:schemeClr val="accent6"/>
+                </a:solidFill>
+              </a:rPr>
+              <a:t>PROTOCOL - JOINING</a:t>
+            </a:r>
+            <a:endParaRPr lang="en-GB" sz="6000" b="1" dirty="0">
+              <a:solidFill>
+                <a:schemeClr val="accent6"/>
+              </a:solidFill>
+            </a:endParaRPr>
+          </a:p>
+        </p:txBody>
+      </p:sp>
+      <p:sp>
+        <p:nvSpPr>
+          <p:cNvPr id="3" name="CasellaDiTesto 2"/>
+          <p:cNvSpPr txBox="1"/>
+          <p:nvPr/>
+        </p:nvSpPr>
+        <p:spPr>
+          <a:xfrm>
+            <a:off x="838200" y="1690688"/>
+            <a:ext cx="8872470" cy="4247317"/>
+          </a:xfrm>
+          <a:prstGeom prst="rect">
+            <a:avLst/>
+          </a:prstGeom>
+          <a:noFill/>
+        </p:spPr>
+        <p:txBody>
+          <a:bodyPr wrap="square" rtlCol="0">
+            <a:spAutoFit/>
+          </a:bodyPr>
+          <a:lstStyle/>
+          <a:p>
+            <a:r>
+              <a:rPr lang="en-GB" dirty="0" smtClean="0"/>
+              <a:t>Let’s briefly describe the sequence of exchanged messages during a </a:t>
+            </a:r>
+            <a:r>
+              <a:rPr lang="en-GB" b="1" u="sng" dirty="0" smtClean="0"/>
+              <a:t>joining operation</a:t>
+            </a:r>
+            <a:r>
+              <a:rPr lang="en-GB" dirty="0" smtClean="0"/>
+              <a:t>.</a:t>
+            </a:r>
+          </a:p>
+          <a:p>
+            <a:endParaRPr lang="en-GB" dirty="0"/>
+          </a:p>
+          <a:p>
+            <a:pPr marL="800100" lvl="1" indent="-342900">
+              <a:buFont typeface="+mj-lt"/>
+              <a:buAutoNum type="arabicPeriod"/>
+            </a:pPr>
+            <a:r>
+              <a:rPr lang="en-GB" dirty="0" smtClean="0"/>
+              <a:t>A new member sends a </a:t>
+            </a:r>
+            <a:r>
+              <a:rPr lang="en-GB" b="1" u="sng" dirty="0" smtClean="0"/>
+              <a:t>JOIN REQUEST </a:t>
+            </a:r>
+            <a:r>
+              <a:rPr lang="en-GB" dirty="0" smtClean="0"/>
+              <a:t>to the server, which already contains his Public Key.</a:t>
+            </a:r>
+          </a:p>
+          <a:p>
+            <a:pPr marL="800100" lvl="1" indent="-342900">
+              <a:buFont typeface="+mj-lt"/>
+              <a:buAutoNum type="arabicPeriod"/>
+            </a:pPr>
+            <a:endParaRPr lang="en-GB" dirty="0" smtClean="0"/>
+          </a:p>
+          <a:p>
+            <a:pPr marL="800100" lvl="1" indent="-342900">
+              <a:buFont typeface="+mj-lt"/>
+              <a:buAutoNum type="arabicPeriod"/>
+            </a:pPr>
+            <a:r>
+              <a:rPr lang="en-GB" dirty="0" smtClean="0"/>
+              <a:t>The server evaluates the request and either REFUSE it or starts the joining protocol sending a “</a:t>
+            </a:r>
+            <a:r>
+              <a:rPr lang="en-GB" b="1" u="sng" dirty="0" smtClean="0"/>
+              <a:t>SOMEONE IS JOINING</a:t>
+            </a:r>
+            <a:r>
+              <a:rPr lang="en-GB" dirty="0" smtClean="0"/>
+              <a:t>” message to all the other members. This message already contains the new generated and encrypted keys.</a:t>
+            </a:r>
+          </a:p>
+          <a:p>
+            <a:pPr marL="800100" lvl="1" indent="-342900">
+              <a:buFont typeface="+mj-lt"/>
+              <a:buAutoNum type="arabicPeriod"/>
+            </a:pPr>
+            <a:endParaRPr lang="en-GB" dirty="0" smtClean="0"/>
+          </a:p>
+          <a:p>
+            <a:pPr marL="800100" lvl="1" indent="-342900">
+              <a:buFont typeface="+mj-lt"/>
+              <a:buAutoNum type="arabicPeriod"/>
+            </a:pPr>
+            <a:r>
+              <a:rPr lang="en-GB" dirty="0" smtClean="0"/>
+              <a:t>The members on receiving this message, stop sending other messages, </a:t>
+            </a:r>
+            <a:r>
+              <a:rPr lang="en-GB" b="1" u="sng" dirty="0" smtClean="0"/>
+              <a:t>CHANGE their KEYS</a:t>
+            </a:r>
+            <a:r>
+              <a:rPr lang="en-GB" dirty="0"/>
+              <a:t> </a:t>
+            </a:r>
+            <a:r>
+              <a:rPr lang="en-GB" dirty="0" smtClean="0"/>
+              <a:t>and </a:t>
+            </a:r>
+            <a:r>
+              <a:rPr lang="en-GB" b="1" u="sng" dirty="0" smtClean="0"/>
+              <a:t>ACKNOWLEDGMENT</a:t>
+            </a:r>
+            <a:r>
+              <a:rPr lang="en-GB" dirty="0" smtClean="0"/>
+              <a:t> </a:t>
+            </a:r>
+            <a:r>
+              <a:rPr lang="en-GB" dirty="0" smtClean="0"/>
+              <a:t>the server.</a:t>
+            </a:r>
+          </a:p>
+          <a:p>
+            <a:pPr marL="800100" lvl="1" indent="-342900">
+              <a:buFont typeface="+mj-lt"/>
+              <a:buAutoNum type="arabicPeriod"/>
+            </a:pPr>
+            <a:endParaRPr lang="en-GB" dirty="0" smtClean="0"/>
+          </a:p>
+          <a:p>
+            <a:pPr marL="800100" lvl="1" indent="-342900">
+              <a:buFont typeface="+mj-lt"/>
+              <a:buAutoNum type="arabicPeriod"/>
+            </a:pPr>
+            <a:r>
+              <a:rPr lang="en-GB" dirty="0" smtClean="0"/>
+              <a:t>Upon receiving all </a:t>
+            </a:r>
+            <a:r>
+              <a:rPr lang="en-GB" dirty="0" smtClean="0"/>
+              <a:t>the </a:t>
+            </a:r>
+            <a:r>
+              <a:rPr lang="en-GB" dirty="0" smtClean="0"/>
+              <a:t>acknowledgments the server </a:t>
+            </a:r>
+            <a:r>
+              <a:rPr lang="en-GB" b="1" u="sng" dirty="0" smtClean="0"/>
+              <a:t>CONFIRM </a:t>
+            </a:r>
+            <a:r>
+              <a:rPr lang="en-GB" dirty="0" smtClean="0"/>
+              <a:t>the update </a:t>
+            </a:r>
+            <a:r>
+              <a:rPr lang="en-GB" dirty="0" smtClean="0"/>
+              <a:t>to all the members, the new one will also receive his keys encrypted with his public key</a:t>
+            </a:r>
+            <a:r>
+              <a:rPr lang="en-GB" dirty="0" smtClean="0"/>
+              <a:t>. Now the communication can go on.</a:t>
+            </a:r>
+          </a:p>
+        </p:txBody>
+      </p:sp>
+    </p:spTree>
+    <p:extLst>
+      <p:ext uri="{BB962C8B-B14F-4D97-AF65-F5344CB8AC3E}">
+        <p14:creationId xmlns:p14="http://schemas.microsoft.com/office/powerpoint/2010/main" val="3842055298"/>
+      </p:ext>
+    </p:extLst>
+  </p:cSld>
+  <p:clrMapOvr>
+    <a:masterClrMapping/>
+  </p:clrMapOvr>
+  <p:timing>
+    <p:tnLst>
+      <p:par>
+        <p:cTn id="1" dur="indefinite" restart="never" nodeType="tmRoot"/>
+      </p:par>
+    </p:tnLst>
+  </p:timing>
+</p:sld>
+</file>
+
+<file path=ppt/slides/slide11.xml><?xml version="1.0" encoding="utf-8"?>
+<p:sld xmlns:a="http://schemas.openxmlformats.org/drawingml/2006/main" xmlns:r="http://schemas.openxmlformats.org/officeDocument/2006/relationships" xmlns:p="http://schemas.openxmlformats.org/presentationml/2006/main">
+  <p:cSld>
+    <p:spTree>
+      <p:nvGrpSpPr>
+        <p:cNvPr id="1" name=""/>
+        <p:cNvGrpSpPr/>
+        <p:nvPr/>
+      </p:nvGrpSpPr>
+      <p:grpSpPr>
+        <a:xfrm>
+          <a:off x="0" y="0"/>
+          <a:ext cx="0" cy="0"/>
+          <a:chOff x="0" y="0"/>
+          <a:chExt cx="0" cy="0"/>
+        </a:xfrm>
+      </p:grpSpPr>
+      <p:sp>
+        <p:nvSpPr>
+          <p:cNvPr id="2" name="Titolo 1"/>
+          <p:cNvSpPr>
+            <a:spLocks noGrp="1"/>
+          </p:cNvSpPr>
+          <p:nvPr>
+            <p:ph type="title"/>
+          </p:nvPr>
+        </p:nvSpPr>
+        <p:spPr/>
+        <p:txBody>
+          <a:bodyPr>
+            <a:normAutofit/>
+          </a:bodyPr>
+          <a:lstStyle/>
+          <a:p>
+            <a:r>
+              <a:rPr lang="en-GB" sz="6000" b="1" dirty="0">
+                <a:solidFill>
+                  <a:schemeClr val="accent6"/>
+                </a:solidFill>
+              </a:rPr>
+              <a:t>PROTOCOL - JOINING</a:t>
+            </a:r>
+            <a:endParaRPr lang="en-GB" sz="6000" dirty="0"/>
+          </a:p>
+        </p:txBody>
+      </p:sp>
+      <p:pic>
+        <p:nvPicPr>
+          <p:cNvPr id="3" name="Immagine 2"/>
+          <p:cNvPicPr>
+            <a:picLocks noChangeAspect="1"/>
+          </p:cNvPicPr>
+          <p:nvPr/>
+        </p:nvPicPr>
+        <p:blipFill>
+          <a:blip r:embed="rId2">
+            <a:extLst>
+              <a:ext uri="{28A0092B-C50C-407E-A947-70E740481C1C}">
+                <a14:useLocalDpi xmlns:a14="http://schemas.microsoft.com/office/drawing/2010/main" val="0"/>
+              </a:ext>
+            </a:extLst>
+          </a:blip>
+          <a:stretch>
+            <a:fillRect/>
+          </a:stretch>
+        </p:blipFill>
+        <p:spPr>
+          <a:xfrm>
+            <a:off x="5529314" y="2945225"/>
+            <a:ext cx="1956515" cy="1956515"/>
+          </a:xfrm>
+          <a:prstGeom prst="rect">
+            <a:avLst/>
+          </a:prstGeom>
+        </p:spPr>
+      </p:pic>
+      <p:pic>
+        <p:nvPicPr>
+          <p:cNvPr id="4" name="Immagine 3"/>
+          <p:cNvPicPr>
+            <a:picLocks noChangeAspect="1"/>
+          </p:cNvPicPr>
+          <p:nvPr/>
+        </p:nvPicPr>
+        <p:blipFill>
+          <a:blip r:embed="rId3">
+            <a:extLst>
+              <a:ext uri="{28A0092B-C50C-407E-A947-70E740481C1C}">
+                <a14:useLocalDpi xmlns:a14="http://schemas.microsoft.com/office/drawing/2010/main" val="0"/>
+              </a:ext>
+            </a:extLst>
+          </a:blip>
+          <a:stretch>
+            <a:fillRect/>
+          </a:stretch>
+        </p:blipFill>
+        <p:spPr>
+          <a:xfrm>
+            <a:off x="8875644" y="4901740"/>
+            <a:ext cx="570400" cy="870810"/>
+          </a:xfrm>
+          <a:prstGeom prst="rect">
+            <a:avLst/>
+          </a:prstGeom>
+        </p:spPr>
+      </p:pic>
+      <p:pic>
+        <p:nvPicPr>
+          <p:cNvPr id="5" name="Immagine 4"/>
+          <p:cNvPicPr>
+            <a:picLocks noChangeAspect="1"/>
+          </p:cNvPicPr>
+          <p:nvPr/>
+        </p:nvPicPr>
+        <p:blipFill>
+          <a:blip r:embed="rId4">
+            <a:extLst>
+              <a:ext uri="{28A0092B-C50C-407E-A947-70E740481C1C}">
+                <a14:useLocalDpi xmlns:a14="http://schemas.microsoft.com/office/drawing/2010/main" val="0"/>
+              </a:ext>
+            </a:extLst>
+          </a:blip>
+          <a:stretch>
+            <a:fillRect/>
+          </a:stretch>
+        </p:blipFill>
+        <p:spPr>
+          <a:xfrm>
+            <a:off x="1877548" y="4235201"/>
+            <a:ext cx="610930" cy="932686"/>
+          </a:xfrm>
+          <a:prstGeom prst="rect">
+            <a:avLst/>
+          </a:prstGeom>
+        </p:spPr>
+      </p:pic>
+      <p:pic>
+        <p:nvPicPr>
+          <p:cNvPr id="6" name="Immagine 5"/>
+          <p:cNvPicPr>
+            <a:picLocks noChangeAspect="1"/>
+          </p:cNvPicPr>
+          <p:nvPr/>
+        </p:nvPicPr>
+        <p:blipFill>
+          <a:blip r:embed="rId4">
+            <a:extLst>
+              <a:ext uri="{28A0092B-C50C-407E-A947-70E740481C1C}">
+                <a14:useLocalDpi xmlns:a14="http://schemas.microsoft.com/office/drawing/2010/main" val="0"/>
+              </a:ext>
+            </a:extLst>
+          </a:blip>
+          <a:stretch>
+            <a:fillRect/>
+          </a:stretch>
+        </p:blipFill>
+        <p:spPr>
+          <a:xfrm>
+            <a:off x="1177539" y="2496601"/>
+            <a:ext cx="610930" cy="932686"/>
+          </a:xfrm>
+          <a:prstGeom prst="rect">
+            <a:avLst/>
+          </a:prstGeom>
+        </p:spPr>
+      </p:pic>
+      <p:pic>
+        <p:nvPicPr>
+          <p:cNvPr id="7" name="Immagine 6"/>
+          <p:cNvPicPr>
+            <a:picLocks noChangeAspect="1"/>
+          </p:cNvPicPr>
+          <p:nvPr/>
+        </p:nvPicPr>
+        <p:blipFill>
+          <a:blip r:embed="rId4">
+            <a:extLst>
+              <a:ext uri="{28A0092B-C50C-407E-A947-70E740481C1C}">
+                <a14:useLocalDpi xmlns:a14="http://schemas.microsoft.com/office/drawing/2010/main" val="0"/>
+              </a:ext>
+            </a:extLst>
+          </a:blip>
+          <a:stretch>
+            <a:fillRect/>
+          </a:stretch>
+        </p:blipFill>
+        <p:spPr>
+          <a:xfrm>
+            <a:off x="3117848" y="1823144"/>
+            <a:ext cx="610930" cy="932686"/>
+          </a:xfrm>
+          <a:prstGeom prst="rect">
+            <a:avLst/>
+          </a:prstGeom>
+        </p:spPr>
+      </p:pic>
+      <p:cxnSp>
+        <p:nvCxnSpPr>
+          <p:cNvPr id="9" name="Connettore 2 8"/>
+          <p:cNvCxnSpPr>
+            <a:stCxn id="4" idx="1"/>
+            <a:endCxn id="3" idx="2"/>
+          </p:cNvCxnSpPr>
+          <p:nvPr/>
+        </p:nvCxnSpPr>
+        <p:spPr>
+          <a:xfrm flipH="1" flipV="1">
+            <a:off x="6507572" y="4901740"/>
+            <a:ext cx="2368072" cy="435405"/>
+          </a:xfrm>
+          <a:prstGeom prst="straightConnector1">
+            <a:avLst/>
+          </a:prstGeom>
+          <a:ln w="38100">
+            <a:tailEnd type="triangle"/>
+          </a:ln>
+        </p:spPr>
+        <p:style>
+          <a:lnRef idx="1">
+            <a:schemeClr val="accent1"/>
+          </a:lnRef>
+          <a:fillRef idx="0">
+            <a:schemeClr val="accent1"/>
+          </a:fillRef>
+          <a:effectRef idx="0">
+            <a:schemeClr val="accent1"/>
+          </a:effectRef>
+          <a:fontRef idx="minor">
+            <a:schemeClr val="tx1"/>
+          </a:fontRef>
+        </p:style>
+      </p:cxnSp>
+      <p:sp>
+        <p:nvSpPr>
+          <p:cNvPr id="10" name="CasellaDiTesto 9"/>
+          <p:cNvSpPr txBox="1"/>
+          <p:nvPr/>
+        </p:nvSpPr>
+        <p:spPr>
+          <a:xfrm rot="628875">
+            <a:off x="7133190" y="4837933"/>
+            <a:ext cx="1561197" cy="369332"/>
+          </a:xfrm>
+          <a:prstGeom prst="rect">
+            <a:avLst/>
+          </a:prstGeom>
+          <a:noFill/>
+        </p:spPr>
+        <p:txBody>
+          <a:bodyPr wrap="none" rtlCol="0">
+            <a:spAutoFit/>
+          </a:bodyPr>
+          <a:lstStyle/>
+          <a:p>
+            <a:r>
+              <a:rPr lang="en-GB" b="1" dirty="0" smtClean="0">
+                <a:solidFill>
+                  <a:srgbClr val="00B0F0"/>
+                </a:solidFill>
+              </a:rPr>
+              <a:t>JOIN REQUEST</a:t>
+            </a:r>
+            <a:endParaRPr lang="en-GB" b="1" dirty="0">
+              <a:solidFill>
+                <a:srgbClr val="00B0F0"/>
+              </a:solidFill>
+            </a:endParaRPr>
+          </a:p>
+        </p:txBody>
+      </p:sp>
+      <p:cxnSp>
+        <p:nvCxnSpPr>
+          <p:cNvPr id="12" name="Connettore 2 11"/>
+          <p:cNvCxnSpPr>
+            <a:stCxn id="3" idx="1"/>
+            <a:endCxn id="7" idx="2"/>
+          </p:cNvCxnSpPr>
+          <p:nvPr/>
+        </p:nvCxnSpPr>
+        <p:spPr>
+          <a:xfrm flipH="1" flipV="1">
+            <a:off x="3423313" y="2755830"/>
+            <a:ext cx="2106001" cy="1167653"/>
+          </a:xfrm>
+          <a:prstGeom prst="straightConnector1">
+            <a:avLst/>
+          </a:prstGeom>
+          <a:ln w="38100">
+            <a:solidFill>
+              <a:srgbClr val="92D050"/>
+            </a:solidFill>
+            <a:tailEnd type="triangle"/>
+          </a:ln>
+        </p:spPr>
+        <p:style>
+          <a:lnRef idx="1">
+            <a:schemeClr val="accent1"/>
+          </a:lnRef>
+          <a:fillRef idx="0">
+            <a:schemeClr val="accent1"/>
+          </a:fillRef>
+          <a:effectRef idx="0">
+            <a:schemeClr val="accent1"/>
+          </a:effectRef>
+          <a:fontRef idx="minor">
+            <a:schemeClr val="tx1"/>
+          </a:fontRef>
+        </p:style>
+      </p:cxnSp>
+      <p:cxnSp>
+        <p:nvCxnSpPr>
+          <p:cNvPr id="13" name="Connettore 2 12"/>
+          <p:cNvCxnSpPr>
+            <a:endCxn id="6" idx="3"/>
+          </p:cNvCxnSpPr>
+          <p:nvPr/>
+        </p:nvCxnSpPr>
+        <p:spPr>
+          <a:xfrm flipH="1" flipV="1">
+            <a:off x="1788469" y="2962944"/>
+            <a:ext cx="3740845" cy="978259"/>
+          </a:xfrm>
+          <a:prstGeom prst="straightConnector1">
+            <a:avLst/>
+          </a:prstGeom>
+          <a:ln w="38100">
+            <a:solidFill>
+              <a:srgbClr val="92D050"/>
+            </a:solidFill>
+            <a:tailEnd type="triangle"/>
+          </a:ln>
+        </p:spPr>
+        <p:style>
+          <a:lnRef idx="1">
+            <a:schemeClr val="accent1"/>
+          </a:lnRef>
+          <a:fillRef idx="0">
+            <a:schemeClr val="accent1"/>
+          </a:fillRef>
+          <a:effectRef idx="0">
+            <a:schemeClr val="accent1"/>
+          </a:effectRef>
+          <a:fontRef idx="minor">
+            <a:schemeClr val="tx1"/>
+          </a:fontRef>
+        </p:style>
+      </p:cxnSp>
+      <p:cxnSp>
+        <p:nvCxnSpPr>
+          <p:cNvPr id="17" name="Connettore 2 16"/>
+          <p:cNvCxnSpPr>
+            <a:stCxn id="3" idx="1"/>
+            <a:endCxn id="5" idx="3"/>
+          </p:cNvCxnSpPr>
+          <p:nvPr/>
+        </p:nvCxnSpPr>
+        <p:spPr>
+          <a:xfrm flipH="1">
+            <a:off x="2488478" y="3923483"/>
+            <a:ext cx="3040836" cy="778061"/>
+          </a:xfrm>
+          <a:prstGeom prst="straightConnector1">
+            <a:avLst/>
+          </a:prstGeom>
+          <a:ln w="38100">
+            <a:solidFill>
+              <a:srgbClr val="92D050"/>
+            </a:solidFill>
+            <a:tailEnd type="triangle"/>
+          </a:ln>
+        </p:spPr>
+        <p:style>
+          <a:lnRef idx="1">
+            <a:schemeClr val="accent1"/>
+          </a:lnRef>
+          <a:fillRef idx="0">
+            <a:schemeClr val="accent1"/>
+          </a:fillRef>
+          <a:effectRef idx="0">
+            <a:schemeClr val="accent1"/>
+          </a:effectRef>
+          <a:fontRef idx="minor">
+            <a:schemeClr val="tx1"/>
+          </a:fontRef>
+        </p:style>
+      </p:cxnSp>
+      <p:sp>
+        <p:nvSpPr>
+          <p:cNvPr id="21" name="CasellaDiTesto 20"/>
+          <p:cNvSpPr txBox="1"/>
+          <p:nvPr/>
+        </p:nvSpPr>
+        <p:spPr>
+          <a:xfrm rot="1738116">
+            <a:off x="3677189" y="3101305"/>
+            <a:ext cx="2038571" cy="369332"/>
+          </a:xfrm>
+          <a:prstGeom prst="rect">
+            <a:avLst/>
+          </a:prstGeom>
+          <a:noFill/>
+        </p:spPr>
+        <p:txBody>
+          <a:bodyPr wrap="none" rtlCol="0">
+            <a:spAutoFit/>
+          </a:bodyPr>
+          <a:lstStyle/>
+          <a:p>
+            <a:r>
+              <a:rPr lang="en-GB" b="1" dirty="0" smtClean="0">
+                <a:solidFill>
+                  <a:srgbClr val="00B050"/>
+                </a:solidFill>
+              </a:rPr>
+              <a:t>SOMEONE JOINING</a:t>
+            </a:r>
+            <a:endParaRPr lang="en-GB" b="1" dirty="0">
+              <a:solidFill>
+                <a:srgbClr val="00B050"/>
+              </a:solidFill>
+            </a:endParaRPr>
+          </a:p>
+        </p:txBody>
+      </p:sp>
+      <p:sp>
+        <p:nvSpPr>
+          <p:cNvPr id="22" name="CasellaDiTesto 21"/>
+          <p:cNvSpPr txBox="1"/>
+          <p:nvPr/>
+        </p:nvSpPr>
+        <p:spPr>
+          <a:xfrm rot="916497">
+            <a:off x="2421327" y="3071332"/>
+            <a:ext cx="2038571" cy="369332"/>
+          </a:xfrm>
+          <a:prstGeom prst="rect">
+            <a:avLst/>
+          </a:prstGeom>
+          <a:noFill/>
+        </p:spPr>
+        <p:txBody>
+          <a:bodyPr wrap="none" rtlCol="0">
+            <a:spAutoFit/>
+          </a:bodyPr>
+          <a:lstStyle/>
+          <a:p>
+            <a:r>
+              <a:rPr lang="en-GB" b="1" dirty="0" smtClean="0">
+                <a:solidFill>
+                  <a:srgbClr val="00B050"/>
+                </a:solidFill>
+              </a:rPr>
+              <a:t>SOMEONE JOINING</a:t>
+            </a:r>
+            <a:endParaRPr lang="en-GB" b="1" dirty="0">
+              <a:solidFill>
+                <a:srgbClr val="00B050"/>
+              </a:solidFill>
+            </a:endParaRPr>
+          </a:p>
+        </p:txBody>
+      </p:sp>
+      <p:sp>
+        <p:nvSpPr>
+          <p:cNvPr id="23" name="CasellaDiTesto 22"/>
+          <p:cNvSpPr txBox="1"/>
+          <p:nvPr/>
+        </p:nvSpPr>
+        <p:spPr>
+          <a:xfrm rot="20850469">
+            <a:off x="2799587" y="4050534"/>
+            <a:ext cx="2038571" cy="369332"/>
+          </a:xfrm>
+          <a:prstGeom prst="rect">
+            <a:avLst/>
+          </a:prstGeom>
+          <a:noFill/>
+        </p:spPr>
+        <p:txBody>
+          <a:bodyPr wrap="none" rtlCol="0">
+            <a:spAutoFit/>
+          </a:bodyPr>
+          <a:lstStyle/>
+          <a:p>
+            <a:r>
+              <a:rPr lang="en-GB" b="1" dirty="0" smtClean="0">
+                <a:solidFill>
+                  <a:srgbClr val="00B050"/>
+                </a:solidFill>
+              </a:rPr>
+              <a:t>SOMEONE JOINING</a:t>
+            </a:r>
+            <a:endParaRPr lang="en-GB" b="1" dirty="0">
+              <a:solidFill>
+                <a:srgbClr val="00B050"/>
+              </a:solidFill>
+            </a:endParaRPr>
+          </a:p>
+        </p:txBody>
+      </p:sp>
+    </p:spTree>
+    <p:extLst>
+      <p:ext uri="{BB962C8B-B14F-4D97-AF65-F5344CB8AC3E}">
+        <p14:creationId xmlns:p14="http://schemas.microsoft.com/office/powerpoint/2010/main" val="3605938975"/>
+      </p:ext>
+    </p:extLst>
+  </p:cSld>
+  <p:clrMapOvr>
+    <a:masterClrMapping/>
+  </p:clrMapOvr>
+  <p:timing>
+    <p:tnLst>
+      <p:par>
+        <p:cTn id="1" dur="indefinite" restart="never" nodeType="tmRoot">
+          <p:childTnLst>
+            <p:seq concurrent="1" nextAc="seek">
+              <p:cTn id="2" dur="indefinite" nodeType="mainSeq">
+                <p:childTnLst>
+                  <p:par>
+                    <p:cTn id="3" fill="hold">
+                      <p:stCondLst>
+                        <p:cond delay="indefinite"/>
+                      </p:stCondLst>
+                      <p:childTnLst>
+                        <p:par>
+                          <p:cTn id="4" fill="hold">
+                            <p:stCondLst>
+                              <p:cond delay="0"/>
+                            </p:stCondLst>
+                            <p:childTnLst>
+                              <p:par>
+                                <p:cTn id="5" presetID="22" presetClass="entr" presetSubtype="4" fill="hold" grpId="0" nodeType="clickEffect">
+                                  <p:stCondLst>
+                                    <p:cond delay="0"/>
+                                  </p:stCondLst>
+                                  <p:childTnLst>
+                                    <p:set>
+                                      <p:cBhvr>
+                                        <p:cTn id="6" dur="1" fill="hold">
+                                          <p:stCondLst>
+                                            <p:cond delay="0"/>
+                                          </p:stCondLst>
+                                        </p:cTn>
+                                        <p:tgtEl>
+                                          <p:spTgt spid="10"/>
+                                        </p:tgtEl>
+                                        <p:attrNameLst>
+                                          <p:attrName>style.visibility</p:attrName>
+                                        </p:attrNameLst>
+                                      </p:cBhvr>
+                                      <p:to>
+                                        <p:strVal val="visible"/>
+                                      </p:to>
+                                    </p:set>
+                                    <p:animEffect transition="in" filter="wipe(down)">
+                                      <p:cBhvr>
+                                        <p:cTn id="7" dur="500"/>
+                                        <p:tgtEl>
+                                          <p:spTgt spid="10"/>
+                                        </p:tgtEl>
+                                      </p:cBhvr>
+                                    </p:animEffect>
+                                  </p:childTnLst>
+                                </p:cTn>
+                              </p:par>
+                              <p:par>
+                                <p:cTn id="8" presetID="22" presetClass="entr" presetSubtype="4" fill="hold" nodeType="withEffect">
+                                  <p:stCondLst>
+                                    <p:cond delay="0"/>
+                                  </p:stCondLst>
+                                  <p:childTnLst>
+                                    <p:set>
+                                      <p:cBhvr>
+                                        <p:cTn id="9" dur="1" fill="hold">
+                                          <p:stCondLst>
+                                            <p:cond delay="0"/>
+                                          </p:stCondLst>
+                                        </p:cTn>
+                                        <p:tgtEl>
+                                          <p:spTgt spid="9"/>
+                                        </p:tgtEl>
+                                        <p:attrNameLst>
+                                          <p:attrName>style.visibility</p:attrName>
+                                        </p:attrNameLst>
+                                      </p:cBhvr>
+                                      <p:to>
+                                        <p:strVal val="visible"/>
+                                      </p:to>
+                                    </p:set>
+                                    <p:animEffect transition="in" filter="wipe(down)">
+                                      <p:cBhvr>
+                                        <p:cTn id="10" dur="500"/>
+                                        <p:tgtEl>
+                                          <p:spTgt spid="9"/>
+                                        </p:tgtEl>
+                                      </p:cBhvr>
+                                    </p:animEffect>
+                                  </p:childTnLst>
+                                </p:cTn>
+                              </p:par>
+                            </p:childTnLst>
+                          </p:cTn>
+                        </p:par>
+                      </p:childTnLst>
+                    </p:cTn>
+                  </p:par>
+                  <p:par>
+                    <p:cTn id="11" fill="hold">
+                      <p:stCondLst>
+                        <p:cond delay="indefinite"/>
+                      </p:stCondLst>
+                      <p:childTnLst>
+                        <p:par>
+                          <p:cTn id="12" fill="hold">
+                            <p:stCondLst>
+                              <p:cond delay="0"/>
+                            </p:stCondLst>
+                            <p:childTnLst>
+                              <p:par>
+                                <p:cTn id="13" presetID="22" presetClass="exit" presetSubtype="4" fill="hold" grpId="1" nodeType="clickEffect">
+                                  <p:stCondLst>
+                                    <p:cond delay="0"/>
+                                  </p:stCondLst>
+                                  <p:childTnLst>
+                                    <p:animEffect transition="out" filter="wipe(down)">
+                                      <p:cBhvr>
+                                        <p:cTn id="14" dur="500"/>
+                                        <p:tgtEl>
+                                          <p:spTgt spid="10"/>
+                                        </p:tgtEl>
+                                      </p:cBhvr>
+                                    </p:animEffect>
+                                    <p:set>
+                                      <p:cBhvr>
+                                        <p:cTn id="15" dur="1" fill="hold">
+                                          <p:stCondLst>
+                                            <p:cond delay="499"/>
+                                          </p:stCondLst>
+                                        </p:cTn>
+                                        <p:tgtEl>
+                                          <p:spTgt spid="10"/>
+                                        </p:tgtEl>
+                                        <p:attrNameLst>
+                                          <p:attrName>style.visibility</p:attrName>
+                                        </p:attrNameLst>
+                                      </p:cBhvr>
+                                      <p:to>
+                                        <p:strVal val="hidden"/>
+                                      </p:to>
+                                    </p:set>
+                                  </p:childTnLst>
+                                </p:cTn>
+                              </p:par>
+                              <p:par>
+                                <p:cTn id="16" presetID="22" presetClass="exit" presetSubtype="4" fill="hold" nodeType="withEffect">
+                                  <p:stCondLst>
+                                    <p:cond delay="0"/>
+                                  </p:stCondLst>
+                                  <p:childTnLst>
+                                    <p:animEffect transition="out" filter="wipe(down)">
+                                      <p:cBhvr>
+                                        <p:cTn id="17" dur="500"/>
+                                        <p:tgtEl>
+                                          <p:spTgt spid="9"/>
+                                        </p:tgtEl>
+                                      </p:cBhvr>
+                                    </p:animEffect>
+                                    <p:set>
+                                      <p:cBhvr>
+                                        <p:cTn id="18" dur="1" fill="hold">
+                                          <p:stCondLst>
+                                            <p:cond delay="499"/>
+                                          </p:stCondLst>
+                                        </p:cTn>
+                                        <p:tgtEl>
+                                          <p:spTgt spid="9"/>
+                                        </p:tgtEl>
+                                        <p:attrNameLst>
+                                          <p:attrName>style.visibility</p:attrName>
+                                        </p:attrNameLst>
+                                      </p:cBhvr>
+                                      <p:to>
+                                        <p:strVal val="hidden"/>
+                                      </p:to>
+                                    </p:set>
+                                  </p:childTnLst>
+                                </p:cTn>
+                              </p:par>
+                            </p:childTnLst>
+                          </p:cTn>
+                        </p:par>
+                      </p:childTnLst>
+                    </p:cTn>
+                  </p:par>
+                  <p:par>
+                    <p:cTn id="19" fill="hold">
+                      <p:stCondLst>
+                        <p:cond delay="indefinite"/>
+                      </p:stCondLst>
+                      <p:childTnLst>
+                        <p:par>
+                          <p:cTn id="20" fill="hold">
+                            <p:stCondLst>
+                              <p:cond delay="0"/>
+                            </p:stCondLst>
+                            <p:childTnLst>
+                              <p:par>
+                                <p:cTn id="21" presetID="22" presetClass="entr" presetSubtype="4" fill="hold" grpId="0" nodeType="clickEffect">
+                                  <p:stCondLst>
+                                    <p:cond delay="0"/>
+                                  </p:stCondLst>
+                                  <p:childTnLst>
+                                    <p:set>
+                                      <p:cBhvr>
+                                        <p:cTn id="22" dur="1" fill="hold">
+                                          <p:stCondLst>
+                                            <p:cond delay="0"/>
+                                          </p:stCondLst>
+                                        </p:cTn>
+                                        <p:tgtEl>
+                                          <p:spTgt spid="21"/>
+                                        </p:tgtEl>
+                                        <p:attrNameLst>
+                                          <p:attrName>style.visibility</p:attrName>
+                                        </p:attrNameLst>
+                                      </p:cBhvr>
+                                      <p:to>
+                                        <p:strVal val="visible"/>
+                                      </p:to>
+                                    </p:set>
+                                    <p:animEffect transition="in" filter="wipe(down)">
+                                      <p:cBhvr>
+                                        <p:cTn id="23" dur="500"/>
+                                        <p:tgtEl>
+                                          <p:spTgt spid="21"/>
+                                        </p:tgtEl>
+                                      </p:cBhvr>
+                                    </p:animEffect>
+                                  </p:childTnLst>
+                                </p:cTn>
+                              </p:par>
+                              <p:par>
+                                <p:cTn id="24" presetID="22" presetClass="entr" presetSubtype="4" fill="hold" nodeType="withEffect">
+                                  <p:stCondLst>
+                                    <p:cond delay="0"/>
+                                  </p:stCondLst>
+                                  <p:childTnLst>
+                                    <p:set>
+                                      <p:cBhvr>
+                                        <p:cTn id="25" dur="1" fill="hold">
+                                          <p:stCondLst>
+                                            <p:cond delay="0"/>
+                                          </p:stCondLst>
+                                        </p:cTn>
+                                        <p:tgtEl>
+                                          <p:spTgt spid="12"/>
+                                        </p:tgtEl>
+                                        <p:attrNameLst>
+                                          <p:attrName>style.visibility</p:attrName>
+                                        </p:attrNameLst>
+                                      </p:cBhvr>
+                                      <p:to>
+                                        <p:strVal val="visible"/>
+                                      </p:to>
+                                    </p:set>
+                                    <p:animEffect transition="in" filter="wipe(down)">
+                                      <p:cBhvr>
+                                        <p:cTn id="26" dur="500"/>
+                                        <p:tgtEl>
+                                          <p:spTgt spid="12"/>
+                                        </p:tgtEl>
+                                      </p:cBhvr>
+                                    </p:animEffect>
+                                  </p:childTnLst>
+                                </p:cTn>
+                              </p:par>
+                              <p:par>
+                                <p:cTn id="27" presetID="22" presetClass="entr" presetSubtype="4" fill="hold" grpId="0" nodeType="withEffect">
+                                  <p:stCondLst>
+                                    <p:cond delay="0"/>
+                                  </p:stCondLst>
+                                  <p:childTnLst>
+                                    <p:set>
+                                      <p:cBhvr>
+                                        <p:cTn id="28" dur="1" fill="hold">
+                                          <p:stCondLst>
+                                            <p:cond delay="0"/>
+                                          </p:stCondLst>
+                                        </p:cTn>
+                                        <p:tgtEl>
+                                          <p:spTgt spid="22"/>
+                                        </p:tgtEl>
+                                        <p:attrNameLst>
+                                          <p:attrName>style.visibility</p:attrName>
+                                        </p:attrNameLst>
+                                      </p:cBhvr>
+                                      <p:to>
+                                        <p:strVal val="visible"/>
+                                      </p:to>
+                                    </p:set>
+                                    <p:animEffect transition="in" filter="wipe(down)">
+                                      <p:cBhvr>
+                                        <p:cTn id="29" dur="500"/>
+                                        <p:tgtEl>
+                                          <p:spTgt spid="22"/>
+                                        </p:tgtEl>
+                                      </p:cBhvr>
+                                    </p:animEffect>
+                                  </p:childTnLst>
+                                </p:cTn>
+                              </p:par>
+                              <p:par>
+                                <p:cTn id="30" presetID="22" presetClass="entr" presetSubtype="4" fill="hold" nodeType="withEffect">
+                                  <p:stCondLst>
+                                    <p:cond delay="0"/>
+                                  </p:stCondLst>
+                                  <p:childTnLst>
+                                    <p:set>
+                                      <p:cBhvr>
+                                        <p:cTn id="31" dur="1" fill="hold">
+                                          <p:stCondLst>
+                                            <p:cond delay="0"/>
+                                          </p:stCondLst>
+                                        </p:cTn>
+                                        <p:tgtEl>
+                                          <p:spTgt spid="13"/>
+                                        </p:tgtEl>
+                                        <p:attrNameLst>
+                                          <p:attrName>style.visibility</p:attrName>
+                                        </p:attrNameLst>
+                                      </p:cBhvr>
+                                      <p:to>
+                                        <p:strVal val="visible"/>
+                                      </p:to>
+                                    </p:set>
+                                    <p:animEffect transition="in" filter="wipe(down)">
+                                      <p:cBhvr>
+                                        <p:cTn id="32" dur="500"/>
+                                        <p:tgtEl>
+                                          <p:spTgt spid="13"/>
+                                        </p:tgtEl>
+                                      </p:cBhvr>
+                                    </p:animEffect>
+                                  </p:childTnLst>
+                                </p:cTn>
+                              </p:par>
+                              <p:par>
+                                <p:cTn id="33" presetID="22" presetClass="entr" presetSubtype="4" fill="hold" grpId="0" nodeType="withEffect">
+                                  <p:stCondLst>
+                                    <p:cond delay="0"/>
+                                  </p:stCondLst>
+                                  <p:childTnLst>
+                                    <p:set>
+                                      <p:cBhvr>
+                                        <p:cTn id="34" dur="1" fill="hold">
+                                          <p:stCondLst>
+                                            <p:cond delay="0"/>
+                                          </p:stCondLst>
+                                        </p:cTn>
+                                        <p:tgtEl>
+                                          <p:spTgt spid="23"/>
+                                        </p:tgtEl>
+                                        <p:attrNameLst>
+                                          <p:attrName>style.visibility</p:attrName>
+                                        </p:attrNameLst>
+                                      </p:cBhvr>
+                                      <p:to>
+                                        <p:strVal val="visible"/>
+                                      </p:to>
+                                    </p:set>
+                                    <p:animEffect transition="in" filter="wipe(down)">
+                                      <p:cBhvr>
+                                        <p:cTn id="35" dur="500"/>
+                                        <p:tgtEl>
+                                          <p:spTgt spid="23"/>
+                                        </p:tgtEl>
+                                      </p:cBhvr>
+                                    </p:animEffect>
+                                  </p:childTnLst>
+                                </p:cTn>
+                              </p:par>
+                              <p:par>
+                                <p:cTn id="36" presetID="22" presetClass="entr" presetSubtype="4" fill="hold" nodeType="withEffect">
+                                  <p:stCondLst>
+                                    <p:cond delay="0"/>
+                                  </p:stCondLst>
+                                  <p:childTnLst>
+                                    <p:set>
+                                      <p:cBhvr>
+                                        <p:cTn id="37" dur="1" fill="hold">
+                                          <p:stCondLst>
+                                            <p:cond delay="0"/>
+                                          </p:stCondLst>
+                                        </p:cTn>
+                                        <p:tgtEl>
+                                          <p:spTgt spid="17"/>
+                                        </p:tgtEl>
+                                        <p:attrNameLst>
+                                          <p:attrName>style.visibility</p:attrName>
+                                        </p:attrNameLst>
+                                      </p:cBhvr>
+                                      <p:to>
+                                        <p:strVal val="visible"/>
+                                      </p:to>
+                                    </p:set>
+                                    <p:animEffect transition="in" filter="wipe(down)">
+                                      <p:cBhvr>
+                                        <p:cTn id="38" dur="500"/>
+                                        <p:tgtEl>
+                                          <p:spTgt spid="17"/>
+                                        </p:tgtEl>
+                                      </p:cBhvr>
+                                    </p:animEffect>
+                                  </p:childTnLst>
+                                </p:cTn>
+                              </p:par>
+                            </p:childTnLst>
+                          </p:cTn>
+                        </p:par>
+                      </p:childTnLst>
+                    </p:cTn>
+                  </p:par>
+                  <p:par>
+                    <p:cTn id="39" fill="hold">
+                      <p:stCondLst>
+                        <p:cond delay="indefinite"/>
+                      </p:stCondLst>
+                      <p:childTnLst>
+                        <p:par>
+                          <p:cTn id="40" fill="hold">
+                            <p:stCondLst>
+                              <p:cond delay="0"/>
+                            </p:stCondLst>
+                            <p:childTnLst>
+                              <p:par>
+                                <p:cTn id="41" presetID="22" presetClass="exit" presetSubtype="4" fill="hold" grpId="1" nodeType="clickEffect">
+                                  <p:stCondLst>
+                                    <p:cond delay="0"/>
+                                  </p:stCondLst>
+                                  <p:childTnLst>
+                                    <p:animEffect transition="out" filter="wipe(down)">
+                                      <p:cBhvr>
+                                        <p:cTn id="42" dur="500"/>
+                                        <p:tgtEl>
+                                          <p:spTgt spid="21"/>
+                                        </p:tgtEl>
+                                      </p:cBhvr>
+                                    </p:animEffect>
+                                    <p:set>
+                                      <p:cBhvr>
+                                        <p:cTn id="43" dur="1" fill="hold">
+                                          <p:stCondLst>
+                                            <p:cond delay="499"/>
+                                          </p:stCondLst>
+                                        </p:cTn>
+                                        <p:tgtEl>
+                                          <p:spTgt spid="21"/>
+                                        </p:tgtEl>
+                                        <p:attrNameLst>
+                                          <p:attrName>style.visibility</p:attrName>
+                                        </p:attrNameLst>
+                                      </p:cBhvr>
+                                      <p:to>
+                                        <p:strVal val="hidden"/>
+                                      </p:to>
+                                    </p:set>
+                                  </p:childTnLst>
+                                </p:cTn>
+                              </p:par>
+                              <p:par>
+                                <p:cTn id="44" presetID="22" presetClass="exit" presetSubtype="4" fill="hold" nodeType="withEffect">
+                                  <p:stCondLst>
+                                    <p:cond delay="0"/>
+                                  </p:stCondLst>
+                                  <p:childTnLst>
+                                    <p:animEffect transition="out" filter="wipe(down)">
+                                      <p:cBhvr>
+                                        <p:cTn id="45" dur="500"/>
+                                        <p:tgtEl>
+                                          <p:spTgt spid="12"/>
+                                        </p:tgtEl>
+                                      </p:cBhvr>
+                                    </p:animEffect>
+                                    <p:set>
+                                      <p:cBhvr>
+                                        <p:cTn id="46" dur="1" fill="hold">
+                                          <p:stCondLst>
+                                            <p:cond delay="499"/>
+                                          </p:stCondLst>
+                                        </p:cTn>
+                                        <p:tgtEl>
+                                          <p:spTgt spid="12"/>
+                                        </p:tgtEl>
+                                        <p:attrNameLst>
+                                          <p:attrName>style.visibility</p:attrName>
+                                        </p:attrNameLst>
+                                      </p:cBhvr>
+                                      <p:to>
+                                        <p:strVal val="hidden"/>
+                                      </p:to>
+                                    </p:set>
+                                  </p:childTnLst>
+                                </p:cTn>
+                              </p:par>
+                              <p:par>
+                                <p:cTn id="47" presetID="22" presetClass="exit" presetSubtype="4" fill="hold" grpId="1" nodeType="withEffect">
+                                  <p:stCondLst>
+                                    <p:cond delay="0"/>
+                                  </p:stCondLst>
+                                  <p:childTnLst>
+                                    <p:animEffect transition="out" filter="wipe(down)">
+                                      <p:cBhvr>
+                                        <p:cTn id="48" dur="500"/>
+                                        <p:tgtEl>
+                                          <p:spTgt spid="22"/>
+                                        </p:tgtEl>
+                                      </p:cBhvr>
+                                    </p:animEffect>
+                                    <p:set>
+                                      <p:cBhvr>
+                                        <p:cTn id="49" dur="1" fill="hold">
+                                          <p:stCondLst>
+                                            <p:cond delay="499"/>
+                                          </p:stCondLst>
+                                        </p:cTn>
+                                        <p:tgtEl>
+                                          <p:spTgt spid="22"/>
+                                        </p:tgtEl>
+                                        <p:attrNameLst>
+                                          <p:attrName>style.visibility</p:attrName>
+                                        </p:attrNameLst>
+                                      </p:cBhvr>
+                                      <p:to>
+                                        <p:strVal val="hidden"/>
+                                      </p:to>
+                                    </p:set>
+                                  </p:childTnLst>
+                                </p:cTn>
+                              </p:par>
+                              <p:par>
+                                <p:cTn id="50" presetID="22" presetClass="exit" presetSubtype="4" fill="hold" nodeType="withEffect">
+                                  <p:stCondLst>
+                                    <p:cond delay="0"/>
+                                  </p:stCondLst>
+                                  <p:childTnLst>
+                                    <p:animEffect transition="out" filter="wipe(down)">
+                                      <p:cBhvr>
+                                        <p:cTn id="51" dur="500"/>
+                                        <p:tgtEl>
+                                          <p:spTgt spid="13"/>
+                                        </p:tgtEl>
+                                      </p:cBhvr>
+                                    </p:animEffect>
+                                    <p:set>
+                                      <p:cBhvr>
+                                        <p:cTn id="52" dur="1" fill="hold">
+                                          <p:stCondLst>
+                                            <p:cond delay="499"/>
+                                          </p:stCondLst>
+                                        </p:cTn>
+                                        <p:tgtEl>
+                                          <p:spTgt spid="13"/>
+                                        </p:tgtEl>
+                                        <p:attrNameLst>
+                                          <p:attrName>style.visibility</p:attrName>
+                                        </p:attrNameLst>
+                                      </p:cBhvr>
+                                      <p:to>
+                                        <p:strVal val="hidden"/>
+                                      </p:to>
+                                    </p:set>
+                                  </p:childTnLst>
+                                </p:cTn>
+                              </p:par>
+                              <p:par>
+                                <p:cTn id="53" presetID="22" presetClass="exit" presetSubtype="4" fill="hold" grpId="1" nodeType="withEffect">
+                                  <p:stCondLst>
+                                    <p:cond delay="0"/>
+                                  </p:stCondLst>
+                                  <p:childTnLst>
+                                    <p:animEffect transition="out" filter="wipe(down)">
+                                      <p:cBhvr>
+                                        <p:cTn id="54" dur="500"/>
+                                        <p:tgtEl>
+                                          <p:spTgt spid="23"/>
+                                        </p:tgtEl>
+                                      </p:cBhvr>
+                                    </p:animEffect>
+                                    <p:set>
+                                      <p:cBhvr>
+                                        <p:cTn id="55" dur="1" fill="hold">
+                                          <p:stCondLst>
+                                            <p:cond delay="499"/>
+                                          </p:stCondLst>
+                                        </p:cTn>
+                                        <p:tgtEl>
+                                          <p:spTgt spid="23"/>
+                                        </p:tgtEl>
+                                        <p:attrNameLst>
+                                          <p:attrName>style.visibility</p:attrName>
+                                        </p:attrNameLst>
+                                      </p:cBhvr>
+                                      <p:to>
+                                        <p:strVal val="hidden"/>
+                                      </p:to>
+                                    </p:set>
+                                  </p:childTnLst>
+                                </p:cTn>
+                              </p:par>
+                              <p:par>
+                                <p:cTn id="56" presetID="22" presetClass="exit" presetSubtype="4" fill="hold" nodeType="withEffect">
+                                  <p:stCondLst>
+                                    <p:cond delay="0"/>
+                                  </p:stCondLst>
+                                  <p:childTnLst>
+                                    <p:animEffect transition="out" filter="wipe(down)">
+                                      <p:cBhvr>
+                                        <p:cTn id="57" dur="500"/>
+                                        <p:tgtEl>
+                                          <p:spTgt spid="17"/>
+                                        </p:tgtEl>
+                                      </p:cBhvr>
+                                    </p:animEffect>
+                                    <p:set>
+                                      <p:cBhvr>
+                                        <p:cTn id="58" dur="1" fill="hold">
+                                          <p:stCondLst>
+                                            <p:cond delay="499"/>
+                                          </p:stCondLst>
+                                        </p:cTn>
+                                        <p:tgtEl>
+                                          <p:spTgt spid="17"/>
+                                        </p:tgtEl>
+                                        <p:attrNameLst>
+                                          <p:attrName>style.visibility</p:attrName>
+                                        </p:attrNameLst>
+                                      </p:cBhvr>
+                                      <p:to>
+                                        <p:strVal val="hidden"/>
+                                      </p:to>
+                                    </p:set>
+                                  </p:childTnLst>
+                                </p:cTn>
+                              </p:par>
+                            </p:childTnLst>
+                          </p:cTn>
+                        </p:par>
+                      </p:childTnLst>
+                    </p:cTn>
+                  </p:par>
+                </p:childTnLst>
+              </p:cTn>
+              <p:prevCondLst>
+                <p:cond evt="onPrev" delay="0">
+                  <p:tgtEl>
+                    <p:sldTgt/>
+                  </p:tgtEl>
+                </p:cond>
+              </p:prevCondLst>
+              <p:nextCondLst>
+                <p:cond evt="onNext" delay="0">
+                  <p:tgtEl>
+                    <p:sldTgt/>
+                  </p:tgtEl>
+                </p:cond>
+              </p:nextCondLst>
+            </p:seq>
+          </p:childTnLst>
+        </p:cTn>
+      </p:par>
+    </p:tnLst>
+    <p:bldLst>
+      <p:bldP spid="10" grpId="0"/>
+      <p:bldP spid="10" grpId="1"/>
+      <p:bldP spid="21" grpId="0"/>
+      <p:bldP spid="21" grpId="1"/>
+      <p:bldP spid="22" grpId="0"/>
+      <p:bldP spid="22" grpId="1"/>
+      <p:bldP spid="23" grpId="0"/>
+      <p:bldP spid="23" grpId="1"/>
+    </p:bldLst>
+  </p:timing>
+</p:sld>
+</file>
+
+<file path=ppt/slides/slide12.xml><?xml version="1.0" encoding="utf-8"?>
+<p:sld xmlns:a="http://schemas.openxmlformats.org/drawingml/2006/main" xmlns:r="http://schemas.openxmlformats.org/officeDocument/2006/relationships" xmlns:p="http://schemas.openxmlformats.org/presentationml/2006/main">
+  <p:cSld>
+    <p:spTree>
+      <p:nvGrpSpPr>
+        <p:cNvPr id="1" name=""/>
+        <p:cNvGrpSpPr/>
+        <p:nvPr/>
+      </p:nvGrpSpPr>
+      <p:grpSpPr>
+        <a:xfrm>
+          <a:off x="0" y="0"/>
+          <a:ext cx="0" cy="0"/>
+          <a:chOff x="0" y="0"/>
+          <a:chExt cx="0" cy="0"/>
+        </a:xfrm>
+      </p:grpSpPr>
+      <p:sp>
+        <p:nvSpPr>
+          <p:cNvPr id="2" name="Titolo 1"/>
+          <p:cNvSpPr>
+            <a:spLocks noGrp="1"/>
+          </p:cNvSpPr>
+          <p:nvPr>
+            <p:ph type="title"/>
+          </p:nvPr>
+        </p:nvSpPr>
+        <p:spPr/>
+        <p:txBody>
+          <a:bodyPr>
+            <a:normAutofit/>
+          </a:bodyPr>
+          <a:lstStyle/>
+          <a:p>
+            <a:r>
+              <a:rPr lang="en-GB" sz="6000" b="1" dirty="0">
+                <a:solidFill>
+                  <a:schemeClr val="accent6"/>
+                </a:solidFill>
+              </a:rPr>
+              <a:t>PROTOCOL - JOINING</a:t>
+            </a:r>
+            <a:endParaRPr lang="en-GB" sz="6000" dirty="0"/>
+          </a:p>
+        </p:txBody>
+      </p:sp>
+      <p:pic>
+        <p:nvPicPr>
+          <p:cNvPr id="3" name="Immagine 2"/>
+          <p:cNvPicPr>
+            <a:picLocks noChangeAspect="1"/>
+          </p:cNvPicPr>
+          <p:nvPr/>
+        </p:nvPicPr>
+        <p:blipFill>
+          <a:blip r:embed="rId2">
+            <a:extLst>
+              <a:ext uri="{28A0092B-C50C-407E-A947-70E740481C1C}">
+                <a14:useLocalDpi xmlns:a14="http://schemas.microsoft.com/office/drawing/2010/main" val="0"/>
+              </a:ext>
+            </a:extLst>
+          </a:blip>
+          <a:stretch>
+            <a:fillRect/>
+          </a:stretch>
+        </p:blipFill>
+        <p:spPr>
+          <a:xfrm>
+            <a:off x="5529314" y="2945225"/>
+            <a:ext cx="1956515" cy="1956515"/>
+          </a:xfrm>
+          <a:prstGeom prst="rect">
+            <a:avLst/>
+          </a:prstGeom>
+        </p:spPr>
+      </p:pic>
+      <p:pic>
+        <p:nvPicPr>
+          <p:cNvPr id="4" name="Immagine 3"/>
+          <p:cNvPicPr>
+            <a:picLocks noChangeAspect="1"/>
+          </p:cNvPicPr>
+          <p:nvPr/>
+        </p:nvPicPr>
+        <p:blipFill>
+          <a:blip r:embed="rId3">
+            <a:extLst>
+              <a:ext uri="{28A0092B-C50C-407E-A947-70E740481C1C}">
+                <a14:useLocalDpi xmlns:a14="http://schemas.microsoft.com/office/drawing/2010/main" val="0"/>
+              </a:ext>
+            </a:extLst>
+          </a:blip>
+          <a:stretch>
+            <a:fillRect/>
+          </a:stretch>
+        </p:blipFill>
+        <p:spPr>
+          <a:xfrm>
+            <a:off x="8875644" y="4901740"/>
+            <a:ext cx="570400" cy="870810"/>
+          </a:xfrm>
+          <a:prstGeom prst="rect">
+            <a:avLst/>
+          </a:prstGeom>
+        </p:spPr>
+      </p:pic>
+      <p:pic>
+        <p:nvPicPr>
+          <p:cNvPr id="5" name="Immagine 4"/>
+          <p:cNvPicPr>
+            <a:picLocks noChangeAspect="1"/>
+          </p:cNvPicPr>
+          <p:nvPr/>
+        </p:nvPicPr>
+        <p:blipFill>
+          <a:blip r:embed="rId4">
+            <a:extLst>
+              <a:ext uri="{28A0092B-C50C-407E-A947-70E740481C1C}">
+                <a14:useLocalDpi xmlns:a14="http://schemas.microsoft.com/office/drawing/2010/main" val="0"/>
+              </a:ext>
+            </a:extLst>
+          </a:blip>
+          <a:stretch>
+            <a:fillRect/>
+          </a:stretch>
+        </p:blipFill>
+        <p:spPr>
+          <a:xfrm>
+            <a:off x="1877548" y="4235201"/>
+            <a:ext cx="610930" cy="932686"/>
+          </a:xfrm>
+          <a:prstGeom prst="rect">
+            <a:avLst/>
+          </a:prstGeom>
+        </p:spPr>
+      </p:pic>
+      <p:pic>
+        <p:nvPicPr>
+          <p:cNvPr id="6" name="Immagine 5"/>
+          <p:cNvPicPr>
+            <a:picLocks noChangeAspect="1"/>
+          </p:cNvPicPr>
+          <p:nvPr/>
+        </p:nvPicPr>
+        <p:blipFill>
+          <a:blip r:embed="rId4">
+            <a:extLst>
+              <a:ext uri="{28A0092B-C50C-407E-A947-70E740481C1C}">
+                <a14:useLocalDpi xmlns:a14="http://schemas.microsoft.com/office/drawing/2010/main" val="0"/>
+              </a:ext>
+            </a:extLst>
+          </a:blip>
+          <a:stretch>
+            <a:fillRect/>
+          </a:stretch>
+        </p:blipFill>
+        <p:spPr>
+          <a:xfrm>
+            <a:off x="1177539" y="2496601"/>
+            <a:ext cx="610930" cy="932686"/>
+          </a:xfrm>
+          <a:prstGeom prst="rect">
+            <a:avLst/>
+          </a:prstGeom>
+        </p:spPr>
+      </p:pic>
+      <p:pic>
+        <p:nvPicPr>
+          <p:cNvPr id="7" name="Immagine 6"/>
+          <p:cNvPicPr>
+            <a:picLocks noChangeAspect="1"/>
+          </p:cNvPicPr>
+          <p:nvPr/>
+        </p:nvPicPr>
+        <p:blipFill>
+          <a:blip r:embed="rId4">
+            <a:extLst>
+              <a:ext uri="{28A0092B-C50C-407E-A947-70E740481C1C}">
+                <a14:useLocalDpi xmlns:a14="http://schemas.microsoft.com/office/drawing/2010/main" val="0"/>
+              </a:ext>
+            </a:extLst>
+          </a:blip>
+          <a:stretch>
+            <a:fillRect/>
+          </a:stretch>
+        </p:blipFill>
+        <p:spPr>
+          <a:xfrm>
+            <a:off x="3117848" y="1823144"/>
+            <a:ext cx="610930" cy="932686"/>
+          </a:xfrm>
+          <a:prstGeom prst="rect">
+            <a:avLst/>
+          </a:prstGeom>
+        </p:spPr>
+      </p:pic>
+      <p:cxnSp>
+        <p:nvCxnSpPr>
+          <p:cNvPr id="10" name="Connettore 2 9"/>
+          <p:cNvCxnSpPr>
+            <a:stCxn id="7" idx="2"/>
+            <a:endCxn id="3" idx="1"/>
+          </p:cNvCxnSpPr>
+          <p:nvPr/>
+        </p:nvCxnSpPr>
+        <p:spPr>
+          <a:xfrm>
+            <a:off x="3423313" y="2755830"/>
+            <a:ext cx="2106001" cy="1167653"/>
+          </a:xfrm>
+          <a:prstGeom prst="straightConnector1">
+            <a:avLst/>
+          </a:prstGeom>
+          <a:ln w="38100">
+            <a:solidFill>
+              <a:srgbClr val="92D050"/>
+            </a:solidFill>
+            <a:tailEnd type="triangle"/>
+          </a:ln>
+        </p:spPr>
+        <p:style>
+          <a:lnRef idx="1">
+            <a:schemeClr val="accent1"/>
+          </a:lnRef>
+          <a:fillRef idx="0">
+            <a:schemeClr val="accent1"/>
+          </a:fillRef>
+          <a:effectRef idx="0">
+            <a:schemeClr val="accent1"/>
+          </a:effectRef>
+          <a:fontRef idx="minor">
+            <a:schemeClr val="tx1"/>
+          </a:fontRef>
+        </p:style>
+      </p:cxnSp>
+      <p:cxnSp>
+        <p:nvCxnSpPr>
+          <p:cNvPr id="11" name="Connettore 2 10"/>
+          <p:cNvCxnSpPr>
+            <a:stCxn id="6" idx="3"/>
+            <a:endCxn id="3" idx="1"/>
+          </p:cNvCxnSpPr>
+          <p:nvPr/>
+        </p:nvCxnSpPr>
+        <p:spPr>
+          <a:xfrm>
+            <a:off x="1788469" y="2962944"/>
+            <a:ext cx="3740845" cy="960539"/>
+          </a:xfrm>
+          <a:prstGeom prst="straightConnector1">
+            <a:avLst/>
+          </a:prstGeom>
+          <a:ln w="38100">
+            <a:solidFill>
+              <a:srgbClr val="92D050"/>
+            </a:solidFill>
+            <a:tailEnd type="triangle"/>
+          </a:ln>
+        </p:spPr>
+        <p:style>
+          <a:lnRef idx="1">
+            <a:schemeClr val="accent1"/>
+          </a:lnRef>
+          <a:fillRef idx="0">
+            <a:schemeClr val="accent1"/>
+          </a:fillRef>
+          <a:effectRef idx="0">
+            <a:schemeClr val="accent1"/>
+          </a:effectRef>
+          <a:fontRef idx="minor">
+            <a:schemeClr val="tx1"/>
+          </a:fontRef>
+        </p:style>
+      </p:cxnSp>
+      <p:cxnSp>
+        <p:nvCxnSpPr>
+          <p:cNvPr id="12" name="Connettore 2 11"/>
+          <p:cNvCxnSpPr>
+            <a:stCxn id="5" idx="3"/>
+            <a:endCxn id="3" idx="1"/>
+          </p:cNvCxnSpPr>
+          <p:nvPr/>
+        </p:nvCxnSpPr>
+        <p:spPr>
+          <a:xfrm flipV="1">
+            <a:off x="2488478" y="3923483"/>
+            <a:ext cx="3040836" cy="778061"/>
+          </a:xfrm>
+          <a:prstGeom prst="straightConnector1">
+            <a:avLst/>
+          </a:prstGeom>
+          <a:ln w="38100">
+            <a:solidFill>
+              <a:srgbClr val="92D050"/>
+            </a:solidFill>
+            <a:tailEnd type="triangle"/>
+          </a:ln>
+        </p:spPr>
+        <p:style>
+          <a:lnRef idx="1">
+            <a:schemeClr val="accent1"/>
+          </a:lnRef>
+          <a:fillRef idx="0">
+            <a:schemeClr val="accent1"/>
+          </a:fillRef>
+          <a:effectRef idx="0">
+            <a:schemeClr val="accent1"/>
+          </a:effectRef>
+          <a:fontRef idx="minor">
+            <a:schemeClr val="tx1"/>
+          </a:fontRef>
+        </p:style>
+      </p:cxnSp>
+      <p:sp>
+        <p:nvSpPr>
+          <p:cNvPr id="13" name="CasellaDiTesto 12"/>
+          <p:cNvSpPr txBox="1"/>
+          <p:nvPr/>
+        </p:nvSpPr>
+        <p:spPr>
+          <a:xfrm rot="1738116">
+            <a:off x="3836176" y="3025090"/>
+            <a:ext cx="1384866" cy="369332"/>
+          </a:xfrm>
+          <a:prstGeom prst="rect">
+            <a:avLst/>
+          </a:prstGeom>
+          <a:noFill/>
+        </p:spPr>
+        <p:txBody>
+          <a:bodyPr wrap="none" rtlCol="0">
+            <a:spAutoFit/>
+          </a:bodyPr>
+          <a:lstStyle/>
+          <a:p>
+            <a:r>
+              <a:rPr lang="en-GB" b="1" dirty="0" smtClean="0">
+                <a:solidFill>
+                  <a:srgbClr val="00B050"/>
+                </a:solidFill>
+              </a:rPr>
+              <a:t>ACK UPDATE</a:t>
+            </a:r>
+            <a:endParaRPr lang="en-GB" b="1" dirty="0">
+              <a:solidFill>
+                <a:srgbClr val="00B050"/>
+              </a:solidFill>
+            </a:endParaRPr>
+          </a:p>
+        </p:txBody>
+      </p:sp>
+      <p:sp>
+        <p:nvSpPr>
+          <p:cNvPr id="14" name="CasellaDiTesto 13"/>
+          <p:cNvSpPr txBox="1"/>
+          <p:nvPr/>
+        </p:nvSpPr>
+        <p:spPr>
+          <a:xfrm rot="916497">
+            <a:off x="2730444" y="3081561"/>
+            <a:ext cx="1384866" cy="369332"/>
+          </a:xfrm>
+          <a:prstGeom prst="rect">
+            <a:avLst/>
+          </a:prstGeom>
+          <a:noFill/>
+        </p:spPr>
+        <p:txBody>
+          <a:bodyPr wrap="none" rtlCol="0">
+            <a:spAutoFit/>
+          </a:bodyPr>
+          <a:lstStyle/>
+          <a:p>
+            <a:r>
+              <a:rPr lang="en-GB" b="1" dirty="0" smtClean="0">
+                <a:solidFill>
+                  <a:srgbClr val="00B050"/>
+                </a:solidFill>
+              </a:rPr>
+              <a:t>ACK UPDATE</a:t>
+            </a:r>
+            <a:endParaRPr lang="en-GB" b="1" dirty="0">
+              <a:solidFill>
+                <a:srgbClr val="00B050"/>
+              </a:solidFill>
+            </a:endParaRPr>
+          </a:p>
+        </p:txBody>
+      </p:sp>
+      <p:sp>
+        <p:nvSpPr>
+          <p:cNvPr id="15" name="CasellaDiTesto 14"/>
+          <p:cNvSpPr txBox="1"/>
+          <p:nvPr/>
+        </p:nvSpPr>
+        <p:spPr>
+          <a:xfrm rot="20821087">
+            <a:off x="2966458" y="4076186"/>
+            <a:ext cx="1384866" cy="369332"/>
+          </a:xfrm>
+          <a:prstGeom prst="rect">
+            <a:avLst/>
+          </a:prstGeom>
+          <a:noFill/>
+        </p:spPr>
+        <p:txBody>
+          <a:bodyPr wrap="none" rtlCol="0">
+            <a:spAutoFit/>
+          </a:bodyPr>
+          <a:lstStyle/>
+          <a:p>
+            <a:r>
+              <a:rPr lang="en-GB" b="1" dirty="0" smtClean="0">
+                <a:solidFill>
+                  <a:srgbClr val="00B050"/>
+                </a:solidFill>
+              </a:rPr>
+              <a:t>ACK UPDATE</a:t>
+            </a:r>
+            <a:endParaRPr lang="en-GB" b="1" dirty="0">
+              <a:solidFill>
+                <a:srgbClr val="00B050"/>
+              </a:solidFill>
+            </a:endParaRPr>
+          </a:p>
+        </p:txBody>
+      </p:sp>
+    </p:spTree>
+    <p:extLst>
+      <p:ext uri="{BB962C8B-B14F-4D97-AF65-F5344CB8AC3E}">
+        <p14:creationId xmlns:p14="http://schemas.microsoft.com/office/powerpoint/2010/main" val="1568878042"/>
+      </p:ext>
+    </p:extLst>
+  </p:cSld>
+  <p:clrMapOvr>
+    <a:masterClrMapping/>
+  </p:clrMapOvr>
+  <p:timing>
+    <p:tnLst>
+      <p:par>
+        <p:cTn id="1" dur="indefinite" restart="never" nodeType="tmRoot">
+          <p:childTnLst>
+            <p:seq concurrent="1" nextAc="seek">
+              <p:cTn id="2" dur="indefinite" nodeType="mainSeq">
+                <p:childTnLst>
+                  <p:par>
+                    <p:cTn id="3" fill="hold">
+                      <p:stCondLst>
+                        <p:cond delay="indefinite"/>
+                      </p:stCondLst>
+                      <p:childTnLst>
+                        <p:par>
+                          <p:cTn id="4" fill="hold">
+                            <p:stCondLst>
+                              <p:cond delay="0"/>
+                            </p:stCondLst>
+                            <p:childTnLst>
+                              <p:par>
+                                <p:cTn id="5" presetID="22" presetClass="entr" presetSubtype="4" fill="hold" grpId="0" nodeType="clickEffect">
+                                  <p:stCondLst>
+                                    <p:cond delay="0"/>
+                                  </p:stCondLst>
+                                  <p:childTnLst>
+                                    <p:set>
+                                      <p:cBhvr>
+                                        <p:cTn id="6" dur="1" fill="hold">
+                                          <p:stCondLst>
+                                            <p:cond delay="0"/>
+                                          </p:stCondLst>
+                                        </p:cTn>
+                                        <p:tgtEl>
+                                          <p:spTgt spid="13"/>
+                                        </p:tgtEl>
+                                        <p:attrNameLst>
+                                          <p:attrName>style.visibility</p:attrName>
+                                        </p:attrNameLst>
+                                      </p:cBhvr>
+                                      <p:to>
+                                        <p:strVal val="visible"/>
+                                      </p:to>
+                                    </p:set>
+                                    <p:animEffect transition="in" filter="wipe(down)">
+                                      <p:cBhvr>
+                                        <p:cTn id="7" dur="500"/>
+                                        <p:tgtEl>
+                                          <p:spTgt spid="13"/>
+                                        </p:tgtEl>
+                                      </p:cBhvr>
+                                    </p:animEffect>
+                                  </p:childTnLst>
+                                </p:cTn>
+                              </p:par>
+                              <p:par>
+                                <p:cTn id="8" presetID="22" presetClass="entr" presetSubtype="4" fill="hold" nodeType="withEffect">
+                                  <p:stCondLst>
+                                    <p:cond delay="0"/>
+                                  </p:stCondLst>
+                                  <p:childTnLst>
+                                    <p:set>
+                                      <p:cBhvr>
+                                        <p:cTn id="9" dur="1" fill="hold">
+                                          <p:stCondLst>
+                                            <p:cond delay="0"/>
+                                          </p:stCondLst>
+                                        </p:cTn>
+                                        <p:tgtEl>
+                                          <p:spTgt spid="10"/>
+                                        </p:tgtEl>
+                                        <p:attrNameLst>
+                                          <p:attrName>style.visibility</p:attrName>
+                                        </p:attrNameLst>
+                                      </p:cBhvr>
+                                      <p:to>
+                                        <p:strVal val="visible"/>
+                                      </p:to>
+                                    </p:set>
+                                    <p:animEffect transition="in" filter="wipe(down)">
+                                      <p:cBhvr>
+                                        <p:cTn id="10" dur="500"/>
+                                        <p:tgtEl>
+                                          <p:spTgt spid="10"/>
+                                        </p:tgtEl>
+                                      </p:cBhvr>
+                                    </p:animEffect>
+                                  </p:childTnLst>
+                                </p:cTn>
+                              </p:par>
+                              <p:par>
+                                <p:cTn id="11" presetID="22" presetClass="entr" presetSubtype="4" fill="hold" grpId="0" nodeType="withEffect">
+                                  <p:stCondLst>
+                                    <p:cond delay="0"/>
+                                  </p:stCondLst>
+                                  <p:childTnLst>
+                                    <p:set>
+                                      <p:cBhvr>
+                                        <p:cTn id="12" dur="1" fill="hold">
+                                          <p:stCondLst>
+                                            <p:cond delay="0"/>
+                                          </p:stCondLst>
+                                        </p:cTn>
+                                        <p:tgtEl>
+                                          <p:spTgt spid="14"/>
+                                        </p:tgtEl>
+                                        <p:attrNameLst>
+                                          <p:attrName>style.visibility</p:attrName>
+                                        </p:attrNameLst>
+                                      </p:cBhvr>
+                                      <p:to>
+                                        <p:strVal val="visible"/>
+                                      </p:to>
+                                    </p:set>
+                                    <p:animEffect transition="in" filter="wipe(down)">
+                                      <p:cBhvr>
+                                        <p:cTn id="13" dur="500"/>
+                                        <p:tgtEl>
+                                          <p:spTgt spid="14"/>
+                                        </p:tgtEl>
+                                      </p:cBhvr>
+                                    </p:animEffect>
+                                  </p:childTnLst>
+                                </p:cTn>
+                              </p:par>
+                              <p:par>
+                                <p:cTn id="14" presetID="22" presetClass="entr" presetSubtype="4" fill="hold" nodeType="withEffect">
+                                  <p:stCondLst>
+                                    <p:cond delay="0"/>
+                                  </p:stCondLst>
+                                  <p:childTnLst>
+                                    <p:set>
+                                      <p:cBhvr>
+                                        <p:cTn id="15" dur="1" fill="hold">
+                                          <p:stCondLst>
+                                            <p:cond delay="0"/>
+                                          </p:stCondLst>
+                                        </p:cTn>
+                                        <p:tgtEl>
+                                          <p:spTgt spid="11"/>
+                                        </p:tgtEl>
+                                        <p:attrNameLst>
+                                          <p:attrName>style.visibility</p:attrName>
+                                        </p:attrNameLst>
+                                      </p:cBhvr>
+                                      <p:to>
+                                        <p:strVal val="visible"/>
+                                      </p:to>
+                                    </p:set>
+                                    <p:animEffect transition="in" filter="wipe(down)">
+                                      <p:cBhvr>
+                                        <p:cTn id="16" dur="500"/>
+                                        <p:tgtEl>
+                                          <p:spTgt spid="11"/>
+                                        </p:tgtEl>
+                                      </p:cBhvr>
+                                    </p:animEffect>
+                                  </p:childTnLst>
+                                </p:cTn>
+                              </p:par>
+                              <p:par>
+                                <p:cTn id="17" presetID="22" presetClass="entr" presetSubtype="4" fill="hold" grpId="0" nodeType="withEffect">
+                                  <p:stCondLst>
+                                    <p:cond delay="0"/>
+                                  </p:stCondLst>
+                                  <p:childTnLst>
+                                    <p:set>
+                                      <p:cBhvr>
+                                        <p:cTn id="18" dur="1" fill="hold">
+                                          <p:stCondLst>
+                                            <p:cond delay="0"/>
+                                          </p:stCondLst>
+                                        </p:cTn>
+                                        <p:tgtEl>
+                                          <p:spTgt spid="15"/>
+                                        </p:tgtEl>
+                                        <p:attrNameLst>
+                                          <p:attrName>style.visibility</p:attrName>
+                                        </p:attrNameLst>
+                                      </p:cBhvr>
+                                      <p:to>
+                                        <p:strVal val="visible"/>
+                                      </p:to>
+                                    </p:set>
+                                    <p:animEffect transition="in" filter="wipe(down)">
+                                      <p:cBhvr>
+                                        <p:cTn id="19" dur="500"/>
+                                        <p:tgtEl>
+                                          <p:spTgt spid="15"/>
+                                        </p:tgtEl>
+                                      </p:cBhvr>
+                                    </p:animEffect>
+                                  </p:childTnLst>
+                                </p:cTn>
+                              </p:par>
+                              <p:par>
+                                <p:cTn id="20" presetID="22" presetClass="entr" presetSubtype="4" fill="hold" nodeType="withEffect">
+                                  <p:stCondLst>
+                                    <p:cond delay="0"/>
+                                  </p:stCondLst>
+                                  <p:childTnLst>
+                                    <p:set>
+                                      <p:cBhvr>
+                                        <p:cTn id="21" dur="1" fill="hold">
+                                          <p:stCondLst>
+                                            <p:cond delay="0"/>
+                                          </p:stCondLst>
+                                        </p:cTn>
+                                        <p:tgtEl>
+                                          <p:spTgt spid="12"/>
+                                        </p:tgtEl>
+                                        <p:attrNameLst>
+                                          <p:attrName>style.visibility</p:attrName>
+                                        </p:attrNameLst>
+                                      </p:cBhvr>
+                                      <p:to>
+                                        <p:strVal val="visible"/>
+                                      </p:to>
+                                    </p:set>
+                                    <p:animEffect transition="in" filter="wipe(down)">
+                                      <p:cBhvr>
+                                        <p:cTn id="22" dur="500"/>
+                                        <p:tgtEl>
+                                          <p:spTgt spid="12"/>
+                                        </p:tgtEl>
+                                      </p:cBhvr>
+                                    </p:animEffect>
+                                  </p:childTnLst>
+                                </p:cTn>
+                              </p:par>
+                            </p:childTnLst>
+                          </p:cTn>
+                        </p:par>
+                      </p:childTnLst>
+                    </p:cTn>
+                  </p:par>
+                  <p:par>
+                    <p:cTn id="23" fill="hold">
+                      <p:stCondLst>
+                        <p:cond delay="indefinite"/>
+                      </p:stCondLst>
+                      <p:childTnLst>
+                        <p:par>
+                          <p:cTn id="24" fill="hold">
+                            <p:stCondLst>
+                              <p:cond delay="0"/>
+                            </p:stCondLst>
+                            <p:childTnLst>
+                              <p:par>
+                                <p:cTn id="25" presetID="22" presetClass="exit" presetSubtype="4" fill="hold" grpId="1" nodeType="clickEffect">
+                                  <p:stCondLst>
+                                    <p:cond delay="0"/>
+                                  </p:stCondLst>
+                                  <p:childTnLst>
+                                    <p:animEffect transition="out" filter="wipe(down)">
+                                      <p:cBhvr>
+                                        <p:cTn id="26" dur="500"/>
+                                        <p:tgtEl>
+                                          <p:spTgt spid="13"/>
+                                        </p:tgtEl>
+                                      </p:cBhvr>
+                                    </p:animEffect>
+                                    <p:set>
+                                      <p:cBhvr>
+                                        <p:cTn id="27" dur="1" fill="hold">
+                                          <p:stCondLst>
+                                            <p:cond delay="499"/>
+                                          </p:stCondLst>
+                                        </p:cTn>
+                                        <p:tgtEl>
+                                          <p:spTgt spid="13"/>
+                                        </p:tgtEl>
+                                        <p:attrNameLst>
+                                          <p:attrName>style.visibility</p:attrName>
+                                        </p:attrNameLst>
+                                      </p:cBhvr>
+                                      <p:to>
+                                        <p:strVal val="hidden"/>
+                                      </p:to>
+                                    </p:set>
+                                  </p:childTnLst>
+                                </p:cTn>
+                              </p:par>
+                              <p:par>
+                                <p:cTn id="28" presetID="22" presetClass="exit" presetSubtype="4" fill="hold" nodeType="withEffect">
+                                  <p:stCondLst>
+                                    <p:cond delay="0"/>
+                                  </p:stCondLst>
+                                  <p:childTnLst>
+                                    <p:animEffect transition="out" filter="wipe(down)">
+                                      <p:cBhvr>
+                                        <p:cTn id="29" dur="500"/>
+                                        <p:tgtEl>
+                                          <p:spTgt spid="10"/>
+                                        </p:tgtEl>
+                                      </p:cBhvr>
+                                    </p:animEffect>
+                                    <p:set>
+                                      <p:cBhvr>
+                                        <p:cTn id="30" dur="1" fill="hold">
+                                          <p:stCondLst>
+                                            <p:cond delay="499"/>
+                                          </p:stCondLst>
+                                        </p:cTn>
+                                        <p:tgtEl>
+                                          <p:spTgt spid="10"/>
+                                        </p:tgtEl>
+                                        <p:attrNameLst>
+                                          <p:attrName>style.visibility</p:attrName>
+                                        </p:attrNameLst>
+                                      </p:cBhvr>
+                                      <p:to>
+                                        <p:strVal val="hidden"/>
+                                      </p:to>
+                                    </p:set>
+                                  </p:childTnLst>
+                                </p:cTn>
+                              </p:par>
+                              <p:par>
+                                <p:cTn id="31" presetID="22" presetClass="exit" presetSubtype="4" fill="hold" grpId="1" nodeType="withEffect">
+                                  <p:stCondLst>
+                                    <p:cond delay="0"/>
+                                  </p:stCondLst>
+                                  <p:childTnLst>
+                                    <p:animEffect transition="out" filter="wipe(down)">
+                                      <p:cBhvr>
+                                        <p:cTn id="32" dur="500"/>
+                                        <p:tgtEl>
+                                          <p:spTgt spid="14"/>
+                                        </p:tgtEl>
+                                      </p:cBhvr>
+                                    </p:animEffect>
+                                    <p:set>
+                                      <p:cBhvr>
+                                        <p:cTn id="33" dur="1" fill="hold">
+                                          <p:stCondLst>
+                                            <p:cond delay="499"/>
+                                          </p:stCondLst>
+                                        </p:cTn>
+                                        <p:tgtEl>
+                                          <p:spTgt spid="14"/>
+                                        </p:tgtEl>
+                                        <p:attrNameLst>
+                                          <p:attrName>style.visibility</p:attrName>
+                                        </p:attrNameLst>
+                                      </p:cBhvr>
+                                      <p:to>
+                                        <p:strVal val="hidden"/>
+                                      </p:to>
+                                    </p:set>
+                                  </p:childTnLst>
+                                </p:cTn>
+                              </p:par>
+                              <p:par>
+                                <p:cTn id="34" presetID="22" presetClass="exit" presetSubtype="4" fill="hold" nodeType="withEffect">
+                                  <p:stCondLst>
+                                    <p:cond delay="0"/>
+                                  </p:stCondLst>
+                                  <p:childTnLst>
+                                    <p:animEffect transition="out" filter="wipe(down)">
+                                      <p:cBhvr>
+                                        <p:cTn id="35" dur="500"/>
+                                        <p:tgtEl>
+                                          <p:spTgt spid="11"/>
+                                        </p:tgtEl>
+                                      </p:cBhvr>
+                                    </p:animEffect>
+                                    <p:set>
+                                      <p:cBhvr>
+                                        <p:cTn id="36" dur="1" fill="hold">
+                                          <p:stCondLst>
+                                            <p:cond delay="499"/>
+                                          </p:stCondLst>
+                                        </p:cTn>
+                                        <p:tgtEl>
+                                          <p:spTgt spid="11"/>
+                                        </p:tgtEl>
+                                        <p:attrNameLst>
+                                          <p:attrName>style.visibility</p:attrName>
+                                        </p:attrNameLst>
+                                      </p:cBhvr>
+                                      <p:to>
+                                        <p:strVal val="hidden"/>
+                                      </p:to>
+                                    </p:set>
+                                  </p:childTnLst>
+                                </p:cTn>
+                              </p:par>
+                              <p:par>
+                                <p:cTn id="37" presetID="22" presetClass="exit" presetSubtype="4" fill="hold" grpId="1" nodeType="withEffect">
+                                  <p:stCondLst>
+                                    <p:cond delay="0"/>
+                                  </p:stCondLst>
+                                  <p:childTnLst>
+                                    <p:animEffect transition="out" filter="wipe(down)">
+                                      <p:cBhvr>
+                                        <p:cTn id="38" dur="500"/>
+                                        <p:tgtEl>
+                                          <p:spTgt spid="15"/>
+                                        </p:tgtEl>
+                                      </p:cBhvr>
+                                    </p:animEffect>
+                                    <p:set>
+                                      <p:cBhvr>
+                                        <p:cTn id="39" dur="1" fill="hold">
+                                          <p:stCondLst>
+                                            <p:cond delay="499"/>
+                                          </p:stCondLst>
+                                        </p:cTn>
+                                        <p:tgtEl>
+                                          <p:spTgt spid="15"/>
+                                        </p:tgtEl>
+                                        <p:attrNameLst>
+                                          <p:attrName>style.visibility</p:attrName>
+                                        </p:attrNameLst>
+                                      </p:cBhvr>
+                                      <p:to>
+                                        <p:strVal val="hidden"/>
+                                      </p:to>
+                                    </p:set>
+                                  </p:childTnLst>
+                                </p:cTn>
+                              </p:par>
+                              <p:par>
+                                <p:cTn id="40" presetID="22" presetClass="exit" presetSubtype="4" fill="hold" nodeType="withEffect">
+                                  <p:stCondLst>
+                                    <p:cond delay="0"/>
+                                  </p:stCondLst>
+                                  <p:childTnLst>
+                                    <p:animEffect transition="out" filter="wipe(down)">
+                                      <p:cBhvr>
+                                        <p:cTn id="41" dur="500"/>
+                                        <p:tgtEl>
+                                          <p:spTgt spid="12"/>
+                                        </p:tgtEl>
+                                      </p:cBhvr>
+                                    </p:animEffect>
+                                    <p:set>
+                                      <p:cBhvr>
+                                        <p:cTn id="42" dur="1" fill="hold">
+                                          <p:stCondLst>
+                                            <p:cond delay="499"/>
+                                          </p:stCondLst>
+                                        </p:cTn>
+                                        <p:tgtEl>
+                                          <p:spTgt spid="12"/>
+                                        </p:tgtEl>
+                                        <p:attrNameLst>
+                                          <p:attrName>style.visibility</p:attrName>
+                                        </p:attrNameLst>
+                                      </p:cBhvr>
+                                      <p:to>
+                                        <p:strVal val="hidden"/>
+                                      </p:to>
+                                    </p:set>
+                                  </p:childTnLst>
+                                </p:cTn>
+                              </p:par>
+                            </p:childTnLst>
+                          </p:cTn>
+                        </p:par>
+                      </p:childTnLst>
+                    </p:cTn>
+                  </p:par>
+                </p:childTnLst>
+              </p:cTn>
+              <p:prevCondLst>
+                <p:cond evt="onPrev" delay="0">
+                  <p:tgtEl>
+                    <p:sldTgt/>
+                  </p:tgtEl>
+                </p:cond>
+              </p:prevCondLst>
+              <p:nextCondLst>
+                <p:cond evt="onNext" delay="0">
+                  <p:tgtEl>
+                    <p:sldTgt/>
+                  </p:tgtEl>
+                </p:cond>
+              </p:nextCondLst>
+            </p:seq>
+          </p:childTnLst>
+        </p:cTn>
+      </p:par>
+    </p:tnLst>
+    <p:bldLst>
+      <p:bldP spid="13" grpId="0"/>
+      <p:bldP spid="13" grpId="1"/>
+      <p:bldP spid="14" grpId="0"/>
+      <p:bldP spid="14" grpId="1"/>
+      <p:bldP spid="15" grpId="0"/>
+      <p:bldP spid="15" grpId="1"/>
+    </p:bldLst>
+  </p:timing>
+</p:sld>
+</file>
+
+<file path=ppt/slides/slide13.xml><?xml version="1.0" encoding="utf-8"?>
+<p:sld xmlns:a="http://schemas.openxmlformats.org/drawingml/2006/main" xmlns:r="http://schemas.openxmlformats.org/officeDocument/2006/relationships" xmlns:p="http://schemas.openxmlformats.org/presentationml/2006/main">
+  <p:cSld>
+    <p:spTree>
+      <p:nvGrpSpPr>
+        <p:cNvPr id="1" name=""/>
+        <p:cNvGrpSpPr/>
+        <p:nvPr/>
+      </p:nvGrpSpPr>
+      <p:grpSpPr>
+        <a:xfrm>
+          <a:off x="0" y="0"/>
+          <a:ext cx="0" cy="0"/>
+          <a:chOff x="0" y="0"/>
+          <a:chExt cx="0" cy="0"/>
+        </a:xfrm>
+      </p:grpSpPr>
+      <p:sp>
+        <p:nvSpPr>
+          <p:cNvPr id="2" name="Titolo 1"/>
+          <p:cNvSpPr>
+            <a:spLocks noGrp="1"/>
+          </p:cNvSpPr>
+          <p:nvPr>
+            <p:ph type="title"/>
+          </p:nvPr>
+        </p:nvSpPr>
+        <p:spPr/>
+        <p:txBody>
+          <a:bodyPr>
+            <a:normAutofit/>
+          </a:bodyPr>
+          <a:lstStyle/>
+          <a:p>
+            <a:r>
+              <a:rPr lang="en-GB" sz="6000" b="1" dirty="0">
+                <a:solidFill>
+                  <a:schemeClr val="accent6"/>
+                </a:solidFill>
+              </a:rPr>
+              <a:t>PROTOCOL - JOINING</a:t>
+            </a:r>
+            <a:endParaRPr lang="en-GB" sz="6000" dirty="0"/>
+          </a:p>
+        </p:txBody>
+      </p:sp>
+      <p:pic>
+        <p:nvPicPr>
+          <p:cNvPr id="3" name="Immagine 2"/>
+          <p:cNvPicPr>
+            <a:picLocks noChangeAspect="1"/>
+          </p:cNvPicPr>
+          <p:nvPr/>
+        </p:nvPicPr>
+        <p:blipFill>
+          <a:blip r:embed="rId2">
+            <a:extLst>
+              <a:ext uri="{28A0092B-C50C-407E-A947-70E740481C1C}">
+                <a14:useLocalDpi xmlns:a14="http://schemas.microsoft.com/office/drawing/2010/main" val="0"/>
+              </a:ext>
+            </a:extLst>
+          </a:blip>
+          <a:stretch>
+            <a:fillRect/>
+          </a:stretch>
+        </p:blipFill>
+        <p:spPr>
+          <a:xfrm>
+            <a:off x="5529314" y="2945225"/>
+            <a:ext cx="1956515" cy="1956515"/>
+          </a:xfrm>
+          <a:prstGeom prst="rect">
+            <a:avLst/>
+          </a:prstGeom>
+        </p:spPr>
+      </p:pic>
+      <p:pic>
+        <p:nvPicPr>
+          <p:cNvPr id="4" name="Immagine 3"/>
+          <p:cNvPicPr>
+            <a:picLocks noChangeAspect="1"/>
+          </p:cNvPicPr>
+          <p:nvPr/>
+        </p:nvPicPr>
+        <p:blipFill>
+          <a:blip r:embed="rId3">
+            <a:extLst>
+              <a:ext uri="{28A0092B-C50C-407E-A947-70E740481C1C}">
+                <a14:useLocalDpi xmlns:a14="http://schemas.microsoft.com/office/drawing/2010/main" val="0"/>
+              </a:ext>
+            </a:extLst>
+          </a:blip>
+          <a:stretch>
+            <a:fillRect/>
+          </a:stretch>
+        </p:blipFill>
+        <p:spPr>
+          <a:xfrm>
+            <a:off x="8875644" y="4901740"/>
+            <a:ext cx="570400" cy="870810"/>
+          </a:xfrm>
+          <a:prstGeom prst="rect">
+            <a:avLst/>
+          </a:prstGeom>
+        </p:spPr>
+      </p:pic>
+      <p:pic>
+        <p:nvPicPr>
+          <p:cNvPr id="5" name="Immagine 4"/>
+          <p:cNvPicPr>
+            <a:picLocks noChangeAspect="1"/>
+          </p:cNvPicPr>
+          <p:nvPr/>
+        </p:nvPicPr>
+        <p:blipFill>
+          <a:blip r:embed="rId4">
+            <a:extLst>
+              <a:ext uri="{28A0092B-C50C-407E-A947-70E740481C1C}">
+                <a14:useLocalDpi xmlns:a14="http://schemas.microsoft.com/office/drawing/2010/main" val="0"/>
+              </a:ext>
+            </a:extLst>
+          </a:blip>
+          <a:stretch>
+            <a:fillRect/>
+          </a:stretch>
+        </p:blipFill>
+        <p:spPr>
+          <a:xfrm>
+            <a:off x="1877548" y="4235201"/>
+            <a:ext cx="610930" cy="932686"/>
+          </a:xfrm>
+          <a:prstGeom prst="rect">
+            <a:avLst/>
+          </a:prstGeom>
+        </p:spPr>
+      </p:pic>
+      <p:pic>
+        <p:nvPicPr>
+          <p:cNvPr id="6" name="Immagine 5"/>
+          <p:cNvPicPr>
+            <a:picLocks noChangeAspect="1"/>
+          </p:cNvPicPr>
+          <p:nvPr/>
+        </p:nvPicPr>
+        <p:blipFill>
+          <a:blip r:embed="rId4">
+            <a:extLst>
+              <a:ext uri="{28A0092B-C50C-407E-A947-70E740481C1C}">
+                <a14:useLocalDpi xmlns:a14="http://schemas.microsoft.com/office/drawing/2010/main" val="0"/>
+              </a:ext>
+            </a:extLst>
+          </a:blip>
+          <a:stretch>
+            <a:fillRect/>
+          </a:stretch>
+        </p:blipFill>
+        <p:spPr>
+          <a:xfrm>
+            <a:off x="1177539" y="2496601"/>
+            <a:ext cx="610930" cy="932686"/>
+          </a:xfrm>
+          <a:prstGeom prst="rect">
+            <a:avLst/>
+          </a:prstGeom>
+        </p:spPr>
+      </p:pic>
+      <p:pic>
+        <p:nvPicPr>
+          <p:cNvPr id="7" name="Immagine 6"/>
+          <p:cNvPicPr>
+            <a:picLocks noChangeAspect="1"/>
+          </p:cNvPicPr>
+          <p:nvPr/>
+        </p:nvPicPr>
+        <p:blipFill>
+          <a:blip r:embed="rId4">
+            <a:extLst>
+              <a:ext uri="{28A0092B-C50C-407E-A947-70E740481C1C}">
+                <a14:useLocalDpi xmlns:a14="http://schemas.microsoft.com/office/drawing/2010/main" val="0"/>
+              </a:ext>
+            </a:extLst>
+          </a:blip>
+          <a:stretch>
+            <a:fillRect/>
+          </a:stretch>
+        </p:blipFill>
+        <p:spPr>
+          <a:xfrm>
+            <a:off x="3117848" y="1823144"/>
+            <a:ext cx="610930" cy="932686"/>
+          </a:xfrm>
+          <a:prstGeom prst="rect">
+            <a:avLst/>
+          </a:prstGeom>
+        </p:spPr>
+      </p:pic>
+      <p:cxnSp>
+        <p:nvCxnSpPr>
+          <p:cNvPr id="8" name="Connettore 2 7"/>
+          <p:cNvCxnSpPr>
+            <a:stCxn id="3" idx="1"/>
+            <a:endCxn id="7" idx="2"/>
+          </p:cNvCxnSpPr>
+          <p:nvPr/>
+        </p:nvCxnSpPr>
+        <p:spPr>
+          <a:xfrm flipH="1" flipV="1">
+            <a:off x="3423313" y="2755830"/>
+            <a:ext cx="2106001" cy="1167653"/>
+          </a:xfrm>
+          <a:prstGeom prst="straightConnector1">
+            <a:avLst/>
+          </a:prstGeom>
+          <a:ln w="38100">
+            <a:solidFill>
+              <a:srgbClr val="92D050"/>
+            </a:solidFill>
+            <a:tailEnd type="triangle"/>
+          </a:ln>
+        </p:spPr>
+        <p:style>
+          <a:lnRef idx="1">
+            <a:schemeClr val="accent1"/>
+          </a:lnRef>
+          <a:fillRef idx="0">
+            <a:schemeClr val="accent1"/>
+          </a:fillRef>
+          <a:effectRef idx="0">
+            <a:schemeClr val="accent1"/>
+          </a:effectRef>
+          <a:fontRef idx="minor">
+            <a:schemeClr val="tx1"/>
+          </a:fontRef>
+        </p:style>
+      </p:cxnSp>
+      <p:cxnSp>
+        <p:nvCxnSpPr>
+          <p:cNvPr id="9" name="Connettore 2 8"/>
+          <p:cNvCxnSpPr>
+            <a:stCxn id="3" idx="1"/>
+            <a:endCxn id="6" idx="3"/>
+          </p:cNvCxnSpPr>
+          <p:nvPr/>
+        </p:nvCxnSpPr>
+        <p:spPr>
+          <a:xfrm flipH="1" flipV="1">
+            <a:off x="1788469" y="2962944"/>
+            <a:ext cx="3740845" cy="960539"/>
+          </a:xfrm>
+          <a:prstGeom prst="straightConnector1">
+            <a:avLst/>
+          </a:prstGeom>
+          <a:ln w="38100">
+            <a:solidFill>
+              <a:srgbClr val="92D050"/>
+            </a:solidFill>
+            <a:tailEnd type="triangle"/>
+          </a:ln>
+        </p:spPr>
+        <p:style>
+          <a:lnRef idx="1">
+            <a:schemeClr val="accent1"/>
+          </a:lnRef>
+          <a:fillRef idx="0">
+            <a:schemeClr val="accent1"/>
+          </a:fillRef>
+          <a:effectRef idx="0">
+            <a:schemeClr val="accent1"/>
+          </a:effectRef>
+          <a:fontRef idx="minor">
+            <a:schemeClr val="tx1"/>
+          </a:fontRef>
+        </p:style>
+      </p:cxnSp>
+      <p:cxnSp>
+        <p:nvCxnSpPr>
+          <p:cNvPr id="10" name="Connettore 2 9"/>
+          <p:cNvCxnSpPr>
+            <a:stCxn id="3" idx="1"/>
+            <a:endCxn id="5" idx="3"/>
+          </p:cNvCxnSpPr>
+          <p:nvPr/>
+        </p:nvCxnSpPr>
+        <p:spPr>
+          <a:xfrm flipH="1">
+            <a:off x="2488478" y="3923483"/>
+            <a:ext cx="3040836" cy="778061"/>
+          </a:xfrm>
+          <a:prstGeom prst="straightConnector1">
+            <a:avLst/>
+          </a:prstGeom>
+          <a:ln w="38100">
+            <a:solidFill>
+              <a:srgbClr val="92D050"/>
+            </a:solidFill>
+            <a:tailEnd type="triangle"/>
+          </a:ln>
+        </p:spPr>
+        <p:style>
+          <a:lnRef idx="1">
+            <a:schemeClr val="accent1"/>
+          </a:lnRef>
+          <a:fillRef idx="0">
+            <a:schemeClr val="accent1"/>
+          </a:fillRef>
+          <a:effectRef idx="0">
+            <a:schemeClr val="accent1"/>
+          </a:effectRef>
+          <a:fontRef idx="minor">
+            <a:schemeClr val="tx1"/>
+          </a:fontRef>
+        </p:style>
+      </p:cxnSp>
+      <p:sp>
+        <p:nvSpPr>
+          <p:cNvPr id="11" name="CasellaDiTesto 10"/>
+          <p:cNvSpPr txBox="1"/>
+          <p:nvPr/>
+        </p:nvSpPr>
+        <p:spPr>
+          <a:xfrm rot="1738116">
+            <a:off x="3530269" y="3041693"/>
+            <a:ext cx="2036711" cy="369332"/>
+          </a:xfrm>
+          <a:prstGeom prst="rect">
+            <a:avLst/>
+          </a:prstGeom>
+          <a:noFill/>
+        </p:spPr>
+        <p:txBody>
+          <a:bodyPr wrap="none" rtlCol="0">
+            <a:spAutoFit/>
+          </a:bodyPr>
+          <a:lstStyle/>
+          <a:p>
+            <a:r>
+              <a:rPr lang="en-GB" b="1" dirty="0" smtClean="0">
+                <a:solidFill>
+                  <a:srgbClr val="00B050"/>
+                </a:solidFill>
+              </a:rPr>
+              <a:t>UPDATE COMPLETE</a:t>
+            </a:r>
+            <a:endParaRPr lang="en-GB" b="1" dirty="0">
+              <a:solidFill>
+                <a:srgbClr val="00B050"/>
+              </a:solidFill>
+            </a:endParaRPr>
+          </a:p>
+        </p:txBody>
+      </p:sp>
+      <p:sp>
+        <p:nvSpPr>
+          <p:cNvPr id="12" name="CasellaDiTesto 11"/>
+          <p:cNvSpPr txBox="1"/>
+          <p:nvPr/>
+        </p:nvSpPr>
+        <p:spPr>
+          <a:xfrm rot="916497">
+            <a:off x="2365654" y="3069573"/>
+            <a:ext cx="2036711" cy="369332"/>
+          </a:xfrm>
+          <a:prstGeom prst="rect">
+            <a:avLst/>
+          </a:prstGeom>
+          <a:noFill/>
+        </p:spPr>
+        <p:txBody>
+          <a:bodyPr wrap="none" rtlCol="0">
+            <a:spAutoFit/>
+          </a:bodyPr>
+          <a:lstStyle/>
+          <a:p>
+            <a:r>
+              <a:rPr lang="en-GB" b="1" dirty="0">
+                <a:solidFill>
+                  <a:srgbClr val="00B050"/>
+                </a:solidFill>
+              </a:rPr>
+              <a:t>UPDATE COMPLETE</a:t>
+            </a:r>
+          </a:p>
+        </p:txBody>
+      </p:sp>
+      <p:sp>
+        <p:nvSpPr>
+          <p:cNvPr id="13" name="CasellaDiTesto 12"/>
+          <p:cNvSpPr txBox="1"/>
+          <p:nvPr/>
+        </p:nvSpPr>
+        <p:spPr>
+          <a:xfrm rot="20821087">
+            <a:off x="2710422" y="4036196"/>
+            <a:ext cx="2036711" cy="369332"/>
+          </a:xfrm>
+          <a:prstGeom prst="rect">
+            <a:avLst/>
+          </a:prstGeom>
+          <a:noFill/>
+        </p:spPr>
+        <p:txBody>
+          <a:bodyPr wrap="none" rtlCol="0">
+            <a:spAutoFit/>
+          </a:bodyPr>
+          <a:lstStyle/>
+          <a:p>
+            <a:r>
+              <a:rPr lang="en-GB" b="1" dirty="0">
+                <a:solidFill>
+                  <a:srgbClr val="00B050"/>
+                </a:solidFill>
+              </a:rPr>
+              <a:t>UPDATE COMPLETE</a:t>
+            </a:r>
+          </a:p>
+        </p:txBody>
+      </p:sp>
+      <p:cxnSp>
+        <p:nvCxnSpPr>
+          <p:cNvPr id="20" name="Connettore 2 19"/>
+          <p:cNvCxnSpPr>
+            <a:stCxn id="3" idx="2"/>
+            <a:endCxn id="4" idx="1"/>
+          </p:cNvCxnSpPr>
+          <p:nvPr/>
+        </p:nvCxnSpPr>
+        <p:spPr>
+          <a:xfrm>
+            <a:off x="6507572" y="4901740"/>
+            <a:ext cx="2368072" cy="435405"/>
+          </a:xfrm>
+          <a:prstGeom prst="straightConnector1">
+            <a:avLst/>
+          </a:prstGeom>
+          <a:ln w="38100">
+            <a:solidFill>
+              <a:srgbClr val="0070C0"/>
+            </a:solidFill>
+            <a:tailEnd type="triangle"/>
+          </a:ln>
+        </p:spPr>
+        <p:style>
+          <a:lnRef idx="1">
+            <a:schemeClr val="accent1"/>
+          </a:lnRef>
+          <a:fillRef idx="0">
+            <a:schemeClr val="accent1"/>
+          </a:fillRef>
+          <a:effectRef idx="0">
+            <a:schemeClr val="accent1"/>
+          </a:effectRef>
+          <a:fontRef idx="minor">
+            <a:schemeClr val="tx1"/>
+          </a:fontRef>
+        </p:style>
+      </p:cxnSp>
+      <p:sp>
+        <p:nvSpPr>
+          <p:cNvPr id="23" name="CasellaDiTesto 22"/>
+          <p:cNvSpPr txBox="1"/>
+          <p:nvPr/>
+        </p:nvSpPr>
+        <p:spPr>
+          <a:xfrm rot="633660">
+            <a:off x="6935803" y="4781484"/>
+            <a:ext cx="1670457" cy="369332"/>
+          </a:xfrm>
+          <a:prstGeom prst="rect">
+            <a:avLst/>
+          </a:prstGeom>
+          <a:noFill/>
+        </p:spPr>
+        <p:txBody>
+          <a:bodyPr wrap="none" rtlCol="0">
+            <a:spAutoFit/>
+          </a:bodyPr>
+          <a:lstStyle/>
+          <a:p>
+            <a:r>
+              <a:rPr lang="en-GB" b="1" dirty="0" smtClean="0">
+                <a:solidFill>
+                  <a:srgbClr val="00B0F0"/>
+                </a:solidFill>
+              </a:rPr>
+              <a:t>JOIN ACCEPTED</a:t>
+            </a:r>
+            <a:endParaRPr lang="en-GB" b="1" dirty="0">
+              <a:solidFill>
+                <a:srgbClr val="00B0F0"/>
+              </a:solidFill>
+            </a:endParaRPr>
+          </a:p>
+        </p:txBody>
+      </p:sp>
+      <p:pic>
+        <p:nvPicPr>
+          <p:cNvPr id="24" name="Immagine 23"/>
+          <p:cNvPicPr>
+            <a:picLocks noChangeAspect="1"/>
+          </p:cNvPicPr>
+          <p:nvPr/>
+        </p:nvPicPr>
+        <p:blipFill>
+          <a:blip r:embed="rId4">
+            <a:extLst>
+              <a:ext uri="{28A0092B-C50C-407E-A947-70E740481C1C}">
+                <a14:useLocalDpi xmlns:a14="http://schemas.microsoft.com/office/drawing/2010/main" val="0"/>
+              </a:ext>
+            </a:extLst>
+          </a:blip>
+          <a:stretch>
+            <a:fillRect/>
+          </a:stretch>
+        </p:blipFill>
+        <p:spPr>
+          <a:xfrm>
+            <a:off x="8848177" y="4870802"/>
+            <a:ext cx="610930" cy="932686"/>
+          </a:xfrm>
+          <a:prstGeom prst="rect">
+            <a:avLst/>
+          </a:prstGeom>
+        </p:spPr>
+      </p:pic>
+    </p:spTree>
+    <p:extLst>
+      <p:ext uri="{BB962C8B-B14F-4D97-AF65-F5344CB8AC3E}">
+        <p14:creationId xmlns:p14="http://schemas.microsoft.com/office/powerpoint/2010/main" val="4103922544"/>
+      </p:ext>
+    </p:extLst>
+  </p:cSld>
+  <p:clrMapOvr>
+    <a:masterClrMapping/>
+  </p:clrMapOvr>
+  <p:timing>
+    <p:tnLst>
+      <p:par>
+        <p:cTn id="1" dur="indefinite" restart="never" nodeType="tmRoot">
+          <p:childTnLst>
+            <p:seq concurrent="1" nextAc="seek">
+              <p:cTn id="2" dur="indefinite" nodeType="mainSeq">
+                <p:childTnLst>
+                  <p:par>
+                    <p:cTn id="3" fill="hold">
+                      <p:stCondLst>
+                        <p:cond delay="indefinite"/>
+                      </p:stCondLst>
+                      <p:childTnLst>
+                        <p:par>
+                          <p:cTn id="4" fill="hold">
+                            <p:stCondLst>
+                              <p:cond delay="0"/>
+                            </p:stCondLst>
+                            <p:childTnLst>
+                              <p:par>
+                                <p:cTn id="5" presetID="22" presetClass="entr" presetSubtype="4" fill="hold" nodeType="clickEffect">
+                                  <p:stCondLst>
+                                    <p:cond delay="0"/>
+                                  </p:stCondLst>
+                                  <p:childTnLst>
+                                    <p:set>
+                                      <p:cBhvr>
+                                        <p:cTn id="6" dur="1" fill="hold">
+                                          <p:stCondLst>
+                                            <p:cond delay="0"/>
+                                          </p:stCondLst>
+                                        </p:cTn>
+                                        <p:tgtEl>
+                                          <p:spTgt spid="9"/>
+                                        </p:tgtEl>
+                                        <p:attrNameLst>
+                                          <p:attrName>style.visibility</p:attrName>
+                                        </p:attrNameLst>
+                                      </p:cBhvr>
+                                      <p:to>
+                                        <p:strVal val="visible"/>
+                                      </p:to>
+                                    </p:set>
+                                    <p:animEffect transition="in" filter="wipe(down)">
+                                      <p:cBhvr>
+                                        <p:cTn id="7" dur="500"/>
+                                        <p:tgtEl>
+                                          <p:spTgt spid="9"/>
+                                        </p:tgtEl>
+                                      </p:cBhvr>
+                                    </p:animEffect>
+                                  </p:childTnLst>
+                                </p:cTn>
+                              </p:par>
+                              <p:par>
+                                <p:cTn id="8" presetID="22" presetClass="entr" presetSubtype="4" fill="hold" nodeType="withEffect">
+                                  <p:stCondLst>
+                                    <p:cond delay="0"/>
+                                  </p:stCondLst>
+                                  <p:childTnLst>
+                                    <p:set>
+                                      <p:cBhvr>
+                                        <p:cTn id="9" dur="1" fill="hold">
+                                          <p:stCondLst>
+                                            <p:cond delay="0"/>
+                                          </p:stCondLst>
+                                        </p:cTn>
+                                        <p:tgtEl>
+                                          <p:spTgt spid="8"/>
+                                        </p:tgtEl>
+                                        <p:attrNameLst>
+                                          <p:attrName>style.visibility</p:attrName>
+                                        </p:attrNameLst>
+                                      </p:cBhvr>
+                                      <p:to>
+                                        <p:strVal val="visible"/>
+                                      </p:to>
+                                    </p:set>
+                                    <p:animEffect transition="in" filter="wipe(down)">
+                                      <p:cBhvr>
+                                        <p:cTn id="10" dur="500"/>
+                                        <p:tgtEl>
+                                          <p:spTgt spid="8"/>
+                                        </p:tgtEl>
+                                      </p:cBhvr>
+                                    </p:animEffect>
+                                  </p:childTnLst>
+                                </p:cTn>
+                              </p:par>
+                              <p:par>
+                                <p:cTn id="11" presetID="22" presetClass="entr" presetSubtype="4" fill="hold" grpId="0" nodeType="withEffect">
+                                  <p:stCondLst>
+                                    <p:cond delay="0"/>
+                                  </p:stCondLst>
+                                  <p:childTnLst>
+                                    <p:set>
+                                      <p:cBhvr>
+                                        <p:cTn id="12" dur="1" fill="hold">
+                                          <p:stCondLst>
+                                            <p:cond delay="0"/>
+                                          </p:stCondLst>
+                                        </p:cTn>
+                                        <p:tgtEl>
+                                          <p:spTgt spid="11"/>
+                                        </p:tgtEl>
+                                        <p:attrNameLst>
+                                          <p:attrName>style.visibility</p:attrName>
+                                        </p:attrNameLst>
+                                      </p:cBhvr>
+                                      <p:to>
+                                        <p:strVal val="visible"/>
+                                      </p:to>
+                                    </p:set>
+                                    <p:animEffect transition="in" filter="wipe(down)">
+                                      <p:cBhvr>
+                                        <p:cTn id="13" dur="500"/>
+                                        <p:tgtEl>
+                                          <p:spTgt spid="11"/>
+                                        </p:tgtEl>
+                                      </p:cBhvr>
+                                    </p:animEffect>
+                                  </p:childTnLst>
+                                </p:cTn>
+                              </p:par>
+                              <p:par>
+                                <p:cTn id="14" presetID="22" presetClass="entr" presetSubtype="4" fill="hold" grpId="0" nodeType="withEffect">
+                                  <p:stCondLst>
+                                    <p:cond delay="0"/>
+                                  </p:stCondLst>
+                                  <p:childTnLst>
+                                    <p:set>
+                                      <p:cBhvr>
+                                        <p:cTn id="15" dur="1" fill="hold">
+                                          <p:stCondLst>
+                                            <p:cond delay="0"/>
+                                          </p:stCondLst>
+                                        </p:cTn>
+                                        <p:tgtEl>
+                                          <p:spTgt spid="12"/>
+                                        </p:tgtEl>
+                                        <p:attrNameLst>
+                                          <p:attrName>style.visibility</p:attrName>
+                                        </p:attrNameLst>
+                                      </p:cBhvr>
+                                      <p:to>
+                                        <p:strVal val="visible"/>
+                                      </p:to>
+                                    </p:set>
+                                    <p:animEffect transition="in" filter="wipe(down)">
+                                      <p:cBhvr>
+                                        <p:cTn id="16" dur="500"/>
+                                        <p:tgtEl>
+                                          <p:spTgt spid="12"/>
+                                        </p:tgtEl>
+                                      </p:cBhvr>
+                                    </p:animEffect>
+                                  </p:childTnLst>
+                                </p:cTn>
+                              </p:par>
+                              <p:par>
+                                <p:cTn id="17" presetID="22" presetClass="entr" presetSubtype="4" fill="hold" grpId="0" nodeType="withEffect">
+                                  <p:stCondLst>
+                                    <p:cond delay="0"/>
+                                  </p:stCondLst>
+                                  <p:childTnLst>
+                                    <p:set>
+                                      <p:cBhvr>
+                                        <p:cTn id="18" dur="1" fill="hold">
+                                          <p:stCondLst>
+                                            <p:cond delay="0"/>
+                                          </p:stCondLst>
+                                        </p:cTn>
+                                        <p:tgtEl>
+                                          <p:spTgt spid="13"/>
+                                        </p:tgtEl>
+                                        <p:attrNameLst>
+                                          <p:attrName>style.visibility</p:attrName>
+                                        </p:attrNameLst>
+                                      </p:cBhvr>
+                                      <p:to>
+                                        <p:strVal val="visible"/>
+                                      </p:to>
+                                    </p:set>
+                                    <p:animEffect transition="in" filter="wipe(down)">
+                                      <p:cBhvr>
+                                        <p:cTn id="19" dur="500"/>
+                                        <p:tgtEl>
+                                          <p:spTgt spid="13"/>
+                                        </p:tgtEl>
+                                      </p:cBhvr>
+                                    </p:animEffect>
+                                  </p:childTnLst>
+                                </p:cTn>
+                              </p:par>
+                              <p:par>
+                                <p:cTn id="20" presetID="22" presetClass="entr" presetSubtype="4" fill="hold" nodeType="withEffect">
+                                  <p:stCondLst>
+                                    <p:cond delay="0"/>
+                                  </p:stCondLst>
+                                  <p:childTnLst>
+                                    <p:set>
+                                      <p:cBhvr>
+                                        <p:cTn id="21" dur="1" fill="hold">
+                                          <p:stCondLst>
+                                            <p:cond delay="0"/>
+                                          </p:stCondLst>
+                                        </p:cTn>
+                                        <p:tgtEl>
+                                          <p:spTgt spid="10"/>
+                                        </p:tgtEl>
+                                        <p:attrNameLst>
+                                          <p:attrName>style.visibility</p:attrName>
+                                        </p:attrNameLst>
+                                      </p:cBhvr>
+                                      <p:to>
+                                        <p:strVal val="visible"/>
+                                      </p:to>
+                                    </p:set>
+                                    <p:animEffect transition="in" filter="wipe(down)">
+                                      <p:cBhvr>
+                                        <p:cTn id="22" dur="500"/>
+                                        <p:tgtEl>
+                                          <p:spTgt spid="10"/>
+                                        </p:tgtEl>
+                                      </p:cBhvr>
+                                    </p:animEffect>
+                                  </p:childTnLst>
+                                </p:cTn>
+                              </p:par>
+                              <p:par>
+                                <p:cTn id="23" presetID="22" presetClass="entr" presetSubtype="4" fill="hold" nodeType="withEffect">
+                                  <p:stCondLst>
+                                    <p:cond delay="0"/>
+                                  </p:stCondLst>
+                                  <p:childTnLst>
+                                    <p:set>
+                                      <p:cBhvr>
+                                        <p:cTn id="24" dur="1" fill="hold">
+                                          <p:stCondLst>
+                                            <p:cond delay="0"/>
+                                          </p:stCondLst>
+                                        </p:cTn>
+                                        <p:tgtEl>
+                                          <p:spTgt spid="20"/>
+                                        </p:tgtEl>
+                                        <p:attrNameLst>
+                                          <p:attrName>style.visibility</p:attrName>
+                                        </p:attrNameLst>
+                                      </p:cBhvr>
+                                      <p:to>
+                                        <p:strVal val="visible"/>
+                                      </p:to>
+                                    </p:set>
+                                    <p:animEffect transition="in" filter="wipe(down)">
+                                      <p:cBhvr>
+                                        <p:cTn id="25" dur="500"/>
+                                        <p:tgtEl>
+                                          <p:spTgt spid="20"/>
+                                        </p:tgtEl>
+                                      </p:cBhvr>
+                                    </p:animEffect>
+                                  </p:childTnLst>
+                                </p:cTn>
+                              </p:par>
+                              <p:par>
+                                <p:cTn id="26" presetID="22" presetClass="entr" presetSubtype="4" fill="hold" grpId="0" nodeType="withEffect">
+                                  <p:stCondLst>
+                                    <p:cond delay="0"/>
+                                  </p:stCondLst>
+                                  <p:childTnLst>
+                                    <p:set>
+                                      <p:cBhvr>
+                                        <p:cTn id="27" dur="1" fill="hold">
+                                          <p:stCondLst>
+                                            <p:cond delay="0"/>
+                                          </p:stCondLst>
+                                        </p:cTn>
+                                        <p:tgtEl>
+                                          <p:spTgt spid="23"/>
+                                        </p:tgtEl>
+                                        <p:attrNameLst>
+                                          <p:attrName>style.visibility</p:attrName>
+                                        </p:attrNameLst>
+                                      </p:cBhvr>
+                                      <p:to>
+                                        <p:strVal val="visible"/>
+                                      </p:to>
+                                    </p:set>
+                                    <p:animEffect transition="in" filter="wipe(down)">
+                                      <p:cBhvr>
+                                        <p:cTn id="28" dur="500"/>
+                                        <p:tgtEl>
+                                          <p:spTgt spid="23"/>
+                                        </p:tgtEl>
+                                      </p:cBhvr>
+                                    </p:animEffect>
+                                  </p:childTnLst>
+                                </p:cTn>
+                              </p:par>
+                            </p:childTnLst>
+                          </p:cTn>
+                        </p:par>
+                      </p:childTnLst>
+                    </p:cTn>
+                  </p:par>
+                  <p:par>
+                    <p:cTn id="29" fill="hold">
+                      <p:stCondLst>
+                        <p:cond delay="indefinite"/>
+                      </p:stCondLst>
+                      <p:childTnLst>
+                        <p:par>
+                          <p:cTn id="30" fill="hold">
+                            <p:stCondLst>
+                              <p:cond delay="0"/>
+                            </p:stCondLst>
+                            <p:childTnLst>
+                              <p:par>
+                                <p:cTn id="31" presetID="22" presetClass="exit" presetSubtype="4" fill="hold" nodeType="clickEffect">
+                                  <p:stCondLst>
+                                    <p:cond delay="0"/>
+                                  </p:stCondLst>
+                                  <p:childTnLst>
+                                    <p:animEffect transition="out" filter="wipe(down)">
+                                      <p:cBhvr>
+                                        <p:cTn id="32" dur="500"/>
+                                        <p:tgtEl>
+                                          <p:spTgt spid="9"/>
+                                        </p:tgtEl>
+                                      </p:cBhvr>
+                                    </p:animEffect>
+                                    <p:set>
+                                      <p:cBhvr>
+                                        <p:cTn id="33" dur="1" fill="hold">
+                                          <p:stCondLst>
+                                            <p:cond delay="499"/>
+                                          </p:stCondLst>
+                                        </p:cTn>
+                                        <p:tgtEl>
+                                          <p:spTgt spid="9"/>
+                                        </p:tgtEl>
+                                        <p:attrNameLst>
+                                          <p:attrName>style.visibility</p:attrName>
+                                        </p:attrNameLst>
+                                      </p:cBhvr>
+                                      <p:to>
+                                        <p:strVal val="hidden"/>
+                                      </p:to>
+                                    </p:set>
+                                  </p:childTnLst>
+                                </p:cTn>
+                              </p:par>
+                              <p:par>
+                                <p:cTn id="34" presetID="22" presetClass="exit" presetSubtype="4" fill="hold" nodeType="withEffect">
+                                  <p:stCondLst>
+                                    <p:cond delay="0"/>
+                                  </p:stCondLst>
+                                  <p:childTnLst>
+                                    <p:animEffect transition="out" filter="wipe(down)">
+                                      <p:cBhvr>
+                                        <p:cTn id="35" dur="500"/>
+                                        <p:tgtEl>
+                                          <p:spTgt spid="8"/>
+                                        </p:tgtEl>
+                                      </p:cBhvr>
+                                    </p:animEffect>
+                                    <p:set>
+                                      <p:cBhvr>
+                                        <p:cTn id="36" dur="1" fill="hold">
+                                          <p:stCondLst>
+                                            <p:cond delay="499"/>
+                                          </p:stCondLst>
+                                        </p:cTn>
+                                        <p:tgtEl>
+                                          <p:spTgt spid="8"/>
+                                        </p:tgtEl>
+                                        <p:attrNameLst>
+                                          <p:attrName>style.visibility</p:attrName>
+                                        </p:attrNameLst>
+                                      </p:cBhvr>
+                                      <p:to>
+                                        <p:strVal val="hidden"/>
+                                      </p:to>
+                                    </p:set>
+                                  </p:childTnLst>
+                                </p:cTn>
+                              </p:par>
+                              <p:par>
+                                <p:cTn id="37" presetID="22" presetClass="exit" presetSubtype="4" fill="hold" grpId="1" nodeType="withEffect">
+                                  <p:stCondLst>
+                                    <p:cond delay="0"/>
+                                  </p:stCondLst>
+                                  <p:childTnLst>
+                                    <p:animEffect transition="out" filter="wipe(down)">
+                                      <p:cBhvr>
+                                        <p:cTn id="38" dur="500"/>
+                                        <p:tgtEl>
+                                          <p:spTgt spid="11"/>
+                                        </p:tgtEl>
+                                      </p:cBhvr>
+                                    </p:animEffect>
+                                    <p:set>
+                                      <p:cBhvr>
+                                        <p:cTn id="39" dur="1" fill="hold">
+                                          <p:stCondLst>
+                                            <p:cond delay="499"/>
+                                          </p:stCondLst>
+                                        </p:cTn>
+                                        <p:tgtEl>
+                                          <p:spTgt spid="11"/>
+                                        </p:tgtEl>
+                                        <p:attrNameLst>
+                                          <p:attrName>style.visibility</p:attrName>
+                                        </p:attrNameLst>
+                                      </p:cBhvr>
+                                      <p:to>
+                                        <p:strVal val="hidden"/>
+                                      </p:to>
+                                    </p:set>
+                                  </p:childTnLst>
+                                </p:cTn>
+                              </p:par>
+                              <p:par>
+                                <p:cTn id="40" presetID="22" presetClass="exit" presetSubtype="4" fill="hold" grpId="1" nodeType="withEffect">
+                                  <p:stCondLst>
+                                    <p:cond delay="0"/>
+                                  </p:stCondLst>
+                                  <p:childTnLst>
+                                    <p:animEffect transition="out" filter="wipe(down)">
+                                      <p:cBhvr>
+                                        <p:cTn id="41" dur="500"/>
+                                        <p:tgtEl>
+                                          <p:spTgt spid="12"/>
+                                        </p:tgtEl>
+                                      </p:cBhvr>
+                                    </p:animEffect>
+                                    <p:set>
+                                      <p:cBhvr>
+                                        <p:cTn id="42" dur="1" fill="hold">
+                                          <p:stCondLst>
+                                            <p:cond delay="499"/>
+                                          </p:stCondLst>
+                                        </p:cTn>
+                                        <p:tgtEl>
+                                          <p:spTgt spid="12"/>
+                                        </p:tgtEl>
+                                        <p:attrNameLst>
+                                          <p:attrName>style.visibility</p:attrName>
+                                        </p:attrNameLst>
+                                      </p:cBhvr>
+                                      <p:to>
+                                        <p:strVal val="hidden"/>
+                                      </p:to>
+                                    </p:set>
+                                  </p:childTnLst>
+                                </p:cTn>
+                              </p:par>
+                              <p:par>
+                                <p:cTn id="43" presetID="22" presetClass="exit" presetSubtype="4" fill="hold" grpId="1" nodeType="withEffect">
+                                  <p:stCondLst>
+                                    <p:cond delay="0"/>
+                                  </p:stCondLst>
+                                  <p:childTnLst>
+                                    <p:animEffect transition="out" filter="wipe(down)">
+                                      <p:cBhvr>
+                                        <p:cTn id="44" dur="500"/>
+                                        <p:tgtEl>
+                                          <p:spTgt spid="13"/>
+                                        </p:tgtEl>
+                                      </p:cBhvr>
+                                    </p:animEffect>
+                                    <p:set>
+                                      <p:cBhvr>
+                                        <p:cTn id="45" dur="1" fill="hold">
+                                          <p:stCondLst>
+                                            <p:cond delay="499"/>
+                                          </p:stCondLst>
+                                        </p:cTn>
+                                        <p:tgtEl>
+                                          <p:spTgt spid="13"/>
+                                        </p:tgtEl>
+                                        <p:attrNameLst>
+                                          <p:attrName>style.visibility</p:attrName>
+                                        </p:attrNameLst>
+                                      </p:cBhvr>
+                                      <p:to>
+                                        <p:strVal val="hidden"/>
+                                      </p:to>
+                                    </p:set>
+                                  </p:childTnLst>
+                                </p:cTn>
+                              </p:par>
+                              <p:par>
+                                <p:cTn id="46" presetID="22" presetClass="exit" presetSubtype="4" fill="hold" nodeType="withEffect">
+                                  <p:stCondLst>
+                                    <p:cond delay="0"/>
+                                  </p:stCondLst>
+                                  <p:childTnLst>
+                                    <p:animEffect transition="out" filter="wipe(down)">
+                                      <p:cBhvr>
+                                        <p:cTn id="47" dur="500"/>
+                                        <p:tgtEl>
+                                          <p:spTgt spid="10"/>
+                                        </p:tgtEl>
+                                      </p:cBhvr>
+                                    </p:animEffect>
+                                    <p:set>
+                                      <p:cBhvr>
+                                        <p:cTn id="48" dur="1" fill="hold">
+                                          <p:stCondLst>
+                                            <p:cond delay="499"/>
+                                          </p:stCondLst>
+                                        </p:cTn>
+                                        <p:tgtEl>
+                                          <p:spTgt spid="10"/>
+                                        </p:tgtEl>
+                                        <p:attrNameLst>
+                                          <p:attrName>style.visibility</p:attrName>
+                                        </p:attrNameLst>
+                                      </p:cBhvr>
+                                      <p:to>
+                                        <p:strVal val="hidden"/>
+                                      </p:to>
+                                    </p:set>
+                                  </p:childTnLst>
+                                </p:cTn>
+                              </p:par>
+                              <p:par>
+                                <p:cTn id="49" presetID="22" presetClass="exit" presetSubtype="4" fill="hold" nodeType="withEffect">
+                                  <p:stCondLst>
+                                    <p:cond delay="0"/>
+                                  </p:stCondLst>
+                                  <p:childTnLst>
+                                    <p:animEffect transition="out" filter="wipe(down)">
+                                      <p:cBhvr>
+                                        <p:cTn id="50" dur="500"/>
+                                        <p:tgtEl>
+                                          <p:spTgt spid="20"/>
+                                        </p:tgtEl>
+                                      </p:cBhvr>
+                                    </p:animEffect>
+                                    <p:set>
+                                      <p:cBhvr>
+                                        <p:cTn id="51" dur="1" fill="hold">
+                                          <p:stCondLst>
+                                            <p:cond delay="499"/>
+                                          </p:stCondLst>
+                                        </p:cTn>
+                                        <p:tgtEl>
+                                          <p:spTgt spid="20"/>
+                                        </p:tgtEl>
+                                        <p:attrNameLst>
+                                          <p:attrName>style.visibility</p:attrName>
+                                        </p:attrNameLst>
+                                      </p:cBhvr>
+                                      <p:to>
+                                        <p:strVal val="hidden"/>
+                                      </p:to>
+                                    </p:set>
+                                  </p:childTnLst>
+                                </p:cTn>
+                              </p:par>
+                              <p:par>
+                                <p:cTn id="52" presetID="22" presetClass="exit" presetSubtype="4" fill="hold" grpId="1" nodeType="withEffect">
+                                  <p:stCondLst>
+                                    <p:cond delay="0"/>
+                                  </p:stCondLst>
+                                  <p:childTnLst>
+                                    <p:animEffect transition="out" filter="wipe(down)">
+                                      <p:cBhvr>
+                                        <p:cTn id="53" dur="500"/>
+                                        <p:tgtEl>
+                                          <p:spTgt spid="23"/>
+                                        </p:tgtEl>
+                                      </p:cBhvr>
+                                    </p:animEffect>
+                                    <p:set>
+                                      <p:cBhvr>
+                                        <p:cTn id="54" dur="1" fill="hold">
+                                          <p:stCondLst>
+                                            <p:cond delay="499"/>
+                                          </p:stCondLst>
+                                        </p:cTn>
+                                        <p:tgtEl>
+                                          <p:spTgt spid="23"/>
+                                        </p:tgtEl>
+                                        <p:attrNameLst>
+                                          <p:attrName>style.visibility</p:attrName>
+                                        </p:attrNameLst>
+                                      </p:cBhvr>
+                                      <p:to>
+                                        <p:strVal val="hidden"/>
+                                      </p:to>
+                                    </p:set>
+                                  </p:childTnLst>
+                                </p:cTn>
+                              </p:par>
+                            </p:childTnLst>
+                          </p:cTn>
+                        </p:par>
+                      </p:childTnLst>
+                    </p:cTn>
+                  </p:par>
+                  <p:par>
+                    <p:cTn id="55" fill="hold">
+                      <p:stCondLst>
+                        <p:cond delay="indefinite"/>
+                      </p:stCondLst>
+                      <p:childTnLst>
+                        <p:par>
+                          <p:cTn id="56" fill="hold">
+                            <p:stCondLst>
+                              <p:cond delay="0"/>
+                            </p:stCondLst>
+                            <p:childTnLst>
+                              <p:par>
+                                <p:cTn id="57" presetID="22" presetClass="entr" presetSubtype="4" fill="hold" nodeType="clickEffect">
+                                  <p:stCondLst>
+                                    <p:cond delay="0"/>
+                                  </p:stCondLst>
+                                  <p:childTnLst>
+                                    <p:set>
+                                      <p:cBhvr>
+                                        <p:cTn id="58" dur="1" fill="hold">
+                                          <p:stCondLst>
+                                            <p:cond delay="0"/>
+                                          </p:stCondLst>
+                                        </p:cTn>
+                                        <p:tgtEl>
+                                          <p:spTgt spid="24"/>
+                                        </p:tgtEl>
+                                        <p:attrNameLst>
+                                          <p:attrName>style.visibility</p:attrName>
+                                        </p:attrNameLst>
+                                      </p:cBhvr>
+                                      <p:to>
+                                        <p:strVal val="visible"/>
+                                      </p:to>
+                                    </p:set>
+                                    <p:animEffect transition="in" filter="wipe(down)">
+                                      <p:cBhvr>
+                                        <p:cTn id="59" dur="500"/>
+                                        <p:tgtEl>
+                                          <p:spTgt spid="24"/>
+                                        </p:tgtEl>
+                                      </p:cBhvr>
+                                    </p:animEffect>
+                                  </p:childTnLst>
+                                </p:cTn>
+                              </p:par>
+                            </p:childTnLst>
+                          </p:cTn>
+                        </p:par>
+                      </p:childTnLst>
+                    </p:cTn>
+                  </p:par>
+                </p:childTnLst>
+              </p:cTn>
+              <p:prevCondLst>
+                <p:cond evt="onPrev" delay="0">
+                  <p:tgtEl>
+                    <p:sldTgt/>
+                  </p:tgtEl>
+                </p:cond>
+              </p:prevCondLst>
+              <p:nextCondLst>
+                <p:cond evt="onNext" delay="0">
+                  <p:tgtEl>
+                    <p:sldTgt/>
+                  </p:tgtEl>
+                </p:cond>
+              </p:nextCondLst>
+            </p:seq>
+          </p:childTnLst>
+        </p:cTn>
+      </p:par>
+    </p:tnLst>
+    <p:bldLst>
+      <p:bldP spid="11" grpId="0"/>
+      <p:bldP spid="11" grpId="1"/>
+      <p:bldP spid="12" grpId="0"/>
+      <p:bldP spid="12" grpId="1"/>
+      <p:bldP spid="13" grpId="0"/>
+      <p:bldP spid="13" grpId="1"/>
+      <p:bldP spid="23" grpId="0"/>
+      <p:bldP spid="23" grpId="1"/>
+    </p:bldLst>
+  </p:timing>
+</p:sld>
+</file>
+
+<file path=ppt/slides/slide14.xml><?xml version="1.0" encoding="utf-8"?>
+<p:sld xmlns:a="http://schemas.openxmlformats.org/drawingml/2006/main" xmlns:r="http://schemas.openxmlformats.org/officeDocument/2006/relationships" xmlns:p="http://schemas.openxmlformats.org/presentationml/2006/main">
+  <p:cSld>
+    <p:spTree>
+      <p:nvGrpSpPr>
+        <p:cNvPr id="1" name=""/>
+        <p:cNvGrpSpPr/>
+        <p:nvPr/>
+      </p:nvGrpSpPr>
+      <p:grpSpPr>
+        <a:xfrm>
+          <a:off x="0" y="0"/>
+          <a:ext cx="0" cy="0"/>
+          <a:chOff x="0" y="0"/>
+          <a:chExt cx="0" cy="0"/>
+        </a:xfrm>
+      </p:grpSpPr>
+      <p:sp>
+        <p:nvSpPr>
+          <p:cNvPr id="2" name="Titolo 1"/>
+          <p:cNvSpPr>
+            <a:spLocks noGrp="1"/>
+          </p:cNvSpPr>
+          <p:nvPr>
+            <p:ph type="title"/>
+          </p:nvPr>
+        </p:nvSpPr>
+        <p:spPr/>
+        <p:txBody>
+          <a:bodyPr>
+            <a:normAutofit/>
+          </a:bodyPr>
+          <a:lstStyle/>
+          <a:p>
+            <a:r>
+              <a:rPr lang="en-GB" sz="6000" b="1" dirty="0">
+                <a:solidFill>
+                  <a:schemeClr val="accent6"/>
+                </a:solidFill>
+              </a:rPr>
+              <a:t>PROTOCOL - </a:t>
+            </a:r>
+            <a:r>
+              <a:rPr lang="en-GB" sz="6000" b="1" dirty="0" smtClean="0">
+                <a:solidFill>
+                  <a:schemeClr val="accent6"/>
+                </a:solidFill>
+              </a:rPr>
+              <a:t>LEAVING</a:t>
+            </a:r>
+            <a:endParaRPr lang="en-GB" sz="6000" dirty="0"/>
+          </a:p>
+        </p:txBody>
+      </p:sp>
+      <p:sp>
+        <p:nvSpPr>
+          <p:cNvPr id="3" name="CasellaDiTesto 2"/>
+          <p:cNvSpPr txBox="1"/>
+          <p:nvPr/>
+        </p:nvSpPr>
+        <p:spPr>
+          <a:xfrm>
+            <a:off x="838200" y="1690688"/>
+            <a:ext cx="8834908" cy="3970318"/>
+          </a:xfrm>
+          <a:prstGeom prst="rect">
+            <a:avLst/>
+          </a:prstGeom>
+          <a:noFill/>
+        </p:spPr>
+        <p:txBody>
+          <a:bodyPr wrap="square" rtlCol="0">
+            <a:spAutoFit/>
+          </a:bodyPr>
+          <a:lstStyle/>
+          <a:p>
+            <a:r>
+              <a:rPr lang="en-GB" dirty="0" smtClean="0"/>
+              <a:t>Now we can speak about the protocol used when a member wants lo </a:t>
+            </a:r>
+            <a:r>
+              <a:rPr lang="en-GB" b="1" u="sng" dirty="0" smtClean="0"/>
+              <a:t>leave the group</a:t>
+            </a:r>
+            <a:r>
+              <a:rPr lang="en-GB" dirty="0" smtClean="0"/>
+              <a:t> and the exchanged messages. </a:t>
+            </a:r>
+          </a:p>
+          <a:p>
+            <a:endParaRPr lang="en-GB" dirty="0" smtClean="0"/>
+          </a:p>
+          <a:p>
+            <a:pPr marL="800100" lvl="1" indent="-342900">
+              <a:buFont typeface="+mj-lt"/>
+              <a:buAutoNum type="arabicPeriod"/>
+            </a:pPr>
+            <a:r>
+              <a:rPr lang="en-GB" dirty="0" smtClean="0"/>
+              <a:t>A member sends a </a:t>
+            </a:r>
+            <a:r>
+              <a:rPr lang="en-GB" b="1" u="sng" dirty="0" smtClean="0"/>
+              <a:t>LEAVE REQUEST</a:t>
+            </a:r>
+            <a:r>
+              <a:rPr lang="en-GB" dirty="0" smtClean="0"/>
+              <a:t> to the server.</a:t>
+            </a:r>
+          </a:p>
+          <a:p>
+            <a:pPr marL="800100" lvl="1" indent="-342900">
+              <a:buFont typeface="+mj-lt"/>
+              <a:buAutoNum type="arabicPeriod"/>
+            </a:pPr>
+            <a:endParaRPr lang="en-GB" dirty="0" smtClean="0"/>
+          </a:p>
+          <a:p>
+            <a:pPr marL="800100" lvl="1" indent="-342900">
+              <a:buFont typeface="+mj-lt"/>
+              <a:buAutoNum type="arabicPeriod"/>
+            </a:pPr>
+            <a:r>
+              <a:rPr lang="en-GB" dirty="0" smtClean="0"/>
+              <a:t>The server manages the request changing the keys and sends them to the other members in a “</a:t>
+            </a:r>
+            <a:r>
+              <a:rPr lang="en-GB" b="1" u="sng" dirty="0" smtClean="0"/>
+              <a:t>SOMEONE IS LEAVING</a:t>
+            </a:r>
+            <a:r>
+              <a:rPr lang="en-GB" dirty="0" smtClean="0"/>
+              <a:t>” message.</a:t>
+            </a:r>
+          </a:p>
+          <a:p>
+            <a:pPr marL="800100" lvl="1" indent="-342900">
+              <a:buFont typeface="+mj-lt"/>
+              <a:buAutoNum type="arabicPeriod"/>
+            </a:pPr>
+            <a:endParaRPr lang="en-GB" dirty="0"/>
+          </a:p>
+          <a:p>
+            <a:pPr marL="800100" lvl="1" indent="-342900">
+              <a:buFont typeface="+mj-lt"/>
+              <a:buAutoNum type="arabicPeriod"/>
+            </a:pPr>
+            <a:r>
+              <a:rPr lang="en-GB" dirty="0" smtClean="0"/>
+              <a:t>Each member stops sending messaged, updates his keys and sends an </a:t>
+            </a:r>
+            <a:r>
+              <a:rPr lang="en-GB" b="1" u="sng" dirty="0" smtClean="0"/>
+              <a:t>ACKNOWLEDGEMENT</a:t>
+            </a:r>
+            <a:r>
+              <a:rPr lang="en-GB" dirty="0" smtClean="0"/>
+              <a:t> to the server.</a:t>
+            </a:r>
+          </a:p>
+          <a:p>
+            <a:pPr marL="800100" lvl="1" indent="-342900">
+              <a:buFont typeface="+mj-lt"/>
+              <a:buAutoNum type="arabicPeriod"/>
+            </a:pPr>
+            <a:endParaRPr lang="en-GB" dirty="0"/>
+          </a:p>
+          <a:p>
+            <a:pPr marL="800100" lvl="1" indent="-342900">
+              <a:buFont typeface="+mj-lt"/>
+              <a:buAutoNum type="arabicPeriod"/>
+            </a:pPr>
+            <a:r>
+              <a:rPr lang="en-GB" dirty="0" smtClean="0"/>
+              <a:t>Upon receiving all the acknowledgments the server </a:t>
+            </a:r>
+            <a:r>
+              <a:rPr lang="en-GB" b="1" u="sng" dirty="0" smtClean="0"/>
+              <a:t>CONFIRMS</a:t>
+            </a:r>
+            <a:r>
+              <a:rPr lang="en-GB" dirty="0" smtClean="0"/>
+              <a:t> the leaving operation to all the members and the communication goes on.</a:t>
+            </a:r>
+          </a:p>
+          <a:p>
+            <a:pPr marL="800100" lvl="1" indent="-342900">
+              <a:buFont typeface="+mj-lt"/>
+              <a:buAutoNum type="arabicPeriod"/>
+            </a:pPr>
+            <a:endParaRPr lang="en-GB" dirty="0"/>
+          </a:p>
+        </p:txBody>
+      </p:sp>
+    </p:spTree>
+    <p:extLst>
+      <p:ext uri="{BB962C8B-B14F-4D97-AF65-F5344CB8AC3E}">
+        <p14:creationId xmlns:p14="http://schemas.microsoft.com/office/powerpoint/2010/main" val="3894418650"/>
+      </p:ext>
+    </p:extLst>
+  </p:cSld>
+  <p:clrMapOvr>
+    <a:masterClrMapping/>
+  </p:clrMapOvr>
+  <p:timing>
+    <p:tnLst>
+      <p:par>
+        <p:cTn id="1" dur="indefinite" restart="never" nodeType="tmRoot"/>
+      </p:par>
+    </p:tnLst>
+  </p:timing>
+</p:sld>
+</file>
+
+<file path=ppt/slides/slide15.xml><?xml version="1.0" encoding="utf-8"?>
+<p:sld xmlns:a="http://schemas.openxmlformats.org/drawingml/2006/main" xmlns:r="http://schemas.openxmlformats.org/officeDocument/2006/relationships" xmlns:p="http://schemas.openxmlformats.org/presentationml/2006/main">
+  <p:cSld>
+    <p:spTree>
+      <p:nvGrpSpPr>
+        <p:cNvPr id="1" name=""/>
+        <p:cNvGrpSpPr/>
+        <p:nvPr/>
+      </p:nvGrpSpPr>
+      <p:grpSpPr>
+        <a:xfrm>
+          <a:off x="0" y="0"/>
+          <a:ext cx="0" cy="0"/>
+          <a:chOff x="0" y="0"/>
+          <a:chExt cx="0" cy="0"/>
+        </a:xfrm>
+      </p:grpSpPr>
+      <p:sp>
+        <p:nvSpPr>
+          <p:cNvPr id="2" name="Titolo 1"/>
+          <p:cNvSpPr>
+            <a:spLocks noGrp="1"/>
+          </p:cNvSpPr>
+          <p:nvPr>
+            <p:ph type="title"/>
+          </p:nvPr>
+        </p:nvSpPr>
+        <p:spPr/>
+        <p:txBody>
+          <a:bodyPr>
+            <a:normAutofit/>
+          </a:bodyPr>
+          <a:lstStyle/>
+          <a:p>
+            <a:r>
+              <a:rPr lang="en-GB" sz="6000" b="1" dirty="0">
+                <a:solidFill>
+                  <a:schemeClr val="accent6"/>
+                </a:solidFill>
+              </a:rPr>
+              <a:t>PROTOCOL - LEAVING</a:t>
+            </a:r>
+            <a:endParaRPr lang="en-GB" sz="6000" dirty="0"/>
+          </a:p>
+        </p:txBody>
+      </p:sp>
+      <p:pic>
+        <p:nvPicPr>
+          <p:cNvPr id="57" name="Immagine 56"/>
+          <p:cNvPicPr>
+            <a:picLocks noChangeAspect="1"/>
+          </p:cNvPicPr>
+          <p:nvPr/>
+        </p:nvPicPr>
+        <p:blipFill>
+          <a:blip r:embed="rId2">
+            <a:extLst>
+              <a:ext uri="{28A0092B-C50C-407E-A947-70E740481C1C}">
+                <a14:useLocalDpi xmlns:a14="http://schemas.microsoft.com/office/drawing/2010/main" val="0"/>
+              </a:ext>
+            </a:extLst>
+          </a:blip>
+          <a:stretch>
+            <a:fillRect/>
+          </a:stretch>
+        </p:blipFill>
+        <p:spPr>
+          <a:xfrm>
+            <a:off x="5529314" y="2945225"/>
+            <a:ext cx="1956515" cy="1956515"/>
+          </a:xfrm>
+          <a:prstGeom prst="rect">
+            <a:avLst/>
+          </a:prstGeom>
+        </p:spPr>
+      </p:pic>
+      <p:pic>
+        <p:nvPicPr>
+          <p:cNvPr id="59" name="Immagine 58"/>
+          <p:cNvPicPr>
+            <a:picLocks noChangeAspect="1"/>
+          </p:cNvPicPr>
+          <p:nvPr/>
+        </p:nvPicPr>
+        <p:blipFill>
+          <a:blip r:embed="rId3">
+            <a:extLst>
+              <a:ext uri="{28A0092B-C50C-407E-A947-70E740481C1C}">
+                <a14:useLocalDpi xmlns:a14="http://schemas.microsoft.com/office/drawing/2010/main" val="0"/>
+              </a:ext>
+            </a:extLst>
+          </a:blip>
+          <a:stretch>
+            <a:fillRect/>
+          </a:stretch>
+        </p:blipFill>
+        <p:spPr>
+          <a:xfrm>
+            <a:off x="1877548" y="4235201"/>
+            <a:ext cx="610930" cy="932686"/>
+          </a:xfrm>
+          <a:prstGeom prst="rect">
+            <a:avLst/>
+          </a:prstGeom>
+        </p:spPr>
+      </p:pic>
+      <p:pic>
+        <p:nvPicPr>
+          <p:cNvPr id="60" name="Immagine 59"/>
+          <p:cNvPicPr>
+            <a:picLocks noChangeAspect="1"/>
+          </p:cNvPicPr>
+          <p:nvPr/>
+        </p:nvPicPr>
+        <p:blipFill>
+          <a:blip r:embed="rId3">
+            <a:extLst>
+              <a:ext uri="{28A0092B-C50C-407E-A947-70E740481C1C}">
+                <a14:useLocalDpi xmlns:a14="http://schemas.microsoft.com/office/drawing/2010/main" val="0"/>
+              </a:ext>
+            </a:extLst>
+          </a:blip>
+          <a:stretch>
+            <a:fillRect/>
+          </a:stretch>
+        </p:blipFill>
+        <p:spPr>
+          <a:xfrm>
+            <a:off x="1177539" y="2496601"/>
+            <a:ext cx="610930" cy="932686"/>
+          </a:xfrm>
+          <a:prstGeom prst="rect">
+            <a:avLst/>
+          </a:prstGeom>
+        </p:spPr>
+      </p:pic>
+      <p:pic>
+        <p:nvPicPr>
+          <p:cNvPr id="61" name="Immagine 60"/>
+          <p:cNvPicPr>
+            <a:picLocks noChangeAspect="1"/>
+          </p:cNvPicPr>
+          <p:nvPr/>
+        </p:nvPicPr>
+        <p:blipFill>
+          <a:blip r:embed="rId3">
+            <a:extLst>
+              <a:ext uri="{28A0092B-C50C-407E-A947-70E740481C1C}">
+                <a14:useLocalDpi xmlns:a14="http://schemas.microsoft.com/office/drawing/2010/main" val="0"/>
+              </a:ext>
+            </a:extLst>
+          </a:blip>
+          <a:stretch>
+            <a:fillRect/>
+          </a:stretch>
+        </p:blipFill>
+        <p:spPr>
+          <a:xfrm>
+            <a:off x="3117848" y="1823144"/>
+            <a:ext cx="610930" cy="932686"/>
+          </a:xfrm>
+          <a:prstGeom prst="rect">
+            <a:avLst/>
+          </a:prstGeom>
+        </p:spPr>
+      </p:pic>
+      <p:cxnSp>
+        <p:nvCxnSpPr>
+          <p:cNvPr id="62" name="Connettore 2 61"/>
+          <p:cNvCxnSpPr>
+            <a:stCxn id="70" idx="1"/>
+            <a:endCxn id="57" idx="2"/>
+          </p:cNvCxnSpPr>
+          <p:nvPr/>
+        </p:nvCxnSpPr>
+        <p:spPr>
+          <a:xfrm flipH="1" flipV="1">
+            <a:off x="6507572" y="4901740"/>
+            <a:ext cx="2362191" cy="444446"/>
+          </a:xfrm>
+          <a:prstGeom prst="straightConnector1">
+            <a:avLst/>
+          </a:prstGeom>
+          <a:ln w="38100">
+            <a:solidFill>
+              <a:srgbClr val="FFC000"/>
+            </a:solidFill>
+            <a:tailEnd type="triangle"/>
+          </a:ln>
+        </p:spPr>
+        <p:style>
+          <a:lnRef idx="1">
+            <a:schemeClr val="accent1"/>
+          </a:lnRef>
+          <a:fillRef idx="0">
+            <a:schemeClr val="accent1"/>
+          </a:fillRef>
+          <a:effectRef idx="0">
+            <a:schemeClr val="accent1"/>
+          </a:effectRef>
+          <a:fontRef idx="minor">
+            <a:schemeClr val="tx1"/>
+          </a:fontRef>
+        </p:style>
+      </p:cxnSp>
+      <p:sp>
+        <p:nvSpPr>
+          <p:cNvPr id="63" name="CasellaDiTesto 62"/>
+          <p:cNvSpPr txBox="1"/>
+          <p:nvPr/>
+        </p:nvSpPr>
+        <p:spPr>
+          <a:xfrm rot="628875">
+            <a:off x="7064391" y="4837933"/>
+            <a:ext cx="1698798" cy="369332"/>
+          </a:xfrm>
+          <a:prstGeom prst="rect">
+            <a:avLst/>
+          </a:prstGeom>
+          <a:noFill/>
+        </p:spPr>
+        <p:txBody>
+          <a:bodyPr wrap="none" rtlCol="0">
+            <a:spAutoFit/>
+          </a:bodyPr>
+          <a:lstStyle/>
+          <a:p>
+            <a:r>
+              <a:rPr lang="en-GB" b="1" dirty="0" smtClean="0">
+                <a:solidFill>
+                  <a:schemeClr val="accent2"/>
+                </a:solidFill>
+              </a:rPr>
+              <a:t>LEAVE </a:t>
+            </a:r>
+            <a:r>
+              <a:rPr lang="en-GB" b="1" dirty="0" smtClean="0">
+                <a:solidFill>
+                  <a:schemeClr val="accent2"/>
+                </a:solidFill>
+              </a:rPr>
+              <a:t>REQUEST</a:t>
+            </a:r>
+            <a:endParaRPr lang="en-GB" b="1" dirty="0">
+              <a:solidFill>
+                <a:schemeClr val="accent2"/>
+              </a:solidFill>
+            </a:endParaRPr>
+          </a:p>
+        </p:txBody>
+      </p:sp>
+      <p:cxnSp>
+        <p:nvCxnSpPr>
+          <p:cNvPr id="64" name="Connettore 2 63"/>
+          <p:cNvCxnSpPr>
+            <a:stCxn id="57" idx="1"/>
+            <a:endCxn id="61" idx="2"/>
+          </p:cNvCxnSpPr>
+          <p:nvPr/>
+        </p:nvCxnSpPr>
+        <p:spPr>
+          <a:xfrm flipH="1" flipV="1">
+            <a:off x="3423313" y="2755830"/>
+            <a:ext cx="2106001" cy="1167653"/>
+          </a:xfrm>
+          <a:prstGeom prst="straightConnector1">
+            <a:avLst/>
+          </a:prstGeom>
+          <a:ln w="38100">
+            <a:solidFill>
+              <a:srgbClr val="92D050"/>
+            </a:solidFill>
+            <a:tailEnd type="triangle"/>
+          </a:ln>
+        </p:spPr>
+        <p:style>
+          <a:lnRef idx="1">
+            <a:schemeClr val="accent1"/>
+          </a:lnRef>
+          <a:fillRef idx="0">
+            <a:schemeClr val="accent1"/>
+          </a:fillRef>
+          <a:effectRef idx="0">
+            <a:schemeClr val="accent1"/>
+          </a:effectRef>
+          <a:fontRef idx="minor">
+            <a:schemeClr val="tx1"/>
+          </a:fontRef>
+        </p:style>
+      </p:cxnSp>
+      <p:cxnSp>
+        <p:nvCxnSpPr>
+          <p:cNvPr id="65" name="Connettore 2 64"/>
+          <p:cNvCxnSpPr>
+            <a:endCxn id="60" idx="3"/>
+          </p:cNvCxnSpPr>
+          <p:nvPr/>
+        </p:nvCxnSpPr>
+        <p:spPr>
+          <a:xfrm flipH="1" flipV="1">
+            <a:off x="1788469" y="2962944"/>
+            <a:ext cx="3740845" cy="978259"/>
+          </a:xfrm>
+          <a:prstGeom prst="straightConnector1">
+            <a:avLst/>
+          </a:prstGeom>
+          <a:ln w="38100">
+            <a:solidFill>
+              <a:srgbClr val="92D050"/>
+            </a:solidFill>
+            <a:tailEnd type="triangle"/>
+          </a:ln>
+        </p:spPr>
+        <p:style>
+          <a:lnRef idx="1">
+            <a:schemeClr val="accent1"/>
+          </a:lnRef>
+          <a:fillRef idx="0">
+            <a:schemeClr val="accent1"/>
+          </a:fillRef>
+          <a:effectRef idx="0">
+            <a:schemeClr val="accent1"/>
+          </a:effectRef>
+          <a:fontRef idx="minor">
+            <a:schemeClr val="tx1"/>
+          </a:fontRef>
+        </p:style>
+      </p:cxnSp>
+      <p:cxnSp>
+        <p:nvCxnSpPr>
+          <p:cNvPr id="66" name="Connettore 2 65"/>
+          <p:cNvCxnSpPr>
+            <a:stCxn id="57" idx="1"/>
+            <a:endCxn id="59" idx="3"/>
+          </p:cNvCxnSpPr>
+          <p:nvPr/>
+        </p:nvCxnSpPr>
+        <p:spPr>
+          <a:xfrm flipH="1">
+            <a:off x="2488478" y="3923483"/>
+            <a:ext cx="3040836" cy="778061"/>
+          </a:xfrm>
+          <a:prstGeom prst="straightConnector1">
+            <a:avLst/>
+          </a:prstGeom>
+          <a:ln w="38100">
+            <a:solidFill>
+              <a:srgbClr val="92D050"/>
+            </a:solidFill>
+            <a:tailEnd type="triangle"/>
+          </a:ln>
+        </p:spPr>
+        <p:style>
+          <a:lnRef idx="1">
+            <a:schemeClr val="accent1"/>
+          </a:lnRef>
+          <a:fillRef idx="0">
+            <a:schemeClr val="accent1"/>
+          </a:fillRef>
+          <a:effectRef idx="0">
+            <a:schemeClr val="accent1"/>
+          </a:effectRef>
+          <a:fontRef idx="minor">
+            <a:schemeClr val="tx1"/>
+          </a:fontRef>
+        </p:style>
+      </p:cxnSp>
+      <p:sp>
+        <p:nvSpPr>
+          <p:cNvPr id="67" name="CasellaDiTesto 66"/>
+          <p:cNvSpPr txBox="1"/>
+          <p:nvPr/>
+        </p:nvSpPr>
+        <p:spPr>
+          <a:xfrm rot="1738116">
+            <a:off x="3664493" y="3101305"/>
+            <a:ext cx="2063963" cy="369332"/>
+          </a:xfrm>
+          <a:prstGeom prst="rect">
+            <a:avLst/>
+          </a:prstGeom>
+          <a:noFill/>
+        </p:spPr>
+        <p:txBody>
+          <a:bodyPr wrap="none" rtlCol="0">
+            <a:spAutoFit/>
+          </a:bodyPr>
+          <a:lstStyle/>
+          <a:p>
+            <a:r>
+              <a:rPr lang="en-GB" b="1" dirty="0" smtClean="0">
+                <a:solidFill>
+                  <a:srgbClr val="00B050"/>
+                </a:solidFill>
+              </a:rPr>
+              <a:t>SOMEONE </a:t>
+            </a:r>
+            <a:r>
+              <a:rPr lang="en-GB" b="1" dirty="0" smtClean="0">
+                <a:solidFill>
+                  <a:srgbClr val="00B050"/>
+                </a:solidFill>
+              </a:rPr>
+              <a:t>LEAVING</a:t>
+            </a:r>
+            <a:endParaRPr lang="en-GB" b="1" dirty="0">
+              <a:solidFill>
+                <a:srgbClr val="00B050"/>
+              </a:solidFill>
+            </a:endParaRPr>
+          </a:p>
+        </p:txBody>
+      </p:sp>
+      <p:sp>
+        <p:nvSpPr>
+          <p:cNvPr id="68" name="CasellaDiTesto 67"/>
+          <p:cNvSpPr txBox="1"/>
+          <p:nvPr/>
+        </p:nvSpPr>
+        <p:spPr>
+          <a:xfrm rot="916497">
+            <a:off x="2408631" y="3071332"/>
+            <a:ext cx="2063963" cy="369332"/>
+          </a:xfrm>
+          <a:prstGeom prst="rect">
+            <a:avLst/>
+          </a:prstGeom>
+          <a:noFill/>
+        </p:spPr>
+        <p:txBody>
+          <a:bodyPr wrap="none" rtlCol="0">
+            <a:spAutoFit/>
+          </a:bodyPr>
+          <a:lstStyle/>
+          <a:p>
+            <a:r>
+              <a:rPr lang="en-GB" b="1" dirty="0" smtClean="0">
+                <a:solidFill>
+                  <a:srgbClr val="00B050"/>
+                </a:solidFill>
+              </a:rPr>
+              <a:t>SOMEONE </a:t>
+            </a:r>
+            <a:r>
+              <a:rPr lang="en-GB" b="1" dirty="0" smtClean="0">
+                <a:solidFill>
+                  <a:srgbClr val="00B050"/>
+                </a:solidFill>
+              </a:rPr>
+              <a:t>LEAVING</a:t>
+            </a:r>
+            <a:endParaRPr lang="en-GB" b="1" dirty="0">
+              <a:solidFill>
+                <a:srgbClr val="00B050"/>
+              </a:solidFill>
+            </a:endParaRPr>
+          </a:p>
+        </p:txBody>
+      </p:sp>
+      <p:sp>
+        <p:nvSpPr>
+          <p:cNvPr id="69" name="CasellaDiTesto 68"/>
+          <p:cNvSpPr txBox="1"/>
+          <p:nvPr/>
+        </p:nvSpPr>
+        <p:spPr>
+          <a:xfrm rot="20850469">
+            <a:off x="2786891" y="4050534"/>
+            <a:ext cx="2063963" cy="369332"/>
+          </a:xfrm>
+          <a:prstGeom prst="rect">
+            <a:avLst/>
+          </a:prstGeom>
+          <a:noFill/>
+        </p:spPr>
+        <p:txBody>
+          <a:bodyPr wrap="none" rtlCol="0">
+            <a:spAutoFit/>
+          </a:bodyPr>
+          <a:lstStyle/>
+          <a:p>
+            <a:r>
+              <a:rPr lang="en-GB" b="1" dirty="0" smtClean="0">
+                <a:solidFill>
+                  <a:srgbClr val="00B050"/>
+                </a:solidFill>
+              </a:rPr>
+              <a:t>SOMEONE </a:t>
+            </a:r>
+            <a:r>
+              <a:rPr lang="en-GB" b="1" dirty="0" smtClean="0">
+                <a:solidFill>
+                  <a:srgbClr val="00B050"/>
+                </a:solidFill>
+              </a:rPr>
+              <a:t>LEAVING</a:t>
+            </a:r>
+            <a:endParaRPr lang="en-GB" b="1" dirty="0">
+              <a:solidFill>
+                <a:srgbClr val="00B050"/>
+              </a:solidFill>
+            </a:endParaRPr>
+          </a:p>
+        </p:txBody>
+      </p:sp>
+      <p:pic>
+        <p:nvPicPr>
+          <p:cNvPr id="70" name="Immagine 69"/>
+          <p:cNvPicPr>
+            <a:picLocks noChangeAspect="1"/>
+          </p:cNvPicPr>
+          <p:nvPr/>
+        </p:nvPicPr>
+        <p:blipFill>
+          <a:blip r:embed="rId3">
+            <a:extLst>
+              <a:ext uri="{28A0092B-C50C-407E-A947-70E740481C1C}">
+                <a14:useLocalDpi xmlns:a14="http://schemas.microsoft.com/office/drawing/2010/main" val="0"/>
+              </a:ext>
+            </a:extLst>
+          </a:blip>
+          <a:stretch>
+            <a:fillRect/>
+          </a:stretch>
+        </p:blipFill>
+        <p:spPr>
+          <a:xfrm>
+            <a:off x="8869763" y="4879843"/>
+            <a:ext cx="610930" cy="932686"/>
+          </a:xfrm>
+          <a:prstGeom prst="rect">
+            <a:avLst/>
+          </a:prstGeom>
+        </p:spPr>
+      </p:pic>
+    </p:spTree>
+    <p:extLst>
+      <p:ext uri="{BB962C8B-B14F-4D97-AF65-F5344CB8AC3E}">
+        <p14:creationId xmlns:p14="http://schemas.microsoft.com/office/powerpoint/2010/main" val="2301063160"/>
+      </p:ext>
+    </p:extLst>
+  </p:cSld>
+  <p:clrMapOvr>
+    <a:masterClrMapping/>
+  </p:clrMapOvr>
+  <p:timing>
+    <p:tnLst>
+      <p:par>
+        <p:cTn id="1" dur="indefinite" restart="never" nodeType="tmRoot">
+          <p:childTnLst>
+            <p:seq concurrent="1" nextAc="seek">
+              <p:cTn id="2" dur="indefinite" nodeType="mainSeq">
+                <p:childTnLst>
+                  <p:par>
+                    <p:cTn id="3" fill="hold">
+                      <p:stCondLst>
+                        <p:cond delay="indefinite"/>
+                      </p:stCondLst>
+                      <p:childTnLst>
+                        <p:par>
+                          <p:cTn id="4" fill="hold">
+                            <p:stCondLst>
+                              <p:cond delay="0"/>
+                            </p:stCondLst>
+                            <p:childTnLst>
+                              <p:par>
+                                <p:cTn id="5" presetID="22" presetClass="entr" presetSubtype="4" fill="hold" grpId="0" nodeType="clickEffect">
+                                  <p:stCondLst>
+                                    <p:cond delay="0"/>
+                                  </p:stCondLst>
+                                  <p:childTnLst>
+                                    <p:set>
+                                      <p:cBhvr>
+                                        <p:cTn id="6" dur="1" fill="hold">
+                                          <p:stCondLst>
+                                            <p:cond delay="0"/>
+                                          </p:stCondLst>
+                                        </p:cTn>
+                                        <p:tgtEl>
+                                          <p:spTgt spid="63"/>
+                                        </p:tgtEl>
+                                        <p:attrNameLst>
+                                          <p:attrName>style.visibility</p:attrName>
+                                        </p:attrNameLst>
+                                      </p:cBhvr>
+                                      <p:to>
+                                        <p:strVal val="visible"/>
+                                      </p:to>
+                                    </p:set>
+                                    <p:animEffect transition="in" filter="wipe(down)">
+                                      <p:cBhvr>
+                                        <p:cTn id="7" dur="500"/>
+                                        <p:tgtEl>
+                                          <p:spTgt spid="63"/>
+                                        </p:tgtEl>
+                                      </p:cBhvr>
+                                    </p:animEffect>
+                                  </p:childTnLst>
+                                </p:cTn>
+                              </p:par>
+                              <p:par>
+                                <p:cTn id="8" presetID="22" presetClass="entr" presetSubtype="4" fill="hold" nodeType="withEffect">
+                                  <p:stCondLst>
+                                    <p:cond delay="0"/>
+                                  </p:stCondLst>
+                                  <p:childTnLst>
+                                    <p:set>
+                                      <p:cBhvr>
+                                        <p:cTn id="9" dur="1" fill="hold">
+                                          <p:stCondLst>
+                                            <p:cond delay="0"/>
+                                          </p:stCondLst>
+                                        </p:cTn>
+                                        <p:tgtEl>
+                                          <p:spTgt spid="62"/>
+                                        </p:tgtEl>
+                                        <p:attrNameLst>
+                                          <p:attrName>style.visibility</p:attrName>
+                                        </p:attrNameLst>
+                                      </p:cBhvr>
+                                      <p:to>
+                                        <p:strVal val="visible"/>
+                                      </p:to>
+                                    </p:set>
+                                    <p:animEffect transition="in" filter="wipe(down)">
+                                      <p:cBhvr>
+                                        <p:cTn id="10" dur="500"/>
+                                        <p:tgtEl>
+                                          <p:spTgt spid="62"/>
+                                        </p:tgtEl>
+                                      </p:cBhvr>
+                                    </p:animEffect>
+                                  </p:childTnLst>
+                                </p:cTn>
+                              </p:par>
+                            </p:childTnLst>
+                          </p:cTn>
+                        </p:par>
+                      </p:childTnLst>
+                    </p:cTn>
+                  </p:par>
+                  <p:par>
+                    <p:cTn id="11" fill="hold">
+                      <p:stCondLst>
+                        <p:cond delay="indefinite"/>
+                      </p:stCondLst>
+                      <p:childTnLst>
+                        <p:par>
+                          <p:cTn id="12" fill="hold">
+                            <p:stCondLst>
+                              <p:cond delay="0"/>
+                            </p:stCondLst>
+                            <p:childTnLst>
+                              <p:par>
+                                <p:cTn id="13" presetID="22" presetClass="exit" presetSubtype="4" fill="hold" grpId="1" nodeType="clickEffect">
+                                  <p:stCondLst>
+                                    <p:cond delay="0"/>
+                                  </p:stCondLst>
+                                  <p:childTnLst>
+                                    <p:animEffect transition="out" filter="wipe(down)">
+                                      <p:cBhvr>
+                                        <p:cTn id="14" dur="500"/>
+                                        <p:tgtEl>
+                                          <p:spTgt spid="63"/>
+                                        </p:tgtEl>
+                                      </p:cBhvr>
+                                    </p:animEffect>
+                                    <p:set>
+                                      <p:cBhvr>
+                                        <p:cTn id="15" dur="1" fill="hold">
+                                          <p:stCondLst>
+                                            <p:cond delay="499"/>
+                                          </p:stCondLst>
+                                        </p:cTn>
+                                        <p:tgtEl>
+                                          <p:spTgt spid="63"/>
+                                        </p:tgtEl>
+                                        <p:attrNameLst>
+                                          <p:attrName>style.visibility</p:attrName>
+                                        </p:attrNameLst>
+                                      </p:cBhvr>
+                                      <p:to>
+                                        <p:strVal val="hidden"/>
+                                      </p:to>
+                                    </p:set>
+                                  </p:childTnLst>
+                                </p:cTn>
+                              </p:par>
+                              <p:par>
+                                <p:cTn id="16" presetID="22" presetClass="exit" presetSubtype="4" fill="hold" nodeType="withEffect">
+                                  <p:stCondLst>
+                                    <p:cond delay="0"/>
+                                  </p:stCondLst>
+                                  <p:childTnLst>
+                                    <p:animEffect transition="out" filter="wipe(down)">
+                                      <p:cBhvr>
+                                        <p:cTn id="17" dur="500"/>
+                                        <p:tgtEl>
+                                          <p:spTgt spid="62"/>
+                                        </p:tgtEl>
+                                      </p:cBhvr>
+                                    </p:animEffect>
+                                    <p:set>
+                                      <p:cBhvr>
+                                        <p:cTn id="18" dur="1" fill="hold">
+                                          <p:stCondLst>
+                                            <p:cond delay="499"/>
+                                          </p:stCondLst>
+                                        </p:cTn>
+                                        <p:tgtEl>
+                                          <p:spTgt spid="62"/>
+                                        </p:tgtEl>
+                                        <p:attrNameLst>
+                                          <p:attrName>style.visibility</p:attrName>
+                                        </p:attrNameLst>
+                                      </p:cBhvr>
+                                      <p:to>
+                                        <p:strVal val="hidden"/>
+                                      </p:to>
+                                    </p:set>
+                                  </p:childTnLst>
+                                </p:cTn>
+                              </p:par>
+                            </p:childTnLst>
+                          </p:cTn>
+                        </p:par>
+                      </p:childTnLst>
+                    </p:cTn>
+                  </p:par>
+                  <p:par>
+                    <p:cTn id="19" fill="hold">
+                      <p:stCondLst>
+                        <p:cond delay="indefinite"/>
+                      </p:stCondLst>
+                      <p:childTnLst>
+                        <p:par>
+                          <p:cTn id="20" fill="hold">
+                            <p:stCondLst>
+                              <p:cond delay="0"/>
+                            </p:stCondLst>
+                            <p:childTnLst>
+                              <p:par>
+                                <p:cTn id="21" presetID="22" presetClass="entr" presetSubtype="4" fill="hold" grpId="0" nodeType="clickEffect">
+                                  <p:stCondLst>
+                                    <p:cond delay="0"/>
+                                  </p:stCondLst>
+                                  <p:childTnLst>
+                                    <p:set>
+                                      <p:cBhvr>
+                                        <p:cTn id="22" dur="1" fill="hold">
+                                          <p:stCondLst>
+                                            <p:cond delay="0"/>
+                                          </p:stCondLst>
+                                        </p:cTn>
+                                        <p:tgtEl>
+                                          <p:spTgt spid="67"/>
+                                        </p:tgtEl>
+                                        <p:attrNameLst>
+                                          <p:attrName>style.visibility</p:attrName>
+                                        </p:attrNameLst>
+                                      </p:cBhvr>
+                                      <p:to>
+                                        <p:strVal val="visible"/>
+                                      </p:to>
+                                    </p:set>
+                                    <p:animEffect transition="in" filter="wipe(down)">
+                                      <p:cBhvr>
+                                        <p:cTn id="23" dur="500"/>
+                                        <p:tgtEl>
+                                          <p:spTgt spid="67"/>
+                                        </p:tgtEl>
+                                      </p:cBhvr>
+                                    </p:animEffect>
+                                  </p:childTnLst>
+                                </p:cTn>
+                              </p:par>
+                              <p:par>
+                                <p:cTn id="24" presetID="22" presetClass="entr" presetSubtype="4" fill="hold" nodeType="withEffect">
+                                  <p:stCondLst>
+                                    <p:cond delay="0"/>
+                                  </p:stCondLst>
+                                  <p:childTnLst>
+                                    <p:set>
+                                      <p:cBhvr>
+                                        <p:cTn id="25" dur="1" fill="hold">
+                                          <p:stCondLst>
+                                            <p:cond delay="0"/>
+                                          </p:stCondLst>
+                                        </p:cTn>
+                                        <p:tgtEl>
+                                          <p:spTgt spid="64"/>
+                                        </p:tgtEl>
+                                        <p:attrNameLst>
+                                          <p:attrName>style.visibility</p:attrName>
+                                        </p:attrNameLst>
+                                      </p:cBhvr>
+                                      <p:to>
+                                        <p:strVal val="visible"/>
+                                      </p:to>
+                                    </p:set>
+                                    <p:animEffect transition="in" filter="wipe(down)">
+                                      <p:cBhvr>
+                                        <p:cTn id="26" dur="500"/>
+                                        <p:tgtEl>
+                                          <p:spTgt spid="64"/>
+                                        </p:tgtEl>
+                                      </p:cBhvr>
+                                    </p:animEffect>
+                                  </p:childTnLst>
+                                </p:cTn>
+                              </p:par>
+                              <p:par>
+                                <p:cTn id="27" presetID="22" presetClass="entr" presetSubtype="4" fill="hold" grpId="0" nodeType="withEffect">
+                                  <p:stCondLst>
+                                    <p:cond delay="0"/>
+                                  </p:stCondLst>
+                                  <p:childTnLst>
+                                    <p:set>
+                                      <p:cBhvr>
+                                        <p:cTn id="28" dur="1" fill="hold">
+                                          <p:stCondLst>
+                                            <p:cond delay="0"/>
+                                          </p:stCondLst>
+                                        </p:cTn>
+                                        <p:tgtEl>
+                                          <p:spTgt spid="68"/>
+                                        </p:tgtEl>
+                                        <p:attrNameLst>
+                                          <p:attrName>style.visibility</p:attrName>
+                                        </p:attrNameLst>
+                                      </p:cBhvr>
+                                      <p:to>
+                                        <p:strVal val="visible"/>
+                                      </p:to>
+                                    </p:set>
+                                    <p:animEffect transition="in" filter="wipe(down)">
+                                      <p:cBhvr>
+                                        <p:cTn id="29" dur="500"/>
+                                        <p:tgtEl>
+                                          <p:spTgt spid="68"/>
+                                        </p:tgtEl>
+                                      </p:cBhvr>
+                                    </p:animEffect>
+                                  </p:childTnLst>
+                                </p:cTn>
+                              </p:par>
+                              <p:par>
+                                <p:cTn id="30" presetID="22" presetClass="entr" presetSubtype="4" fill="hold" nodeType="withEffect">
+                                  <p:stCondLst>
+                                    <p:cond delay="0"/>
+                                  </p:stCondLst>
+                                  <p:childTnLst>
+                                    <p:set>
+                                      <p:cBhvr>
+                                        <p:cTn id="31" dur="1" fill="hold">
+                                          <p:stCondLst>
+                                            <p:cond delay="0"/>
+                                          </p:stCondLst>
+                                        </p:cTn>
+                                        <p:tgtEl>
+                                          <p:spTgt spid="65"/>
+                                        </p:tgtEl>
+                                        <p:attrNameLst>
+                                          <p:attrName>style.visibility</p:attrName>
+                                        </p:attrNameLst>
+                                      </p:cBhvr>
+                                      <p:to>
+                                        <p:strVal val="visible"/>
+                                      </p:to>
+                                    </p:set>
+                                    <p:animEffect transition="in" filter="wipe(down)">
+                                      <p:cBhvr>
+                                        <p:cTn id="32" dur="500"/>
+                                        <p:tgtEl>
+                                          <p:spTgt spid="65"/>
+                                        </p:tgtEl>
+                                      </p:cBhvr>
+                                    </p:animEffect>
+                                  </p:childTnLst>
+                                </p:cTn>
+                              </p:par>
+                              <p:par>
+                                <p:cTn id="33" presetID="22" presetClass="entr" presetSubtype="4" fill="hold" grpId="0" nodeType="withEffect">
+                                  <p:stCondLst>
+                                    <p:cond delay="0"/>
+                                  </p:stCondLst>
+                                  <p:childTnLst>
+                                    <p:set>
+                                      <p:cBhvr>
+                                        <p:cTn id="34" dur="1" fill="hold">
+                                          <p:stCondLst>
+                                            <p:cond delay="0"/>
+                                          </p:stCondLst>
+                                        </p:cTn>
+                                        <p:tgtEl>
+                                          <p:spTgt spid="69"/>
+                                        </p:tgtEl>
+                                        <p:attrNameLst>
+                                          <p:attrName>style.visibility</p:attrName>
+                                        </p:attrNameLst>
+                                      </p:cBhvr>
+                                      <p:to>
+                                        <p:strVal val="visible"/>
+                                      </p:to>
+                                    </p:set>
+                                    <p:animEffect transition="in" filter="wipe(down)">
+                                      <p:cBhvr>
+                                        <p:cTn id="35" dur="500"/>
+                                        <p:tgtEl>
+                                          <p:spTgt spid="69"/>
+                                        </p:tgtEl>
+                                      </p:cBhvr>
+                                    </p:animEffect>
+                                  </p:childTnLst>
+                                </p:cTn>
+                              </p:par>
+                              <p:par>
+                                <p:cTn id="36" presetID="22" presetClass="entr" presetSubtype="4" fill="hold" nodeType="withEffect">
+                                  <p:stCondLst>
+                                    <p:cond delay="0"/>
+                                  </p:stCondLst>
+                                  <p:childTnLst>
+                                    <p:set>
+                                      <p:cBhvr>
+                                        <p:cTn id="37" dur="1" fill="hold">
+                                          <p:stCondLst>
+                                            <p:cond delay="0"/>
+                                          </p:stCondLst>
+                                        </p:cTn>
+                                        <p:tgtEl>
+                                          <p:spTgt spid="66"/>
+                                        </p:tgtEl>
+                                        <p:attrNameLst>
+                                          <p:attrName>style.visibility</p:attrName>
+                                        </p:attrNameLst>
+                                      </p:cBhvr>
+                                      <p:to>
+                                        <p:strVal val="visible"/>
+                                      </p:to>
+                                    </p:set>
+                                    <p:animEffect transition="in" filter="wipe(down)">
+                                      <p:cBhvr>
+                                        <p:cTn id="38" dur="500"/>
+                                        <p:tgtEl>
+                                          <p:spTgt spid="66"/>
+                                        </p:tgtEl>
+                                      </p:cBhvr>
+                                    </p:animEffect>
+                                  </p:childTnLst>
+                                </p:cTn>
+                              </p:par>
+                            </p:childTnLst>
+                          </p:cTn>
+                        </p:par>
+                      </p:childTnLst>
+                    </p:cTn>
+                  </p:par>
+                  <p:par>
+                    <p:cTn id="39" fill="hold">
+                      <p:stCondLst>
+                        <p:cond delay="indefinite"/>
+                      </p:stCondLst>
+                      <p:childTnLst>
+                        <p:par>
+                          <p:cTn id="40" fill="hold">
+                            <p:stCondLst>
+                              <p:cond delay="0"/>
+                            </p:stCondLst>
+                            <p:childTnLst>
+                              <p:par>
+                                <p:cTn id="41" presetID="22" presetClass="exit" presetSubtype="4" fill="hold" grpId="1" nodeType="clickEffect">
+                                  <p:stCondLst>
+                                    <p:cond delay="0"/>
+                                  </p:stCondLst>
+                                  <p:childTnLst>
+                                    <p:animEffect transition="out" filter="wipe(down)">
+                                      <p:cBhvr>
+                                        <p:cTn id="42" dur="500"/>
+                                        <p:tgtEl>
+                                          <p:spTgt spid="67"/>
+                                        </p:tgtEl>
+                                      </p:cBhvr>
+                                    </p:animEffect>
+                                    <p:set>
+                                      <p:cBhvr>
+                                        <p:cTn id="43" dur="1" fill="hold">
+                                          <p:stCondLst>
+                                            <p:cond delay="499"/>
+                                          </p:stCondLst>
+                                        </p:cTn>
+                                        <p:tgtEl>
+                                          <p:spTgt spid="67"/>
+                                        </p:tgtEl>
+                                        <p:attrNameLst>
+                                          <p:attrName>style.visibility</p:attrName>
+                                        </p:attrNameLst>
+                                      </p:cBhvr>
+                                      <p:to>
+                                        <p:strVal val="hidden"/>
+                                      </p:to>
+                                    </p:set>
+                                  </p:childTnLst>
+                                </p:cTn>
+                              </p:par>
+                              <p:par>
+                                <p:cTn id="44" presetID="22" presetClass="exit" presetSubtype="4" fill="hold" nodeType="withEffect">
+                                  <p:stCondLst>
+                                    <p:cond delay="0"/>
+                                  </p:stCondLst>
+                                  <p:childTnLst>
+                                    <p:animEffect transition="out" filter="wipe(down)">
+                                      <p:cBhvr>
+                                        <p:cTn id="45" dur="500"/>
+                                        <p:tgtEl>
+                                          <p:spTgt spid="64"/>
+                                        </p:tgtEl>
+                                      </p:cBhvr>
+                                    </p:animEffect>
+                                    <p:set>
+                                      <p:cBhvr>
+                                        <p:cTn id="46" dur="1" fill="hold">
+                                          <p:stCondLst>
+                                            <p:cond delay="499"/>
+                                          </p:stCondLst>
+                                        </p:cTn>
+                                        <p:tgtEl>
+                                          <p:spTgt spid="64"/>
+                                        </p:tgtEl>
+                                        <p:attrNameLst>
+                                          <p:attrName>style.visibility</p:attrName>
+                                        </p:attrNameLst>
+                                      </p:cBhvr>
+                                      <p:to>
+                                        <p:strVal val="hidden"/>
+                                      </p:to>
+                                    </p:set>
+                                  </p:childTnLst>
+                                </p:cTn>
+                              </p:par>
+                              <p:par>
+                                <p:cTn id="47" presetID="22" presetClass="exit" presetSubtype="4" fill="hold" grpId="1" nodeType="withEffect">
+                                  <p:stCondLst>
+                                    <p:cond delay="0"/>
+                                  </p:stCondLst>
+                                  <p:childTnLst>
+                                    <p:animEffect transition="out" filter="wipe(down)">
+                                      <p:cBhvr>
+                                        <p:cTn id="48" dur="500"/>
+                                        <p:tgtEl>
+                                          <p:spTgt spid="68"/>
+                                        </p:tgtEl>
+                                      </p:cBhvr>
+                                    </p:animEffect>
+                                    <p:set>
+                                      <p:cBhvr>
+                                        <p:cTn id="49" dur="1" fill="hold">
+                                          <p:stCondLst>
+                                            <p:cond delay="499"/>
+                                          </p:stCondLst>
+                                        </p:cTn>
+                                        <p:tgtEl>
+                                          <p:spTgt spid="68"/>
+                                        </p:tgtEl>
+                                        <p:attrNameLst>
+                                          <p:attrName>style.visibility</p:attrName>
+                                        </p:attrNameLst>
+                                      </p:cBhvr>
+                                      <p:to>
+                                        <p:strVal val="hidden"/>
+                                      </p:to>
+                                    </p:set>
+                                  </p:childTnLst>
+                                </p:cTn>
+                              </p:par>
+                              <p:par>
+                                <p:cTn id="50" presetID="22" presetClass="exit" presetSubtype="4" fill="hold" nodeType="withEffect">
+                                  <p:stCondLst>
+                                    <p:cond delay="0"/>
+                                  </p:stCondLst>
+                                  <p:childTnLst>
+                                    <p:animEffect transition="out" filter="wipe(down)">
+                                      <p:cBhvr>
+                                        <p:cTn id="51" dur="500"/>
+                                        <p:tgtEl>
+                                          <p:spTgt spid="65"/>
+                                        </p:tgtEl>
+                                      </p:cBhvr>
+                                    </p:animEffect>
+                                    <p:set>
+                                      <p:cBhvr>
+                                        <p:cTn id="52" dur="1" fill="hold">
+                                          <p:stCondLst>
+                                            <p:cond delay="499"/>
+                                          </p:stCondLst>
+                                        </p:cTn>
+                                        <p:tgtEl>
+                                          <p:spTgt spid="65"/>
+                                        </p:tgtEl>
+                                        <p:attrNameLst>
+                                          <p:attrName>style.visibility</p:attrName>
+                                        </p:attrNameLst>
+                                      </p:cBhvr>
+                                      <p:to>
+                                        <p:strVal val="hidden"/>
+                                      </p:to>
+                                    </p:set>
+                                  </p:childTnLst>
+                                </p:cTn>
+                              </p:par>
+                              <p:par>
+                                <p:cTn id="53" presetID="22" presetClass="exit" presetSubtype="4" fill="hold" grpId="1" nodeType="withEffect">
+                                  <p:stCondLst>
+                                    <p:cond delay="0"/>
+                                  </p:stCondLst>
+                                  <p:childTnLst>
+                                    <p:animEffect transition="out" filter="wipe(down)">
+                                      <p:cBhvr>
+                                        <p:cTn id="54" dur="500"/>
+                                        <p:tgtEl>
+                                          <p:spTgt spid="69"/>
+                                        </p:tgtEl>
+                                      </p:cBhvr>
+                                    </p:animEffect>
+                                    <p:set>
+                                      <p:cBhvr>
+                                        <p:cTn id="55" dur="1" fill="hold">
+                                          <p:stCondLst>
+                                            <p:cond delay="499"/>
+                                          </p:stCondLst>
+                                        </p:cTn>
+                                        <p:tgtEl>
+                                          <p:spTgt spid="69"/>
+                                        </p:tgtEl>
+                                        <p:attrNameLst>
+                                          <p:attrName>style.visibility</p:attrName>
+                                        </p:attrNameLst>
+                                      </p:cBhvr>
+                                      <p:to>
+                                        <p:strVal val="hidden"/>
+                                      </p:to>
+                                    </p:set>
+                                  </p:childTnLst>
+                                </p:cTn>
+                              </p:par>
+                              <p:par>
+                                <p:cTn id="56" presetID="22" presetClass="exit" presetSubtype="4" fill="hold" nodeType="withEffect">
+                                  <p:stCondLst>
+                                    <p:cond delay="0"/>
+                                  </p:stCondLst>
+                                  <p:childTnLst>
+                                    <p:animEffect transition="out" filter="wipe(down)">
+                                      <p:cBhvr>
+                                        <p:cTn id="57" dur="500"/>
+                                        <p:tgtEl>
+                                          <p:spTgt spid="66"/>
+                                        </p:tgtEl>
+                                      </p:cBhvr>
+                                    </p:animEffect>
+                                    <p:set>
+                                      <p:cBhvr>
+                                        <p:cTn id="58" dur="1" fill="hold">
+                                          <p:stCondLst>
+                                            <p:cond delay="499"/>
+                                          </p:stCondLst>
+                                        </p:cTn>
+                                        <p:tgtEl>
+                                          <p:spTgt spid="66"/>
+                                        </p:tgtEl>
+                                        <p:attrNameLst>
+                                          <p:attrName>style.visibility</p:attrName>
+                                        </p:attrNameLst>
+                                      </p:cBhvr>
+                                      <p:to>
+                                        <p:strVal val="hidden"/>
+                                      </p:to>
+                                    </p:set>
+                                  </p:childTnLst>
+                                </p:cTn>
+                              </p:par>
+                            </p:childTnLst>
+                          </p:cTn>
+                        </p:par>
+                      </p:childTnLst>
+                    </p:cTn>
+                  </p:par>
+                </p:childTnLst>
+              </p:cTn>
+              <p:prevCondLst>
+                <p:cond evt="onPrev" delay="0">
+                  <p:tgtEl>
+                    <p:sldTgt/>
+                  </p:tgtEl>
+                </p:cond>
+              </p:prevCondLst>
+              <p:nextCondLst>
+                <p:cond evt="onNext" delay="0">
+                  <p:tgtEl>
+                    <p:sldTgt/>
+                  </p:tgtEl>
+                </p:cond>
+              </p:nextCondLst>
+            </p:seq>
+          </p:childTnLst>
+        </p:cTn>
+      </p:par>
+    </p:tnLst>
+    <p:bldLst>
+      <p:bldP spid="63" grpId="0"/>
+      <p:bldP spid="63" grpId="1"/>
+      <p:bldP spid="67" grpId="0"/>
+      <p:bldP spid="67" grpId="1"/>
+      <p:bldP spid="68" grpId="0"/>
+      <p:bldP spid="68" grpId="1"/>
+      <p:bldP spid="69" grpId="0"/>
+      <p:bldP spid="69" grpId="1"/>
+    </p:bldLst>
+  </p:timing>
+</p:sld>
+</file>
+
+<file path=ppt/slides/slide16.xml><?xml version="1.0" encoding="utf-8"?>
+<p:sld xmlns:a="http://schemas.openxmlformats.org/drawingml/2006/main" xmlns:r="http://schemas.openxmlformats.org/officeDocument/2006/relationships" xmlns:p="http://schemas.openxmlformats.org/presentationml/2006/main">
+  <p:cSld>
+    <p:spTree>
+      <p:nvGrpSpPr>
+        <p:cNvPr id="1" name=""/>
+        <p:cNvGrpSpPr/>
+        <p:nvPr/>
+      </p:nvGrpSpPr>
+      <p:grpSpPr>
+        <a:xfrm>
+          <a:off x="0" y="0"/>
+          <a:ext cx="0" cy="0"/>
+          <a:chOff x="0" y="0"/>
+          <a:chExt cx="0" cy="0"/>
+        </a:xfrm>
+      </p:grpSpPr>
+      <p:sp>
+        <p:nvSpPr>
+          <p:cNvPr id="2" name="Titolo 1"/>
+          <p:cNvSpPr>
+            <a:spLocks noGrp="1"/>
+          </p:cNvSpPr>
+          <p:nvPr>
+            <p:ph type="title"/>
+          </p:nvPr>
+        </p:nvSpPr>
+        <p:spPr/>
+        <p:txBody>
+          <a:bodyPr>
+            <a:normAutofit/>
+          </a:bodyPr>
+          <a:lstStyle/>
+          <a:p>
+            <a:r>
+              <a:rPr lang="en-GB" sz="6000" b="1" dirty="0">
+                <a:solidFill>
+                  <a:schemeClr val="accent6"/>
+                </a:solidFill>
+              </a:rPr>
+              <a:t>PROTOCOL - LEAVING</a:t>
+            </a:r>
+            <a:endParaRPr lang="en-GB" sz="6000" dirty="0"/>
+          </a:p>
+        </p:txBody>
+      </p:sp>
+      <p:pic>
+        <p:nvPicPr>
+          <p:cNvPr id="3" name="Immagine 2"/>
+          <p:cNvPicPr>
+            <a:picLocks noChangeAspect="1"/>
+          </p:cNvPicPr>
+          <p:nvPr/>
+        </p:nvPicPr>
+        <p:blipFill>
+          <a:blip r:embed="rId2">
+            <a:extLst>
+              <a:ext uri="{28A0092B-C50C-407E-A947-70E740481C1C}">
+                <a14:useLocalDpi xmlns:a14="http://schemas.microsoft.com/office/drawing/2010/main" val="0"/>
+              </a:ext>
+            </a:extLst>
+          </a:blip>
+          <a:stretch>
+            <a:fillRect/>
+          </a:stretch>
+        </p:blipFill>
+        <p:spPr>
+          <a:xfrm>
+            <a:off x="5529314" y="2945225"/>
+            <a:ext cx="1956515" cy="1956515"/>
+          </a:xfrm>
+          <a:prstGeom prst="rect">
+            <a:avLst/>
+          </a:prstGeom>
+        </p:spPr>
+      </p:pic>
+      <p:pic>
+        <p:nvPicPr>
+          <p:cNvPr id="5" name="Immagine 4"/>
+          <p:cNvPicPr>
+            <a:picLocks noChangeAspect="1"/>
+          </p:cNvPicPr>
+          <p:nvPr/>
+        </p:nvPicPr>
+        <p:blipFill>
+          <a:blip r:embed="rId3">
+            <a:extLst>
+              <a:ext uri="{28A0092B-C50C-407E-A947-70E740481C1C}">
+                <a14:useLocalDpi xmlns:a14="http://schemas.microsoft.com/office/drawing/2010/main" val="0"/>
+              </a:ext>
+            </a:extLst>
+          </a:blip>
+          <a:stretch>
+            <a:fillRect/>
+          </a:stretch>
+        </p:blipFill>
+        <p:spPr>
+          <a:xfrm>
+            <a:off x="1877548" y="4235201"/>
+            <a:ext cx="610930" cy="932686"/>
+          </a:xfrm>
+          <a:prstGeom prst="rect">
+            <a:avLst/>
+          </a:prstGeom>
+        </p:spPr>
+      </p:pic>
+      <p:pic>
+        <p:nvPicPr>
+          <p:cNvPr id="6" name="Immagine 5"/>
+          <p:cNvPicPr>
+            <a:picLocks noChangeAspect="1"/>
+          </p:cNvPicPr>
+          <p:nvPr/>
+        </p:nvPicPr>
+        <p:blipFill>
+          <a:blip r:embed="rId3">
+            <a:extLst>
+              <a:ext uri="{28A0092B-C50C-407E-A947-70E740481C1C}">
+                <a14:useLocalDpi xmlns:a14="http://schemas.microsoft.com/office/drawing/2010/main" val="0"/>
+              </a:ext>
+            </a:extLst>
+          </a:blip>
+          <a:stretch>
+            <a:fillRect/>
+          </a:stretch>
+        </p:blipFill>
+        <p:spPr>
+          <a:xfrm>
+            <a:off x="1177539" y="2496601"/>
+            <a:ext cx="610930" cy="932686"/>
+          </a:xfrm>
+          <a:prstGeom prst="rect">
+            <a:avLst/>
+          </a:prstGeom>
+        </p:spPr>
+      </p:pic>
+      <p:pic>
+        <p:nvPicPr>
+          <p:cNvPr id="7" name="Immagine 6"/>
+          <p:cNvPicPr>
+            <a:picLocks noChangeAspect="1"/>
+          </p:cNvPicPr>
+          <p:nvPr/>
+        </p:nvPicPr>
+        <p:blipFill>
+          <a:blip r:embed="rId3">
+            <a:extLst>
+              <a:ext uri="{28A0092B-C50C-407E-A947-70E740481C1C}">
+                <a14:useLocalDpi xmlns:a14="http://schemas.microsoft.com/office/drawing/2010/main" val="0"/>
+              </a:ext>
+            </a:extLst>
+          </a:blip>
+          <a:stretch>
+            <a:fillRect/>
+          </a:stretch>
+        </p:blipFill>
+        <p:spPr>
+          <a:xfrm>
+            <a:off x="3117848" y="1823144"/>
+            <a:ext cx="610930" cy="932686"/>
+          </a:xfrm>
+          <a:prstGeom prst="rect">
+            <a:avLst/>
+          </a:prstGeom>
+        </p:spPr>
+      </p:pic>
+      <p:cxnSp>
+        <p:nvCxnSpPr>
+          <p:cNvPr id="8" name="Connettore 2 7"/>
+          <p:cNvCxnSpPr>
+            <a:stCxn id="7" idx="2"/>
+            <a:endCxn id="3" idx="1"/>
+          </p:cNvCxnSpPr>
+          <p:nvPr/>
+        </p:nvCxnSpPr>
+        <p:spPr>
+          <a:xfrm>
+            <a:off x="3423313" y="2755830"/>
+            <a:ext cx="2106001" cy="1167653"/>
+          </a:xfrm>
+          <a:prstGeom prst="straightConnector1">
+            <a:avLst/>
+          </a:prstGeom>
+          <a:ln w="38100">
+            <a:solidFill>
+              <a:srgbClr val="92D050"/>
+            </a:solidFill>
+            <a:tailEnd type="triangle"/>
+          </a:ln>
+        </p:spPr>
+        <p:style>
+          <a:lnRef idx="1">
+            <a:schemeClr val="accent1"/>
+          </a:lnRef>
+          <a:fillRef idx="0">
+            <a:schemeClr val="accent1"/>
+          </a:fillRef>
+          <a:effectRef idx="0">
+            <a:schemeClr val="accent1"/>
+          </a:effectRef>
+          <a:fontRef idx="minor">
+            <a:schemeClr val="tx1"/>
+          </a:fontRef>
+        </p:style>
+      </p:cxnSp>
+      <p:cxnSp>
+        <p:nvCxnSpPr>
+          <p:cNvPr id="9" name="Connettore 2 8"/>
+          <p:cNvCxnSpPr>
+            <a:stCxn id="6" idx="3"/>
+            <a:endCxn id="3" idx="1"/>
+          </p:cNvCxnSpPr>
+          <p:nvPr/>
+        </p:nvCxnSpPr>
+        <p:spPr>
+          <a:xfrm>
+            <a:off x="1788469" y="2962944"/>
+            <a:ext cx="3740845" cy="960539"/>
+          </a:xfrm>
+          <a:prstGeom prst="straightConnector1">
+            <a:avLst/>
+          </a:prstGeom>
+          <a:ln w="38100">
+            <a:solidFill>
+              <a:srgbClr val="92D050"/>
+            </a:solidFill>
+            <a:tailEnd type="triangle"/>
+          </a:ln>
+        </p:spPr>
+        <p:style>
+          <a:lnRef idx="1">
+            <a:schemeClr val="accent1"/>
+          </a:lnRef>
+          <a:fillRef idx="0">
+            <a:schemeClr val="accent1"/>
+          </a:fillRef>
+          <a:effectRef idx="0">
+            <a:schemeClr val="accent1"/>
+          </a:effectRef>
+          <a:fontRef idx="minor">
+            <a:schemeClr val="tx1"/>
+          </a:fontRef>
+        </p:style>
+      </p:cxnSp>
+      <p:cxnSp>
+        <p:nvCxnSpPr>
+          <p:cNvPr id="10" name="Connettore 2 9"/>
+          <p:cNvCxnSpPr>
+            <a:stCxn id="5" idx="3"/>
+            <a:endCxn id="3" idx="1"/>
+          </p:cNvCxnSpPr>
+          <p:nvPr/>
+        </p:nvCxnSpPr>
+        <p:spPr>
+          <a:xfrm flipV="1">
+            <a:off x="2488478" y="3923483"/>
+            <a:ext cx="3040836" cy="778061"/>
+          </a:xfrm>
+          <a:prstGeom prst="straightConnector1">
+            <a:avLst/>
+          </a:prstGeom>
+          <a:ln w="38100">
+            <a:solidFill>
+              <a:srgbClr val="92D050"/>
+            </a:solidFill>
+            <a:tailEnd type="triangle"/>
+          </a:ln>
+        </p:spPr>
+        <p:style>
+          <a:lnRef idx="1">
+            <a:schemeClr val="accent1"/>
+          </a:lnRef>
+          <a:fillRef idx="0">
+            <a:schemeClr val="accent1"/>
+          </a:fillRef>
+          <a:effectRef idx="0">
+            <a:schemeClr val="accent1"/>
+          </a:effectRef>
+          <a:fontRef idx="minor">
+            <a:schemeClr val="tx1"/>
+          </a:fontRef>
+        </p:style>
+      </p:cxnSp>
+      <p:sp>
+        <p:nvSpPr>
+          <p:cNvPr id="11" name="CasellaDiTesto 10"/>
+          <p:cNvSpPr txBox="1"/>
+          <p:nvPr/>
+        </p:nvSpPr>
+        <p:spPr>
+          <a:xfrm rot="1738116">
+            <a:off x="3836176" y="3025090"/>
+            <a:ext cx="1384866" cy="369332"/>
+          </a:xfrm>
+          <a:prstGeom prst="rect">
+            <a:avLst/>
+          </a:prstGeom>
+          <a:noFill/>
+        </p:spPr>
+        <p:txBody>
+          <a:bodyPr wrap="none" rtlCol="0">
+            <a:spAutoFit/>
+          </a:bodyPr>
+          <a:lstStyle/>
+          <a:p>
+            <a:r>
+              <a:rPr lang="en-GB" b="1" dirty="0" smtClean="0">
+                <a:solidFill>
+                  <a:srgbClr val="00B050"/>
+                </a:solidFill>
+              </a:rPr>
+              <a:t>ACK UPDATE</a:t>
+            </a:r>
+            <a:endParaRPr lang="en-GB" b="1" dirty="0">
+              <a:solidFill>
+                <a:srgbClr val="00B050"/>
+              </a:solidFill>
+            </a:endParaRPr>
+          </a:p>
+        </p:txBody>
+      </p:sp>
+      <p:sp>
+        <p:nvSpPr>
+          <p:cNvPr id="12" name="CasellaDiTesto 11"/>
+          <p:cNvSpPr txBox="1"/>
+          <p:nvPr/>
+        </p:nvSpPr>
+        <p:spPr>
+          <a:xfrm rot="916497">
+            <a:off x="2730444" y="3081561"/>
+            <a:ext cx="1384866" cy="369332"/>
+          </a:xfrm>
+          <a:prstGeom prst="rect">
+            <a:avLst/>
+          </a:prstGeom>
+          <a:noFill/>
+        </p:spPr>
+        <p:txBody>
+          <a:bodyPr wrap="none" rtlCol="0">
+            <a:spAutoFit/>
+          </a:bodyPr>
+          <a:lstStyle/>
+          <a:p>
+            <a:r>
+              <a:rPr lang="en-GB" b="1" dirty="0" smtClean="0">
+                <a:solidFill>
+                  <a:srgbClr val="00B050"/>
+                </a:solidFill>
+              </a:rPr>
+              <a:t>ACK UPDATE</a:t>
+            </a:r>
+            <a:endParaRPr lang="en-GB" b="1" dirty="0">
+              <a:solidFill>
+                <a:srgbClr val="00B050"/>
+              </a:solidFill>
+            </a:endParaRPr>
+          </a:p>
+        </p:txBody>
+      </p:sp>
+      <p:sp>
+        <p:nvSpPr>
+          <p:cNvPr id="13" name="CasellaDiTesto 12"/>
+          <p:cNvSpPr txBox="1"/>
+          <p:nvPr/>
+        </p:nvSpPr>
+        <p:spPr>
+          <a:xfrm rot="20821087">
+            <a:off x="2966458" y="4076186"/>
+            <a:ext cx="1384866" cy="369332"/>
+          </a:xfrm>
+          <a:prstGeom prst="rect">
+            <a:avLst/>
+          </a:prstGeom>
+          <a:noFill/>
+        </p:spPr>
+        <p:txBody>
+          <a:bodyPr wrap="none" rtlCol="0">
+            <a:spAutoFit/>
+          </a:bodyPr>
+          <a:lstStyle/>
+          <a:p>
+            <a:r>
+              <a:rPr lang="en-GB" b="1" dirty="0" smtClean="0">
+                <a:solidFill>
+                  <a:srgbClr val="00B050"/>
+                </a:solidFill>
+              </a:rPr>
+              <a:t>ACK UPDATE</a:t>
+            </a:r>
+            <a:endParaRPr lang="en-GB" b="1" dirty="0">
+              <a:solidFill>
+                <a:srgbClr val="00B050"/>
+              </a:solidFill>
+            </a:endParaRPr>
+          </a:p>
+        </p:txBody>
+      </p:sp>
+      <p:pic>
+        <p:nvPicPr>
+          <p:cNvPr id="14" name="Immagine 13"/>
+          <p:cNvPicPr>
+            <a:picLocks noChangeAspect="1"/>
+          </p:cNvPicPr>
+          <p:nvPr/>
+        </p:nvPicPr>
+        <p:blipFill>
+          <a:blip r:embed="rId3">
+            <a:extLst>
+              <a:ext uri="{28A0092B-C50C-407E-A947-70E740481C1C}">
+                <a14:useLocalDpi xmlns:a14="http://schemas.microsoft.com/office/drawing/2010/main" val="0"/>
+              </a:ext>
+            </a:extLst>
+          </a:blip>
+          <a:stretch>
+            <a:fillRect/>
+          </a:stretch>
+        </p:blipFill>
+        <p:spPr>
+          <a:xfrm>
+            <a:off x="8886423" y="4888861"/>
+            <a:ext cx="592428" cy="932686"/>
+          </a:xfrm>
+          <a:prstGeom prst="rect">
+            <a:avLst/>
+          </a:prstGeom>
+        </p:spPr>
+      </p:pic>
+    </p:spTree>
+    <p:extLst>
+      <p:ext uri="{BB962C8B-B14F-4D97-AF65-F5344CB8AC3E}">
+        <p14:creationId xmlns:p14="http://schemas.microsoft.com/office/powerpoint/2010/main" val="1527260435"/>
+      </p:ext>
+    </p:extLst>
+  </p:cSld>
+  <p:clrMapOvr>
+    <a:masterClrMapping/>
+  </p:clrMapOvr>
+  <p:timing>
+    <p:tnLst>
+      <p:par>
+        <p:cTn id="1" dur="indefinite" restart="never" nodeType="tmRoot">
+          <p:childTnLst>
+            <p:seq concurrent="1" nextAc="seek">
+              <p:cTn id="2" dur="indefinite" nodeType="mainSeq">
+                <p:childTnLst>
+                  <p:par>
+                    <p:cTn id="3" fill="hold">
+                      <p:stCondLst>
+                        <p:cond delay="indefinite"/>
+                      </p:stCondLst>
+                      <p:childTnLst>
+                        <p:par>
+                          <p:cTn id="4" fill="hold">
+                            <p:stCondLst>
+                              <p:cond delay="0"/>
+                            </p:stCondLst>
+                            <p:childTnLst>
+                              <p:par>
+                                <p:cTn id="5" presetID="22" presetClass="entr" presetSubtype="4" fill="hold" grpId="0" nodeType="clickEffect">
+                                  <p:stCondLst>
+                                    <p:cond delay="0"/>
+                                  </p:stCondLst>
+                                  <p:childTnLst>
+                                    <p:set>
+                                      <p:cBhvr>
+                                        <p:cTn id="6" dur="1" fill="hold">
+                                          <p:stCondLst>
+                                            <p:cond delay="0"/>
+                                          </p:stCondLst>
+                                        </p:cTn>
+                                        <p:tgtEl>
+                                          <p:spTgt spid="11"/>
+                                        </p:tgtEl>
+                                        <p:attrNameLst>
+                                          <p:attrName>style.visibility</p:attrName>
+                                        </p:attrNameLst>
+                                      </p:cBhvr>
+                                      <p:to>
+                                        <p:strVal val="visible"/>
+                                      </p:to>
+                                    </p:set>
+                                    <p:animEffect transition="in" filter="wipe(down)">
+                                      <p:cBhvr>
+                                        <p:cTn id="7" dur="500"/>
+                                        <p:tgtEl>
+                                          <p:spTgt spid="11"/>
+                                        </p:tgtEl>
+                                      </p:cBhvr>
+                                    </p:animEffect>
+                                  </p:childTnLst>
+                                </p:cTn>
+                              </p:par>
+                              <p:par>
+                                <p:cTn id="8" presetID="22" presetClass="entr" presetSubtype="4" fill="hold" nodeType="withEffect">
+                                  <p:stCondLst>
+                                    <p:cond delay="0"/>
+                                  </p:stCondLst>
+                                  <p:childTnLst>
+                                    <p:set>
+                                      <p:cBhvr>
+                                        <p:cTn id="9" dur="1" fill="hold">
+                                          <p:stCondLst>
+                                            <p:cond delay="0"/>
+                                          </p:stCondLst>
+                                        </p:cTn>
+                                        <p:tgtEl>
+                                          <p:spTgt spid="8"/>
+                                        </p:tgtEl>
+                                        <p:attrNameLst>
+                                          <p:attrName>style.visibility</p:attrName>
+                                        </p:attrNameLst>
+                                      </p:cBhvr>
+                                      <p:to>
+                                        <p:strVal val="visible"/>
+                                      </p:to>
+                                    </p:set>
+                                    <p:animEffect transition="in" filter="wipe(down)">
+                                      <p:cBhvr>
+                                        <p:cTn id="10" dur="500"/>
+                                        <p:tgtEl>
+                                          <p:spTgt spid="8"/>
+                                        </p:tgtEl>
+                                      </p:cBhvr>
+                                    </p:animEffect>
+                                  </p:childTnLst>
+                                </p:cTn>
+                              </p:par>
+                              <p:par>
+                                <p:cTn id="11" presetID="22" presetClass="entr" presetSubtype="4" fill="hold" grpId="0" nodeType="withEffect">
+                                  <p:stCondLst>
+                                    <p:cond delay="0"/>
+                                  </p:stCondLst>
+                                  <p:childTnLst>
+                                    <p:set>
+                                      <p:cBhvr>
+                                        <p:cTn id="12" dur="1" fill="hold">
+                                          <p:stCondLst>
+                                            <p:cond delay="0"/>
+                                          </p:stCondLst>
+                                        </p:cTn>
+                                        <p:tgtEl>
+                                          <p:spTgt spid="12"/>
+                                        </p:tgtEl>
+                                        <p:attrNameLst>
+                                          <p:attrName>style.visibility</p:attrName>
+                                        </p:attrNameLst>
+                                      </p:cBhvr>
+                                      <p:to>
+                                        <p:strVal val="visible"/>
+                                      </p:to>
+                                    </p:set>
+                                    <p:animEffect transition="in" filter="wipe(down)">
+                                      <p:cBhvr>
+                                        <p:cTn id="13" dur="500"/>
+                                        <p:tgtEl>
+                                          <p:spTgt spid="12"/>
+                                        </p:tgtEl>
+                                      </p:cBhvr>
+                                    </p:animEffect>
+                                  </p:childTnLst>
+                                </p:cTn>
+                              </p:par>
+                              <p:par>
+                                <p:cTn id="14" presetID="22" presetClass="entr" presetSubtype="4" fill="hold" nodeType="withEffect">
+                                  <p:stCondLst>
+                                    <p:cond delay="0"/>
+                                  </p:stCondLst>
+                                  <p:childTnLst>
+                                    <p:set>
+                                      <p:cBhvr>
+                                        <p:cTn id="15" dur="1" fill="hold">
+                                          <p:stCondLst>
+                                            <p:cond delay="0"/>
+                                          </p:stCondLst>
+                                        </p:cTn>
+                                        <p:tgtEl>
+                                          <p:spTgt spid="9"/>
+                                        </p:tgtEl>
+                                        <p:attrNameLst>
+                                          <p:attrName>style.visibility</p:attrName>
+                                        </p:attrNameLst>
+                                      </p:cBhvr>
+                                      <p:to>
+                                        <p:strVal val="visible"/>
+                                      </p:to>
+                                    </p:set>
+                                    <p:animEffect transition="in" filter="wipe(down)">
+                                      <p:cBhvr>
+                                        <p:cTn id="16" dur="500"/>
+                                        <p:tgtEl>
+                                          <p:spTgt spid="9"/>
+                                        </p:tgtEl>
+                                      </p:cBhvr>
+                                    </p:animEffect>
+                                  </p:childTnLst>
+                                </p:cTn>
+                              </p:par>
+                              <p:par>
+                                <p:cTn id="17" presetID="22" presetClass="entr" presetSubtype="4" fill="hold" grpId="0" nodeType="withEffect">
+                                  <p:stCondLst>
+                                    <p:cond delay="0"/>
+                                  </p:stCondLst>
+                                  <p:childTnLst>
+                                    <p:set>
+                                      <p:cBhvr>
+                                        <p:cTn id="18" dur="1" fill="hold">
+                                          <p:stCondLst>
+                                            <p:cond delay="0"/>
+                                          </p:stCondLst>
+                                        </p:cTn>
+                                        <p:tgtEl>
+                                          <p:spTgt spid="13"/>
+                                        </p:tgtEl>
+                                        <p:attrNameLst>
+                                          <p:attrName>style.visibility</p:attrName>
+                                        </p:attrNameLst>
+                                      </p:cBhvr>
+                                      <p:to>
+                                        <p:strVal val="visible"/>
+                                      </p:to>
+                                    </p:set>
+                                    <p:animEffect transition="in" filter="wipe(down)">
+                                      <p:cBhvr>
+                                        <p:cTn id="19" dur="500"/>
+                                        <p:tgtEl>
+                                          <p:spTgt spid="13"/>
+                                        </p:tgtEl>
+                                      </p:cBhvr>
+                                    </p:animEffect>
+                                  </p:childTnLst>
+                                </p:cTn>
+                              </p:par>
+                              <p:par>
+                                <p:cTn id="20" presetID="22" presetClass="entr" presetSubtype="4" fill="hold" nodeType="withEffect">
+                                  <p:stCondLst>
+                                    <p:cond delay="0"/>
+                                  </p:stCondLst>
+                                  <p:childTnLst>
+                                    <p:set>
+                                      <p:cBhvr>
+                                        <p:cTn id="21" dur="1" fill="hold">
+                                          <p:stCondLst>
+                                            <p:cond delay="0"/>
+                                          </p:stCondLst>
+                                        </p:cTn>
+                                        <p:tgtEl>
+                                          <p:spTgt spid="10"/>
+                                        </p:tgtEl>
+                                        <p:attrNameLst>
+                                          <p:attrName>style.visibility</p:attrName>
+                                        </p:attrNameLst>
+                                      </p:cBhvr>
+                                      <p:to>
+                                        <p:strVal val="visible"/>
+                                      </p:to>
+                                    </p:set>
+                                    <p:animEffect transition="in" filter="wipe(down)">
+                                      <p:cBhvr>
+                                        <p:cTn id="22" dur="500"/>
+                                        <p:tgtEl>
+                                          <p:spTgt spid="10"/>
+                                        </p:tgtEl>
+                                      </p:cBhvr>
+                                    </p:animEffect>
+                                  </p:childTnLst>
+                                </p:cTn>
+                              </p:par>
+                            </p:childTnLst>
+                          </p:cTn>
+                        </p:par>
+                      </p:childTnLst>
+                    </p:cTn>
+                  </p:par>
+                  <p:par>
+                    <p:cTn id="23" fill="hold">
+                      <p:stCondLst>
+                        <p:cond delay="indefinite"/>
+                      </p:stCondLst>
+                      <p:childTnLst>
+                        <p:par>
+                          <p:cTn id="24" fill="hold">
+                            <p:stCondLst>
+                              <p:cond delay="0"/>
+                            </p:stCondLst>
+                            <p:childTnLst>
+                              <p:par>
+                                <p:cTn id="25" presetID="22" presetClass="exit" presetSubtype="4" fill="hold" grpId="1" nodeType="clickEffect">
+                                  <p:stCondLst>
+                                    <p:cond delay="0"/>
+                                  </p:stCondLst>
+                                  <p:childTnLst>
+                                    <p:animEffect transition="out" filter="wipe(down)">
+                                      <p:cBhvr>
+                                        <p:cTn id="26" dur="500"/>
+                                        <p:tgtEl>
+                                          <p:spTgt spid="11"/>
+                                        </p:tgtEl>
+                                      </p:cBhvr>
+                                    </p:animEffect>
+                                    <p:set>
+                                      <p:cBhvr>
+                                        <p:cTn id="27" dur="1" fill="hold">
+                                          <p:stCondLst>
+                                            <p:cond delay="499"/>
+                                          </p:stCondLst>
+                                        </p:cTn>
+                                        <p:tgtEl>
+                                          <p:spTgt spid="11"/>
+                                        </p:tgtEl>
+                                        <p:attrNameLst>
+                                          <p:attrName>style.visibility</p:attrName>
+                                        </p:attrNameLst>
+                                      </p:cBhvr>
+                                      <p:to>
+                                        <p:strVal val="hidden"/>
+                                      </p:to>
+                                    </p:set>
+                                  </p:childTnLst>
+                                </p:cTn>
+                              </p:par>
+                              <p:par>
+                                <p:cTn id="28" presetID="22" presetClass="exit" presetSubtype="4" fill="hold" nodeType="withEffect">
+                                  <p:stCondLst>
+                                    <p:cond delay="0"/>
+                                  </p:stCondLst>
+                                  <p:childTnLst>
+                                    <p:animEffect transition="out" filter="wipe(down)">
+                                      <p:cBhvr>
+                                        <p:cTn id="29" dur="500"/>
+                                        <p:tgtEl>
+                                          <p:spTgt spid="8"/>
+                                        </p:tgtEl>
+                                      </p:cBhvr>
+                                    </p:animEffect>
+                                    <p:set>
+                                      <p:cBhvr>
+                                        <p:cTn id="30" dur="1" fill="hold">
+                                          <p:stCondLst>
+                                            <p:cond delay="499"/>
+                                          </p:stCondLst>
+                                        </p:cTn>
+                                        <p:tgtEl>
+                                          <p:spTgt spid="8"/>
+                                        </p:tgtEl>
+                                        <p:attrNameLst>
+                                          <p:attrName>style.visibility</p:attrName>
+                                        </p:attrNameLst>
+                                      </p:cBhvr>
+                                      <p:to>
+                                        <p:strVal val="hidden"/>
+                                      </p:to>
+                                    </p:set>
+                                  </p:childTnLst>
+                                </p:cTn>
+                              </p:par>
+                              <p:par>
+                                <p:cTn id="31" presetID="22" presetClass="exit" presetSubtype="4" fill="hold" grpId="1" nodeType="withEffect">
+                                  <p:stCondLst>
+                                    <p:cond delay="0"/>
+                                  </p:stCondLst>
+                                  <p:childTnLst>
+                                    <p:animEffect transition="out" filter="wipe(down)">
+                                      <p:cBhvr>
+                                        <p:cTn id="32" dur="500"/>
+                                        <p:tgtEl>
+                                          <p:spTgt spid="12"/>
+                                        </p:tgtEl>
+                                      </p:cBhvr>
+                                    </p:animEffect>
+                                    <p:set>
+                                      <p:cBhvr>
+                                        <p:cTn id="33" dur="1" fill="hold">
+                                          <p:stCondLst>
+                                            <p:cond delay="499"/>
+                                          </p:stCondLst>
+                                        </p:cTn>
+                                        <p:tgtEl>
+                                          <p:spTgt spid="12"/>
+                                        </p:tgtEl>
+                                        <p:attrNameLst>
+                                          <p:attrName>style.visibility</p:attrName>
+                                        </p:attrNameLst>
+                                      </p:cBhvr>
+                                      <p:to>
+                                        <p:strVal val="hidden"/>
+                                      </p:to>
+                                    </p:set>
+                                  </p:childTnLst>
+                                </p:cTn>
+                              </p:par>
+                              <p:par>
+                                <p:cTn id="34" presetID="22" presetClass="exit" presetSubtype="4" fill="hold" nodeType="withEffect">
+                                  <p:stCondLst>
+                                    <p:cond delay="0"/>
+                                  </p:stCondLst>
+                                  <p:childTnLst>
+                                    <p:animEffect transition="out" filter="wipe(down)">
+                                      <p:cBhvr>
+                                        <p:cTn id="35" dur="500"/>
+                                        <p:tgtEl>
+                                          <p:spTgt spid="9"/>
+                                        </p:tgtEl>
+                                      </p:cBhvr>
+                                    </p:animEffect>
+                                    <p:set>
+                                      <p:cBhvr>
+                                        <p:cTn id="36" dur="1" fill="hold">
+                                          <p:stCondLst>
+                                            <p:cond delay="499"/>
+                                          </p:stCondLst>
+                                        </p:cTn>
+                                        <p:tgtEl>
+                                          <p:spTgt spid="9"/>
+                                        </p:tgtEl>
+                                        <p:attrNameLst>
+                                          <p:attrName>style.visibility</p:attrName>
+                                        </p:attrNameLst>
+                                      </p:cBhvr>
+                                      <p:to>
+                                        <p:strVal val="hidden"/>
+                                      </p:to>
+                                    </p:set>
+                                  </p:childTnLst>
+                                </p:cTn>
+                              </p:par>
+                              <p:par>
+                                <p:cTn id="37" presetID="22" presetClass="exit" presetSubtype="4" fill="hold" grpId="1" nodeType="withEffect">
+                                  <p:stCondLst>
+                                    <p:cond delay="0"/>
+                                  </p:stCondLst>
+                                  <p:childTnLst>
+                                    <p:animEffect transition="out" filter="wipe(down)">
+                                      <p:cBhvr>
+                                        <p:cTn id="38" dur="500"/>
+                                        <p:tgtEl>
+                                          <p:spTgt spid="13"/>
+                                        </p:tgtEl>
+                                      </p:cBhvr>
+                                    </p:animEffect>
+                                    <p:set>
+                                      <p:cBhvr>
+                                        <p:cTn id="39" dur="1" fill="hold">
+                                          <p:stCondLst>
+                                            <p:cond delay="499"/>
+                                          </p:stCondLst>
+                                        </p:cTn>
+                                        <p:tgtEl>
+                                          <p:spTgt spid="13"/>
+                                        </p:tgtEl>
+                                        <p:attrNameLst>
+                                          <p:attrName>style.visibility</p:attrName>
+                                        </p:attrNameLst>
+                                      </p:cBhvr>
+                                      <p:to>
+                                        <p:strVal val="hidden"/>
+                                      </p:to>
+                                    </p:set>
+                                  </p:childTnLst>
+                                </p:cTn>
+                              </p:par>
+                              <p:par>
+                                <p:cTn id="40" presetID="22" presetClass="exit" presetSubtype="4" fill="hold" nodeType="withEffect">
+                                  <p:stCondLst>
+                                    <p:cond delay="0"/>
+                                  </p:stCondLst>
+                                  <p:childTnLst>
+                                    <p:animEffect transition="out" filter="wipe(down)">
+                                      <p:cBhvr>
+                                        <p:cTn id="41" dur="500"/>
+                                        <p:tgtEl>
+                                          <p:spTgt spid="10"/>
+                                        </p:tgtEl>
+                                      </p:cBhvr>
+                                    </p:animEffect>
+                                    <p:set>
+                                      <p:cBhvr>
+                                        <p:cTn id="42" dur="1" fill="hold">
+                                          <p:stCondLst>
+                                            <p:cond delay="499"/>
+                                          </p:stCondLst>
+                                        </p:cTn>
+                                        <p:tgtEl>
+                                          <p:spTgt spid="10"/>
+                                        </p:tgtEl>
+                                        <p:attrNameLst>
+                                          <p:attrName>style.visibility</p:attrName>
+                                        </p:attrNameLst>
+                                      </p:cBhvr>
+                                      <p:to>
+                                        <p:strVal val="hidden"/>
+                                      </p:to>
+                                    </p:set>
+                                  </p:childTnLst>
+                                </p:cTn>
+                              </p:par>
+                            </p:childTnLst>
+                          </p:cTn>
+                        </p:par>
+                      </p:childTnLst>
+                    </p:cTn>
+                  </p:par>
+                </p:childTnLst>
+              </p:cTn>
+              <p:prevCondLst>
+                <p:cond evt="onPrev" delay="0">
+                  <p:tgtEl>
+                    <p:sldTgt/>
+                  </p:tgtEl>
+                </p:cond>
+              </p:prevCondLst>
+              <p:nextCondLst>
+                <p:cond evt="onNext" delay="0">
+                  <p:tgtEl>
+                    <p:sldTgt/>
+                  </p:tgtEl>
+                </p:cond>
+              </p:nextCondLst>
+            </p:seq>
+          </p:childTnLst>
+        </p:cTn>
+      </p:par>
+    </p:tnLst>
+    <p:bldLst>
+      <p:bldP spid="11" grpId="0"/>
+      <p:bldP spid="11" grpId="1"/>
+      <p:bldP spid="12" grpId="0"/>
+      <p:bldP spid="12" grpId="1"/>
+      <p:bldP spid="13" grpId="0"/>
+      <p:bldP spid="13" grpId="1"/>
+    </p:bldLst>
+  </p:timing>
+</p:sld>
+</file>
+
+<file path=ppt/slides/slide17.xml><?xml version="1.0" encoding="utf-8"?>
+<p:sld xmlns:a="http://schemas.openxmlformats.org/drawingml/2006/main" xmlns:r="http://schemas.openxmlformats.org/officeDocument/2006/relationships" xmlns:p="http://schemas.openxmlformats.org/presentationml/2006/main">
+  <p:cSld>
+    <p:spTree>
+      <p:nvGrpSpPr>
+        <p:cNvPr id="1" name=""/>
+        <p:cNvGrpSpPr/>
+        <p:nvPr/>
+      </p:nvGrpSpPr>
+      <p:grpSpPr>
+        <a:xfrm>
+          <a:off x="0" y="0"/>
+          <a:ext cx="0" cy="0"/>
+          <a:chOff x="0" y="0"/>
+          <a:chExt cx="0" cy="0"/>
+        </a:xfrm>
+      </p:grpSpPr>
+      <p:sp>
+        <p:nvSpPr>
+          <p:cNvPr id="2" name="Titolo 1"/>
+          <p:cNvSpPr>
+            <a:spLocks noGrp="1"/>
+          </p:cNvSpPr>
+          <p:nvPr>
+            <p:ph type="title"/>
+          </p:nvPr>
+        </p:nvSpPr>
+        <p:spPr/>
+        <p:txBody>
+          <a:bodyPr>
+            <a:normAutofit/>
+          </a:bodyPr>
+          <a:lstStyle/>
+          <a:p>
+            <a:r>
+              <a:rPr lang="en-GB" sz="6000" b="1" dirty="0">
+                <a:solidFill>
+                  <a:schemeClr val="accent6"/>
+                </a:solidFill>
+              </a:rPr>
+              <a:t>PROTOCOL - LEAVING</a:t>
+            </a:r>
+            <a:endParaRPr lang="en-GB" sz="6000" dirty="0"/>
+          </a:p>
+        </p:txBody>
+      </p:sp>
+      <p:pic>
+        <p:nvPicPr>
+          <p:cNvPr id="3" name="Immagine 2"/>
+          <p:cNvPicPr>
+            <a:picLocks noChangeAspect="1"/>
+          </p:cNvPicPr>
+          <p:nvPr/>
+        </p:nvPicPr>
+        <p:blipFill>
+          <a:blip r:embed="rId2">
+            <a:extLst>
+              <a:ext uri="{28A0092B-C50C-407E-A947-70E740481C1C}">
+                <a14:useLocalDpi xmlns:a14="http://schemas.microsoft.com/office/drawing/2010/main" val="0"/>
+              </a:ext>
+            </a:extLst>
+          </a:blip>
+          <a:stretch>
+            <a:fillRect/>
+          </a:stretch>
+        </p:blipFill>
+        <p:spPr>
+          <a:xfrm>
+            <a:off x="5529314" y="2945225"/>
+            <a:ext cx="1956515" cy="1956515"/>
+          </a:xfrm>
+          <a:prstGeom prst="rect">
+            <a:avLst/>
+          </a:prstGeom>
+        </p:spPr>
+      </p:pic>
+      <p:pic>
+        <p:nvPicPr>
+          <p:cNvPr id="5" name="Immagine 4"/>
+          <p:cNvPicPr>
+            <a:picLocks noChangeAspect="1"/>
+          </p:cNvPicPr>
+          <p:nvPr/>
+        </p:nvPicPr>
+        <p:blipFill>
+          <a:blip r:embed="rId3">
+            <a:extLst>
+              <a:ext uri="{28A0092B-C50C-407E-A947-70E740481C1C}">
+                <a14:useLocalDpi xmlns:a14="http://schemas.microsoft.com/office/drawing/2010/main" val="0"/>
+              </a:ext>
+            </a:extLst>
+          </a:blip>
+          <a:stretch>
+            <a:fillRect/>
+          </a:stretch>
+        </p:blipFill>
+        <p:spPr>
+          <a:xfrm>
+            <a:off x="1877548" y="4235201"/>
+            <a:ext cx="610930" cy="932686"/>
+          </a:xfrm>
+          <a:prstGeom prst="rect">
+            <a:avLst/>
+          </a:prstGeom>
+        </p:spPr>
+      </p:pic>
+      <p:pic>
+        <p:nvPicPr>
+          <p:cNvPr id="6" name="Immagine 5"/>
+          <p:cNvPicPr>
+            <a:picLocks noChangeAspect="1"/>
+          </p:cNvPicPr>
+          <p:nvPr/>
+        </p:nvPicPr>
+        <p:blipFill>
+          <a:blip r:embed="rId3">
+            <a:extLst>
+              <a:ext uri="{28A0092B-C50C-407E-A947-70E740481C1C}">
+                <a14:useLocalDpi xmlns:a14="http://schemas.microsoft.com/office/drawing/2010/main" val="0"/>
+              </a:ext>
+            </a:extLst>
+          </a:blip>
+          <a:stretch>
+            <a:fillRect/>
+          </a:stretch>
+        </p:blipFill>
+        <p:spPr>
+          <a:xfrm>
+            <a:off x="1177539" y="2496601"/>
+            <a:ext cx="610930" cy="932686"/>
+          </a:xfrm>
+          <a:prstGeom prst="rect">
+            <a:avLst/>
+          </a:prstGeom>
+        </p:spPr>
+      </p:pic>
+      <p:pic>
+        <p:nvPicPr>
+          <p:cNvPr id="7" name="Immagine 6"/>
+          <p:cNvPicPr>
+            <a:picLocks noChangeAspect="1"/>
+          </p:cNvPicPr>
+          <p:nvPr/>
+        </p:nvPicPr>
+        <p:blipFill>
+          <a:blip r:embed="rId3">
+            <a:extLst>
+              <a:ext uri="{28A0092B-C50C-407E-A947-70E740481C1C}">
+                <a14:useLocalDpi xmlns:a14="http://schemas.microsoft.com/office/drawing/2010/main" val="0"/>
+              </a:ext>
+            </a:extLst>
+          </a:blip>
+          <a:stretch>
+            <a:fillRect/>
+          </a:stretch>
+        </p:blipFill>
+        <p:spPr>
+          <a:xfrm>
+            <a:off x="3117848" y="1823144"/>
+            <a:ext cx="610930" cy="932686"/>
+          </a:xfrm>
+          <a:prstGeom prst="rect">
+            <a:avLst/>
+          </a:prstGeom>
+        </p:spPr>
+      </p:pic>
+      <p:cxnSp>
+        <p:nvCxnSpPr>
+          <p:cNvPr id="8" name="Connettore 2 7"/>
+          <p:cNvCxnSpPr>
+            <a:stCxn id="3" idx="1"/>
+            <a:endCxn id="7" idx="2"/>
+          </p:cNvCxnSpPr>
+          <p:nvPr/>
+        </p:nvCxnSpPr>
+        <p:spPr>
+          <a:xfrm flipH="1" flipV="1">
+            <a:off x="3423313" y="2755830"/>
+            <a:ext cx="2106001" cy="1167653"/>
+          </a:xfrm>
+          <a:prstGeom prst="straightConnector1">
+            <a:avLst/>
+          </a:prstGeom>
+          <a:ln w="38100">
+            <a:solidFill>
+              <a:srgbClr val="92D050"/>
+            </a:solidFill>
+            <a:tailEnd type="triangle"/>
+          </a:ln>
+        </p:spPr>
+        <p:style>
+          <a:lnRef idx="1">
+            <a:schemeClr val="accent1"/>
+          </a:lnRef>
+          <a:fillRef idx="0">
+            <a:schemeClr val="accent1"/>
+          </a:fillRef>
+          <a:effectRef idx="0">
+            <a:schemeClr val="accent1"/>
+          </a:effectRef>
+          <a:fontRef idx="minor">
+            <a:schemeClr val="tx1"/>
+          </a:fontRef>
+        </p:style>
+      </p:cxnSp>
+      <p:cxnSp>
+        <p:nvCxnSpPr>
+          <p:cNvPr id="9" name="Connettore 2 8"/>
+          <p:cNvCxnSpPr>
+            <a:stCxn id="3" idx="1"/>
+            <a:endCxn id="6" idx="3"/>
+          </p:cNvCxnSpPr>
+          <p:nvPr/>
+        </p:nvCxnSpPr>
+        <p:spPr>
+          <a:xfrm flipH="1" flipV="1">
+            <a:off x="1788469" y="2962944"/>
+            <a:ext cx="3740845" cy="960539"/>
+          </a:xfrm>
+          <a:prstGeom prst="straightConnector1">
+            <a:avLst/>
+          </a:prstGeom>
+          <a:ln w="38100">
+            <a:solidFill>
+              <a:srgbClr val="92D050"/>
+            </a:solidFill>
+            <a:tailEnd type="triangle"/>
+          </a:ln>
+        </p:spPr>
+        <p:style>
+          <a:lnRef idx="1">
+            <a:schemeClr val="accent1"/>
+          </a:lnRef>
+          <a:fillRef idx="0">
+            <a:schemeClr val="accent1"/>
+          </a:fillRef>
+          <a:effectRef idx="0">
+            <a:schemeClr val="accent1"/>
+          </a:effectRef>
+          <a:fontRef idx="minor">
+            <a:schemeClr val="tx1"/>
+          </a:fontRef>
+        </p:style>
+      </p:cxnSp>
+      <p:cxnSp>
+        <p:nvCxnSpPr>
+          <p:cNvPr id="10" name="Connettore 2 9"/>
+          <p:cNvCxnSpPr>
+            <a:stCxn id="3" idx="1"/>
+            <a:endCxn id="5" idx="3"/>
+          </p:cNvCxnSpPr>
+          <p:nvPr/>
+        </p:nvCxnSpPr>
+        <p:spPr>
+          <a:xfrm flipH="1">
+            <a:off x="2488478" y="3923483"/>
+            <a:ext cx="3040836" cy="778061"/>
+          </a:xfrm>
+          <a:prstGeom prst="straightConnector1">
+            <a:avLst/>
+          </a:prstGeom>
+          <a:ln w="38100">
+            <a:solidFill>
+              <a:srgbClr val="92D050"/>
+            </a:solidFill>
+            <a:tailEnd type="triangle"/>
+          </a:ln>
+        </p:spPr>
+        <p:style>
+          <a:lnRef idx="1">
+            <a:schemeClr val="accent1"/>
+          </a:lnRef>
+          <a:fillRef idx="0">
+            <a:schemeClr val="accent1"/>
+          </a:fillRef>
+          <a:effectRef idx="0">
+            <a:schemeClr val="accent1"/>
+          </a:effectRef>
+          <a:fontRef idx="minor">
+            <a:schemeClr val="tx1"/>
+          </a:fontRef>
+        </p:style>
+      </p:cxnSp>
+      <p:sp>
+        <p:nvSpPr>
+          <p:cNvPr id="11" name="CasellaDiTesto 10"/>
+          <p:cNvSpPr txBox="1"/>
+          <p:nvPr/>
+        </p:nvSpPr>
+        <p:spPr>
+          <a:xfrm rot="1738116">
+            <a:off x="3530269" y="3041693"/>
+            <a:ext cx="2036711" cy="369332"/>
+          </a:xfrm>
+          <a:prstGeom prst="rect">
+            <a:avLst/>
+          </a:prstGeom>
+          <a:noFill/>
+        </p:spPr>
+        <p:txBody>
+          <a:bodyPr wrap="none" rtlCol="0">
+            <a:spAutoFit/>
+          </a:bodyPr>
+          <a:lstStyle/>
+          <a:p>
+            <a:r>
+              <a:rPr lang="en-GB" b="1" dirty="0" smtClean="0">
+                <a:solidFill>
+                  <a:srgbClr val="00B050"/>
+                </a:solidFill>
+              </a:rPr>
+              <a:t>UPDATE COMPLETE</a:t>
+            </a:r>
+            <a:endParaRPr lang="en-GB" b="1" dirty="0">
+              <a:solidFill>
+                <a:srgbClr val="00B050"/>
+              </a:solidFill>
+            </a:endParaRPr>
+          </a:p>
+        </p:txBody>
+      </p:sp>
+      <p:sp>
+        <p:nvSpPr>
+          <p:cNvPr id="12" name="CasellaDiTesto 11"/>
+          <p:cNvSpPr txBox="1"/>
+          <p:nvPr/>
+        </p:nvSpPr>
+        <p:spPr>
+          <a:xfrm rot="916497">
+            <a:off x="2365654" y="3069573"/>
+            <a:ext cx="2036711" cy="369332"/>
+          </a:xfrm>
+          <a:prstGeom prst="rect">
+            <a:avLst/>
+          </a:prstGeom>
+          <a:noFill/>
+        </p:spPr>
+        <p:txBody>
+          <a:bodyPr wrap="none" rtlCol="0">
+            <a:spAutoFit/>
+          </a:bodyPr>
+          <a:lstStyle/>
+          <a:p>
+            <a:r>
+              <a:rPr lang="en-GB" b="1" dirty="0">
+                <a:solidFill>
+                  <a:srgbClr val="00B050"/>
+                </a:solidFill>
+              </a:rPr>
+              <a:t>UPDATE COMPLETE</a:t>
+            </a:r>
+          </a:p>
+        </p:txBody>
+      </p:sp>
+      <p:sp>
+        <p:nvSpPr>
+          <p:cNvPr id="13" name="CasellaDiTesto 12"/>
+          <p:cNvSpPr txBox="1"/>
+          <p:nvPr/>
+        </p:nvSpPr>
+        <p:spPr>
+          <a:xfrm rot="20821087">
+            <a:off x="2710422" y="4036196"/>
+            <a:ext cx="2036711" cy="369332"/>
+          </a:xfrm>
+          <a:prstGeom prst="rect">
+            <a:avLst/>
+          </a:prstGeom>
+          <a:noFill/>
+        </p:spPr>
+        <p:txBody>
+          <a:bodyPr wrap="none" rtlCol="0">
+            <a:spAutoFit/>
+          </a:bodyPr>
+          <a:lstStyle/>
+          <a:p>
+            <a:r>
+              <a:rPr lang="en-GB" b="1" dirty="0">
+                <a:solidFill>
+                  <a:srgbClr val="00B050"/>
+                </a:solidFill>
+              </a:rPr>
+              <a:t>UPDATE COMPLETE</a:t>
+            </a:r>
+          </a:p>
+        </p:txBody>
+      </p:sp>
+      <p:cxnSp>
+        <p:nvCxnSpPr>
+          <p:cNvPr id="14" name="Connettore 2 13"/>
+          <p:cNvCxnSpPr>
+            <a:stCxn id="3" idx="2"/>
+          </p:cNvCxnSpPr>
+          <p:nvPr/>
+        </p:nvCxnSpPr>
+        <p:spPr>
+          <a:xfrm>
+            <a:off x="6507572" y="4901740"/>
+            <a:ext cx="2368072" cy="435405"/>
+          </a:xfrm>
+          <a:prstGeom prst="straightConnector1">
+            <a:avLst/>
+          </a:prstGeom>
+          <a:ln w="38100">
+            <a:solidFill>
+              <a:srgbClr val="FFC000"/>
+            </a:solidFill>
+            <a:tailEnd type="triangle"/>
+          </a:ln>
+        </p:spPr>
+        <p:style>
+          <a:lnRef idx="1">
+            <a:schemeClr val="accent1"/>
+          </a:lnRef>
+          <a:fillRef idx="0">
+            <a:schemeClr val="accent1"/>
+          </a:fillRef>
+          <a:effectRef idx="0">
+            <a:schemeClr val="accent1"/>
+          </a:effectRef>
+          <a:fontRef idx="minor">
+            <a:schemeClr val="tx1"/>
+          </a:fontRef>
+        </p:style>
+      </p:cxnSp>
+      <p:sp>
+        <p:nvSpPr>
+          <p:cNvPr id="15" name="CasellaDiTesto 14"/>
+          <p:cNvSpPr txBox="1"/>
+          <p:nvPr/>
+        </p:nvSpPr>
+        <p:spPr>
+          <a:xfrm rot="633660">
+            <a:off x="6867002" y="4781484"/>
+            <a:ext cx="1808059" cy="369332"/>
+          </a:xfrm>
+          <a:prstGeom prst="rect">
+            <a:avLst/>
+          </a:prstGeom>
+          <a:noFill/>
+        </p:spPr>
+        <p:txBody>
+          <a:bodyPr wrap="none" rtlCol="0">
+            <a:spAutoFit/>
+          </a:bodyPr>
+          <a:lstStyle/>
+          <a:p>
+            <a:r>
+              <a:rPr lang="en-GB" b="1" dirty="0" smtClean="0">
+                <a:solidFill>
+                  <a:schemeClr val="accent2"/>
+                </a:solidFill>
+              </a:rPr>
+              <a:t>LEAVE </a:t>
+            </a:r>
+            <a:r>
+              <a:rPr lang="en-GB" b="1" dirty="0" smtClean="0">
+                <a:solidFill>
+                  <a:schemeClr val="accent2"/>
+                </a:solidFill>
+              </a:rPr>
+              <a:t>ACCEPTED</a:t>
+            </a:r>
+            <a:endParaRPr lang="en-GB" b="1" dirty="0">
+              <a:solidFill>
+                <a:schemeClr val="accent2"/>
+              </a:solidFill>
+            </a:endParaRPr>
+          </a:p>
+        </p:txBody>
+      </p:sp>
+      <p:pic>
+        <p:nvPicPr>
+          <p:cNvPr id="17" name="Immagine 16"/>
+          <p:cNvPicPr>
+            <a:picLocks noChangeAspect="1"/>
+          </p:cNvPicPr>
+          <p:nvPr/>
+        </p:nvPicPr>
+        <p:blipFill>
+          <a:blip r:embed="rId3">
+            <a:extLst>
+              <a:ext uri="{28A0092B-C50C-407E-A947-70E740481C1C}">
+                <a14:useLocalDpi xmlns:a14="http://schemas.microsoft.com/office/drawing/2010/main" val="0"/>
+              </a:ext>
+            </a:extLst>
+          </a:blip>
+          <a:stretch>
+            <a:fillRect/>
+          </a:stretch>
+        </p:blipFill>
+        <p:spPr>
+          <a:xfrm>
+            <a:off x="8873935" y="4870802"/>
+            <a:ext cx="610930" cy="932686"/>
+          </a:xfrm>
+          <a:prstGeom prst="rect">
+            <a:avLst/>
+          </a:prstGeom>
+        </p:spPr>
+      </p:pic>
+    </p:spTree>
+    <p:extLst>
+      <p:ext uri="{BB962C8B-B14F-4D97-AF65-F5344CB8AC3E}">
+        <p14:creationId xmlns:p14="http://schemas.microsoft.com/office/powerpoint/2010/main" val="241741130"/>
+      </p:ext>
+    </p:extLst>
+  </p:cSld>
+  <p:clrMapOvr>
+    <a:masterClrMapping/>
+  </p:clrMapOvr>
+  <p:timing>
+    <p:tnLst>
+      <p:par>
+        <p:cTn id="1" dur="indefinite" restart="never" nodeType="tmRoot">
+          <p:childTnLst>
+            <p:seq concurrent="1" nextAc="seek">
+              <p:cTn id="2" dur="indefinite" nodeType="mainSeq">
+                <p:childTnLst>
+                  <p:par>
+                    <p:cTn id="3" fill="hold">
+                      <p:stCondLst>
+                        <p:cond delay="indefinite"/>
+                      </p:stCondLst>
+                      <p:childTnLst>
+                        <p:par>
+                          <p:cTn id="4" fill="hold">
+                            <p:stCondLst>
+                              <p:cond delay="0"/>
+                            </p:stCondLst>
+                            <p:childTnLst>
+                              <p:par>
+                                <p:cTn id="5" presetID="22" presetClass="entr" presetSubtype="4" fill="hold" nodeType="clickEffect">
+                                  <p:stCondLst>
+                                    <p:cond delay="0"/>
+                                  </p:stCondLst>
+                                  <p:childTnLst>
+                                    <p:set>
+                                      <p:cBhvr>
+                                        <p:cTn id="6" dur="1" fill="hold">
+                                          <p:stCondLst>
+                                            <p:cond delay="0"/>
+                                          </p:stCondLst>
+                                        </p:cTn>
+                                        <p:tgtEl>
+                                          <p:spTgt spid="9"/>
+                                        </p:tgtEl>
+                                        <p:attrNameLst>
+                                          <p:attrName>style.visibility</p:attrName>
+                                        </p:attrNameLst>
+                                      </p:cBhvr>
+                                      <p:to>
+                                        <p:strVal val="visible"/>
+                                      </p:to>
+                                    </p:set>
+                                    <p:animEffect transition="in" filter="wipe(down)">
+                                      <p:cBhvr>
+                                        <p:cTn id="7" dur="500"/>
+                                        <p:tgtEl>
+                                          <p:spTgt spid="9"/>
+                                        </p:tgtEl>
+                                      </p:cBhvr>
+                                    </p:animEffect>
+                                  </p:childTnLst>
+                                </p:cTn>
+                              </p:par>
+                              <p:par>
+                                <p:cTn id="8" presetID="22" presetClass="entr" presetSubtype="4" fill="hold" nodeType="withEffect">
+                                  <p:stCondLst>
+                                    <p:cond delay="0"/>
+                                  </p:stCondLst>
+                                  <p:childTnLst>
+                                    <p:set>
+                                      <p:cBhvr>
+                                        <p:cTn id="9" dur="1" fill="hold">
+                                          <p:stCondLst>
+                                            <p:cond delay="0"/>
+                                          </p:stCondLst>
+                                        </p:cTn>
+                                        <p:tgtEl>
+                                          <p:spTgt spid="8"/>
+                                        </p:tgtEl>
+                                        <p:attrNameLst>
+                                          <p:attrName>style.visibility</p:attrName>
+                                        </p:attrNameLst>
+                                      </p:cBhvr>
+                                      <p:to>
+                                        <p:strVal val="visible"/>
+                                      </p:to>
+                                    </p:set>
+                                    <p:animEffect transition="in" filter="wipe(down)">
+                                      <p:cBhvr>
+                                        <p:cTn id="10" dur="500"/>
+                                        <p:tgtEl>
+                                          <p:spTgt spid="8"/>
+                                        </p:tgtEl>
+                                      </p:cBhvr>
+                                    </p:animEffect>
+                                  </p:childTnLst>
+                                </p:cTn>
+                              </p:par>
+                              <p:par>
+                                <p:cTn id="11" presetID="22" presetClass="entr" presetSubtype="4" fill="hold" grpId="0" nodeType="withEffect">
+                                  <p:stCondLst>
+                                    <p:cond delay="0"/>
+                                  </p:stCondLst>
+                                  <p:childTnLst>
+                                    <p:set>
+                                      <p:cBhvr>
+                                        <p:cTn id="12" dur="1" fill="hold">
+                                          <p:stCondLst>
+                                            <p:cond delay="0"/>
+                                          </p:stCondLst>
+                                        </p:cTn>
+                                        <p:tgtEl>
+                                          <p:spTgt spid="11"/>
+                                        </p:tgtEl>
+                                        <p:attrNameLst>
+                                          <p:attrName>style.visibility</p:attrName>
+                                        </p:attrNameLst>
+                                      </p:cBhvr>
+                                      <p:to>
+                                        <p:strVal val="visible"/>
+                                      </p:to>
+                                    </p:set>
+                                    <p:animEffect transition="in" filter="wipe(down)">
+                                      <p:cBhvr>
+                                        <p:cTn id="13" dur="500"/>
+                                        <p:tgtEl>
+                                          <p:spTgt spid="11"/>
+                                        </p:tgtEl>
+                                      </p:cBhvr>
+                                    </p:animEffect>
+                                  </p:childTnLst>
+                                </p:cTn>
+                              </p:par>
+                              <p:par>
+                                <p:cTn id="14" presetID="22" presetClass="entr" presetSubtype="4" fill="hold" grpId="0" nodeType="withEffect">
+                                  <p:stCondLst>
+                                    <p:cond delay="0"/>
+                                  </p:stCondLst>
+                                  <p:childTnLst>
+                                    <p:set>
+                                      <p:cBhvr>
+                                        <p:cTn id="15" dur="1" fill="hold">
+                                          <p:stCondLst>
+                                            <p:cond delay="0"/>
+                                          </p:stCondLst>
+                                        </p:cTn>
+                                        <p:tgtEl>
+                                          <p:spTgt spid="12"/>
+                                        </p:tgtEl>
+                                        <p:attrNameLst>
+                                          <p:attrName>style.visibility</p:attrName>
+                                        </p:attrNameLst>
+                                      </p:cBhvr>
+                                      <p:to>
+                                        <p:strVal val="visible"/>
+                                      </p:to>
+                                    </p:set>
+                                    <p:animEffect transition="in" filter="wipe(down)">
+                                      <p:cBhvr>
+                                        <p:cTn id="16" dur="500"/>
+                                        <p:tgtEl>
+                                          <p:spTgt spid="12"/>
+                                        </p:tgtEl>
+                                      </p:cBhvr>
+                                    </p:animEffect>
+                                  </p:childTnLst>
+                                </p:cTn>
+                              </p:par>
+                              <p:par>
+                                <p:cTn id="17" presetID="22" presetClass="entr" presetSubtype="4" fill="hold" grpId="0" nodeType="withEffect">
+                                  <p:stCondLst>
+                                    <p:cond delay="0"/>
+                                  </p:stCondLst>
+                                  <p:childTnLst>
+                                    <p:set>
+                                      <p:cBhvr>
+                                        <p:cTn id="18" dur="1" fill="hold">
+                                          <p:stCondLst>
+                                            <p:cond delay="0"/>
+                                          </p:stCondLst>
+                                        </p:cTn>
+                                        <p:tgtEl>
+                                          <p:spTgt spid="13"/>
+                                        </p:tgtEl>
+                                        <p:attrNameLst>
+                                          <p:attrName>style.visibility</p:attrName>
+                                        </p:attrNameLst>
+                                      </p:cBhvr>
+                                      <p:to>
+                                        <p:strVal val="visible"/>
+                                      </p:to>
+                                    </p:set>
+                                    <p:animEffect transition="in" filter="wipe(down)">
+                                      <p:cBhvr>
+                                        <p:cTn id="19" dur="500"/>
+                                        <p:tgtEl>
+                                          <p:spTgt spid="13"/>
+                                        </p:tgtEl>
+                                      </p:cBhvr>
+                                    </p:animEffect>
+                                  </p:childTnLst>
+                                </p:cTn>
+                              </p:par>
+                              <p:par>
+                                <p:cTn id="20" presetID="22" presetClass="entr" presetSubtype="4" fill="hold" nodeType="withEffect">
+                                  <p:stCondLst>
+                                    <p:cond delay="0"/>
+                                  </p:stCondLst>
+                                  <p:childTnLst>
+                                    <p:set>
+                                      <p:cBhvr>
+                                        <p:cTn id="21" dur="1" fill="hold">
+                                          <p:stCondLst>
+                                            <p:cond delay="0"/>
+                                          </p:stCondLst>
+                                        </p:cTn>
+                                        <p:tgtEl>
+                                          <p:spTgt spid="10"/>
+                                        </p:tgtEl>
+                                        <p:attrNameLst>
+                                          <p:attrName>style.visibility</p:attrName>
+                                        </p:attrNameLst>
+                                      </p:cBhvr>
+                                      <p:to>
+                                        <p:strVal val="visible"/>
+                                      </p:to>
+                                    </p:set>
+                                    <p:animEffect transition="in" filter="wipe(down)">
+                                      <p:cBhvr>
+                                        <p:cTn id="22" dur="500"/>
+                                        <p:tgtEl>
+                                          <p:spTgt spid="10"/>
+                                        </p:tgtEl>
+                                      </p:cBhvr>
+                                    </p:animEffect>
+                                  </p:childTnLst>
+                                </p:cTn>
+                              </p:par>
+                              <p:par>
+                                <p:cTn id="23" presetID="22" presetClass="entr" presetSubtype="4" fill="hold" nodeType="withEffect">
+                                  <p:stCondLst>
+                                    <p:cond delay="0"/>
+                                  </p:stCondLst>
+                                  <p:childTnLst>
+                                    <p:set>
+                                      <p:cBhvr>
+                                        <p:cTn id="24" dur="1" fill="hold">
+                                          <p:stCondLst>
+                                            <p:cond delay="0"/>
+                                          </p:stCondLst>
+                                        </p:cTn>
+                                        <p:tgtEl>
+                                          <p:spTgt spid="14"/>
+                                        </p:tgtEl>
+                                        <p:attrNameLst>
+                                          <p:attrName>style.visibility</p:attrName>
+                                        </p:attrNameLst>
+                                      </p:cBhvr>
+                                      <p:to>
+                                        <p:strVal val="visible"/>
+                                      </p:to>
+                                    </p:set>
+                                    <p:animEffect transition="in" filter="wipe(down)">
+                                      <p:cBhvr>
+                                        <p:cTn id="25" dur="500"/>
+                                        <p:tgtEl>
+                                          <p:spTgt spid="14"/>
+                                        </p:tgtEl>
+                                      </p:cBhvr>
+                                    </p:animEffect>
+                                  </p:childTnLst>
+                                </p:cTn>
+                              </p:par>
+                              <p:par>
+                                <p:cTn id="26" presetID="22" presetClass="entr" presetSubtype="4" fill="hold" grpId="0" nodeType="withEffect">
+                                  <p:stCondLst>
+                                    <p:cond delay="0"/>
+                                  </p:stCondLst>
+                                  <p:childTnLst>
+                                    <p:set>
+                                      <p:cBhvr>
+                                        <p:cTn id="27" dur="1" fill="hold">
+                                          <p:stCondLst>
+                                            <p:cond delay="0"/>
+                                          </p:stCondLst>
+                                        </p:cTn>
+                                        <p:tgtEl>
+                                          <p:spTgt spid="15"/>
+                                        </p:tgtEl>
+                                        <p:attrNameLst>
+                                          <p:attrName>style.visibility</p:attrName>
+                                        </p:attrNameLst>
+                                      </p:cBhvr>
+                                      <p:to>
+                                        <p:strVal val="visible"/>
+                                      </p:to>
+                                    </p:set>
+                                    <p:animEffect transition="in" filter="wipe(down)">
+                                      <p:cBhvr>
+                                        <p:cTn id="28" dur="500"/>
+                                        <p:tgtEl>
+                                          <p:spTgt spid="15"/>
+                                        </p:tgtEl>
+                                      </p:cBhvr>
+                                    </p:animEffect>
+                                  </p:childTnLst>
+                                </p:cTn>
+                              </p:par>
+                            </p:childTnLst>
+                          </p:cTn>
+                        </p:par>
+                      </p:childTnLst>
+                    </p:cTn>
+                  </p:par>
+                  <p:par>
+                    <p:cTn id="29" fill="hold">
+                      <p:stCondLst>
+                        <p:cond delay="indefinite"/>
+                      </p:stCondLst>
+                      <p:childTnLst>
+                        <p:par>
+                          <p:cTn id="30" fill="hold">
+                            <p:stCondLst>
+                              <p:cond delay="0"/>
+                            </p:stCondLst>
+                            <p:childTnLst>
+                              <p:par>
+                                <p:cTn id="31" presetID="22" presetClass="exit" presetSubtype="4" fill="hold" nodeType="clickEffect">
+                                  <p:stCondLst>
+                                    <p:cond delay="0"/>
+                                  </p:stCondLst>
+                                  <p:childTnLst>
+                                    <p:animEffect transition="out" filter="wipe(down)">
+                                      <p:cBhvr>
+                                        <p:cTn id="32" dur="500"/>
+                                        <p:tgtEl>
+                                          <p:spTgt spid="9"/>
+                                        </p:tgtEl>
+                                      </p:cBhvr>
+                                    </p:animEffect>
+                                    <p:set>
+                                      <p:cBhvr>
+                                        <p:cTn id="33" dur="1" fill="hold">
+                                          <p:stCondLst>
+                                            <p:cond delay="499"/>
+                                          </p:stCondLst>
+                                        </p:cTn>
+                                        <p:tgtEl>
+                                          <p:spTgt spid="9"/>
+                                        </p:tgtEl>
+                                        <p:attrNameLst>
+                                          <p:attrName>style.visibility</p:attrName>
+                                        </p:attrNameLst>
+                                      </p:cBhvr>
+                                      <p:to>
+                                        <p:strVal val="hidden"/>
+                                      </p:to>
+                                    </p:set>
+                                  </p:childTnLst>
+                                </p:cTn>
+                              </p:par>
+                              <p:par>
+                                <p:cTn id="34" presetID="22" presetClass="exit" presetSubtype="4" fill="hold" nodeType="withEffect">
+                                  <p:stCondLst>
+                                    <p:cond delay="0"/>
+                                  </p:stCondLst>
+                                  <p:childTnLst>
+                                    <p:animEffect transition="out" filter="wipe(down)">
+                                      <p:cBhvr>
+                                        <p:cTn id="35" dur="500"/>
+                                        <p:tgtEl>
+                                          <p:spTgt spid="8"/>
+                                        </p:tgtEl>
+                                      </p:cBhvr>
+                                    </p:animEffect>
+                                    <p:set>
+                                      <p:cBhvr>
+                                        <p:cTn id="36" dur="1" fill="hold">
+                                          <p:stCondLst>
+                                            <p:cond delay="499"/>
+                                          </p:stCondLst>
+                                        </p:cTn>
+                                        <p:tgtEl>
+                                          <p:spTgt spid="8"/>
+                                        </p:tgtEl>
+                                        <p:attrNameLst>
+                                          <p:attrName>style.visibility</p:attrName>
+                                        </p:attrNameLst>
+                                      </p:cBhvr>
+                                      <p:to>
+                                        <p:strVal val="hidden"/>
+                                      </p:to>
+                                    </p:set>
+                                  </p:childTnLst>
+                                </p:cTn>
+                              </p:par>
+                              <p:par>
+                                <p:cTn id="37" presetID="22" presetClass="exit" presetSubtype="4" fill="hold" grpId="1" nodeType="withEffect">
+                                  <p:stCondLst>
+                                    <p:cond delay="0"/>
+                                  </p:stCondLst>
+                                  <p:childTnLst>
+                                    <p:animEffect transition="out" filter="wipe(down)">
+                                      <p:cBhvr>
+                                        <p:cTn id="38" dur="500"/>
+                                        <p:tgtEl>
+                                          <p:spTgt spid="11"/>
+                                        </p:tgtEl>
+                                      </p:cBhvr>
+                                    </p:animEffect>
+                                    <p:set>
+                                      <p:cBhvr>
+                                        <p:cTn id="39" dur="1" fill="hold">
+                                          <p:stCondLst>
+                                            <p:cond delay="499"/>
+                                          </p:stCondLst>
+                                        </p:cTn>
+                                        <p:tgtEl>
+                                          <p:spTgt spid="11"/>
+                                        </p:tgtEl>
+                                        <p:attrNameLst>
+                                          <p:attrName>style.visibility</p:attrName>
+                                        </p:attrNameLst>
+                                      </p:cBhvr>
+                                      <p:to>
+                                        <p:strVal val="hidden"/>
+                                      </p:to>
+                                    </p:set>
+                                  </p:childTnLst>
+                                </p:cTn>
+                              </p:par>
+                              <p:par>
+                                <p:cTn id="40" presetID="22" presetClass="exit" presetSubtype="4" fill="hold" grpId="1" nodeType="withEffect">
+                                  <p:stCondLst>
+                                    <p:cond delay="0"/>
+                                  </p:stCondLst>
+                                  <p:childTnLst>
+                                    <p:animEffect transition="out" filter="wipe(down)">
+                                      <p:cBhvr>
+                                        <p:cTn id="41" dur="500"/>
+                                        <p:tgtEl>
+                                          <p:spTgt spid="12"/>
+                                        </p:tgtEl>
+                                      </p:cBhvr>
+                                    </p:animEffect>
+                                    <p:set>
+                                      <p:cBhvr>
+                                        <p:cTn id="42" dur="1" fill="hold">
+                                          <p:stCondLst>
+                                            <p:cond delay="499"/>
+                                          </p:stCondLst>
+                                        </p:cTn>
+                                        <p:tgtEl>
+                                          <p:spTgt spid="12"/>
+                                        </p:tgtEl>
+                                        <p:attrNameLst>
+                                          <p:attrName>style.visibility</p:attrName>
+                                        </p:attrNameLst>
+                                      </p:cBhvr>
+                                      <p:to>
+                                        <p:strVal val="hidden"/>
+                                      </p:to>
+                                    </p:set>
+                                  </p:childTnLst>
+                                </p:cTn>
+                              </p:par>
+                              <p:par>
+                                <p:cTn id="43" presetID="22" presetClass="exit" presetSubtype="4" fill="hold" grpId="1" nodeType="withEffect">
+                                  <p:stCondLst>
+                                    <p:cond delay="0"/>
+                                  </p:stCondLst>
+                                  <p:childTnLst>
+                                    <p:animEffect transition="out" filter="wipe(down)">
+                                      <p:cBhvr>
+                                        <p:cTn id="44" dur="500"/>
+                                        <p:tgtEl>
+                                          <p:spTgt spid="13"/>
+                                        </p:tgtEl>
+                                      </p:cBhvr>
+                                    </p:animEffect>
+                                    <p:set>
+                                      <p:cBhvr>
+                                        <p:cTn id="45" dur="1" fill="hold">
+                                          <p:stCondLst>
+                                            <p:cond delay="499"/>
+                                          </p:stCondLst>
+                                        </p:cTn>
+                                        <p:tgtEl>
+                                          <p:spTgt spid="13"/>
+                                        </p:tgtEl>
+                                        <p:attrNameLst>
+                                          <p:attrName>style.visibility</p:attrName>
+                                        </p:attrNameLst>
+                                      </p:cBhvr>
+                                      <p:to>
+                                        <p:strVal val="hidden"/>
+                                      </p:to>
+                                    </p:set>
+                                  </p:childTnLst>
+                                </p:cTn>
+                              </p:par>
+                              <p:par>
+                                <p:cTn id="46" presetID="22" presetClass="exit" presetSubtype="4" fill="hold" nodeType="withEffect">
+                                  <p:stCondLst>
+                                    <p:cond delay="0"/>
+                                  </p:stCondLst>
+                                  <p:childTnLst>
+                                    <p:animEffect transition="out" filter="wipe(down)">
+                                      <p:cBhvr>
+                                        <p:cTn id="47" dur="500"/>
+                                        <p:tgtEl>
+                                          <p:spTgt spid="10"/>
+                                        </p:tgtEl>
+                                      </p:cBhvr>
+                                    </p:animEffect>
+                                    <p:set>
+                                      <p:cBhvr>
+                                        <p:cTn id="48" dur="1" fill="hold">
+                                          <p:stCondLst>
+                                            <p:cond delay="499"/>
+                                          </p:stCondLst>
+                                        </p:cTn>
+                                        <p:tgtEl>
+                                          <p:spTgt spid="10"/>
+                                        </p:tgtEl>
+                                        <p:attrNameLst>
+                                          <p:attrName>style.visibility</p:attrName>
+                                        </p:attrNameLst>
+                                      </p:cBhvr>
+                                      <p:to>
+                                        <p:strVal val="hidden"/>
+                                      </p:to>
+                                    </p:set>
+                                  </p:childTnLst>
+                                </p:cTn>
+                              </p:par>
+                              <p:par>
+                                <p:cTn id="49" presetID="22" presetClass="exit" presetSubtype="4" fill="hold" nodeType="withEffect">
+                                  <p:stCondLst>
+                                    <p:cond delay="0"/>
+                                  </p:stCondLst>
+                                  <p:childTnLst>
+                                    <p:animEffect transition="out" filter="wipe(down)">
+                                      <p:cBhvr>
+                                        <p:cTn id="50" dur="500"/>
+                                        <p:tgtEl>
+                                          <p:spTgt spid="14"/>
+                                        </p:tgtEl>
+                                      </p:cBhvr>
+                                    </p:animEffect>
+                                    <p:set>
+                                      <p:cBhvr>
+                                        <p:cTn id="51" dur="1" fill="hold">
+                                          <p:stCondLst>
+                                            <p:cond delay="499"/>
+                                          </p:stCondLst>
+                                        </p:cTn>
+                                        <p:tgtEl>
+                                          <p:spTgt spid="14"/>
+                                        </p:tgtEl>
+                                        <p:attrNameLst>
+                                          <p:attrName>style.visibility</p:attrName>
+                                        </p:attrNameLst>
+                                      </p:cBhvr>
+                                      <p:to>
+                                        <p:strVal val="hidden"/>
+                                      </p:to>
+                                    </p:set>
+                                  </p:childTnLst>
+                                </p:cTn>
+                              </p:par>
+                              <p:par>
+                                <p:cTn id="52" presetID="22" presetClass="exit" presetSubtype="4" fill="hold" grpId="1" nodeType="withEffect">
+                                  <p:stCondLst>
+                                    <p:cond delay="0"/>
+                                  </p:stCondLst>
+                                  <p:childTnLst>
+                                    <p:animEffect transition="out" filter="wipe(down)">
+                                      <p:cBhvr>
+                                        <p:cTn id="53" dur="500"/>
+                                        <p:tgtEl>
+                                          <p:spTgt spid="15"/>
+                                        </p:tgtEl>
+                                      </p:cBhvr>
+                                    </p:animEffect>
+                                    <p:set>
+                                      <p:cBhvr>
+                                        <p:cTn id="54" dur="1" fill="hold">
+                                          <p:stCondLst>
+                                            <p:cond delay="499"/>
+                                          </p:stCondLst>
+                                        </p:cTn>
+                                        <p:tgtEl>
+                                          <p:spTgt spid="15"/>
+                                        </p:tgtEl>
+                                        <p:attrNameLst>
+                                          <p:attrName>style.visibility</p:attrName>
+                                        </p:attrNameLst>
+                                      </p:cBhvr>
+                                      <p:to>
+                                        <p:strVal val="hidden"/>
+                                      </p:to>
+                                    </p:set>
+                                  </p:childTnLst>
+                                </p:cTn>
+                              </p:par>
+                            </p:childTnLst>
+                          </p:cTn>
+                        </p:par>
+                      </p:childTnLst>
+                    </p:cTn>
+                  </p:par>
+                  <p:par>
+                    <p:cTn id="55" fill="hold">
+                      <p:stCondLst>
+                        <p:cond delay="indefinite"/>
+                      </p:stCondLst>
+                      <p:childTnLst>
+                        <p:par>
+                          <p:cTn id="56" fill="hold">
+                            <p:stCondLst>
+                              <p:cond delay="0"/>
+                            </p:stCondLst>
+                            <p:childTnLst>
+                              <p:par>
+                                <p:cTn id="57" presetID="10" presetClass="exit" presetSubtype="0" fill="hold" nodeType="clickEffect">
+                                  <p:stCondLst>
+                                    <p:cond delay="0"/>
+                                  </p:stCondLst>
+                                  <p:childTnLst>
+                                    <p:animEffect transition="out" filter="fade">
+                                      <p:cBhvr>
+                                        <p:cTn id="58" dur="500"/>
+                                        <p:tgtEl>
+                                          <p:spTgt spid="17"/>
+                                        </p:tgtEl>
+                                      </p:cBhvr>
+                                    </p:animEffect>
+                                    <p:set>
+                                      <p:cBhvr>
+                                        <p:cTn id="59" dur="1" fill="hold">
+                                          <p:stCondLst>
+                                            <p:cond delay="499"/>
+                                          </p:stCondLst>
+                                        </p:cTn>
+                                        <p:tgtEl>
+                                          <p:spTgt spid="17"/>
+                                        </p:tgtEl>
+                                        <p:attrNameLst>
+                                          <p:attrName>style.visibility</p:attrName>
+                                        </p:attrNameLst>
+                                      </p:cBhvr>
+                                      <p:to>
+                                        <p:strVal val="hidden"/>
+                                      </p:to>
+                                    </p:set>
+                                  </p:childTnLst>
+                                </p:cTn>
+                              </p:par>
+                            </p:childTnLst>
+                          </p:cTn>
+                        </p:par>
+                      </p:childTnLst>
+                    </p:cTn>
+                  </p:par>
+                </p:childTnLst>
+              </p:cTn>
+              <p:prevCondLst>
+                <p:cond evt="onPrev" delay="0">
+                  <p:tgtEl>
+                    <p:sldTgt/>
+                  </p:tgtEl>
+                </p:cond>
+              </p:prevCondLst>
+              <p:nextCondLst>
+                <p:cond evt="onNext" delay="0">
+                  <p:tgtEl>
+                    <p:sldTgt/>
+                  </p:tgtEl>
+                </p:cond>
+              </p:nextCondLst>
+            </p:seq>
+          </p:childTnLst>
+        </p:cTn>
+      </p:par>
+    </p:tnLst>
+    <p:bldLst>
+      <p:bldP spid="11" grpId="0"/>
+      <p:bldP spid="11" grpId="1"/>
+      <p:bldP spid="12" grpId="0"/>
+      <p:bldP spid="12" grpId="1"/>
+      <p:bldP spid="13" grpId="0"/>
+      <p:bldP spid="13" grpId="1"/>
+      <p:bldP spid="15" grpId="0"/>
+      <p:bldP spid="15" grpId="1"/>
+    </p:bldLst>
+  </p:timing>
+</p:sld>
+</file>
+
+<file path=ppt/slides/slide18.xml><?xml version="1.0" encoding="utf-8"?>
+<p:sld xmlns:a="http://schemas.openxmlformats.org/drawingml/2006/main" xmlns:r="http://schemas.openxmlformats.org/officeDocument/2006/relationships" xmlns:p="http://schemas.openxmlformats.org/presentationml/2006/main">
+  <p:cSld>
+    <p:spTree>
+      <p:nvGrpSpPr>
+        <p:cNvPr id="1" name=""/>
+        <p:cNvGrpSpPr/>
+        <p:nvPr/>
+      </p:nvGrpSpPr>
+      <p:grpSpPr>
+        <a:xfrm>
+          <a:off x="0" y="0"/>
+          <a:ext cx="0" cy="0"/>
+          <a:chOff x="0" y="0"/>
+          <a:chExt cx="0" cy="0"/>
+        </a:xfrm>
+      </p:grpSpPr>
+      <p:sp>
+        <p:nvSpPr>
+          <p:cNvPr id="2" name="Titolo 1"/>
+          <p:cNvSpPr>
+            <a:spLocks noGrp="1"/>
+          </p:cNvSpPr>
+          <p:nvPr>
+            <p:ph type="title"/>
+          </p:nvPr>
+        </p:nvSpPr>
+        <p:spPr/>
+        <p:txBody>
+          <a:bodyPr>
+            <a:normAutofit/>
+          </a:bodyPr>
+          <a:lstStyle/>
+          <a:p>
+            <a:r>
+              <a:rPr lang="en-GB" sz="6000" b="1" dirty="0" smtClean="0">
+                <a:solidFill>
+                  <a:schemeClr val="accent6"/>
+                </a:solidFill>
+              </a:rPr>
+              <a:t>SYNCHRONIZATION PROBLEMS</a:t>
+            </a:r>
+            <a:endParaRPr lang="en-GB" sz="6000" b="1" dirty="0">
+              <a:solidFill>
+                <a:schemeClr val="accent6"/>
+              </a:solidFill>
+            </a:endParaRPr>
+          </a:p>
+        </p:txBody>
+      </p:sp>
+      <p:pic>
+        <p:nvPicPr>
+          <p:cNvPr id="4" name="Immagine 3"/>
+          <p:cNvPicPr>
+            <a:picLocks noChangeAspect="1"/>
+          </p:cNvPicPr>
+          <p:nvPr/>
+        </p:nvPicPr>
+        <p:blipFill>
+          <a:blip r:embed="rId2">
+            <a:extLst>
+              <a:ext uri="{28A0092B-C50C-407E-A947-70E740481C1C}">
+                <a14:useLocalDpi xmlns:a14="http://schemas.microsoft.com/office/drawing/2010/main" val="0"/>
+              </a:ext>
+            </a:extLst>
+          </a:blip>
+          <a:stretch>
+            <a:fillRect/>
+          </a:stretch>
+        </p:blipFill>
+        <p:spPr>
+          <a:xfrm>
+            <a:off x="7720006" y="1994325"/>
+            <a:ext cx="610930" cy="932686"/>
+          </a:xfrm>
+          <a:prstGeom prst="rect">
+            <a:avLst/>
+          </a:prstGeom>
+        </p:spPr>
+      </p:pic>
+      <p:pic>
+        <p:nvPicPr>
+          <p:cNvPr id="5" name="Immagine 4"/>
+          <p:cNvPicPr>
+            <a:picLocks noChangeAspect="1"/>
+          </p:cNvPicPr>
+          <p:nvPr/>
+        </p:nvPicPr>
+        <p:blipFill>
+          <a:blip r:embed="rId2">
+            <a:extLst>
+              <a:ext uri="{28A0092B-C50C-407E-A947-70E740481C1C}">
+                <a14:useLocalDpi xmlns:a14="http://schemas.microsoft.com/office/drawing/2010/main" val="0"/>
+              </a:ext>
+            </a:extLst>
+          </a:blip>
+          <a:stretch>
+            <a:fillRect/>
+          </a:stretch>
+        </p:blipFill>
+        <p:spPr>
+          <a:xfrm>
+            <a:off x="10046682" y="3484519"/>
+            <a:ext cx="610930" cy="932686"/>
+          </a:xfrm>
+          <a:prstGeom prst="rect">
+            <a:avLst/>
+          </a:prstGeom>
+        </p:spPr>
+      </p:pic>
+      <p:sp>
+        <p:nvSpPr>
+          <p:cNvPr id="7" name="Freccia a destra 6"/>
+          <p:cNvSpPr/>
+          <p:nvPr/>
+        </p:nvSpPr>
+        <p:spPr>
+          <a:xfrm rot="1824703">
+            <a:off x="8326433" y="2739292"/>
+            <a:ext cx="633825" cy="408577"/>
+          </a:xfrm>
+          <a:prstGeom prst="rightArrow">
+            <a:avLst/>
+          </a:prstGeom>
+        </p:spPr>
+        <p:style>
+          <a:lnRef idx="2">
+            <a:schemeClr val="accent1">
+              <a:shade val="50000"/>
+            </a:schemeClr>
+          </a:lnRef>
+          <a:fillRef idx="1">
+            <a:schemeClr val="accent1"/>
+          </a:fillRef>
+          <a:effectRef idx="0">
+            <a:schemeClr val="accent1"/>
+          </a:effectRef>
+          <a:fontRef idx="minor">
+            <a:schemeClr val="lt1"/>
+          </a:fontRef>
+        </p:style>
+        <p:txBody>
+          <a:bodyPr rtlCol="0" anchor="ctr"/>
+          <a:lstStyle/>
+          <a:p>
+            <a:pPr algn="ctr"/>
+            <a:endParaRPr lang="en-GB"/>
+          </a:p>
+        </p:txBody>
+      </p:sp>
+      <p:pic>
+        <p:nvPicPr>
+          <p:cNvPr id="6" name="Immagine 5"/>
+          <p:cNvPicPr>
+            <a:picLocks noChangeAspect="1"/>
+          </p:cNvPicPr>
+          <p:nvPr/>
+        </p:nvPicPr>
+        <p:blipFill>
+          <a:blip r:embed="rId3">
+            <a:extLst>
+              <a:ext uri="{28A0092B-C50C-407E-A947-70E740481C1C}">
+                <a14:useLocalDpi xmlns:a14="http://schemas.microsoft.com/office/drawing/2010/main" val="0"/>
+              </a:ext>
+            </a:extLst>
+          </a:blip>
+          <a:stretch>
+            <a:fillRect/>
+          </a:stretch>
+        </p:blipFill>
+        <p:spPr>
+          <a:xfrm>
+            <a:off x="8911727" y="3006036"/>
+            <a:ext cx="540197" cy="548300"/>
+          </a:xfrm>
+          <a:prstGeom prst="rect">
+            <a:avLst/>
+          </a:prstGeom>
+        </p:spPr>
+      </p:pic>
+    </p:spTree>
+    <p:extLst>
+      <p:ext uri="{BB962C8B-B14F-4D97-AF65-F5344CB8AC3E}">
+        <p14:creationId xmlns:p14="http://schemas.microsoft.com/office/powerpoint/2010/main" val="352427697"/>
+      </p:ext>
+    </p:extLst>
+  </p:cSld>
+  <p:clrMapOvr>
+    <a:masterClrMapping/>
+  </p:clrMapOvr>
+  <p:timing>
+    <p:tnLst>
+      <p:par>
+        <p:cTn id="1" dur="indefinite" restart="never" nodeType="tmRoot">
+          <p:childTnLst>
+            <p:seq concurrent="1" nextAc="seek">
+              <p:cTn id="2" dur="indefinite" nodeType="mainSeq">
+                <p:childTnLst>
+                  <p:par>
+                    <p:cTn id="3" fill="hold">
+                      <p:stCondLst>
+                        <p:cond delay="indefinite"/>
+                      </p:stCondLst>
+                      <p:childTnLst>
+                        <p:par>
+                          <p:cTn id="4" fill="hold">
+                            <p:stCondLst>
+                              <p:cond delay="0"/>
+                            </p:stCondLst>
+                            <p:childTnLst>
+                              <p:par>
+                                <p:cTn id="5" presetID="53" presetClass="entr" presetSubtype="16" fill="hold" grpId="0" nodeType="clickEffect">
+                                  <p:stCondLst>
+                                    <p:cond delay="0"/>
+                                  </p:stCondLst>
+                                  <p:childTnLst>
+                                    <p:set>
+                                      <p:cBhvr>
+                                        <p:cTn id="6" dur="1" fill="hold">
+                                          <p:stCondLst>
+                                            <p:cond delay="0"/>
+                                          </p:stCondLst>
+                                        </p:cTn>
+                                        <p:tgtEl>
+                                          <p:spTgt spid="7"/>
+                                        </p:tgtEl>
+                                        <p:attrNameLst>
+                                          <p:attrName>style.visibility</p:attrName>
+                                        </p:attrNameLst>
+                                      </p:cBhvr>
+                                      <p:to>
+                                        <p:strVal val="visible"/>
+                                      </p:to>
+                                    </p:set>
+                                    <p:anim calcmode="lin" valueType="num">
+                                      <p:cBhvr>
+                                        <p:cTn id="7" dur="500" fill="hold"/>
+                                        <p:tgtEl>
+                                          <p:spTgt spid="7"/>
+                                        </p:tgtEl>
+                                        <p:attrNameLst>
+                                          <p:attrName>ppt_w</p:attrName>
+                                        </p:attrNameLst>
+                                      </p:cBhvr>
+                                      <p:tavLst>
+                                        <p:tav tm="0">
+                                          <p:val>
+                                            <p:fltVal val="0"/>
+                                          </p:val>
+                                        </p:tav>
+                                        <p:tav tm="100000">
+                                          <p:val>
+                                            <p:strVal val="#ppt_w"/>
+                                          </p:val>
+                                        </p:tav>
+                                      </p:tavLst>
+                                    </p:anim>
+                                    <p:anim calcmode="lin" valueType="num">
+                                      <p:cBhvr>
+                                        <p:cTn id="8" dur="500" fill="hold"/>
+                                        <p:tgtEl>
+                                          <p:spTgt spid="7"/>
+                                        </p:tgtEl>
+                                        <p:attrNameLst>
+                                          <p:attrName>ppt_h</p:attrName>
+                                        </p:attrNameLst>
+                                      </p:cBhvr>
+                                      <p:tavLst>
+                                        <p:tav tm="0">
+                                          <p:val>
+                                            <p:fltVal val="0"/>
+                                          </p:val>
+                                        </p:tav>
+                                        <p:tav tm="100000">
+                                          <p:val>
+                                            <p:strVal val="#ppt_h"/>
+                                          </p:val>
+                                        </p:tav>
+                                      </p:tavLst>
+                                    </p:anim>
+                                    <p:animEffect transition="in" filter="fade">
+                                      <p:cBhvr>
+                                        <p:cTn id="9" dur="500"/>
+                                        <p:tgtEl>
+                                          <p:spTgt spid="7"/>
+                                        </p:tgtEl>
+                                      </p:cBhvr>
+                                    </p:animEffect>
+                                  </p:childTnLst>
+                                </p:cTn>
+                              </p:par>
+                              <p:par>
+                                <p:cTn id="10" presetID="53" presetClass="entr" presetSubtype="16" fill="hold" nodeType="withEffect">
+                                  <p:stCondLst>
+                                    <p:cond delay="0"/>
+                                  </p:stCondLst>
+                                  <p:childTnLst>
+                                    <p:set>
+                                      <p:cBhvr>
+                                        <p:cTn id="11" dur="1" fill="hold">
+                                          <p:stCondLst>
+                                            <p:cond delay="0"/>
+                                          </p:stCondLst>
+                                        </p:cTn>
+                                        <p:tgtEl>
+                                          <p:spTgt spid="6"/>
+                                        </p:tgtEl>
+                                        <p:attrNameLst>
+                                          <p:attrName>style.visibility</p:attrName>
+                                        </p:attrNameLst>
+                                      </p:cBhvr>
+                                      <p:to>
+                                        <p:strVal val="visible"/>
+                                      </p:to>
+                                    </p:set>
+                                    <p:anim calcmode="lin" valueType="num">
+                                      <p:cBhvr>
+                                        <p:cTn id="12" dur="500" fill="hold"/>
+                                        <p:tgtEl>
+                                          <p:spTgt spid="6"/>
+                                        </p:tgtEl>
+                                        <p:attrNameLst>
+                                          <p:attrName>ppt_w</p:attrName>
+                                        </p:attrNameLst>
+                                      </p:cBhvr>
+                                      <p:tavLst>
+                                        <p:tav tm="0">
+                                          <p:val>
+                                            <p:fltVal val="0"/>
+                                          </p:val>
+                                        </p:tav>
+                                        <p:tav tm="100000">
+                                          <p:val>
+                                            <p:strVal val="#ppt_w"/>
+                                          </p:val>
+                                        </p:tav>
+                                      </p:tavLst>
+                                    </p:anim>
+                                    <p:anim calcmode="lin" valueType="num">
+                                      <p:cBhvr>
+                                        <p:cTn id="13" dur="500" fill="hold"/>
+                                        <p:tgtEl>
+                                          <p:spTgt spid="6"/>
+                                        </p:tgtEl>
+                                        <p:attrNameLst>
+                                          <p:attrName>ppt_h</p:attrName>
+                                        </p:attrNameLst>
+                                      </p:cBhvr>
+                                      <p:tavLst>
+                                        <p:tav tm="0">
+                                          <p:val>
+                                            <p:fltVal val="0"/>
+                                          </p:val>
+                                        </p:tav>
+                                        <p:tav tm="100000">
+                                          <p:val>
+                                            <p:strVal val="#ppt_h"/>
+                                          </p:val>
+                                        </p:tav>
+                                      </p:tavLst>
+                                    </p:anim>
+                                    <p:animEffect transition="in" filter="fade">
+                                      <p:cBhvr>
+                                        <p:cTn id="14" dur="500"/>
+                                        <p:tgtEl>
+                                          <p:spTgt spid="6"/>
+                                        </p:tgtEl>
+                                      </p:cBhvr>
+                                    </p:animEffect>
+                                  </p:childTnLst>
+                                </p:cTn>
+                              </p:par>
+                            </p:childTnLst>
+                          </p:cTn>
+                        </p:par>
+                      </p:childTnLst>
+                    </p:cTn>
+                  </p:par>
+                </p:childTnLst>
+              </p:cTn>
+              <p:prevCondLst>
+                <p:cond evt="onPrev" delay="0">
+                  <p:tgtEl>
+                    <p:sldTgt/>
+                  </p:tgtEl>
+                </p:cond>
+              </p:prevCondLst>
+              <p:nextCondLst>
+                <p:cond evt="onNext" delay="0">
+                  <p:tgtEl>
+                    <p:sldTgt/>
+                  </p:tgtEl>
+                </p:cond>
+              </p:nextCondLst>
+            </p:seq>
+          </p:childTnLst>
+        </p:cTn>
+      </p:par>
+    </p:tnLst>
+    <p:bldLst>
+      <p:bldP spid="7" grpId="0" animBg="1"/>
+    </p:bldLst>
   </p:timing>
 </p:sld>
 </file>
@@ -3570,10 +11157,22 @@
           <a:lstStyle/>
           <a:p>
             <a:r>
-              <a:rPr lang="en-GB" sz="5400" b="1" dirty="0" smtClean="0"/>
+              <a:rPr lang="en-GB" sz="5400" b="1" dirty="0" smtClean="0">
+                <a:solidFill>
+                  <a:schemeClr val="accent1">
+                    <a:lumMod val="50000"/>
+                  </a:schemeClr>
+                </a:solidFill>
+              </a:rPr>
               <a:t>INTRODUCTION</a:t>
             </a:r>
-            <a:endParaRPr lang="en-GB" sz="5400" b="1" dirty="0"/>
+            <a:endParaRPr lang="en-GB" sz="5400" b="1" dirty="0">
+              <a:solidFill>
+                <a:schemeClr val="accent1">
+                  <a:lumMod val="50000"/>
+                </a:schemeClr>
+              </a:solidFill>
+            </a:endParaRPr>
           </a:p>
         </p:txBody>
       </p:sp>
@@ -3724,11 +11323,7 @@
           <a:p>
             <a:r>
               <a:rPr lang="en-GB" dirty="0" smtClean="0"/>
-              <a:t>Since </a:t>
-            </a:r>
-            <a:r>
-              <a:rPr lang="en-GB" dirty="0" smtClean="0"/>
-              <a:t>we need to manage the encryption/decryption of the messages </a:t>
+              <a:t>Since we need to manage the encryption/decryption of the messages </a:t>
             </a:r>
           </a:p>
           <a:p>
@@ -3837,14 +11432,14 @@
           <a:p>
             <a:pPr algn="ctr"/>
             <a:r>
-              <a:rPr lang="en-GB" sz="6000" b="1" dirty="0" smtClean="0">
+              <a:rPr lang="en-GB" sz="6000" b="1" u="sng" dirty="0" smtClean="0">
                 <a:solidFill>
                   <a:srgbClr val="C00000"/>
                 </a:solidFill>
               </a:rPr>
-              <a:t>SECURITY LAYER</a:t>
-            </a:r>
-            <a:endParaRPr lang="en-GB" sz="6000" b="1" dirty="0">
+              <a:t>SECURITY </a:t>
+            </a:r>
+            <a:endParaRPr lang="en-GB" sz="6000" b="1" u="sng" dirty="0">
               <a:solidFill>
                 <a:srgbClr val="C00000"/>
               </a:solidFill>
@@ -5017,7 +12612,7 @@
           <a:p>
             <a:pPr algn="ctr"/>
             <a:r>
-              <a:rPr lang="en-GB" b="1" dirty="0" smtClean="0">
+              <a:rPr lang="en-GB" dirty="0" smtClean="0">
                 <a:solidFill>
                   <a:srgbClr val="C00000"/>
                 </a:solidFill>
@@ -5026,7 +12621,7 @@
               </a:rPr>
               <a:t>JOINING: CHANGING DEK and KEKs</a:t>
             </a:r>
-            <a:endParaRPr lang="en-GB" b="1" dirty="0">
+            <a:endParaRPr lang="en-GB" dirty="0">
               <a:solidFill>
                 <a:srgbClr val="C00000"/>
               </a:solidFill>
@@ -7920,7 +15515,7 @@
           <a:p>
             <a:pPr algn="ctr"/>
             <a:r>
-              <a:rPr lang="it-IT" b="1" dirty="0" smtClean="0">
+              <a:rPr lang="it-IT" dirty="0" smtClean="0">
                 <a:solidFill>
                   <a:srgbClr val="C00000"/>
                 </a:solidFill>
@@ -7929,7 +15524,7 @@
               </a:rPr>
               <a:t>LEAVING: CREATING NEW DEK</a:t>
             </a:r>
-            <a:endParaRPr lang="it-IT" b="1" dirty="0">
+            <a:endParaRPr lang="it-IT" dirty="0">
               <a:solidFill>
                 <a:srgbClr val="C00000"/>
               </a:solidFill>
@@ -8001,8 +15596,8 @@
         </p:nvSpPr>
         <p:spPr>
           <a:xfrm>
-            <a:off x="2306160" y="1418986"/>
-            <a:ext cx="1872885" cy="338554"/>
+            <a:off x="2222695" y="1366115"/>
+            <a:ext cx="2111540" cy="369332"/>
           </a:xfrm>
           <a:prstGeom prst="rect">
             <a:avLst/>
@@ -8016,10 +15611,10 @@
           <a:lstStyle/>
           <a:p>
             <a:r>
-              <a:rPr lang="en-GB" sz="1600" dirty="0" smtClean="0"/>
+              <a:rPr lang="en-GB" b="1" dirty="0" smtClean="0"/>
               <a:t>Generate a new one</a:t>
             </a:r>
-            <a:endParaRPr lang="en-GB" sz="1600" dirty="0"/>
+            <a:endParaRPr lang="en-GB" b="1" dirty="0"/>
           </a:p>
         </p:txBody>
       </p:sp>
@@ -8031,8 +15626,8 @@
         </p:nvSpPr>
         <p:spPr>
           <a:xfrm>
-            <a:off x="1749826" y="2683621"/>
-            <a:ext cx="1678601" cy="338554"/>
+            <a:off x="1495240" y="2643534"/>
+            <a:ext cx="1903150" cy="369332"/>
           </a:xfrm>
           <a:prstGeom prst="rect">
             <a:avLst/>
@@ -8046,10 +15641,10 @@
           <a:lstStyle/>
           <a:p>
             <a:r>
-              <a:rPr lang="en-GB" sz="1600" dirty="0" smtClean="0"/>
+              <a:rPr lang="en-GB" b="1" dirty="0" smtClean="0"/>
               <a:t>Encrypt with KEKs</a:t>
             </a:r>
-            <a:endParaRPr lang="en-GB" sz="1600" dirty="0"/>
+            <a:endParaRPr lang="en-GB" b="1" dirty="0"/>
           </a:p>
         </p:txBody>
       </p:sp>
@@ -8112,7 +15707,7 @@
           <a:p>
             <a:pPr algn="ctr"/>
             <a:r>
-              <a:rPr lang="it-IT" b="1" dirty="0" smtClean="0">
+              <a:rPr lang="it-IT" dirty="0" smtClean="0">
                 <a:solidFill>
                   <a:srgbClr val="C00000"/>
                 </a:solidFill>
@@ -8122,7 +15717,7 @@
               <a:t>LEAVING: CHANGING </a:t>
             </a:r>
             <a:r>
-              <a:rPr lang="it-IT" b="1" dirty="0" err="1" smtClean="0">
+              <a:rPr lang="it-IT" dirty="0" err="1" smtClean="0">
                 <a:solidFill>
                   <a:srgbClr val="C00000"/>
                 </a:solidFill>
@@ -8131,7 +15726,7 @@
               </a:rPr>
               <a:t>KEKs</a:t>
             </a:r>
-            <a:endParaRPr lang="it-IT" b="1" dirty="0">
+            <a:endParaRPr lang="it-IT" dirty="0">
               <a:solidFill>
                 <a:srgbClr val="C00000"/>
               </a:solidFill>
@@ -8588,7 +16183,7 @@
         <p:spPr>
           <a:xfrm>
             <a:off x="1195754" y="1613840"/>
-            <a:ext cx="1974002" cy="369332"/>
+            <a:ext cx="2215350" cy="400110"/>
           </a:xfrm>
           <a:prstGeom prst="rect">
             <a:avLst/>
@@ -8602,14 +16197,14 @@
           <a:lstStyle/>
           <a:p>
             <a:r>
-              <a:rPr lang="it-IT" dirty="0" smtClean="0"/>
+              <a:rPr lang="it-IT" sz="2000" b="1" dirty="0" smtClean="0"/>
               <a:t>1. Create new </a:t>
             </a:r>
             <a:r>
-              <a:rPr lang="it-IT" dirty="0" err="1" smtClean="0"/>
+              <a:rPr lang="it-IT" sz="2000" b="1" dirty="0" err="1" smtClean="0"/>
               <a:t>KEKs</a:t>
             </a:r>
-            <a:endParaRPr lang="it-IT" dirty="0"/>
+            <a:endParaRPr lang="it-IT" sz="2000" b="1" dirty="0"/>
           </a:p>
         </p:txBody>
       </p:sp>
@@ -8660,7 +16255,7 @@
         <p:spPr>
           <a:xfrm>
             <a:off x="6513341" y="1653884"/>
-            <a:ext cx="4075090" cy="369332"/>
+            <a:ext cx="4597284" cy="400110"/>
           </a:xfrm>
           <a:prstGeom prst="rect">
             <a:avLst/>
@@ -8674,42 +16269,42 @@
           <a:lstStyle/>
           <a:p>
             <a:r>
-              <a:rPr lang="it-IT" dirty="0" smtClean="0"/>
+              <a:rPr lang="it-IT" sz="2000" b="1" dirty="0" smtClean="0"/>
               <a:t>2. </a:t>
             </a:r>
             <a:r>
-              <a:rPr lang="it-IT" dirty="0" err="1" smtClean="0"/>
+              <a:rPr lang="it-IT" sz="2000" b="1" dirty="0" err="1" smtClean="0"/>
               <a:t>Encrypt</a:t>
             </a:r>
             <a:r>
-              <a:rPr lang="it-IT" dirty="0" smtClean="0"/>
+              <a:rPr lang="it-IT" sz="2000" b="1" dirty="0" smtClean="0"/>
               <a:t> </a:t>
             </a:r>
             <a:r>
-              <a:rPr lang="it-IT" dirty="0" err="1" smtClean="0"/>
+              <a:rPr lang="it-IT" sz="2000" b="1" dirty="0" err="1" smtClean="0"/>
               <a:t>every</a:t>
             </a:r>
             <a:r>
-              <a:rPr lang="it-IT" dirty="0" smtClean="0"/>
+              <a:rPr lang="it-IT" sz="2000" b="1" dirty="0" smtClean="0"/>
               <a:t> new KEK and </a:t>
             </a:r>
             <a:r>
-              <a:rPr lang="it-IT" dirty="0" err="1" smtClean="0"/>
+              <a:rPr lang="it-IT" sz="2000" b="1" dirty="0" err="1" smtClean="0"/>
               <a:t>send</a:t>
             </a:r>
             <a:r>
-              <a:rPr lang="it-IT" dirty="0" smtClean="0"/>
+              <a:rPr lang="it-IT" sz="2000" b="1" dirty="0" smtClean="0"/>
               <a:t> </a:t>
             </a:r>
             <a:r>
-              <a:rPr lang="it-IT" dirty="0" err="1" smtClean="0"/>
+              <a:rPr lang="it-IT" sz="2000" b="1" dirty="0" err="1" smtClean="0"/>
               <a:t>them</a:t>
             </a:r>
             <a:r>
-              <a:rPr lang="it-IT" dirty="0" smtClean="0"/>
+              <a:rPr lang="it-IT" sz="2000" b="1" dirty="0" smtClean="0"/>
               <a:t>.</a:t>
             </a:r>
-            <a:endParaRPr lang="it-IT" dirty="0"/>
+            <a:endParaRPr lang="it-IT" sz="2000" b="1" dirty="0"/>
           </a:p>
         </p:txBody>
       </p:sp>
@@ -9089,10 +16684,421 @@
           </a:p>
         </p:txBody>
       </p:sp>
+      <p:cxnSp>
+        <p:nvCxnSpPr>
+          <p:cNvPr id="14" name="Connettore 4 13"/>
+          <p:cNvCxnSpPr>
+            <a:endCxn id="8" idx="1"/>
+          </p:cNvCxnSpPr>
+          <p:nvPr/>
+        </p:nvCxnSpPr>
+        <p:spPr>
+          <a:xfrm>
+            <a:off x="5666704" y="2382314"/>
+            <a:ext cx="1317125" cy="540000"/>
+          </a:xfrm>
+          <a:prstGeom prst="bentConnector3">
+            <a:avLst/>
+          </a:prstGeom>
+          <a:ln w="28575">
+            <a:tailEnd type="triangle"/>
+          </a:ln>
+        </p:spPr>
+        <p:style>
+          <a:lnRef idx="1">
+            <a:schemeClr val="accent1"/>
+          </a:lnRef>
+          <a:fillRef idx="0">
+            <a:schemeClr val="accent1"/>
+          </a:fillRef>
+          <a:effectRef idx="0">
+            <a:schemeClr val="accent1"/>
+          </a:effectRef>
+          <a:fontRef idx="minor">
+            <a:schemeClr val="tx1"/>
+          </a:fontRef>
+        </p:style>
+      </p:cxnSp>
     </p:spTree>
     <p:extLst>
       <p:ext uri="{BB962C8B-B14F-4D97-AF65-F5344CB8AC3E}">
         <p14:creationId xmlns:p14="http://schemas.microsoft.com/office/powerpoint/2010/main" val="1800123541"/>
+      </p:ext>
+    </p:extLst>
+  </p:cSld>
+  <p:clrMapOvr>
+    <a:masterClrMapping/>
+  </p:clrMapOvr>
+  <p:timing>
+    <p:tnLst>
+      <p:par>
+        <p:cTn id="1" dur="indefinite" restart="never" nodeType="tmRoot"/>
+      </p:par>
+    </p:tnLst>
+  </p:timing>
+</p:sld>
+</file>
+
+<file path=ppt/slides/slide9.xml><?xml version="1.0" encoding="utf-8"?>
+<p:sld xmlns:a="http://schemas.openxmlformats.org/drawingml/2006/main" xmlns:r="http://schemas.openxmlformats.org/officeDocument/2006/relationships" xmlns:p="http://schemas.openxmlformats.org/presentationml/2006/main">
+  <p:cSld>
+    <p:spTree>
+      <p:nvGrpSpPr>
+        <p:cNvPr id="1" name=""/>
+        <p:cNvGrpSpPr/>
+        <p:nvPr/>
+      </p:nvGrpSpPr>
+      <p:grpSpPr>
+        <a:xfrm>
+          <a:off x="0" y="0"/>
+          <a:ext cx="0" cy="0"/>
+          <a:chOff x="0" y="0"/>
+          <a:chExt cx="0" cy="0"/>
+        </a:xfrm>
+      </p:grpSpPr>
+      <p:sp>
+        <p:nvSpPr>
+          <p:cNvPr id="2" name="Titolo 1"/>
+          <p:cNvSpPr>
+            <a:spLocks noGrp="1"/>
+          </p:cNvSpPr>
+          <p:nvPr>
+            <p:ph type="title"/>
+          </p:nvPr>
+        </p:nvSpPr>
+        <p:spPr/>
+        <p:txBody>
+          <a:bodyPr>
+            <a:normAutofit/>
+          </a:bodyPr>
+          <a:lstStyle/>
+          <a:p>
+            <a:pPr algn="ctr"/>
+            <a:r>
+              <a:rPr lang="en-GB" sz="6000" b="1" u="sng" dirty="0" smtClean="0">
+                <a:solidFill>
+                  <a:schemeClr val="accent6"/>
+                </a:solidFill>
+              </a:rPr>
+              <a:t>COMMUNICATION</a:t>
+            </a:r>
+            <a:endParaRPr lang="en-GB" sz="6000" b="1" u="sng" dirty="0">
+              <a:solidFill>
+                <a:schemeClr val="accent6"/>
+              </a:solidFill>
+            </a:endParaRPr>
+          </a:p>
+        </p:txBody>
+      </p:sp>
+      <p:sp>
+        <p:nvSpPr>
+          <p:cNvPr id="3" name="CasellaDiTesto 2"/>
+          <p:cNvSpPr txBox="1"/>
+          <p:nvPr/>
+        </p:nvSpPr>
+        <p:spPr>
+          <a:xfrm>
+            <a:off x="1477797" y="2086541"/>
+            <a:ext cx="5344733" cy="2400657"/>
+          </a:xfrm>
+          <a:prstGeom prst="rect">
+            <a:avLst/>
+          </a:prstGeom>
+          <a:noFill/>
+        </p:spPr>
+        <p:txBody>
+          <a:bodyPr wrap="square" rtlCol="0">
+            <a:spAutoFit/>
+          </a:bodyPr>
+          <a:lstStyle/>
+          <a:p>
+            <a:r>
+              <a:rPr lang="en-GB" dirty="0" smtClean="0"/>
+              <a:t>Since we have to manage quite complex operation, we need to define a </a:t>
+            </a:r>
+            <a:r>
+              <a:rPr lang="en-GB" b="1" u="sng" dirty="0" smtClean="0"/>
+              <a:t>protocol</a:t>
+            </a:r>
+            <a:r>
+              <a:rPr lang="en-GB" dirty="0" smtClean="0"/>
+              <a:t> that allows the server and the members to coordinate. The main operations we need to standardize are: </a:t>
+            </a:r>
+          </a:p>
+          <a:p>
+            <a:endParaRPr lang="en-GB" dirty="0" smtClean="0"/>
+          </a:p>
+          <a:p>
+            <a:pPr marL="742950" lvl="1" indent="-285750">
+              <a:buFont typeface="Wingdings" panose="05000000000000000000" pitchFamily="2" charset="2"/>
+              <a:buChar char="§"/>
+            </a:pPr>
+            <a:r>
+              <a:rPr lang="en-GB" sz="2000" dirty="0" smtClean="0"/>
+              <a:t>Joining of a new member;</a:t>
+            </a:r>
+          </a:p>
+          <a:p>
+            <a:pPr lvl="1"/>
+            <a:endParaRPr lang="en-GB" sz="2000" dirty="0" smtClean="0"/>
+          </a:p>
+          <a:p>
+            <a:pPr marL="742950" lvl="1" indent="-285750">
+              <a:buFont typeface="Wingdings" panose="05000000000000000000" pitchFamily="2" charset="2"/>
+              <a:buChar char="§"/>
+            </a:pPr>
+            <a:r>
+              <a:rPr lang="en-GB" sz="2000" dirty="0" smtClean="0"/>
+              <a:t>Leaving of a member.</a:t>
+            </a:r>
+            <a:endParaRPr lang="en-GB" sz="2000" dirty="0"/>
+          </a:p>
+        </p:txBody>
+      </p:sp>
+      <p:pic>
+        <p:nvPicPr>
+          <p:cNvPr id="4" name="Immagine 3"/>
+          <p:cNvPicPr>
+            <a:picLocks noChangeAspect="1"/>
+          </p:cNvPicPr>
+          <p:nvPr/>
+        </p:nvPicPr>
+        <p:blipFill>
+          <a:blip r:embed="rId2">
+            <a:extLst>
+              <a:ext uri="{28A0092B-C50C-407E-A947-70E740481C1C}">
+                <a14:useLocalDpi xmlns:a14="http://schemas.microsoft.com/office/drawing/2010/main" val="0"/>
+              </a:ext>
+            </a:extLst>
+          </a:blip>
+          <a:stretch>
+            <a:fillRect/>
+          </a:stretch>
+        </p:blipFill>
+        <p:spPr>
+          <a:xfrm>
+            <a:off x="8779720" y="2242649"/>
+            <a:ext cx="2364346" cy="2364346"/>
+          </a:xfrm>
+          <a:prstGeom prst="rect">
+            <a:avLst/>
+          </a:prstGeom>
+        </p:spPr>
+      </p:pic>
+      <p:pic>
+        <p:nvPicPr>
+          <p:cNvPr id="5" name="Immagine 4"/>
+          <p:cNvPicPr>
+            <a:picLocks noChangeAspect="1"/>
+          </p:cNvPicPr>
+          <p:nvPr/>
+        </p:nvPicPr>
+        <p:blipFill>
+          <a:blip r:embed="rId3">
+            <a:extLst>
+              <a:ext uri="{28A0092B-C50C-407E-A947-70E740481C1C}">
+                <a14:useLocalDpi xmlns:a14="http://schemas.microsoft.com/office/drawing/2010/main" val="0"/>
+              </a:ext>
+            </a:extLst>
+          </a:blip>
+          <a:stretch>
+            <a:fillRect/>
+          </a:stretch>
+        </p:blipFill>
+        <p:spPr>
+          <a:xfrm>
+            <a:off x="7252395" y="3674309"/>
+            <a:ext cx="610930" cy="932686"/>
+          </a:xfrm>
+          <a:prstGeom prst="rect">
+            <a:avLst/>
+          </a:prstGeom>
+        </p:spPr>
+      </p:pic>
+      <p:pic>
+        <p:nvPicPr>
+          <p:cNvPr id="6" name="Immagine 5"/>
+          <p:cNvPicPr>
+            <a:picLocks noChangeAspect="1"/>
+          </p:cNvPicPr>
+          <p:nvPr/>
+        </p:nvPicPr>
+        <p:blipFill>
+          <a:blip r:embed="rId3">
+            <a:extLst>
+              <a:ext uri="{28A0092B-C50C-407E-A947-70E740481C1C}">
+                <a14:useLocalDpi xmlns:a14="http://schemas.microsoft.com/office/drawing/2010/main" val="0"/>
+              </a:ext>
+            </a:extLst>
+          </a:blip>
+          <a:stretch>
+            <a:fillRect/>
+          </a:stretch>
+        </p:blipFill>
+        <p:spPr>
+          <a:xfrm>
+            <a:off x="7280728" y="2508857"/>
+            <a:ext cx="610930" cy="932686"/>
+          </a:xfrm>
+          <a:prstGeom prst="rect">
+            <a:avLst/>
+          </a:prstGeom>
+        </p:spPr>
+      </p:pic>
+      <p:pic>
+        <p:nvPicPr>
+          <p:cNvPr id="7" name="Immagine 6"/>
+          <p:cNvPicPr>
+            <a:picLocks noChangeAspect="1"/>
+          </p:cNvPicPr>
+          <p:nvPr/>
+        </p:nvPicPr>
+        <p:blipFill>
+          <a:blip r:embed="rId3">
+            <a:extLst>
+              <a:ext uri="{28A0092B-C50C-407E-A947-70E740481C1C}">
+                <a14:useLocalDpi xmlns:a14="http://schemas.microsoft.com/office/drawing/2010/main" val="0"/>
+              </a:ext>
+            </a:extLst>
+          </a:blip>
+          <a:stretch>
+            <a:fillRect/>
+          </a:stretch>
+        </p:blipFill>
+        <p:spPr>
+          <a:xfrm>
+            <a:off x="10742870" y="4696845"/>
+            <a:ext cx="610930" cy="932686"/>
+          </a:xfrm>
+          <a:prstGeom prst="rect">
+            <a:avLst/>
+          </a:prstGeom>
+        </p:spPr>
+      </p:pic>
+      <p:pic>
+        <p:nvPicPr>
+          <p:cNvPr id="8" name="Immagine 7"/>
+          <p:cNvPicPr>
+            <a:picLocks noChangeAspect="1"/>
+          </p:cNvPicPr>
+          <p:nvPr/>
+        </p:nvPicPr>
+        <p:blipFill>
+          <a:blip r:embed="rId3">
+            <a:extLst>
+              <a:ext uri="{28A0092B-C50C-407E-A947-70E740481C1C}">
+                <a14:useLocalDpi xmlns:a14="http://schemas.microsoft.com/office/drawing/2010/main" val="0"/>
+              </a:ext>
+            </a:extLst>
+          </a:blip>
+          <a:stretch>
+            <a:fillRect/>
+          </a:stretch>
+        </p:blipFill>
+        <p:spPr>
+          <a:xfrm>
+            <a:off x="7154493" y="5286941"/>
+            <a:ext cx="610930" cy="932686"/>
+          </a:xfrm>
+          <a:prstGeom prst="rect">
+            <a:avLst/>
+          </a:prstGeom>
+        </p:spPr>
+      </p:pic>
+      <p:pic>
+        <p:nvPicPr>
+          <p:cNvPr id="9" name="Immagine 8"/>
+          <p:cNvPicPr>
+            <a:picLocks noChangeAspect="1"/>
+          </p:cNvPicPr>
+          <p:nvPr/>
+        </p:nvPicPr>
+        <p:blipFill>
+          <a:blip r:embed="rId3">
+            <a:extLst>
+              <a:ext uri="{28A0092B-C50C-407E-A947-70E740481C1C}">
+                <a14:useLocalDpi xmlns:a14="http://schemas.microsoft.com/office/drawing/2010/main" val="0"/>
+              </a:ext>
+            </a:extLst>
+          </a:blip>
+          <a:stretch>
+            <a:fillRect/>
+          </a:stretch>
+        </p:blipFill>
+        <p:spPr>
+          <a:xfrm>
+            <a:off x="9350963" y="5286941"/>
+            <a:ext cx="610930" cy="932686"/>
+          </a:xfrm>
+          <a:prstGeom prst="rect">
+            <a:avLst/>
+          </a:prstGeom>
+        </p:spPr>
+      </p:pic>
+      <p:pic>
+        <p:nvPicPr>
+          <p:cNvPr id="10" name="Immagine 9"/>
+          <p:cNvPicPr>
+            <a:picLocks noChangeAspect="1"/>
+          </p:cNvPicPr>
+          <p:nvPr/>
+        </p:nvPicPr>
+        <p:blipFill>
+          <a:blip r:embed="rId3">
+            <a:extLst>
+              <a:ext uri="{28A0092B-C50C-407E-A947-70E740481C1C}">
+                <a14:useLocalDpi xmlns:a14="http://schemas.microsoft.com/office/drawing/2010/main" val="0"/>
+              </a:ext>
+            </a:extLst>
+          </a:blip>
+          <a:stretch>
+            <a:fillRect/>
+          </a:stretch>
+        </p:blipFill>
+        <p:spPr>
+          <a:xfrm>
+            <a:off x="8168790" y="4684639"/>
+            <a:ext cx="610930" cy="932686"/>
+          </a:xfrm>
+          <a:prstGeom prst="rect">
+            <a:avLst/>
+          </a:prstGeom>
+        </p:spPr>
+      </p:pic>
+      <p:pic>
+        <p:nvPicPr>
+          <p:cNvPr id="11" name="Immagine 10"/>
+          <p:cNvPicPr>
+            <a:picLocks noChangeAspect="1"/>
+          </p:cNvPicPr>
+          <p:nvPr/>
+        </p:nvPicPr>
+        <p:blipFill>
+          <a:blip r:embed="rId3">
+            <a:extLst>
+              <a:ext uri="{28A0092B-C50C-407E-A947-70E740481C1C}">
+                <a14:useLocalDpi xmlns:a14="http://schemas.microsoft.com/office/drawing/2010/main" val="0"/>
+              </a:ext>
+            </a:extLst>
+          </a:blip>
+          <a:stretch>
+            <a:fillRect/>
+          </a:stretch>
+        </p:blipFill>
+        <p:spPr>
+          <a:xfrm>
+            <a:off x="6398032" y="4518399"/>
+            <a:ext cx="610930" cy="932686"/>
+          </a:xfrm>
+          <a:prstGeom prst="rect">
+            <a:avLst/>
+          </a:prstGeom>
+        </p:spPr>
+      </p:pic>
+    </p:spTree>
+    <p:extLst>
+      <p:ext uri="{BB962C8B-B14F-4D97-AF65-F5344CB8AC3E}">
+        <p14:creationId xmlns:p14="http://schemas.microsoft.com/office/powerpoint/2010/main" val="1292328243"/>
       </p:ext>
     </p:extLst>
   </p:cSld>

--- a/SecureGroup/documentation/SECURE GROUP COMMUNICATION.pptx
+++ b/SecureGroup/documentation/SECURE GROUP COMMUNICATION.pptx
@@ -5,7 +5,7 @@
     <p:sldMasterId id="2147483648" r:id="rId1"/>
   </p:sldMasterIdLst>
   <p:notesMasterIdLst>
-    <p:notesMasterId r:id="rId20"/>
+    <p:notesMasterId r:id="rId24"/>
   </p:notesMasterIdLst>
   <p:sldIdLst>
     <p:sldId id="256" r:id="rId2"/>
@@ -26,6 +26,10 @@
     <p:sldId id="271" r:id="rId17"/>
     <p:sldId id="272" r:id="rId18"/>
     <p:sldId id="273" r:id="rId19"/>
+    <p:sldId id="274" r:id="rId20"/>
+    <p:sldId id="275" r:id="rId21"/>
+    <p:sldId id="276" r:id="rId22"/>
+    <p:sldId id="277" r:id="rId23"/>
   </p:sldIdLst>
   <p:sldSz cx="12192000" cy="6858000"/>
   <p:notesSz cx="6858000" cy="9144000"/>
@@ -226,7 +230,7 @@
           <a:p>
             <a:fld id="{A7E1E287-44C1-44AE-B703-C29C909DB65D}" type="datetimeFigureOut">
               <a:rPr lang="en-GB" smtClean="0"/>
-              <a:t>06/03/2015</a:t>
+              <a:t>11/03/2015</a:t>
             </a:fld>
             <a:endParaRPr lang="en-GB"/>
           </a:p>
@@ -709,7 +713,7 @@
           <a:p>
             <a:fld id="{C764DE79-268F-4C1A-8933-263129D2AF90}" type="datetimeFigureOut">
               <a:rPr lang="en-US" dirty="0"/>
-              <a:t>3/6/2015</a:t>
+              <a:t>3/11/2015</a:t>
             </a:fld>
             <a:endParaRPr lang="en-US" dirty="0"/>
           </a:p>
@@ -874,7 +878,7 @@
           <a:p>
             <a:fld id="{C764DE79-268F-4C1A-8933-263129D2AF90}" type="datetimeFigureOut">
               <a:rPr lang="en-US" dirty="0"/>
-              <a:t>3/6/2015</a:t>
+              <a:t>3/11/2015</a:t>
             </a:fld>
             <a:endParaRPr lang="en-US" dirty="0"/>
           </a:p>
@@ -1049,7 +1053,7 @@
           <a:p>
             <a:fld id="{C764DE79-268F-4C1A-8933-263129D2AF90}" type="datetimeFigureOut">
               <a:rPr lang="en-US" dirty="0"/>
-              <a:t>3/6/2015</a:t>
+              <a:t>3/11/2015</a:t>
             </a:fld>
             <a:endParaRPr lang="en-US" dirty="0"/>
           </a:p>
@@ -1214,7 +1218,7 @@
           <a:p>
             <a:fld id="{C764DE79-268F-4C1A-8933-263129D2AF90}" type="datetimeFigureOut">
               <a:rPr lang="en-US" dirty="0"/>
-              <a:t>3/6/2015</a:t>
+              <a:t>3/11/2015</a:t>
             </a:fld>
             <a:endParaRPr lang="en-US" dirty="0"/>
           </a:p>
@@ -1455,7 +1459,7 @@
           <a:p>
             <a:fld id="{C764DE79-268F-4C1A-8933-263129D2AF90}" type="datetimeFigureOut">
               <a:rPr lang="en-US" dirty="0"/>
-              <a:t>3/6/2015</a:t>
+              <a:t>3/11/2015</a:t>
             </a:fld>
             <a:endParaRPr lang="en-US" dirty="0"/>
           </a:p>
@@ -1682,7 +1686,7 @@
           <a:p>
             <a:fld id="{C764DE79-268F-4C1A-8933-263129D2AF90}" type="datetimeFigureOut">
               <a:rPr lang="en-US" dirty="0"/>
-              <a:t>3/6/2015</a:t>
+              <a:t>3/11/2015</a:t>
             </a:fld>
             <a:endParaRPr lang="en-US" dirty="0"/>
           </a:p>
@@ -2044,7 +2048,7 @@
           <a:p>
             <a:fld id="{C764DE79-268F-4C1A-8933-263129D2AF90}" type="datetimeFigureOut">
               <a:rPr lang="en-US" dirty="0"/>
-              <a:t>3/6/2015</a:t>
+              <a:t>3/11/2015</a:t>
             </a:fld>
             <a:endParaRPr lang="en-US" dirty="0"/>
           </a:p>
@@ -2157,7 +2161,7 @@
           <a:p>
             <a:fld id="{C764DE79-268F-4C1A-8933-263129D2AF90}" type="datetimeFigureOut">
               <a:rPr lang="en-US" dirty="0"/>
-              <a:t>3/6/2015</a:t>
+              <a:t>3/11/2015</a:t>
             </a:fld>
             <a:endParaRPr lang="en-US" dirty="0"/>
           </a:p>
@@ -2247,7 +2251,7 @@
           <a:p>
             <a:fld id="{C764DE79-268F-4C1A-8933-263129D2AF90}" type="datetimeFigureOut">
               <a:rPr lang="en-US" dirty="0"/>
-              <a:t>3/6/2015</a:t>
+              <a:t>3/11/2015</a:t>
             </a:fld>
             <a:endParaRPr lang="en-US" dirty="0"/>
           </a:p>
@@ -2519,7 +2523,7 @@
           <a:p>
             <a:fld id="{C764DE79-268F-4C1A-8933-263129D2AF90}" type="datetimeFigureOut">
               <a:rPr lang="en-US" dirty="0"/>
-              <a:t>3/6/2015</a:t>
+              <a:t>3/11/2015</a:t>
             </a:fld>
             <a:endParaRPr lang="en-US" dirty="0"/>
           </a:p>
@@ -2771,7 +2775,7 @@
           <a:p>
             <a:fld id="{C764DE79-268F-4C1A-8933-263129D2AF90}" type="datetimeFigureOut">
               <a:rPr lang="en-US" dirty="0"/>
-              <a:t>3/6/2015</a:t>
+              <a:t>3/11/2015</a:t>
             </a:fld>
             <a:endParaRPr lang="en-US" dirty="0"/>
           </a:p>
@@ -2979,7 +2983,7 @@
           <a:p>
             <a:fld id="{C764DE79-268F-4C1A-8933-263129D2AF90}" type="datetimeFigureOut">
               <a:rPr lang="en-US" dirty="0"/>
-              <a:t>3/6/2015</a:t>
+              <a:t>3/11/2015</a:t>
             </a:fld>
             <a:endParaRPr lang="en-US" dirty="0"/>
           </a:p>
@@ -3600,14 +3604,14 @@
           <a:lstStyle/>
           <a:p>
             <a:r>
-              <a:rPr lang="en-GB" sz="6000" b="1" dirty="0" smtClean="0">
+              <a:rPr lang="en-GB" sz="6000" b="1" u="sng" dirty="0" smtClean="0">
                 <a:solidFill>
                   <a:schemeClr val="accent6"/>
                 </a:solidFill>
               </a:rPr>
               <a:t>PROTOCOL - JOINING</a:t>
             </a:r>
-            <a:endParaRPr lang="en-GB" sz="6000" b="1" dirty="0">
+            <a:endParaRPr lang="en-GB" sz="6000" b="1" u="sng" dirty="0">
               <a:solidFill>
                 <a:schemeClr val="accent6"/>
               </a:solidFill>
@@ -3730,11 +3734,7 @@
             </a:r>
             <a:r>
               <a:rPr lang="en-GB" dirty="0" smtClean="0"/>
-              <a:t> </a:t>
-            </a:r>
-            <a:r>
-              <a:rPr lang="en-GB" dirty="0" smtClean="0"/>
-              <a:t>the server.</a:t>
+              <a:t> the server.</a:t>
             </a:r>
           </a:p>
           <a:p>
@@ -3751,15 +3751,7 @@
             </a:pPr>
             <a:r>
               <a:rPr lang="en-GB" dirty="0" smtClean="0"/>
-              <a:t>Upon receiving all </a:t>
-            </a:r>
-            <a:r>
-              <a:rPr lang="en-GB" dirty="0" smtClean="0"/>
-              <a:t>the </a:t>
-            </a:r>
-            <a:r>
-              <a:rPr lang="en-GB" dirty="0" smtClean="0"/>
-              <a:t>acknowledgments the server </a:t>
+              <a:t>Upon receiving all the acknowledgments the server </a:t>
             </a:r>
             <a:r>
               <a:rPr lang="en-GB" b="1" u="sng" dirty="0" smtClean="0"/>
@@ -3767,15 +3759,7 @@
             </a:r>
             <a:r>
               <a:rPr lang="en-GB" dirty="0" smtClean="0"/>
-              <a:t>the update </a:t>
-            </a:r>
-            <a:r>
-              <a:rPr lang="en-GB" dirty="0" smtClean="0"/>
-              <a:t>to all the members, the new one will also receive his keys encrypted with his public key</a:t>
-            </a:r>
-            <a:r>
-              <a:rPr lang="en-GB" dirty="0" smtClean="0"/>
-              <a:t>. Now the communication can go on.</a:t>
+              <a:t>the update to all the members, the new one will also receive his keys encrypted with his public key. Now the communication can go on.</a:t>
             </a:r>
           </a:p>
         </p:txBody>
@@ -3835,14 +3819,14 @@
           <a:lstStyle/>
           <a:p>
             <a:r>
-              <a:rPr lang="en-GB" sz="6000" b="1" dirty="0">
+              <a:rPr lang="en-GB" sz="6000" b="1" u="sng" dirty="0">
                 <a:solidFill>
                   <a:schemeClr val="accent6"/>
                 </a:solidFill>
               </a:rPr>
               <a:t>PROTOCOL - JOINING</a:t>
             </a:r>
-            <a:endParaRPr lang="en-GB" sz="6000" dirty="0"/>
+            <a:endParaRPr lang="en-GB" sz="6000" u="sng" dirty="0"/>
           </a:p>
         </p:txBody>
       </p:sp>
@@ -5020,14 +5004,14 @@
           <a:lstStyle/>
           <a:p>
             <a:r>
-              <a:rPr lang="en-GB" sz="6000" b="1" dirty="0">
+              <a:rPr lang="en-GB" sz="6000" b="1" u="sng" dirty="0">
                 <a:solidFill>
                   <a:schemeClr val="accent6"/>
                 </a:solidFill>
               </a:rPr>
               <a:t>PROTOCOL - JOINING</a:t>
             </a:r>
-            <a:endParaRPr lang="en-GB" sz="6000" dirty="0"/>
+            <a:endParaRPr lang="en-GB" sz="6000" u="sng" dirty="0"/>
           </a:p>
         </p:txBody>
       </p:sp>
@@ -5954,14 +5938,14 @@
           <a:lstStyle/>
           <a:p>
             <a:r>
-              <a:rPr lang="en-GB" sz="6000" b="1" dirty="0">
+              <a:rPr lang="en-GB" sz="6000" b="1" u="sng" dirty="0">
                 <a:solidFill>
                   <a:schemeClr val="accent6"/>
                 </a:solidFill>
               </a:rPr>
               <a:t>PROTOCOL - JOINING</a:t>
             </a:r>
-            <a:endParaRPr lang="en-GB" sz="6000" dirty="0"/>
+            <a:endParaRPr lang="en-GB" sz="6000" u="sng" dirty="0"/>
           </a:p>
         </p:txBody>
       </p:sp>
@@ -7180,7 +7164,7 @@
           <a:lstStyle/>
           <a:p>
             <a:r>
-              <a:rPr lang="en-GB" sz="6000" b="1" dirty="0">
+              <a:rPr lang="en-GB" sz="6000" b="1" u="sng" dirty="0">
                 <a:solidFill>
                   <a:schemeClr val="accent6"/>
                 </a:solidFill>
@@ -7188,14 +7172,14 @@
               <a:t>PROTOCOL - </a:t>
             </a:r>
             <a:r>
-              <a:rPr lang="en-GB" sz="6000" b="1" dirty="0" smtClean="0">
+              <a:rPr lang="en-GB" sz="6000" b="1" u="sng" dirty="0" smtClean="0">
                 <a:solidFill>
                   <a:schemeClr val="accent6"/>
                 </a:solidFill>
               </a:rPr>
               <a:t>LEAVING</a:t>
             </a:r>
-            <a:endParaRPr lang="en-GB" sz="6000" dirty="0"/>
+            <a:endParaRPr lang="en-GB" sz="6000" u="sng" dirty="0"/>
           </a:p>
         </p:txBody>
       </p:sp>
@@ -7394,14 +7378,14 @@
           <a:lstStyle/>
           <a:p>
             <a:r>
-              <a:rPr lang="en-GB" sz="6000" b="1" dirty="0">
+              <a:rPr lang="en-GB" sz="6000" b="1" u="sng" dirty="0">
                 <a:solidFill>
                   <a:schemeClr val="accent6"/>
                 </a:solidFill>
               </a:rPr>
               <a:t>PROTOCOL - LEAVING</a:t>
             </a:r>
-            <a:endParaRPr lang="en-GB" sz="6000" dirty="0"/>
+            <a:endParaRPr lang="en-GB" sz="6000" u="sng" dirty="0"/>
           </a:p>
         </p:txBody>
       </p:sp>
@@ -7592,15 +7576,7 @@
                   <a:schemeClr val="accent2"/>
                 </a:solidFill>
               </a:rPr>
-              <a:t>LEAVE </a:t>
-            </a:r>
-            <a:r>
-              <a:rPr lang="en-GB" b="1" dirty="0" smtClean="0">
-                <a:solidFill>
-                  <a:schemeClr val="accent2"/>
-                </a:solidFill>
-              </a:rPr>
-              <a:t>REQUEST</a:t>
+              <a:t>LEAVE REQUEST</a:t>
             </a:r>
             <a:endParaRPr lang="en-GB" b="1" dirty="0">
               <a:solidFill>
@@ -7754,15 +7730,45 @@
                   <a:srgbClr val="00B050"/>
                 </a:solidFill>
               </a:rPr>
-              <a:t>SOMEONE </a:t>
-            </a:r>
+              <a:t>SOMEONE LEAVING</a:t>
+            </a:r>
+            <a:endParaRPr lang="en-GB" b="1" dirty="0">
+              <a:solidFill>
+                <a:srgbClr val="00B050"/>
+              </a:solidFill>
+            </a:endParaRPr>
+          </a:p>
+        </p:txBody>
+      </p:sp>
+      <p:sp>
+        <p:nvSpPr>
+          <p:cNvPr id="68" name="CasellaDiTesto 67"/>
+          <p:cNvSpPr txBox="1"/>
+          <p:nvPr/>
+        </p:nvSpPr>
+        <p:spPr>
+          <a:xfrm rot="916497">
+            <a:off x="2408631" y="3071332"/>
+            <a:ext cx="2063963" cy="369332"/>
+          </a:xfrm>
+          <a:prstGeom prst="rect">
+            <a:avLst/>
+          </a:prstGeom>
+          <a:noFill/>
+        </p:spPr>
+        <p:txBody>
+          <a:bodyPr wrap="none" rtlCol="0">
+            <a:spAutoFit/>
+          </a:bodyPr>
+          <a:lstStyle/>
+          <a:p>
             <a:r>
               <a:rPr lang="en-GB" b="1" dirty="0" smtClean="0">
                 <a:solidFill>
                   <a:srgbClr val="00B050"/>
                 </a:solidFill>
               </a:rPr>
-              <a:t>LEAVING</a:t>
+              <a:t>SOMEONE LEAVING</a:t>
             </a:r>
             <a:endParaRPr lang="en-GB" b="1" dirty="0">
               <a:solidFill>
@@ -7774,13 +7780,13 @@
       </p:sp>
       <p:sp>
         <p:nvSpPr>
-          <p:cNvPr id="68" name="CasellaDiTesto 67"/>
+          <p:cNvPr id="69" name="CasellaDiTesto 68"/>
           <p:cNvSpPr txBox="1"/>
           <p:nvPr/>
         </p:nvSpPr>
         <p:spPr>
-          <a:xfrm rot="916497">
-            <a:off x="2408631" y="3071332"/>
+          <a:xfrm rot="20850469">
+            <a:off x="2786891" y="4050534"/>
             <a:ext cx="2063963" cy="369332"/>
           </a:xfrm>
           <a:prstGeom prst="rect">
@@ -7800,61 +7806,7 @@
                   <a:srgbClr val="00B050"/>
                 </a:solidFill>
               </a:rPr>
-              <a:t>SOMEONE </a:t>
-            </a:r>
-            <a:r>
-              <a:rPr lang="en-GB" b="1" dirty="0" smtClean="0">
-                <a:solidFill>
-                  <a:srgbClr val="00B050"/>
-                </a:solidFill>
-              </a:rPr>
-              <a:t>LEAVING</a:t>
-            </a:r>
-            <a:endParaRPr lang="en-GB" b="1" dirty="0">
-              <a:solidFill>
-                <a:srgbClr val="00B050"/>
-              </a:solidFill>
-            </a:endParaRPr>
-          </a:p>
-        </p:txBody>
-      </p:sp>
-      <p:sp>
-        <p:nvSpPr>
-          <p:cNvPr id="69" name="CasellaDiTesto 68"/>
-          <p:cNvSpPr txBox="1"/>
-          <p:nvPr/>
-        </p:nvSpPr>
-        <p:spPr>
-          <a:xfrm rot="20850469">
-            <a:off x="2786891" y="4050534"/>
-            <a:ext cx="2063963" cy="369332"/>
-          </a:xfrm>
-          <a:prstGeom prst="rect">
-            <a:avLst/>
-          </a:prstGeom>
-          <a:noFill/>
-        </p:spPr>
-        <p:txBody>
-          <a:bodyPr wrap="none" rtlCol="0">
-            <a:spAutoFit/>
-          </a:bodyPr>
-          <a:lstStyle/>
-          <a:p>
-            <a:r>
-              <a:rPr lang="en-GB" b="1" dirty="0" smtClean="0">
-                <a:solidFill>
-                  <a:srgbClr val="00B050"/>
-                </a:solidFill>
-              </a:rPr>
-              <a:t>SOMEONE </a:t>
-            </a:r>
-            <a:r>
-              <a:rPr lang="en-GB" b="1" dirty="0" smtClean="0">
-                <a:solidFill>
-                  <a:srgbClr val="00B050"/>
-                </a:solidFill>
-              </a:rPr>
-              <a:t>LEAVING</a:t>
+              <a:t>SOMEONE LEAVING</a:t>
             </a:r>
             <a:endParaRPr lang="en-GB" b="1" dirty="0">
               <a:solidFill>
@@ -8614,14 +8566,14 @@
           <a:lstStyle/>
           <a:p>
             <a:r>
-              <a:rPr lang="en-GB" sz="6000" b="1" dirty="0">
+              <a:rPr lang="en-GB" sz="6000" b="1" u="sng" dirty="0">
                 <a:solidFill>
                   <a:schemeClr val="accent6"/>
                 </a:solidFill>
               </a:rPr>
               <a:t>PROTOCOL - LEAVING</a:t>
             </a:r>
-            <a:endParaRPr lang="en-GB" sz="6000" dirty="0"/>
+            <a:endParaRPr lang="en-GB" sz="6000" u="sng" dirty="0"/>
           </a:p>
         </p:txBody>
       </p:sp>
@@ -9548,14 +9500,14 @@
           <a:lstStyle/>
           <a:p>
             <a:r>
-              <a:rPr lang="en-GB" sz="6000" b="1" dirty="0">
+              <a:rPr lang="en-GB" sz="6000" b="1" u="sng" dirty="0">
                 <a:solidFill>
                   <a:schemeClr val="accent6"/>
                 </a:solidFill>
               </a:rPr>
               <a:t>PROTOCOL - LEAVING</a:t>
             </a:r>
-            <a:endParaRPr lang="en-GB" sz="6000" dirty="0"/>
+            <a:endParaRPr lang="en-GB" sz="6000" u="sng" dirty="0"/>
           </a:p>
         </p:txBody>
       </p:sp>
@@ -9966,15 +9918,7 @@
                   <a:schemeClr val="accent2"/>
                 </a:solidFill>
               </a:rPr>
-              <a:t>LEAVE </a:t>
-            </a:r>
-            <a:r>
-              <a:rPr lang="en-GB" b="1" dirty="0" smtClean="0">
-                <a:solidFill>
-                  <a:schemeClr val="accent2"/>
-                </a:solidFill>
-              </a:rPr>
-              <a:t>ACCEPTED</a:t>
+              <a:t>LEAVE ACCEPTED</a:t>
             </a:r>
             <a:endParaRPr lang="en-GB" b="1" dirty="0">
               <a:solidFill>
@@ -10751,14 +10695,14 @@
           <a:lstStyle/>
           <a:p>
             <a:r>
-              <a:rPr lang="en-GB" sz="6000" b="1" dirty="0" smtClean="0">
+              <a:rPr lang="en-GB" sz="6000" b="1" u="sng" dirty="0" smtClean="0">
                 <a:solidFill>
                   <a:schemeClr val="accent6"/>
                 </a:solidFill>
               </a:rPr>
               <a:t>SYNCHRONIZATION PROBLEMS</a:t>
             </a:r>
-            <a:endParaRPr lang="en-GB" sz="6000" b="1" dirty="0">
+            <a:endParaRPr lang="en-GB" sz="6000" b="1" u="sng" dirty="0">
               <a:solidFill>
                 <a:schemeClr val="accent6"/>
               </a:solidFill>
@@ -10788,7 +10732,7 @@
         </p:blipFill>
         <p:spPr>
           <a:xfrm>
-            <a:off x="7720006" y="1994325"/>
+            <a:off x="7991192" y="2670904"/>
             <a:ext cx="610930" cy="932686"/>
           </a:xfrm>
           <a:prstGeom prst="rect">
@@ -10818,7 +10762,7 @@
         </p:blipFill>
         <p:spPr>
           <a:xfrm>
-            <a:off x="10046682" y="3484519"/>
+            <a:off x="10062748" y="4071616"/>
             <a:ext cx="610930" cy="932686"/>
           </a:xfrm>
           <a:prstGeom prst="rect">
@@ -10834,7 +10778,7 @@
         </p:nvSpPr>
         <p:spPr>
           <a:xfrm rot="1824703">
-            <a:off x="8326433" y="2739292"/>
+            <a:off x="8597619" y="3415871"/>
             <a:ext cx="633825" cy="408577"/>
           </a:xfrm>
           <a:prstGeom prst="rightArrow">
@@ -10888,7 +10832,7 @@
         </p:blipFill>
         <p:spPr>
           <a:xfrm>
-            <a:off x="8911727" y="3006036"/>
+            <a:off x="9182913" y="3682615"/>
             <a:ext cx="540197" cy="548300"/>
           </a:xfrm>
           <a:prstGeom prst="rect">
@@ -10896,6 +10840,143 @@
           </a:prstGeom>
         </p:spPr>
       </p:pic>
+      <p:sp>
+        <p:nvSpPr>
+          <p:cNvPr id="3" name="CasellaDiTesto 2"/>
+          <p:cNvSpPr txBox="1"/>
+          <p:nvPr/>
+        </p:nvSpPr>
+        <p:spPr>
+          <a:xfrm>
+            <a:off x="838200" y="2156053"/>
+            <a:ext cx="6322193" cy="5078313"/>
+          </a:xfrm>
+          <a:prstGeom prst="rect">
+            <a:avLst/>
+          </a:prstGeom>
+          <a:noFill/>
+        </p:spPr>
+        <p:txBody>
+          <a:bodyPr wrap="square" rtlCol="0">
+            <a:spAutoFit/>
+          </a:bodyPr>
+          <a:lstStyle/>
+          <a:p>
+            <a:pPr marL="342900" indent="-342900">
+              <a:buFont typeface="+mj-lt"/>
+              <a:buAutoNum type="arabicPeriod"/>
+            </a:pPr>
+            <a:r>
+              <a:rPr lang="en-GB" dirty="0" smtClean="0"/>
+              <a:t>What if a member sends a message encrypted with a key that someone do not already have??</a:t>
+            </a:r>
+            <a:r>
+              <a:rPr lang="en-GB" dirty="0"/>
+              <a:t/>
+            </a:r>
+            <a:br>
+              <a:rPr lang="en-GB" dirty="0"/>
+            </a:br>
+            <a:r>
+              <a:rPr lang="en-GB" b="1" dirty="0" smtClean="0"/>
+              <a:t>The new key can’t be used until the server confirms the update.  </a:t>
+            </a:r>
+            <a:r>
+              <a:rPr lang="en-GB" b="1" dirty="0" smtClean="0">
+                <a:solidFill>
+                  <a:srgbClr val="00B050"/>
+                </a:solidFill>
+              </a:rPr>
+              <a:t>[SOLVED BY THE PROTOCOL] </a:t>
+            </a:r>
+          </a:p>
+          <a:p>
+            <a:pPr marL="342900" indent="-342900">
+              <a:buFont typeface="+mj-lt"/>
+              <a:buAutoNum type="arabicPeriod"/>
+            </a:pPr>
+            <a:endParaRPr lang="en-GB" b="1" dirty="0"/>
+          </a:p>
+          <a:p>
+            <a:pPr marL="342900" indent="-342900">
+              <a:buFont typeface="+mj-lt"/>
+              <a:buAutoNum type="arabicPeriod"/>
+            </a:pPr>
+            <a:r>
+              <a:rPr lang="en-GB" dirty="0" smtClean="0"/>
+              <a:t>What if the keys change in the middle of a sending operation?? The receiver can’t decrypt the message because it is encrypted with an old key. Ideally we need to keep all the old keys. [UNSOLVABLE]</a:t>
+            </a:r>
+            <a:br>
+              <a:rPr lang="en-GB" dirty="0" smtClean="0"/>
+            </a:br>
+            <a:r>
+              <a:rPr lang="en-GB" b="1" dirty="0" smtClean="0"/>
+              <a:t>Trade-off: keep the new key and the old one.</a:t>
+            </a:r>
+            <a:br>
+              <a:rPr lang="en-GB" b="1" dirty="0" smtClean="0"/>
+            </a:br>
+            <a:r>
+              <a:rPr lang="en-GB" b="1" dirty="0" smtClean="0">
+                <a:solidFill>
+                  <a:srgbClr val="00B050"/>
+                </a:solidFill>
+              </a:rPr>
+              <a:t>[PARTIALLY SOLVED]</a:t>
+            </a:r>
+            <a:br>
+              <a:rPr lang="en-GB" b="1" dirty="0" smtClean="0">
+                <a:solidFill>
+                  <a:srgbClr val="00B050"/>
+                </a:solidFill>
+              </a:rPr>
+            </a:br>
+            <a:r>
+              <a:rPr lang="en-GB" dirty="0" smtClean="0"/>
+              <a:t/>
+            </a:r>
+            <a:br>
+              <a:rPr lang="en-GB" dirty="0" smtClean="0"/>
+            </a:br>
+            <a:endParaRPr lang="en-GB" dirty="0"/>
+          </a:p>
+          <a:p>
+            <a:pPr marL="342900" indent="-342900">
+              <a:buFont typeface="+mj-lt"/>
+              <a:buAutoNum type="arabicPeriod"/>
+            </a:pPr>
+            <a:endParaRPr lang="en-GB" b="1" dirty="0">
+              <a:solidFill>
+                <a:srgbClr val="00B050"/>
+              </a:solidFill>
+            </a:endParaRPr>
+          </a:p>
+          <a:p>
+            <a:endParaRPr lang="en-GB" dirty="0" smtClean="0"/>
+          </a:p>
+          <a:p>
+            <a:pPr marL="342900" indent="-342900">
+              <a:buFont typeface="+mj-lt"/>
+              <a:buAutoNum type="arabicPeriod"/>
+            </a:pPr>
+            <a:endParaRPr lang="en-GB" dirty="0"/>
+          </a:p>
+          <a:p>
+            <a:pPr marL="342900" indent="-342900">
+              <a:buFont typeface="+mj-lt"/>
+              <a:buAutoNum type="arabicPeriod"/>
+            </a:pPr>
+            <a:endParaRPr lang="en-GB" dirty="0" smtClean="0"/>
+          </a:p>
+          <a:p>
+            <a:endParaRPr lang="en-GB" b="1" dirty="0" smtClean="0">
+              <a:solidFill>
+                <a:srgbClr val="00B050"/>
+              </a:solidFill>
+            </a:endParaRPr>
+          </a:p>
+        </p:txBody>
+      </p:sp>
     </p:spTree>
     <p:extLst>
       <p:ext uri="{BB962C8B-B14F-4D97-AF65-F5344CB8AC3E}">
@@ -11122,6 +11203,688 @@
 </p:sld>
 </file>
 
+<file path=ppt/slides/slide19.xml><?xml version="1.0" encoding="utf-8"?>
+<p:sld xmlns:a="http://schemas.openxmlformats.org/drawingml/2006/main" xmlns:r="http://schemas.openxmlformats.org/officeDocument/2006/relationships" xmlns:p="http://schemas.openxmlformats.org/presentationml/2006/main">
+  <p:cSld>
+    <p:spTree>
+      <p:nvGrpSpPr>
+        <p:cNvPr id="1" name=""/>
+        <p:cNvGrpSpPr/>
+        <p:nvPr/>
+      </p:nvGrpSpPr>
+      <p:grpSpPr>
+        <a:xfrm>
+          <a:off x="0" y="0"/>
+          <a:ext cx="0" cy="0"/>
+          <a:chOff x="0" y="0"/>
+          <a:chExt cx="0" cy="0"/>
+        </a:xfrm>
+      </p:grpSpPr>
+      <p:sp>
+        <p:nvSpPr>
+          <p:cNvPr id="2" name="Titolo 1"/>
+          <p:cNvSpPr>
+            <a:spLocks noGrp="1"/>
+          </p:cNvSpPr>
+          <p:nvPr>
+            <p:ph type="title"/>
+          </p:nvPr>
+        </p:nvSpPr>
+        <p:spPr/>
+        <p:txBody>
+          <a:bodyPr>
+            <a:normAutofit/>
+          </a:bodyPr>
+          <a:lstStyle/>
+          <a:p>
+            <a:pPr algn="ctr"/>
+            <a:r>
+              <a:rPr lang="en-GB" sz="6000" b="1" u="sng" dirty="0" smtClean="0">
+                <a:solidFill>
+                  <a:schemeClr val="accent2"/>
+                </a:solidFill>
+              </a:rPr>
+              <a:t>FLAT TABLE WEAKNESS</a:t>
+            </a:r>
+            <a:endParaRPr lang="en-GB" sz="6000" b="1" u="sng" dirty="0">
+              <a:solidFill>
+                <a:schemeClr val="accent2"/>
+              </a:solidFill>
+            </a:endParaRPr>
+          </a:p>
+        </p:txBody>
+      </p:sp>
+      <p:sp>
+        <p:nvSpPr>
+          <p:cNvPr id="3" name="CasellaDiTesto 2"/>
+          <p:cNvSpPr txBox="1"/>
+          <p:nvPr/>
+        </p:nvSpPr>
+        <p:spPr>
+          <a:xfrm>
+            <a:off x="735169" y="2180085"/>
+            <a:ext cx="6117464" cy="2862322"/>
+          </a:xfrm>
+          <a:prstGeom prst="rect">
+            <a:avLst/>
+          </a:prstGeom>
+          <a:noFill/>
+        </p:spPr>
+        <p:txBody>
+          <a:bodyPr wrap="square" rtlCol="0">
+            <a:spAutoFit/>
+          </a:bodyPr>
+          <a:lstStyle/>
+          <a:p>
+            <a:r>
+              <a:rPr lang="en-GB" dirty="0" smtClean="0"/>
+              <a:t>The main problem of a system that uses an approach based on a Centralized Flat Table is managing </a:t>
+            </a:r>
+            <a:r>
+              <a:rPr lang="en-GB" b="1" u="sng" dirty="0" smtClean="0"/>
+              <a:t>multiple requests. </a:t>
+            </a:r>
+            <a:endParaRPr lang="en-GB" dirty="0" smtClean="0"/>
+          </a:p>
+          <a:p>
+            <a:endParaRPr lang="en-GB" b="1" u="sng" dirty="0"/>
+          </a:p>
+          <a:p>
+            <a:r>
+              <a:rPr lang="en-GB" dirty="0" smtClean="0"/>
+              <a:t>The protocol works fine until we manage single leaving or joining operations: we can’t manage simultaneous requests because of the changings in the keys.</a:t>
+            </a:r>
+          </a:p>
+          <a:p>
+            <a:endParaRPr lang="en-GB" dirty="0"/>
+          </a:p>
+          <a:p>
+            <a:r>
+              <a:rPr lang="en-GB" b="1" u="sng" dirty="0" smtClean="0">
+                <a:solidFill>
+                  <a:srgbClr val="00B050"/>
+                </a:solidFill>
+              </a:rPr>
+              <a:t>SOLUTION:</a:t>
+            </a:r>
+          </a:p>
+          <a:p>
+            <a:r>
+              <a:rPr lang="en-GB" dirty="0" smtClean="0"/>
+              <a:t>The server keeps a </a:t>
+            </a:r>
+            <a:r>
+              <a:rPr lang="en-GB" b="1" u="sng" dirty="0" smtClean="0"/>
+              <a:t>synchronized queue</a:t>
+            </a:r>
+            <a:r>
+              <a:rPr lang="en-GB" dirty="0" smtClean="0"/>
+              <a:t> that contains the various requests and manages them once per time.</a:t>
+            </a:r>
+            <a:endParaRPr lang="en-GB" dirty="0"/>
+          </a:p>
+        </p:txBody>
+      </p:sp>
+      <p:sp>
+        <p:nvSpPr>
+          <p:cNvPr id="4" name="Elaborazione predefinita 3"/>
+          <p:cNvSpPr/>
+          <p:nvPr/>
+        </p:nvSpPr>
+        <p:spPr>
+          <a:xfrm>
+            <a:off x="8693238" y="3071939"/>
+            <a:ext cx="1197737" cy="1970468"/>
+          </a:xfrm>
+          <a:prstGeom prst="flowChartPredefinedProcess">
+            <a:avLst/>
+          </a:prstGeom>
+          <a:solidFill>
+            <a:schemeClr val="accent6">
+              <a:lumMod val="20000"/>
+              <a:lumOff val="80000"/>
+            </a:schemeClr>
+          </a:solidFill>
+          <a:ln w="28575"/>
+        </p:spPr>
+        <p:style>
+          <a:lnRef idx="2">
+            <a:schemeClr val="accent1">
+              <a:shade val="50000"/>
+            </a:schemeClr>
+          </a:lnRef>
+          <a:fillRef idx="1">
+            <a:schemeClr val="accent1"/>
+          </a:fillRef>
+          <a:effectRef idx="0">
+            <a:schemeClr val="accent1"/>
+          </a:effectRef>
+          <a:fontRef idx="minor">
+            <a:schemeClr val="lt1"/>
+          </a:fontRef>
+        </p:style>
+        <p:txBody>
+          <a:bodyPr rtlCol="0" anchor="ctr"/>
+          <a:lstStyle/>
+          <a:p>
+            <a:pPr algn="ctr"/>
+            <a:endParaRPr lang="en-GB"/>
+          </a:p>
+        </p:txBody>
+      </p:sp>
+      <p:sp>
+        <p:nvSpPr>
+          <p:cNvPr id="5" name="Rettangolo 4"/>
+          <p:cNvSpPr/>
+          <p:nvPr/>
+        </p:nvSpPr>
+        <p:spPr>
+          <a:xfrm>
+            <a:off x="8847786" y="3466023"/>
+            <a:ext cx="872264" cy="394084"/>
+          </a:xfrm>
+          <a:prstGeom prst="rect">
+            <a:avLst/>
+          </a:prstGeom>
+        </p:spPr>
+        <p:style>
+          <a:lnRef idx="2">
+            <a:schemeClr val="accent1">
+              <a:shade val="50000"/>
+            </a:schemeClr>
+          </a:lnRef>
+          <a:fillRef idx="1">
+            <a:schemeClr val="accent1"/>
+          </a:fillRef>
+          <a:effectRef idx="0">
+            <a:schemeClr val="accent1"/>
+          </a:effectRef>
+          <a:fontRef idx="minor">
+            <a:schemeClr val="lt1"/>
+          </a:fontRef>
+        </p:style>
+        <p:txBody>
+          <a:bodyPr rtlCol="0" anchor="ctr"/>
+          <a:lstStyle/>
+          <a:p>
+            <a:pPr algn="ctr"/>
+            <a:endParaRPr lang="en-GB"/>
+          </a:p>
+        </p:txBody>
+      </p:sp>
+      <p:sp>
+        <p:nvSpPr>
+          <p:cNvPr id="6" name="Rettangolo 5"/>
+          <p:cNvSpPr/>
+          <p:nvPr/>
+        </p:nvSpPr>
+        <p:spPr>
+          <a:xfrm>
+            <a:off x="8847786" y="3860131"/>
+            <a:ext cx="872264" cy="394084"/>
+          </a:xfrm>
+          <a:prstGeom prst="rect">
+            <a:avLst/>
+          </a:prstGeom>
+        </p:spPr>
+        <p:style>
+          <a:lnRef idx="2">
+            <a:schemeClr val="accent1">
+              <a:shade val="50000"/>
+            </a:schemeClr>
+          </a:lnRef>
+          <a:fillRef idx="1">
+            <a:schemeClr val="accent1"/>
+          </a:fillRef>
+          <a:effectRef idx="0">
+            <a:schemeClr val="accent1"/>
+          </a:effectRef>
+          <a:fontRef idx="minor">
+            <a:schemeClr val="lt1"/>
+          </a:fontRef>
+        </p:style>
+        <p:txBody>
+          <a:bodyPr rtlCol="0" anchor="ctr"/>
+          <a:lstStyle/>
+          <a:p>
+            <a:pPr algn="ctr"/>
+            <a:endParaRPr lang="en-GB"/>
+          </a:p>
+        </p:txBody>
+      </p:sp>
+      <p:sp>
+        <p:nvSpPr>
+          <p:cNvPr id="7" name="Rettangolo 6"/>
+          <p:cNvSpPr/>
+          <p:nvPr/>
+        </p:nvSpPr>
+        <p:spPr>
+          <a:xfrm>
+            <a:off x="8847786" y="3071939"/>
+            <a:ext cx="872264" cy="394084"/>
+          </a:xfrm>
+          <a:prstGeom prst="rect">
+            <a:avLst/>
+          </a:prstGeom>
+        </p:spPr>
+        <p:style>
+          <a:lnRef idx="2">
+            <a:schemeClr val="accent1">
+              <a:shade val="50000"/>
+            </a:schemeClr>
+          </a:lnRef>
+          <a:fillRef idx="1">
+            <a:schemeClr val="accent1"/>
+          </a:fillRef>
+          <a:effectRef idx="0">
+            <a:schemeClr val="accent1"/>
+          </a:effectRef>
+          <a:fontRef idx="minor">
+            <a:schemeClr val="lt1"/>
+          </a:fontRef>
+        </p:style>
+        <p:txBody>
+          <a:bodyPr rtlCol="0" anchor="ctr"/>
+          <a:lstStyle/>
+          <a:p>
+            <a:pPr algn="ctr"/>
+            <a:endParaRPr lang="en-GB"/>
+          </a:p>
+        </p:txBody>
+      </p:sp>
+      <p:pic>
+        <p:nvPicPr>
+          <p:cNvPr id="8" name="Immagine 7"/>
+          <p:cNvPicPr>
+            <a:picLocks noChangeAspect="1"/>
+          </p:cNvPicPr>
+          <p:nvPr/>
+        </p:nvPicPr>
+        <p:blipFill>
+          <a:blip r:embed="rId2">
+            <a:extLst>
+              <a:ext uri="{28A0092B-C50C-407E-A947-70E740481C1C}">
+                <a14:useLocalDpi xmlns:a14="http://schemas.microsoft.com/office/drawing/2010/main" val="0"/>
+              </a:ext>
+            </a:extLst>
+          </a:blip>
+          <a:stretch>
+            <a:fillRect/>
+          </a:stretch>
+        </p:blipFill>
+        <p:spPr>
+          <a:xfrm>
+            <a:off x="6990576" y="5062052"/>
+            <a:ext cx="449402" cy="686087"/>
+          </a:xfrm>
+          <a:prstGeom prst="rect">
+            <a:avLst/>
+          </a:prstGeom>
+        </p:spPr>
+      </p:pic>
+      <p:pic>
+        <p:nvPicPr>
+          <p:cNvPr id="9" name="Immagine 8"/>
+          <p:cNvPicPr>
+            <a:picLocks noChangeAspect="1"/>
+          </p:cNvPicPr>
+          <p:nvPr/>
+        </p:nvPicPr>
+        <p:blipFill>
+          <a:blip r:embed="rId2">
+            <a:extLst>
+              <a:ext uri="{28A0092B-C50C-407E-A947-70E740481C1C}">
+                <a14:useLocalDpi xmlns:a14="http://schemas.microsoft.com/office/drawing/2010/main" val="0"/>
+              </a:ext>
+            </a:extLst>
+          </a:blip>
+          <a:stretch>
+            <a:fillRect/>
+          </a:stretch>
+        </p:blipFill>
+        <p:spPr>
+          <a:xfrm>
+            <a:off x="8216074" y="5660066"/>
+            <a:ext cx="449402" cy="686087"/>
+          </a:xfrm>
+          <a:prstGeom prst="rect">
+            <a:avLst/>
+          </a:prstGeom>
+        </p:spPr>
+      </p:pic>
+      <p:pic>
+        <p:nvPicPr>
+          <p:cNvPr id="10" name="Immagine 9"/>
+          <p:cNvPicPr>
+            <a:picLocks noChangeAspect="1"/>
+          </p:cNvPicPr>
+          <p:nvPr/>
+        </p:nvPicPr>
+        <p:blipFill>
+          <a:blip r:embed="rId2">
+            <a:extLst>
+              <a:ext uri="{28A0092B-C50C-407E-A947-70E740481C1C}">
+                <a14:useLocalDpi xmlns:a14="http://schemas.microsoft.com/office/drawing/2010/main" val="0"/>
+              </a:ext>
+            </a:extLst>
+          </a:blip>
+          <a:stretch>
+            <a:fillRect/>
+          </a:stretch>
+        </p:blipFill>
+        <p:spPr>
+          <a:xfrm>
+            <a:off x="9890975" y="5531802"/>
+            <a:ext cx="449402" cy="686087"/>
+          </a:xfrm>
+          <a:prstGeom prst="rect">
+            <a:avLst/>
+          </a:prstGeom>
+        </p:spPr>
+      </p:pic>
+      <p:sp>
+        <p:nvSpPr>
+          <p:cNvPr id="11" name="Documento 10"/>
+          <p:cNvSpPr/>
+          <p:nvPr/>
+        </p:nvSpPr>
+        <p:spPr>
+          <a:xfrm>
+            <a:off x="8847786" y="1821420"/>
+            <a:ext cx="1204176" cy="746975"/>
+          </a:xfrm>
+          <a:prstGeom prst="flowChartDocument">
+            <a:avLst/>
+          </a:prstGeom>
+          <a:solidFill>
+            <a:schemeClr val="accent2">
+              <a:lumMod val="20000"/>
+              <a:lumOff val="80000"/>
+            </a:schemeClr>
+          </a:solidFill>
+          <a:ln w="28575">
+            <a:solidFill>
+              <a:schemeClr val="accent2">
+                <a:lumMod val="75000"/>
+              </a:schemeClr>
+            </a:solidFill>
+          </a:ln>
+        </p:spPr>
+        <p:style>
+          <a:lnRef idx="2">
+            <a:schemeClr val="accent1">
+              <a:shade val="50000"/>
+            </a:schemeClr>
+          </a:lnRef>
+          <a:fillRef idx="1">
+            <a:schemeClr val="accent1"/>
+          </a:fillRef>
+          <a:effectRef idx="0">
+            <a:schemeClr val="accent1"/>
+          </a:effectRef>
+          <a:fontRef idx="minor">
+            <a:schemeClr val="lt1"/>
+          </a:fontRef>
+        </p:style>
+        <p:txBody>
+          <a:bodyPr rtlCol="0" anchor="ctr"/>
+          <a:lstStyle/>
+          <a:p>
+            <a:pPr algn="ctr"/>
+            <a:r>
+              <a:rPr lang="en-GB" dirty="0" smtClean="0">
+                <a:solidFill>
+                  <a:srgbClr val="C00000"/>
+                </a:solidFill>
+              </a:rPr>
+              <a:t>REQUEST MANAGER</a:t>
+            </a:r>
+            <a:endParaRPr lang="en-GB" dirty="0">
+              <a:solidFill>
+                <a:srgbClr val="C00000"/>
+              </a:solidFill>
+            </a:endParaRPr>
+          </a:p>
+        </p:txBody>
+      </p:sp>
+      <p:sp>
+        <p:nvSpPr>
+          <p:cNvPr id="12" name="Freccia a destra 11"/>
+          <p:cNvSpPr/>
+          <p:nvPr/>
+        </p:nvSpPr>
+        <p:spPr>
+          <a:xfrm rot="20871352">
+            <a:off x="7544661" y="5080369"/>
+            <a:ext cx="1066941" cy="343043"/>
+          </a:xfrm>
+          <a:prstGeom prst="rightArrow">
+            <a:avLst/>
+          </a:prstGeom>
+          <a:solidFill>
+            <a:srgbClr val="00B0F0"/>
+          </a:solidFill>
+        </p:spPr>
+        <p:style>
+          <a:lnRef idx="2">
+            <a:schemeClr val="accent1">
+              <a:shade val="50000"/>
+            </a:schemeClr>
+          </a:lnRef>
+          <a:fillRef idx="1">
+            <a:schemeClr val="accent1"/>
+          </a:fillRef>
+          <a:effectRef idx="0">
+            <a:schemeClr val="accent1"/>
+          </a:effectRef>
+          <a:fontRef idx="minor">
+            <a:schemeClr val="lt1"/>
+          </a:fontRef>
+        </p:style>
+        <p:txBody>
+          <a:bodyPr rtlCol="0" anchor="ctr"/>
+          <a:lstStyle/>
+          <a:p>
+            <a:pPr algn="ctr"/>
+            <a:endParaRPr lang="en-GB"/>
+          </a:p>
+        </p:txBody>
+      </p:sp>
+      <p:sp>
+        <p:nvSpPr>
+          <p:cNvPr id="13" name="Freccia a destra 12"/>
+          <p:cNvSpPr/>
+          <p:nvPr/>
+        </p:nvSpPr>
+        <p:spPr>
+          <a:xfrm rot="18405086">
+            <a:off x="8560313" y="5233573"/>
+            <a:ext cx="726355" cy="343043"/>
+          </a:xfrm>
+          <a:prstGeom prst="rightArrow">
+            <a:avLst/>
+          </a:prstGeom>
+          <a:solidFill>
+            <a:srgbClr val="00B0F0"/>
+          </a:solidFill>
+        </p:spPr>
+        <p:style>
+          <a:lnRef idx="2">
+            <a:schemeClr val="accent1">
+              <a:shade val="50000"/>
+            </a:schemeClr>
+          </a:lnRef>
+          <a:fillRef idx="1">
+            <a:schemeClr val="accent1"/>
+          </a:fillRef>
+          <a:effectRef idx="0">
+            <a:schemeClr val="accent1"/>
+          </a:effectRef>
+          <a:fontRef idx="minor">
+            <a:schemeClr val="lt1"/>
+          </a:fontRef>
+        </p:style>
+        <p:txBody>
+          <a:bodyPr rtlCol="0" anchor="ctr"/>
+          <a:lstStyle/>
+          <a:p>
+            <a:pPr algn="ctr"/>
+            <a:endParaRPr lang="en-GB"/>
+          </a:p>
+        </p:txBody>
+      </p:sp>
+      <p:sp>
+        <p:nvSpPr>
+          <p:cNvPr id="14" name="Freccia a destra 13"/>
+          <p:cNvSpPr/>
+          <p:nvPr/>
+        </p:nvSpPr>
+        <p:spPr>
+          <a:xfrm rot="14275624">
+            <a:off x="9256577" y="5246766"/>
+            <a:ext cx="726355" cy="343043"/>
+          </a:xfrm>
+          <a:prstGeom prst="rightArrow">
+            <a:avLst/>
+          </a:prstGeom>
+          <a:solidFill>
+            <a:srgbClr val="00B0F0"/>
+          </a:solidFill>
+        </p:spPr>
+        <p:style>
+          <a:lnRef idx="2">
+            <a:schemeClr val="accent1">
+              <a:shade val="50000"/>
+            </a:schemeClr>
+          </a:lnRef>
+          <a:fillRef idx="1">
+            <a:schemeClr val="accent1"/>
+          </a:fillRef>
+          <a:effectRef idx="0">
+            <a:schemeClr val="accent1"/>
+          </a:effectRef>
+          <a:fontRef idx="minor">
+            <a:schemeClr val="lt1"/>
+          </a:fontRef>
+        </p:style>
+        <p:txBody>
+          <a:bodyPr rtlCol="0" anchor="ctr"/>
+          <a:lstStyle/>
+          <a:p>
+            <a:pPr algn="ctr"/>
+            <a:endParaRPr lang="en-GB"/>
+          </a:p>
+        </p:txBody>
+      </p:sp>
+      <p:sp>
+        <p:nvSpPr>
+          <p:cNvPr id="15" name="CasellaDiTesto 14"/>
+          <p:cNvSpPr txBox="1"/>
+          <p:nvPr/>
+        </p:nvSpPr>
+        <p:spPr>
+          <a:xfrm>
+            <a:off x="9957944" y="3601850"/>
+            <a:ext cx="869149" cy="369332"/>
+          </a:xfrm>
+          <a:prstGeom prst="rect">
+            <a:avLst/>
+          </a:prstGeom>
+          <a:noFill/>
+        </p:spPr>
+        <p:txBody>
+          <a:bodyPr wrap="none" rtlCol="0">
+            <a:spAutoFit/>
+          </a:bodyPr>
+          <a:lstStyle/>
+          <a:p>
+            <a:r>
+              <a:rPr lang="en-GB" b="1" dirty="0" smtClean="0">
+                <a:solidFill>
+                  <a:schemeClr val="accent1"/>
+                </a:solidFill>
+              </a:rPr>
+              <a:t>QUEUE</a:t>
+            </a:r>
+            <a:endParaRPr lang="en-GB" b="1" dirty="0">
+              <a:solidFill>
+                <a:schemeClr val="accent1"/>
+              </a:solidFill>
+            </a:endParaRPr>
+          </a:p>
+        </p:txBody>
+      </p:sp>
+      <p:sp>
+        <p:nvSpPr>
+          <p:cNvPr id="16" name="Freccia a destra 15"/>
+          <p:cNvSpPr/>
+          <p:nvPr/>
+        </p:nvSpPr>
+        <p:spPr>
+          <a:xfrm rot="16200000">
+            <a:off x="9132474" y="2684392"/>
+            <a:ext cx="453172" cy="227751"/>
+          </a:xfrm>
+          <a:prstGeom prst="rightArrow">
+            <a:avLst/>
+          </a:prstGeom>
+          <a:solidFill>
+            <a:schemeClr val="accent2">
+              <a:lumMod val="40000"/>
+              <a:lumOff val="60000"/>
+            </a:schemeClr>
+          </a:solidFill>
+          <a:ln>
+            <a:solidFill>
+              <a:srgbClr val="C00000"/>
+            </a:solidFill>
+          </a:ln>
+        </p:spPr>
+        <p:style>
+          <a:lnRef idx="2">
+            <a:schemeClr val="accent1">
+              <a:shade val="50000"/>
+            </a:schemeClr>
+          </a:lnRef>
+          <a:fillRef idx="1">
+            <a:schemeClr val="accent1"/>
+          </a:fillRef>
+          <a:effectRef idx="0">
+            <a:schemeClr val="accent1"/>
+          </a:effectRef>
+          <a:fontRef idx="minor">
+            <a:schemeClr val="lt1"/>
+          </a:fontRef>
+        </p:style>
+        <p:txBody>
+          <a:bodyPr rtlCol="0" anchor="ctr"/>
+          <a:lstStyle/>
+          <a:p>
+            <a:pPr algn="ctr"/>
+            <a:endParaRPr lang="en-GB"/>
+          </a:p>
+        </p:txBody>
+      </p:sp>
+    </p:spTree>
+    <p:extLst>
+      <p:ext uri="{BB962C8B-B14F-4D97-AF65-F5344CB8AC3E}">
+        <p14:creationId xmlns:p14="http://schemas.microsoft.com/office/powerpoint/2010/main" val="1920979858"/>
+      </p:ext>
+    </p:extLst>
+  </p:cSld>
+  <p:clrMapOvr>
+    <a:masterClrMapping/>
+  </p:clrMapOvr>
+  <p:timing>
+    <p:tnLst>
+      <p:par>
+        <p:cTn id="1" dur="indefinite" restart="never" nodeType="tmRoot"/>
+      </p:par>
+    </p:tnLst>
+  </p:timing>
+</p:sld>
+</file>
+
 <file path=ppt/slides/slide2.xml><?xml version="1.0" encoding="utf-8"?>
 <p:sld xmlns:a="http://schemas.openxmlformats.org/drawingml/2006/main" xmlns:r="http://schemas.openxmlformats.org/officeDocument/2006/relationships" xmlns:p="http://schemas.openxmlformats.org/presentationml/2006/main">
   <p:cSld>
@@ -11157,7 +11920,7 @@
           <a:lstStyle/>
           <a:p>
             <a:r>
-              <a:rPr lang="en-GB" sz="5400" b="1" dirty="0" smtClean="0">
+              <a:rPr lang="en-GB" sz="5400" b="1" u="sng" dirty="0" smtClean="0">
                 <a:solidFill>
                   <a:schemeClr val="accent1">
                     <a:lumMod val="50000"/>
@@ -11166,7 +11929,7 @@
               </a:rPr>
               <a:t>INTRODUCTION</a:t>
             </a:r>
-            <a:endParaRPr lang="en-GB" sz="5400" b="1" dirty="0">
+            <a:endParaRPr lang="en-GB" sz="5400" b="1" u="sng" dirty="0">
               <a:solidFill>
                 <a:schemeClr val="accent1">
                   <a:lumMod val="50000"/>
@@ -11393,6 +12156,372 @@
       </p:par>
     </p:tnLst>
   </p:timing>
+</p:sld>
+</file>
+
+<file path=ppt/slides/slide20.xml><?xml version="1.0" encoding="utf-8"?>
+<p:sld xmlns:a="http://schemas.openxmlformats.org/drawingml/2006/main" xmlns:r="http://schemas.openxmlformats.org/officeDocument/2006/relationships" xmlns:p="http://schemas.openxmlformats.org/presentationml/2006/main">
+  <p:cSld>
+    <p:spTree>
+      <p:nvGrpSpPr>
+        <p:cNvPr id="1" name=""/>
+        <p:cNvGrpSpPr/>
+        <p:nvPr/>
+      </p:nvGrpSpPr>
+      <p:grpSpPr>
+        <a:xfrm>
+          <a:off x="0" y="0"/>
+          <a:ext cx="0" cy="0"/>
+          <a:chOff x="0" y="0"/>
+          <a:chExt cx="0" cy="0"/>
+        </a:xfrm>
+      </p:grpSpPr>
+      <p:sp>
+        <p:nvSpPr>
+          <p:cNvPr id="2" name="Titolo 1"/>
+          <p:cNvSpPr>
+            <a:spLocks noGrp="1"/>
+          </p:cNvSpPr>
+          <p:nvPr>
+            <p:ph type="title"/>
+          </p:nvPr>
+        </p:nvSpPr>
+        <p:spPr>
+          <a:xfrm>
+            <a:off x="863958" y="378004"/>
+            <a:ext cx="10515600" cy="1325563"/>
+          </a:xfrm>
+        </p:spPr>
+        <p:txBody>
+          <a:bodyPr>
+            <a:normAutofit/>
+          </a:bodyPr>
+          <a:lstStyle/>
+          <a:p>
+            <a:r>
+              <a:rPr lang="en-GB" sz="6000" b="1" u="sng" dirty="0" smtClean="0">
+                <a:solidFill>
+                  <a:schemeClr val="accent5"/>
+                </a:solidFill>
+              </a:rPr>
+              <a:t>CLASS DIAGRAMS: CLIENT</a:t>
+            </a:r>
+            <a:endParaRPr lang="en-GB" sz="6000" b="1" u="sng" dirty="0">
+              <a:solidFill>
+                <a:schemeClr val="accent5"/>
+              </a:solidFill>
+            </a:endParaRPr>
+          </a:p>
+        </p:txBody>
+      </p:sp>
+      <p:pic>
+        <p:nvPicPr>
+          <p:cNvPr id="3" name="Immagine 2"/>
+          <p:cNvPicPr>
+            <a:picLocks noChangeAspect="1"/>
+          </p:cNvPicPr>
+          <p:nvPr/>
+        </p:nvPicPr>
+        <p:blipFill>
+          <a:blip r:embed="rId2">
+            <a:extLst>
+              <a:ext uri="{28A0092B-C50C-407E-A947-70E740481C1C}">
+                <a14:useLocalDpi xmlns:a14="http://schemas.microsoft.com/office/drawing/2010/main" val="0"/>
+              </a:ext>
+            </a:extLst>
+          </a:blip>
+          <a:stretch>
+            <a:fillRect/>
+          </a:stretch>
+        </p:blipFill>
+        <p:spPr>
+          <a:xfrm>
+            <a:off x="838200" y="1690688"/>
+            <a:ext cx="10058400" cy="4624983"/>
+          </a:xfrm>
+          <a:prstGeom prst="rect">
+            <a:avLst/>
+          </a:prstGeom>
+        </p:spPr>
+      </p:pic>
+    </p:spTree>
+    <p:extLst>
+      <p:ext uri="{BB962C8B-B14F-4D97-AF65-F5344CB8AC3E}">
+        <p14:creationId xmlns:p14="http://schemas.microsoft.com/office/powerpoint/2010/main" val="4264156681"/>
+      </p:ext>
+    </p:extLst>
+  </p:cSld>
+  <p:clrMapOvr>
+    <a:masterClrMapping/>
+  </p:clrMapOvr>
+</p:sld>
+</file>
+
+<file path=ppt/slides/slide21.xml><?xml version="1.0" encoding="utf-8"?>
+<p:sld xmlns:a="http://schemas.openxmlformats.org/drawingml/2006/main" xmlns:r="http://schemas.openxmlformats.org/officeDocument/2006/relationships" xmlns:p="http://schemas.openxmlformats.org/presentationml/2006/main">
+  <p:cSld>
+    <p:spTree>
+      <p:nvGrpSpPr>
+        <p:cNvPr id="1" name=""/>
+        <p:cNvGrpSpPr/>
+        <p:nvPr/>
+      </p:nvGrpSpPr>
+      <p:grpSpPr>
+        <a:xfrm>
+          <a:off x="0" y="0"/>
+          <a:ext cx="0" cy="0"/>
+          <a:chOff x="0" y="0"/>
+          <a:chExt cx="0" cy="0"/>
+        </a:xfrm>
+      </p:grpSpPr>
+      <p:sp>
+        <p:nvSpPr>
+          <p:cNvPr id="2" name="Titolo 1"/>
+          <p:cNvSpPr>
+            <a:spLocks noGrp="1"/>
+          </p:cNvSpPr>
+          <p:nvPr>
+            <p:ph type="title"/>
+          </p:nvPr>
+        </p:nvSpPr>
+        <p:spPr/>
+        <p:txBody>
+          <a:bodyPr>
+            <a:normAutofit/>
+          </a:bodyPr>
+          <a:lstStyle/>
+          <a:p>
+            <a:r>
+              <a:rPr lang="en-GB" sz="6000" b="1" u="sng" dirty="0">
+                <a:solidFill>
+                  <a:schemeClr val="accent5"/>
+                </a:solidFill>
+              </a:rPr>
+              <a:t>CLASS DIAGRAMS: </a:t>
+            </a:r>
+            <a:r>
+              <a:rPr lang="en-GB" sz="6000" b="1" u="sng" dirty="0" smtClean="0">
+                <a:solidFill>
+                  <a:schemeClr val="accent5"/>
+                </a:solidFill>
+              </a:rPr>
+              <a:t>SERVER</a:t>
+            </a:r>
+            <a:endParaRPr lang="en-GB" sz="6000" dirty="0"/>
+          </a:p>
+        </p:txBody>
+      </p:sp>
+      <p:pic>
+        <p:nvPicPr>
+          <p:cNvPr id="4" name="Immagine 3"/>
+          <p:cNvPicPr>
+            <a:picLocks noChangeAspect="1"/>
+          </p:cNvPicPr>
+          <p:nvPr/>
+        </p:nvPicPr>
+        <p:blipFill>
+          <a:blip r:embed="rId2">
+            <a:extLst>
+              <a:ext uri="{28A0092B-C50C-407E-A947-70E740481C1C}">
+                <a14:useLocalDpi xmlns:a14="http://schemas.microsoft.com/office/drawing/2010/main" val="0"/>
+              </a:ext>
+            </a:extLst>
+          </a:blip>
+          <a:stretch>
+            <a:fillRect/>
+          </a:stretch>
+        </p:blipFill>
+        <p:spPr>
+          <a:xfrm>
+            <a:off x="838200" y="1690688"/>
+            <a:ext cx="8385752" cy="4681001"/>
+          </a:xfrm>
+          <a:prstGeom prst="rect">
+            <a:avLst/>
+          </a:prstGeom>
+        </p:spPr>
+      </p:pic>
+    </p:spTree>
+    <p:extLst>
+      <p:ext uri="{BB962C8B-B14F-4D97-AF65-F5344CB8AC3E}">
+        <p14:creationId xmlns:p14="http://schemas.microsoft.com/office/powerpoint/2010/main" val="2656111839"/>
+      </p:ext>
+    </p:extLst>
+  </p:cSld>
+  <p:clrMapOvr>
+    <a:masterClrMapping/>
+  </p:clrMapOvr>
+</p:sld>
+</file>
+
+<file path=ppt/slides/slide22.xml><?xml version="1.0" encoding="utf-8"?>
+<p:sld xmlns:a="http://schemas.openxmlformats.org/drawingml/2006/main" xmlns:r="http://schemas.openxmlformats.org/officeDocument/2006/relationships" xmlns:p="http://schemas.openxmlformats.org/presentationml/2006/main">
+  <p:cSld>
+    <p:spTree>
+      <p:nvGrpSpPr>
+        <p:cNvPr id="1" name=""/>
+        <p:cNvGrpSpPr/>
+        <p:nvPr/>
+      </p:nvGrpSpPr>
+      <p:grpSpPr>
+        <a:xfrm>
+          <a:off x="0" y="0"/>
+          <a:ext cx="0" cy="0"/>
+          <a:chOff x="0" y="0"/>
+          <a:chExt cx="0" cy="0"/>
+        </a:xfrm>
+      </p:grpSpPr>
+      <p:sp>
+        <p:nvSpPr>
+          <p:cNvPr id="3" name="Titolo 1"/>
+          <p:cNvSpPr txBox="1">
+            <a:spLocks/>
+          </p:cNvSpPr>
+          <p:nvPr/>
+        </p:nvSpPr>
+        <p:spPr>
+          <a:xfrm>
+            <a:off x="1170295" y="746078"/>
+            <a:ext cx="9875520" cy="1356360"/>
+          </a:xfrm>
+          <a:prstGeom prst="rect">
+            <a:avLst/>
+          </a:prstGeom>
+        </p:spPr>
+        <p:txBody>
+          <a:bodyPr vert="horz" lIns="91440" tIns="45720" rIns="91440" bIns="45720" rtlCol="0" anchor="ctr">
+            <a:noAutofit/>
+          </a:bodyPr>
+          <a:lstStyle>
+            <a:lvl1pPr algn="l" defTabSz="914400" rtl="0" eaLnBrk="1" latinLnBrk="0" hangingPunct="1">
+              <a:lnSpc>
+                <a:spcPct val="90000"/>
+              </a:lnSpc>
+              <a:spcBef>
+                <a:spcPct val="0"/>
+              </a:spcBef>
+              <a:buNone/>
+              <a:defRPr sz="4400" kern="1200">
+                <a:solidFill>
+                  <a:schemeClr val="tx1"/>
+                </a:solidFill>
+                <a:latin typeface="+mj-lt"/>
+                <a:ea typeface="+mj-ea"/>
+                <a:cs typeface="+mj-cs"/>
+              </a:defRPr>
+            </a:lvl1pPr>
+          </a:lstStyle>
+          <a:p>
+            <a:pPr algn="ctr"/>
+            <a:r>
+              <a:rPr lang="en-GB" sz="12000" dirty="0" smtClean="0">
+                <a:solidFill>
+                  <a:srgbClr val="7030A0"/>
+                </a:solidFill>
+                <a:latin typeface="Algerian" panose="04020705040A02060702" pitchFamily="82" charset="0"/>
+              </a:rPr>
+              <a:t>DEMO</a:t>
+            </a:r>
+            <a:r>
+              <a:rPr lang="en-GB" sz="12000" dirty="0" smtClean="0">
+                <a:solidFill>
+                  <a:srgbClr val="FF00FF"/>
+                </a:solidFill>
+                <a:latin typeface="Algerian" panose="04020705040A02060702" pitchFamily="82" charset="0"/>
+              </a:rPr>
+              <a:t> </a:t>
+            </a:r>
+            <a:endParaRPr lang="en-GB" sz="12000" dirty="0">
+              <a:solidFill>
+                <a:srgbClr val="FF00FF"/>
+              </a:solidFill>
+              <a:latin typeface="Algerian" panose="04020705040A02060702" pitchFamily="82" charset="0"/>
+            </a:endParaRPr>
+          </a:p>
+        </p:txBody>
+      </p:sp>
+      <p:pic>
+        <p:nvPicPr>
+          <p:cNvPr id="4" name="Immagine 3"/>
+          <p:cNvPicPr>
+            <a:picLocks noChangeAspect="1"/>
+          </p:cNvPicPr>
+          <p:nvPr/>
+        </p:nvPicPr>
+        <p:blipFill>
+          <a:blip r:embed="rId2">
+            <a:extLst>
+              <a:ext uri="{28A0092B-C50C-407E-A947-70E740481C1C}">
+                <a14:useLocalDpi xmlns:a14="http://schemas.microsoft.com/office/drawing/2010/main" val="0"/>
+              </a:ext>
+            </a:extLst>
+          </a:blip>
+          <a:stretch>
+            <a:fillRect/>
+          </a:stretch>
+        </p:blipFill>
+        <p:spPr>
+          <a:xfrm>
+            <a:off x="3726805" y="2580110"/>
+            <a:ext cx="4762500" cy="3571875"/>
+          </a:xfrm>
+          <a:prstGeom prst="rect">
+            <a:avLst/>
+          </a:prstGeom>
+        </p:spPr>
+      </p:pic>
+      <p:sp>
+        <p:nvSpPr>
+          <p:cNvPr id="5" name="Rettangolo 4"/>
+          <p:cNvSpPr/>
+          <p:nvPr/>
+        </p:nvSpPr>
+        <p:spPr>
+          <a:xfrm>
+            <a:off x="0" y="1"/>
+            <a:ext cx="12192000" cy="6858000"/>
+          </a:xfrm>
+          <a:prstGeom prst="rect">
+            <a:avLst/>
+          </a:prstGeom>
+          <a:noFill/>
+          <a:ln w="76200"/>
+        </p:spPr>
+        <p:style>
+          <a:lnRef idx="2">
+            <a:schemeClr val="accent1">
+              <a:shade val="50000"/>
+            </a:schemeClr>
+          </a:lnRef>
+          <a:fillRef idx="1">
+            <a:schemeClr val="accent1"/>
+          </a:fillRef>
+          <a:effectRef idx="0">
+            <a:schemeClr val="accent1"/>
+          </a:effectRef>
+          <a:fontRef idx="minor">
+            <a:schemeClr val="lt1"/>
+          </a:fontRef>
+        </p:style>
+        <p:txBody>
+          <a:bodyPr rtlCol="0" anchor="ctr"/>
+          <a:lstStyle/>
+          <a:p>
+            <a:pPr algn="ctr"/>
+            <a:endParaRPr lang="en-GB"/>
+          </a:p>
+        </p:txBody>
+      </p:sp>
+    </p:spTree>
+    <p:extLst>
+      <p:ext uri="{BB962C8B-B14F-4D97-AF65-F5344CB8AC3E}">
+        <p14:creationId xmlns:p14="http://schemas.microsoft.com/office/powerpoint/2010/main" val="3589270008"/>
+      </p:ext>
+    </p:extLst>
+  </p:cSld>
+  <p:clrMapOvr>
+    <a:masterClrMapping/>
+  </p:clrMapOvr>
 </p:sld>
 </file>
 
@@ -11782,7 +12911,7 @@
           <a:p>
             <a:pPr algn="ctr"/>
             <a:r>
-              <a:rPr lang="it-IT" sz="6000" b="1" i="1" dirty="0" err="1" smtClean="0">
+              <a:rPr lang="it-IT" sz="6000" b="1" i="1" u="sng" dirty="0" err="1" smtClean="0">
                 <a:solidFill>
                   <a:srgbClr val="C00000"/>
                 </a:solidFill>
@@ -11790,7 +12919,7 @@
               <a:t>Centralized</a:t>
             </a:r>
             <a:r>
-              <a:rPr lang="it-IT" sz="6000" b="1" i="1" dirty="0" smtClean="0">
+              <a:rPr lang="it-IT" sz="6000" b="1" i="1" u="sng" dirty="0" smtClean="0">
                 <a:solidFill>
                   <a:srgbClr val="C00000"/>
                 </a:solidFill>
@@ -11798,7 +12927,7 @@
               <a:t> </a:t>
             </a:r>
             <a:r>
-              <a:rPr lang="it-IT" sz="6000" b="1" i="1" dirty="0" err="1" smtClean="0">
+              <a:rPr lang="it-IT" sz="6000" b="1" i="1" u="sng" dirty="0" err="1" smtClean="0">
                 <a:solidFill>
                   <a:srgbClr val="C00000"/>
                 </a:solidFill>
@@ -11806,7 +12935,7 @@
               <a:t>Flat</a:t>
             </a:r>
             <a:r>
-              <a:rPr lang="it-IT" sz="6000" b="1" i="1" dirty="0" smtClean="0">
+              <a:rPr lang="it-IT" sz="6000" b="1" i="1" u="sng" dirty="0" smtClean="0">
                 <a:solidFill>
                   <a:srgbClr val="C00000"/>
                 </a:solidFill>
@@ -11814,14 +12943,14 @@
               <a:t> </a:t>
             </a:r>
             <a:r>
-              <a:rPr lang="it-IT" sz="6000" b="1" i="1" dirty="0" err="1" smtClean="0">
+              <a:rPr lang="it-IT" sz="6000" b="1" i="1" u="sng" dirty="0" err="1" smtClean="0">
                 <a:solidFill>
                   <a:srgbClr val="C00000"/>
                 </a:solidFill>
               </a:rPr>
               <a:t>Table</a:t>
             </a:r>
-            <a:endParaRPr lang="it-IT" sz="6000" b="1" i="1" dirty="0">
+            <a:endParaRPr lang="it-IT" sz="6000" b="1" i="1" u="sng" dirty="0">
               <a:solidFill>
                 <a:srgbClr val="C00000"/>
               </a:solidFill>
@@ -12612,7 +13741,7 @@
           <a:p>
             <a:pPr algn="ctr"/>
             <a:r>
-              <a:rPr lang="en-GB" dirty="0" smtClean="0">
+              <a:rPr lang="en-GB" u="sng" dirty="0" smtClean="0">
                 <a:solidFill>
                   <a:srgbClr val="C00000"/>
                 </a:solidFill>
@@ -12621,7 +13750,7 @@
               </a:rPr>
               <a:t>JOINING: CHANGING DEK and KEKs</a:t>
             </a:r>
-            <a:endParaRPr lang="en-GB" dirty="0">
+            <a:endParaRPr lang="en-GB" u="sng" dirty="0">
               <a:solidFill>
                 <a:srgbClr val="C00000"/>
               </a:solidFill>
@@ -12806,7 +13935,7 @@
           <p:nvPr>
             <p:extLst>
               <p:ext uri="{D42A27DB-BD31-4B8C-83A1-F6EECF244321}">
-                <p14:modId xmlns:p14="http://schemas.microsoft.com/office/powerpoint/2010/main" val="992290310"/>
+                <p14:modId xmlns:p14="http://schemas.microsoft.com/office/powerpoint/2010/main" val="3504221288"/>
               </p:ext>
             </p:extLst>
           </p:nvPr>
@@ -12832,8 +13961,8 @@
                     <a:p>
                       <a:pPr algn="ctr"/>
                       <a:r>
-                        <a:rPr lang="it-IT" sz="2400" dirty="0" smtClean="0"/>
-                        <a:t>KEK</a:t>
+                        <a:rPr lang="it-IT" sz="2400" dirty="0" err="1" smtClean="0"/>
+                        <a:t>KEKs</a:t>
                       </a:r>
                       <a:endParaRPr lang="it-IT" sz="2400" dirty="0"/>
                     </a:p>
@@ -12894,7 +14023,7 @@
           <p:nvPr>
             <p:extLst>
               <p:ext uri="{D42A27DB-BD31-4B8C-83A1-F6EECF244321}">
-                <p14:modId xmlns:p14="http://schemas.microsoft.com/office/powerpoint/2010/main" val="3670125427"/>
+                <p14:modId xmlns:p14="http://schemas.microsoft.com/office/powerpoint/2010/main" val="1018204513"/>
               </p:ext>
             </p:extLst>
           </p:nvPr>
@@ -12920,8 +14049,12 @@
                     <a:p>
                       <a:pPr algn="ctr"/>
                       <a:r>
+                        <a:rPr lang="it-IT" sz="2400" dirty="0" err="1" smtClean="0"/>
+                        <a:t>KEKs</a:t>
+                      </a:r>
+                      <a:r>
                         <a:rPr lang="it-IT" sz="2400" dirty="0" smtClean="0"/>
-                        <a:t>KEK’</a:t>
+                        <a:t>’</a:t>
                       </a:r>
                       <a:endParaRPr lang="it-IT" sz="2400" dirty="0"/>
                     </a:p>
@@ -13176,7 +14309,7 @@
           <p:nvPr>
             <p:extLst>
               <p:ext uri="{D42A27DB-BD31-4B8C-83A1-F6EECF244321}">
-                <p14:modId xmlns:p14="http://schemas.microsoft.com/office/powerpoint/2010/main" val="3510024938"/>
+                <p14:modId xmlns:p14="http://schemas.microsoft.com/office/powerpoint/2010/main" val="2378606823"/>
               </p:ext>
             </p:extLst>
           </p:nvPr>
@@ -13202,8 +14335,12 @@
                     <a:p>
                       <a:pPr algn="ctr"/>
                       <a:r>
+                        <a:rPr lang="it-IT" sz="2400" dirty="0" err="1" smtClean="0"/>
+                        <a:t>KEKs</a:t>
+                      </a:r>
+                      <a:r>
                         <a:rPr lang="it-IT" sz="2400" dirty="0" smtClean="0"/>
-                        <a:t>KEK(KEK’)</a:t>
+                        <a:t>(KEK’)</a:t>
                       </a:r>
                       <a:endParaRPr lang="it-IT" sz="2400" dirty="0"/>
                     </a:p>
@@ -13889,14 +15026,14 @@
           <a:lstStyle/>
           <a:p>
             <a:r>
-              <a:rPr lang="en-GB" b="1" dirty="0" smtClean="0">
+              <a:rPr lang="en-GB" b="1" u="sng" dirty="0" smtClean="0">
                 <a:solidFill>
                   <a:srgbClr val="C00000"/>
                 </a:solidFill>
               </a:rPr>
               <a:t>LEAVING THE GROUP</a:t>
             </a:r>
-            <a:endParaRPr lang="en-GB" b="1" dirty="0">
+            <a:endParaRPr lang="en-GB" b="1" u="sng" dirty="0">
               <a:solidFill>
                 <a:srgbClr val="C00000"/>
               </a:solidFill>
@@ -15515,7 +16652,7 @@
           <a:p>
             <a:pPr algn="ctr"/>
             <a:r>
-              <a:rPr lang="it-IT" dirty="0" smtClean="0">
+              <a:rPr lang="it-IT" u="sng" dirty="0" smtClean="0">
                 <a:solidFill>
                   <a:srgbClr val="C00000"/>
                 </a:solidFill>
@@ -15524,7 +16661,7 @@
               </a:rPr>
               <a:t>LEAVING: CREATING NEW DEK</a:t>
             </a:r>
-            <a:endParaRPr lang="it-IT" dirty="0">
+            <a:endParaRPr lang="it-IT" u="sng" dirty="0">
               <a:solidFill>
                 <a:srgbClr val="C00000"/>
               </a:solidFill>
@@ -15707,7 +16844,7 @@
           <a:p>
             <a:pPr algn="ctr"/>
             <a:r>
-              <a:rPr lang="it-IT" dirty="0" smtClean="0">
+              <a:rPr lang="it-IT" u="sng" dirty="0" smtClean="0">
                 <a:solidFill>
                   <a:srgbClr val="C00000"/>
                 </a:solidFill>
@@ -15717,7 +16854,7 @@
               <a:t>LEAVING: CHANGING </a:t>
             </a:r>
             <a:r>
-              <a:rPr lang="it-IT" dirty="0" err="1" smtClean="0">
+              <a:rPr lang="it-IT" u="sng" dirty="0" err="1" smtClean="0">
                 <a:solidFill>
                   <a:srgbClr val="C00000"/>
                 </a:solidFill>
@@ -15726,7 +16863,7 @@
               </a:rPr>
               <a:t>KEKs</a:t>
             </a:r>
-            <a:endParaRPr lang="it-IT" dirty="0">
+            <a:endParaRPr lang="it-IT" u="sng" dirty="0">
               <a:solidFill>
                 <a:srgbClr val="C00000"/>
               </a:solidFill>

--- a/SecureGroup/documentation/SECURE GROUP COMMUNICATION.pptx
+++ b/SecureGroup/documentation/SECURE GROUP COMMUNICATION.pptx
@@ -230,7 +230,7 @@
           <a:p>
             <a:fld id="{A7E1E287-44C1-44AE-B703-C29C909DB65D}" type="datetimeFigureOut">
               <a:rPr lang="en-GB" smtClean="0"/>
-              <a:t>11/03/2015</a:t>
+              <a:t>13/03/2015</a:t>
             </a:fld>
             <a:endParaRPr lang="en-GB"/>
           </a:p>
@@ -713,7 +713,7 @@
           <a:p>
             <a:fld id="{C764DE79-268F-4C1A-8933-263129D2AF90}" type="datetimeFigureOut">
               <a:rPr lang="en-US" dirty="0"/>
-              <a:t>3/11/2015</a:t>
+              <a:t>3/13/2015</a:t>
             </a:fld>
             <a:endParaRPr lang="en-US" dirty="0"/>
           </a:p>
@@ -878,7 +878,7 @@
           <a:p>
             <a:fld id="{C764DE79-268F-4C1A-8933-263129D2AF90}" type="datetimeFigureOut">
               <a:rPr lang="en-US" dirty="0"/>
-              <a:t>3/11/2015</a:t>
+              <a:t>3/13/2015</a:t>
             </a:fld>
             <a:endParaRPr lang="en-US" dirty="0"/>
           </a:p>
@@ -1053,7 +1053,7 @@
           <a:p>
             <a:fld id="{C764DE79-268F-4C1A-8933-263129D2AF90}" type="datetimeFigureOut">
               <a:rPr lang="en-US" dirty="0"/>
-              <a:t>3/11/2015</a:t>
+              <a:t>3/13/2015</a:t>
             </a:fld>
             <a:endParaRPr lang="en-US" dirty="0"/>
           </a:p>
@@ -1218,7 +1218,7 @@
           <a:p>
             <a:fld id="{C764DE79-268F-4C1A-8933-263129D2AF90}" type="datetimeFigureOut">
               <a:rPr lang="en-US" dirty="0"/>
-              <a:t>3/11/2015</a:t>
+              <a:t>3/13/2015</a:t>
             </a:fld>
             <a:endParaRPr lang="en-US" dirty="0"/>
           </a:p>
@@ -1459,7 +1459,7 @@
           <a:p>
             <a:fld id="{C764DE79-268F-4C1A-8933-263129D2AF90}" type="datetimeFigureOut">
               <a:rPr lang="en-US" dirty="0"/>
-              <a:t>3/11/2015</a:t>
+              <a:t>3/13/2015</a:t>
             </a:fld>
             <a:endParaRPr lang="en-US" dirty="0"/>
           </a:p>
@@ -1686,7 +1686,7 @@
           <a:p>
             <a:fld id="{C764DE79-268F-4C1A-8933-263129D2AF90}" type="datetimeFigureOut">
               <a:rPr lang="en-US" dirty="0"/>
-              <a:t>3/11/2015</a:t>
+              <a:t>3/13/2015</a:t>
             </a:fld>
             <a:endParaRPr lang="en-US" dirty="0"/>
           </a:p>
@@ -2048,7 +2048,7 @@
           <a:p>
             <a:fld id="{C764DE79-268F-4C1A-8933-263129D2AF90}" type="datetimeFigureOut">
               <a:rPr lang="en-US" dirty="0"/>
-              <a:t>3/11/2015</a:t>
+              <a:t>3/13/2015</a:t>
             </a:fld>
             <a:endParaRPr lang="en-US" dirty="0"/>
           </a:p>
@@ -2161,7 +2161,7 @@
           <a:p>
             <a:fld id="{C764DE79-268F-4C1A-8933-263129D2AF90}" type="datetimeFigureOut">
               <a:rPr lang="en-US" dirty="0"/>
-              <a:t>3/11/2015</a:t>
+              <a:t>3/13/2015</a:t>
             </a:fld>
             <a:endParaRPr lang="en-US" dirty="0"/>
           </a:p>
@@ -2251,7 +2251,7 @@
           <a:p>
             <a:fld id="{C764DE79-268F-4C1A-8933-263129D2AF90}" type="datetimeFigureOut">
               <a:rPr lang="en-US" dirty="0"/>
-              <a:t>3/11/2015</a:t>
+              <a:t>3/13/2015</a:t>
             </a:fld>
             <a:endParaRPr lang="en-US" dirty="0"/>
           </a:p>
@@ -2523,7 +2523,7 @@
           <a:p>
             <a:fld id="{C764DE79-268F-4C1A-8933-263129D2AF90}" type="datetimeFigureOut">
               <a:rPr lang="en-US" dirty="0"/>
-              <a:t>3/11/2015</a:t>
+              <a:t>3/13/2015</a:t>
             </a:fld>
             <a:endParaRPr lang="en-US" dirty="0"/>
           </a:p>
@@ -2775,7 +2775,7 @@
           <a:p>
             <a:fld id="{C764DE79-268F-4C1A-8933-263129D2AF90}" type="datetimeFigureOut">
               <a:rPr lang="en-US" dirty="0"/>
-              <a:t>3/11/2015</a:t>
+              <a:t>3/13/2015</a:t>
             </a:fld>
             <a:endParaRPr lang="en-US" dirty="0"/>
           </a:p>
@@ -2983,7 +2983,7 @@
           <a:p>
             <a:fld id="{C764DE79-268F-4C1A-8933-263129D2AF90}" type="datetimeFigureOut">
               <a:rPr lang="en-US" dirty="0"/>
-              <a:t>3/11/2015</a:t>
+              <a:t>3/13/2015</a:t>
             </a:fld>
             <a:endParaRPr lang="en-US" dirty="0"/>
           </a:p>
@@ -3491,7 +3491,7 @@
             <a:r>
               <a:rPr lang="it-IT" sz="3300" i="1" dirty="0" err="1" smtClean="0">
                 <a:solidFill>
-                  <a:srgbClr val="0070C0"/>
+                  <a:srgbClr val="002060"/>
                 </a:solidFill>
               </a:rPr>
               <a:t>Authors</a:t>
@@ -3499,7 +3499,7 @@
             <a:r>
               <a:rPr lang="it-IT" sz="3300" i="1" dirty="0" smtClean="0">
                 <a:solidFill>
-                  <a:srgbClr val="0070C0"/>
+                  <a:srgbClr val="002060"/>
                 </a:solidFill>
               </a:rPr>
               <a:t>: </a:t>
@@ -3510,7 +3510,7 @@
             <a:r>
               <a:rPr lang="it-IT" sz="3300" i="1" dirty="0" smtClean="0">
                 <a:solidFill>
-                  <a:srgbClr val="0070C0"/>
+                  <a:srgbClr val="002060"/>
                 </a:solidFill>
                 <a:latin typeface="Monotype Corsiva" panose="03010101010201010101" pitchFamily="66" charset="0"/>
               </a:rPr>
@@ -3522,7 +3522,7 @@
             <a:r>
               <a:rPr lang="it-IT" sz="3300" i="1" dirty="0" smtClean="0">
                 <a:solidFill>
-                  <a:srgbClr val="0070C0"/>
+                  <a:srgbClr val="002060"/>
                 </a:solidFill>
                 <a:latin typeface="Monotype Corsiva" panose="03010101010201010101" pitchFamily="66" charset="0"/>
               </a:rPr>
@@ -3534,7 +3534,7 @@
             <a:r>
               <a:rPr lang="it-IT" sz="3300" i="1" dirty="0" smtClean="0">
                 <a:solidFill>
-                  <a:srgbClr val="0070C0"/>
+                  <a:srgbClr val="002060"/>
                 </a:solidFill>
                 <a:latin typeface="Monotype Corsiva" panose="03010101010201010101" pitchFamily="66" charset="0"/>
               </a:rPr>
@@ -3542,7 +3542,7 @@
             </a:r>
             <a:endParaRPr lang="it-IT" sz="3300" i="1" dirty="0">
               <a:solidFill>
-                <a:srgbClr val="0070C0"/>
+                <a:srgbClr val="002060"/>
               </a:solidFill>
               <a:latin typeface="Monotype Corsiva" panose="03010101010201010101" pitchFamily="66" charset="0"/>
             </a:endParaRPr>
